--- a/maning/遗传算法.pptx
+++ b/maning/遗传算法.pptx
@@ -3140,7 +3140,7 @@
                 <a:spcPct val="100000"/>
               </a:lnSpc>
             </a:pPr>
-            <a:fld id="{F670194A-3B09-44F6-85AE-01152F3FFFE1}" type="slidenum">
+            <a:fld id="{BDE8A600-5EC9-422B-9F8A-00553CAA8677}" type="slidenum">
               <a:rPr b="0" lang="en-US" sz="1200" spc="-1" strike="noStrike">
                 <a:solidFill>
                   <a:srgbClr val="8b8b8b"/>
@@ -4071,7 +4071,7 @@
                 <a:spcPct val="100000"/>
               </a:lnSpc>
             </a:pPr>
-            <a:fld id="{22AC4B5D-9272-44FC-8769-C42746B3A3F4}" type="slidenum">
+            <a:fld id="{20D887BD-A738-4F12-B64B-6F1D9FEE220C}" type="slidenum">
               <a:rPr b="0" lang="en-US" sz="1200" spc="-1" strike="noStrike">
                 <a:solidFill>
                   <a:srgbClr val="8b8b8b"/>

--- a/maning/遗传算法.pptx
+++ b/maning/遗传算法.pptx
@@ -9,6 +9,12 @@
     <p:sldId id="256" r:id="rId4"/>
     <p:sldId id="257" r:id="rId5"/>
     <p:sldId id="258" r:id="rId6"/>
+    <p:sldId id="259" r:id="rId7"/>
+    <p:sldId id="260" r:id="rId8"/>
+    <p:sldId id="261" r:id="rId9"/>
+    <p:sldId id="262" r:id="rId10"/>
+    <p:sldId id="263" r:id="rId11"/>
+    <p:sldId id="264" r:id="rId12"/>
   </p:sldIdLst>
   <p:sldSz cx="12192000" cy="6858000"/>
   <p:notesSz cx="7772400" cy="10058400"/>
@@ -56,7 +62,7 @@
       </p:grpSpPr>
       <p:sp>
         <p:nvSpPr>
-          <p:cNvPr id="26" name="PlaceHolder 1"/>
+          <p:cNvPr id="23" name="PlaceHolder 1"/>
           <p:cNvSpPr>
             <a:spLocks noGrp="1"/>
           </p:cNvSpPr>
@@ -66,8 +72,8 @@
         </p:nvSpPr>
         <p:spPr>
           <a:xfrm>
-            <a:off x="838080" y="365040"/>
-            <a:ext cx="10515240" cy="1325160"/>
+            <a:off x="609480" y="273600"/>
+            <a:ext cx="10972440" cy="1144800"/>
           </a:xfrm>
           <a:prstGeom prst="rect">
             <a:avLst/>
@@ -76,23 +82,24 @@
         <p:txBody>
           <a:bodyPr lIns="0" rIns="0" tIns="0" bIns="0" anchor="ctr"/>
           <a:p>
-            <a:endParaRPr b="0" lang="zh-CN" sz="1800" spc="-1" strike="noStrike">
-              <a:solidFill>
-                <a:srgbClr val="000000"/>
-              </a:solidFill>
-              <a:uFill>
-                <a:solidFill>
-                  <a:srgbClr val="ffffff"/>
-                </a:solidFill>
-              </a:uFill>
-              <a:latin typeface="Calibri"/>
-            </a:endParaRPr>
-          </a:p>
-        </p:txBody>
-      </p:sp>
-      <p:sp>
-        <p:nvSpPr>
-          <p:cNvPr id="27" name="PlaceHolder 2"/>
+            <a:pPr algn="ctr"/>
+            <a:endParaRPr b="0" lang="en-US" sz="4400" spc="-1" strike="noStrike">
+              <a:solidFill>
+                <a:srgbClr val="000000"/>
+              </a:solidFill>
+              <a:uFill>
+                <a:solidFill>
+                  <a:srgbClr val="ffffff"/>
+                </a:solidFill>
+              </a:uFill>
+              <a:latin typeface="Arial"/>
+            </a:endParaRPr>
+          </a:p>
+        </p:txBody>
+      </p:sp>
+      <p:sp>
+        <p:nvSpPr>
+          <p:cNvPr id="24" name="PlaceHolder 2"/>
           <p:cNvSpPr>
             <a:spLocks noGrp="1"/>
           </p:cNvSpPr>
@@ -102,8 +109,8 @@
         </p:nvSpPr>
         <p:spPr>
           <a:xfrm>
-            <a:off x="838080" y="1825560"/>
-            <a:ext cx="10515240" cy="2075040"/>
+            <a:off x="609480" y="1604520"/>
+            <a:ext cx="10972440" cy="1896840"/>
           </a:xfrm>
           <a:prstGeom prst="rect">
             <a:avLst/>
@@ -112,23 +119,23 @@
         <p:txBody>
           <a:bodyPr lIns="0" rIns="0" tIns="0" bIns="0"/>
           <a:p>
-            <a:endParaRPr b="0" lang="zh-CN" sz="2800" spc="-1" strike="noStrike">
-              <a:solidFill>
-                <a:srgbClr val="000000"/>
-              </a:solidFill>
-              <a:uFill>
-                <a:solidFill>
-                  <a:srgbClr val="ffffff"/>
-                </a:solidFill>
-              </a:uFill>
-              <a:latin typeface="Calibri"/>
-            </a:endParaRPr>
-          </a:p>
-        </p:txBody>
-      </p:sp>
-      <p:sp>
-        <p:nvSpPr>
-          <p:cNvPr id="28" name="PlaceHolder 3"/>
+            <a:endParaRPr b="0" lang="en-US" sz="3200" spc="-1" strike="noStrike">
+              <a:solidFill>
+                <a:srgbClr val="000000"/>
+              </a:solidFill>
+              <a:uFill>
+                <a:solidFill>
+                  <a:srgbClr val="ffffff"/>
+                </a:solidFill>
+              </a:uFill>
+              <a:latin typeface="Arial"/>
+            </a:endParaRPr>
+          </a:p>
+        </p:txBody>
+      </p:sp>
+      <p:sp>
+        <p:nvSpPr>
+          <p:cNvPr id="25" name="PlaceHolder 3"/>
           <p:cNvSpPr>
             <a:spLocks noGrp="1"/>
           </p:cNvSpPr>
@@ -138,8 +145,8 @@
         </p:nvSpPr>
         <p:spPr>
           <a:xfrm>
-            <a:off x="838080" y="4098240"/>
-            <a:ext cx="10515240" cy="2075040"/>
+            <a:off x="609480" y="3682080"/>
+            <a:ext cx="10972440" cy="1896840"/>
           </a:xfrm>
           <a:prstGeom prst="rect">
             <a:avLst/>
@@ -148,16 +155,16 @@
         <p:txBody>
           <a:bodyPr lIns="0" rIns="0" tIns="0" bIns="0"/>
           <a:p>
-            <a:endParaRPr b="0" lang="zh-CN" sz="2800" spc="-1" strike="noStrike">
-              <a:solidFill>
-                <a:srgbClr val="000000"/>
-              </a:solidFill>
-              <a:uFill>
-                <a:solidFill>
-                  <a:srgbClr val="ffffff"/>
-                </a:solidFill>
-              </a:uFill>
-              <a:latin typeface="Calibri"/>
+            <a:endParaRPr b="0" lang="en-US" sz="3200" spc="-1" strike="noStrike">
+              <a:solidFill>
+                <a:srgbClr val="000000"/>
+              </a:solidFill>
+              <a:uFill>
+                <a:solidFill>
+                  <a:srgbClr val="ffffff"/>
+                </a:solidFill>
+              </a:uFill>
+              <a:latin typeface="Arial"/>
             </a:endParaRPr>
           </a:p>
         </p:txBody>
@@ -186,7 +193,7 @@
       </p:grpSpPr>
       <p:sp>
         <p:nvSpPr>
-          <p:cNvPr id="29" name="PlaceHolder 1"/>
+          <p:cNvPr id="26" name="PlaceHolder 1"/>
           <p:cNvSpPr>
             <a:spLocks noGrp="1"/>
           </p:cNvSpPr>
@@ -196,8 +203,8 @@
         </p:nvSpPr>
         <p:spPr>
           <a:xfrm>
-            <a:off x="838080" y="365040"/>
-            <a:ext cx="10515240" cy="1325160"/>
+            <a:off x="609480" y="273600"/>
+            <a:ext cx="10972440" cy="1144800"/>
           </a:xfrm>
           <a:prstGeom prst="rect">
             <a:avLst/>
@@ -206,23 +213,24 @@
         <p:txBody>
           <a:bodyPr lIns="0" rIns="0" tIns="0" bIns="0" anchor="ctr"/>
           <a:p>
-            <a:endParaRPr b="0" lang="zh-CN" sz="1800" spc="-1" strike="noStrike">
-              <a:solidFill>
-                <a:srgbClr val="000000"/>
-              </a:solidFill>
-              <a:uFill>
-                <a:solidFill>
-                  <a:srgbClr val="ffffff"/>
-                </a:solidFill>
-              </a:uFill>
-              <a:latin typeface="Calibri"/>
-            </a:endParaRPr>
-          </a:p>
-        </p:txBody>
-      </p:sp>
-      <p:sp>
-        <p:nvSpPr>
-          <p:cNvPr id="30" name="PlaceHolder 2"/>
+            <a:pPr algn="ctr"/>
+            <a:endParaRPr b="0" lang="en-US" sz="4400" spc="-1" strike="noStrike">
+              <a:solidFill>
+                <a:srgbClr val="000000"/>
+              </a:solidFill>
+              <a:uFill>
+                <a:solidFill>
+                  <a:srgbClr val="ffffff"/>
+                </a:solidFill>
+              </a:uFill>
+              <a:latin typeface="Arial"/>
+            </a:endParaRPr>
+          </a:p>
+        </p:txBody>
+      </p:sp>
+      <p:sp>
+        <p:nvSpPr>
+          <p:cNvPr id="27" name="PlaceHolder 2"/>
           <p:cNvSpPr>
             <a:spLocks noGrp="1"/>
           </p:cNvSpPr>
@@ -232,8 +240,8 @@
         </p:nvSpPr>
         <p:spPr>
           <a:xfrm>
-            <a:off x="838080" y="1825560"/>
-            <a:ext cx="5131080" cy="2075040"/>
+            <a:off x="609480" y="1604520"/>
+            <a:ext cx="5354280" cy="1896840"/>
           </a:xfrm>
           <a:prstGeom prst="rect">
             <a:avLst/>
@@ -242,23 +250,23 @@
         <p:txBody>
           <a:bodyPr lIns="0" rIns="0" tIns="0" bIns="0"/>
           <a:p>
-            <a:endParaRPr b="0" lang="zh-CN" sz="2800" spc="-1" strike="noStrike">
-              <a:solidFill>
-                <a:srgbClr val="000000"/>
-              </a:solidFill>
-              <a:uFill>
-                <a:solidFill>
-                  <a:srgbClr val="ffffff"/>
-                </a:solidFill>
-              </a:uFill>
-              <a:latin typeface="Calibri"/>
-            </a:endParaRPr>
-          </a:p>
-        </p:txBody>
-      </p:sp>
-      <p:sp>
-        <p:nvSpPr>
-          <p:cNvPr id="31" name="PlaceHolder 3"/>
+            <a:endParaRPr b="0" lang="en-US" sz="3200" spc="-1" strike="noStrike">
+              <a:solidFill>
+                <a:srgbClr val="000000"/>
+              </a:solidFill>
+              <a:uFill>
+                <a:solidFill>
+                  <a:srgbClr val="ffffff"/>
+                </a:solidFill>
+              </a:uFill>
+              <a:latin typeface="Arial"/>
+            </a:endParaRPr>
+          </a:p>
+        </p:txBody>
+      </p:sp>
+      <p:sp>
+        <p:nvSpPr>
+          <p:cNvPr id="28" name="PlaceHolder 3"/>
           <p:cNvSpPr>
             <a:spLocks noGrp="1"/>
           </p:cNvSpPr>
@@ -268,8 +276,8 @@
         </p:nvSpPr>
         <p:spPr>
           <a:xfrm>
-            <a:off x="6226200" y="1825560"/>
-            <a:ext cx="5131080" cy="2075040"/>
+            <a:off x="6231960" y="1604520"/>
+            <a:ext cx="5354280" cy="1896840"/>
           </a:xfrm>
           <a:prstGeom prst="rect">
             <a:avLst/>
@@ -278,23 +286,23 @@
         <p:txBody>
           <a:bodyPr lIns="0" rIns="0" tIns="0" bIns="0"/>
           <a:p>
-            <a:endParaRPr b="0" lang="zh-CN" sz="2800" spc="-1" strike="noStrike">
-              <a:solidFill>
-                <a:srgbClr val="000000"/>
-              </a:solidFill>
-              <a:uFill>
-                <a:solidFill>
-                  <a:srgbClr val="ffffff"/>
-                </a:solidFill>
-              </a:uFill>
-              <a:latin typeface="Calibri"/>
-            </a:endParaRPr>
-          </a:p>
-        </p:txBody>
-      </p:sp>
-      <p:sp>
-        <p:nvSpPr>
-          <p:cNvPr id="32" name="PlaceHolder 4"/>
+            <a:endParaRPr b="0" lang="en-US" sz="3200" spc="-1" strike="noStrike">
+              <a:solidFill>
+                <a:srgbClr val="000000"/>
+              </a:solidFill>
+              <a:uFill>
+                <a:solidFill>
+                  <a:srgbClr val="ffffff"/>
+                </a:solidFill>
+              </a:uFill>
+              <a:latin typeface="Arial"/>
+            </a:endParaRPr>
+          </a:p>
+        </p:txBody>
+      </p:sp>
+      <p:sp>
+        <p:nvSpPr>
+          <p:cNvPr id="29" name="PlaceHolder 4"/>
           <p:cNvSpPr>
             <a:spLocks noGrp="1"/>
           </p:cNvSpPr>
@@ -304,8 +312,8 @@
         </p:nvSpPr>
         <p:spPr>
           <a:xfrm>
-            <a:off x="6226200" y="4098240"/>
-            <a:ext cx="5131080" cy="2075040"/>
+            <a:off x="6231960" y="3682080"/>
+            <a:ext cx="5354280" cy="1896840"/>
           </a:xfrm>
           <a:prstGeom prst="rect">
             <a:avLst/>
@@ -314,23 +322,23 @@
         <p:txBody>
           <a:bodyPr lIns="0" rIns="0" tIns="0" bIns="0"/>
           <a:p>
-            <a:endParaRPr b="0" lang="zh-CN" sz="2800" spc="-1" strike="noStrike">
-              <a:solidFill>
-                <a:srgbClr val="000000"/>
-              </a:solidFill>
-              <a:uFill>
-                <a:solidFill>
-                  <a:srgbClr val="ffffff"/>
-                </a:solidFill>
-              </a:uFill>
-              <a:latin typeface="Calibri"/>
-            </a:endParaRPr>
-          </a:p>
-        </p:txBody>
-      </p:sp>
-      <p:sp>
-        <p:nvSpPr>
-          <p:cNvPr id="33" name="PlaceHolder 5"/>
+            <a:endParaRPr b="0" lang="en-US" sz="3200" spc="-1" strike="noStrike">
+              <a:solidFill>
+                <a:srgbClr val="000000"/>
+              </a:solidFill>
+              <a:uFill>
+                <a:solidFill>
+                  <a:srgbClr val="ffffff"/>
+                </a:solidFill>
+              </a:uFill>
+              <a:latin typeface="Arial"/>
+            </a:endParaRPr>
+          </a:p>
+        </p:txBody>
+      </p:sp>
+      <p:sp>
+        <p:nvSpPr>
+          <p:cNvPr id="30" name="PlaceHolder 5"/>
           <p:cNvSpPr>
             <a:spLocks noGrp="1"/>
           </p:cNvSpPr>
@@ -340,8 +348,8 @@
         </p:nvSpPr>
         <p:spPr>
           <a:xfrm>
-            <a:off x="838080" y="4098240"/>
-            <a:ext cx="5131080" cy="2075040"/>
+            <a:off x="609480" y="3682080"/>
+            <a:ext cx="5354280" cy="1896840"/>
           </a:xfrm>
           <a:prstGeom prst="rect">
             <a:avLst/>
@@ -350,16 +358,16 @@
         <p:txBody>
           <a:bodyPr lIns="0" rIns="0" tIns="0" bIns="0"/>
           <a:p>
-            <a:endParaRPr b="0" lang="zh-CN" sz="2800" spc="-1" strike="noStrike">
-              <a:solidFill>
-                <a:srgbClr val="000000"/>
-              </a:solidFill>
-              <a:uFill>
-                <a:solidFill>
-                  <a:srgbClr val="ffffff"/>
-                </a:solidFill>
-              </a:uFill>
-              <a:latin typeface="Calibri"/>
+            <a:endParaRPr b="0" lang="en-US" sz="3200" spc="-1" strike="noStrike">
+              <a:solidFill>
+                <a:srgbClr val="000000"/>
+              </a:solidFill>
+              <a:uFill>
+                <a:solidFill>
+                  <a:srgbClr val="ffffff"/>
+                </a:solidFill>
+              </a:uFill>
+              <a:latin typeface="Arial"/>
             </a:endParaRPr>
           </a:p>
         </p:txBody>
@@ -388,7 +396,7 @@
       </p:grpSpPr>
       <p:sp>
         <p:nvSpPr>
-          <p:cNvPr id="34" name="PlaceHolder 1"/>
+          <p:cNvPr id="31" name="PlaceHolder 1"/>
           <p:cNvSpPr>
             <a:spLocks noGrp="1"/>
           </p:cNvSpPr>
@@ -398,8 +406,8 @@
         </p:nvSpPr>
         <p:spPr>
           <a:xfrm>
-            <a:off x="838080" y="365040"/>
-            <a:ext cx="10515240" cy="1325160"/>
+            <a:off x="609480" y="273600"/>
+            <a:ext cx="10972440" cy="1144800"/>
           </a:xfrm>
           <a:prstGeom prst="rect">
             <a:avLst/>
@@ -408,23 +416,24 @@
         <p:txBody>
           <a:bodyPr lIns="0" rIns="0" tIns="0" bIns="0" anchor="ctr"/>
           <a:p>
-            <a:endParaRPr b="0" lang="zh-CN" sz="1800" spc="-1" strike="noStrike">
-              <a:solidFill>
-                <a:srgbClr val="000000"/>
-              </a:solidFill>
-              <a:uFill>
-                <a:solidFill>
-                  <a:srgbClr val="ffffff"/>
-                </a:solidFill>
-              </a:uFill>
-              <a:latin typeface="Calibri"/>
-            </a:endParaRPr>
-          </a:p>
-        </p:txBody>
-      </p:sp>
-      <p:sp>
-        <p:nvSpPr>
-          <p:cNvPr id="35" name="PlaceHolder 2"/>
+            <a:pPr algn="ctr"/>
+            <a:endParaRPr b="0" lang="en-US" sz="4400" spc="-1" strike="noStrike">
+              <a:solidFill>
+                <a:srgbClr val="000000"/>
+              </a:solidFill>
+              <a:uFill>
+                <a:solidFill>
+                  <a:srgbClr val="ffffff"/>
+                </a:solidFill>
+              </a:uFill>
+              <a:latin typeface="Arial"/>
+            </a:endParaRPr>
+          </a:p>
+        </p:txBody>
+      </p:sp>
+      <p:sp>
+        <p:nvSpPr>
+          <p:cNvPr id="32" name="PlaceHolder 2"/>
           <p:cNvSpPr>
             <a:spLocks noGrp="1"/>
           </p:cNvSpPr>
@@ -434,8 +443,8 @@
         </p:nvSpPr>
         <p:spPr>
           <a:xfrm>
-            <a:off x="838080" y="1825560"/>
-            <a:ext cx="10515240" cy="4350960"/>
+            <a:off x="609480" y="1604520"/>
+            <a:ext cx="10972440" cy="3977280"/>
           </a:xfrm>
           <a:prstGeom prst="rect">
             <a:avLst/>
@@ -444,23 +453,23 @@
         <p:txBody>
           <a:bodyPr lIns="0" rIns="0" tIns="0" bIns="0"/>
           <a:p>
-            <a:endParaRPr b="0" lang="zh-CN" sz="2800" spc="-1" strike="noStrike">
-              <a:solidFill>
-                <a:srgbClr val="000000"/>
-              </a:solidFill>
-              <a:uFill>
-                <a:solidFill>
-                  <a:srgbClr val="ffffff"/>
-                </a:solidFill>
-              </a:uFill>
-              <a:latin typeface="Calibri"/>
-            </a:endParaRPr>
-          </a:p>
-        </p:txBody>
-      </p:sp>
-      <p:sp>
-        <p:nvSpPr>
-          <p:cNvPr id="36" name="PlaceHolder 3"/>
+            <a:endParaRPr b="0" lang="en-US" sz="3200" spc="-1" strike="noStrike">
+              <a:solidFill>
+                <a:srgbClr val="000000"/>
+              </a:solidFill>
+              <a:uFill>
+                <a:solidFill>
+                  <a:srgbClr val="ffffff"/>
+                </a:solidFill>
+              </a:uFill>
+              <a:latin typeface="Arial"/>
+            </a:endParaRPr>
+          </a:p>
+        </p:txBody>
+      </p:sp>
+      <p:sp>
+        <p:nvSpPr>
+          <p:cNvPr id="33" name="PlaceHolder 3"/>
           <p:cNvSpPr>
             <a:spLocks noGrp="1"/>
           </p:cNvSpPr>
@@ -470,8 +479,8 @@
         </p:nvSpPr>
         <p:spPr>
           <a:xfrm>
-            <a:off x="838080" y="1825560"/>
-            <a:ext cx="10515240" cy="4350960"/>
+            <a:off x="609480" y="1604520"/>
+            <a:ext cx="10972440" cy="3977280"/>
           </a:xfrm>
           <a:prstGeom prst="rect">
             <a:avLst/>
@@ -480,23 +489,23 @@
         <p:txBody>
           <a:bodyPr lIns="0" rIns="0" tIns="0" bIns="0"/>
           <a:p>
-            <a:endParaRPr b="0" lang="zh-CN" sz="2800" spc="-1" strike="noStrike">
-              <a:solidFill>
-                <a:srgbClr val="000000"/>
-              </a:solidFill>
-              <a:uFill>
-                <a:solidFill>
-                  <a:srgbClr val="ffffff"/>
-                </a:solidFill>
-              </a:uFill>
-              <a:latin typeface="Calibri"/>
+            <a:endParaRPr b="0" lang="en-US" sz="3200" spc="-1" strike="noStrike">
+              <a:solidFill>
+                <a:srgbClr val="000000"/>
+              </a:solidFill>
+              <a:uFill>
+                <a:solidFill>
+                  <a:srgbClr val="ffffff"/>
+                </a:solidFill>
+              </a:uFill>
+              <a:latin typeface="Arial"/>
             </a:endParaRPr>
           </a:p>
         </p:txBody>
       </p:sp>
       <p:pic>
         <p:nvPicPr>
-          <p:cNvPr id="37" name="" descr=""/>
+          <p:cNvPr id="34" name="" descr=""/>
           <p:cNvPicPr/>
           <p:nvPr/>
         </p:nvPicPr>
@@ -506,8 +515,8 @@
         </p:blipFill>
         <p:spPr>
           <a:xfrm>
-            <a:off x="3368880" y="1825560"/>
-            <a:ext cx="5452920" cy="4350960"/>
+            <a:off x="3602880" y="1604520"/>
+            <a:ext cx="4984920" cy="3977280"/>
           </a:xfrm>
           <a:prstGeom prst="rect">
             <a:avLst/>
@@ -519,7 +528,7 @@
       </p:pic>
       <p:pic>
         <p:nvPicPr>
-          <p:cNvPr id="38" name="" descr=""/>
+          <p:cNvPr id="35" name="" descr=""/>
           <p:cNvPicPr/>
           <p:nvPr/>
         </p:nvPicPr>
@@ -529,8 +538,8 @@
         </p:blipFill>
         <p:spPr>
           <a:xfrm>
-            <a:off x="3368880" y="1825560"/>
-            <a:ext cx="5452920" cy="4350960"/>
+            <a:off x="3602880" y="1604520"/>
+            <a:ext cx="4984920" cy="3977280"/>
           </a:xfrm>
           <a:prstGeom prst="rect">
             <a:avLst/>
@@ -586,7 +595,7 @@
       </p:grpSpPr>
       <p:sp>
         <p:nvSpPr>
-          <p:cNvPr id="44" name="PlaceHolder 1"/>
+          <p:cNvPr id="38" name="PlaceHolder 1"/>
           <p:cNvSpPr>
             <a:spLocks noGrp="1"/>
           </p:cNvSpPr>
@@ -596,8 +605,8 @@
         </p:nvSpPr>
         <p:spPr>
           <a:xfrm>
-            <a:off x="838080" y="365040"/>
-            <a:ext cx="10515240" cy="1325160"/>
+            <a:off x="609480" y="273600"/>
+            <a:ext cx="10972440" cy="1144800"/>
           </a:xfrm>
           <a:prstGeom prst="rect">
             <a:avLst/>
@@ -606,23 +615,24 @@
         <p:txBody>
           <a:bodyPr lIns="0" rIns="0" tIns="0" bIns="0" anchor="ctr"/>
           <a:p>
-            <a:endParaRPr b="0" lang="zh-CN" sz="1800" spc="-1" strike="noStrike">
-              <a:solidFill>
-                <a:srgbClr val="000000"/>
-              </a:solidFill>
-              <a:uFill>
-                <a:solidFill>
-                  <a:srgbClr val="ffffff"/>
-                </a:solidFill>
-              </a:uFill>
-              <a:latin typeface="Calibri"/>
-            </a:endParaRPr>
-          </a:p>
-        </p:txBody>
-      </p:sp>
-      <p:sp>
-        <p:nvSpPr>
-          <p:cNvPr id="45" name="PlaceHolder 2"/>
+            <a:pPr algn="ctr"/>
+            <a:endParaRPr b="0" lang="en-US" sz="4400" spc="-1" strike="noStrike">
+              <a:solidFill>
+                <a:srgbClr val="000000"/>
+              </a:solidFill>
+              <a:uFill>
+                <a:solidFill>
+                  <a:srgbClr val="ffffff"/>
+                </a:solidFill>
+              </a:uFill>
+              <a:latin typeface="Arial"/>
+            </a:endParaRPr>
+          </a:p>
+        </p:txBody>
+      </p:sp>
+      <p:sp>
+        <p:nvSpPr>
+          <p:cNvPr id="39" name="PlaceHolder 2"/>
           <p:cNvSpPr>
             <a:spLocks noGrp="1"/>
           </p:cNvSpPr>
@@ -632,8 +642,8 @@
         </p:nvSpPr>
         <p:spPr>
           <a:xfrm>
-            <a:off x="838080" y="1825560"/>
-            <a:ext cx="10515240" cy="4350960"/>
+            <a:off x="609480" y="1604520"/>
+            <a:ext cx="10972440" cy="3977280"/>
           </a:xfrm>
           <a:prstGeom prst="rect">
             <a:avLst/>
@@ -681,7 +691,7 @@
       </p:grpSpPr>
       <p:sp>
         <p:nvSpPr>
-          <p:cNvPr id="46" name="PlaceHolder 1"/>
+          <p:cNvPr id="40" name="PlaceHolder 1"/>
           <p:cNvSpPr>
             <a:spLocks noGrp="1"/>
           </p:cNvSpPr>
@@ -691,8 +701,8 @@
         </p:nvSpPr>
         <p:spPr>
           <a:xfrm>
-            <a:off x="838080" y="365040"/>
-            <a:ext cx="10515240" cy="1325160"/>
+            <a:off x="609480" y="273600"/>
+            <a:ext cx="10972440" cy="1144800"/>
           </a:xfrm>
           <a:prstGeom prst="rect">
             <a:avLst/>
@@ -701,23 +711,24 @@
         <p:txBody>
           <a:bodyPr lIns="0" rIns="0" tIns="0" bIns="0" anchor="ctr"/>
           <a:p>
-            <a:endParaRPr b="0" lang="zh-CN" sz="1800" spc="-1" strike="noStrike">
-              <a:solidFill>
-                <a:srgbClr val="000000"/>
-              </a:solidFill>
-              <a:uFill>
-                <a:solidFill>
-                  <a:srgbClr val="ffffff"/>
-                </a:solidFill>
-              </a:uFill>
-              <a:latin typeface="Calibri"/>
-            </a:endParaRPr>
-          </a:p>
-        </p:txBody>
-      </p:sp>
-      <p:sp>
-        <p:nvSpPr>
-          <p:cNvPr id="47" name="PlaceHolder 2"/>
+            <a:pPr algn="ctr"/>
+            <a:endParaRPr b="0" lang="en-US" sz="4400" spc="-1" strike="noStrike">
+              <a:solidFill>
+                <a:srgbClr val="000000"/>
+              </a:solidFill>
+              <a:uFill>
+                <a:solidFill>
+                  <a:srgbClr val="ffffff"/>
+                </a:solidFill>
+              </a:uFill>
+              <a:latin typeface="Arial"/>
+            </a:endParaRPr>
+          </a:p>
+        </p:txBody>
+      </p:sp>
+      <p:sp>
+        <p:nvSpPr>
+          <p:cNvPr id="41" name="PlaceHolder 2"/>
           <p:cNvSpPr>
             <a:spLocks noGrp="1"/>
           </p:cNvSpPr>
@@ -727,8 +738,8 @@
         </p:nvSpPr>
         <p:spPr>
           <a:xfrm>
-            <a:off x="838080" y="1825560"/>
-            <a:ext cx="10515240" cy="4350960"/>
+            <a:off x="609480" y="1604520"/>
+            <a:ext cx="10972440" cy="3977280"/>
           </a:xfrm>
           <a:prstGeom prst="rect">
             <a:avLst/>
@@ -737,16 +748,16 @@
         <p:txBody>
           <a:bodyPr lIns="0" rIns="0" tIns="0" bIns="0"/>
           <a:p>
-            <a:endParaRPr b="0" lang="zh-CN" sz="2800" spc="-1" strike="noStrike">
-              <a:solidFill>
-                <a:srgbClr val="000000"/>
-              </a:solidFill>
-              <a:uFill>
-                <a:solidFill>
-                  <a:srgbClr val="ffffff"/>
-                </a:solidFill>
-              </a:uFill>
-              <a:latin typeface="Calibri"/>
+            <a:endParaRPr b="0" lang="en-US" sz="3200" spc="-1" strike="noStrike">
+              <a:solidFill>
+                <a:srgbClr val="000000"/>
+              </a:solidFill>
+              <a:uFill>
+                <a:solidFill>
+                  <a:srgbClr val="ffffff"/>
+                </a:solidFill>
+              </a:uFill>
+              <a:latin typeface="Arial"/>
             </a:endParaRPr>
           </a:p>
         </p:txBody>
@@ -775,7 +786,7 @@
       </p:grpSpPr>
       <p:sp>
         <p:nvSpPr>
-          <p:cNvPr id="48" name="PlaceHolder 1"/>
+          <p:cNvPr id="42" name="PlaceHolder 1"/>
           <p:cNvSpPr>
             <a:spLocks noGrp="1"/>
           </p:cNvSpPr>
@@ -785,8 +796,8 @@
         </p:nvSpPr>
         <p:spPr>
           <a:xfrm>
-            <a:off x="838080" y="365040"/>
-            <a:ext cx="10515240" cy="1325160"/>
+            <a:off x="609480" y="273600"/>
+            <a:ext cx="10972440" cy="1144800"/>
           </a:xfrm>
           <a:prstGeom prst="rect">
             <a:avLst/>
@@ -795,23 +806,24 @@
         <p:txBody>
           <a:bodyPr lIns="0" rIns="0" tIns="0" bIns="0" anchor="ctr"/>
           <a:p>
-            <a:endParaRPr b="0" lang="zh-CN" sz="1800" spc="-1" strike="noStrike">
-              <a:solidFill>
-                <a:srgbClr val="000000"/>
-              </a:solidFill>
-              <a:uFill>
-                <a:solidFill>
-                  <a:srgbClr val="ffffff"/>
-                </a:solidFill>
-              </a:uFill>
-              <a:latin typeface="Calibri"/>
-            </a:endParaRPr>
-          </a:p>
-        </p:txBody>
-      </p:sp>
-      <p:sp>
-        <p:nvSpPr>
-          <p:cNvPr id="49" name="PlaceHolder 2"/>
+            <a:pPr algn="ctr"/>
+            <a:endParaRPr b="0" lang="en-US" sz="4400" spc="-1" strike="noStrike">
+              <a:solidFill>
+                <a:srgbClr val="000000"/>
+              </a:solidFill>
+              <a:uFill>
+                <a:solidFill>
+                  <a:srgbClr val="ffffff"/>
+                </a:solidFill>
+              </a:uFill>
+              <a:latin typeface="Arial"/>
+            </a:endParaRPr>
+          </a:p>
+        </p:txBody>
+      </p:sp>
+      <p:sp>
+        <p:nvSpPr>
+          <p:cNvPr id="43" name="PlaceHolder 2"/>
           <p:cNvSpPr>
             <a:spLocks noGrp="1"/>
           </p:cNvSpPr>
@@ -821,8 +833,8 @@
         </p:nvSpPr>
         <p:spPr>
           <a:xfrm>
-            <a:off x="838080" y="1825560"/>
-            <a:ext cx="5131080" cy="4350960"/>
+            <a:off x="609480" y="1604520"/>
+            <a:ext cx="5354280" cy="3977280"/>
           </a:xfrm>
           <a:prstGeom prst="rect">
             <a:avLst/>
@@ -831,23 +843,23 @@
         <p:txBody>
           <a:bodyPr lIns="0" rIns="0" tIns="0" bIns="0"/>
           <a:p>
-            <a:endParaRPr b="0" lang="zh-CN" sz="2800" spc="-1" strike="noStrike">
-              <a:solidFill>
-                <a:srgbClr val="000000"/>
-              </a:solidFill>
-              <a:uFill>
-                <a:solidFill>
-                  <a:srgbClr val="ffffff"/>
-                </a:solidFill>
-              </a:uFill>
-              <a:latin typeface="Calibri"/>
-            </a:endParaRPr>
-          </a:p>
-        </p:txBody>
-      </p:sp>
-      <p:sp>
-        <p:nvSpPr>
-          <p:cNvPr id="50" name="PlaceHolder 3"/>
+            <a:endParaRPr b="0" lang="en-US" sz="3200" spc="-1" strike="noStrike">
+              <a:solidFill>
+                <a:srgbClr val="000000"/>
+              </a:solidFill>
+              <a:uFill>
+                <a:solidFill>
+                  <a:srgbClr val="ffffff"/>
+                </a:solidFill>
+              </a:uFill>
+              <a:latin typeface="Arial"/>
+            </a:endParaRPr>
+          </a:p>
+        </p:txBody>
+      </p:sp>
+      <p:sp>
+        <p:nvSpPr>
+          <p:cNvPr id="44" name="PlaceHolder 3"/>
           <p:cNvSpPr>
             <a:spLocks noGrp="1"/>
           </p:cNvSpPr>
@@ -857,8 +869,8 @@
         </p:nvSpPr>
         <p:spPr>
           <a:xfrm>
-            <a:off x="6226200" y="1825560"/>
-            <a:ext cx="5131080" cy="4350960"/>
+            <a:off x="6231960" y="1604520"/>
+            <a:ext cx="5354280" cy="3977280"/>
           </a:xfrm>
           <a:prstGeom prst="rect">
             <a:avLst/>
@@ -867,16 +879,16 @@
         <p:txBody>
           <a:bodyPr lIns="0" rIns="0" tIns="0" bIns="0"/>
           <a:p>
-            <a:endParaRPr b="0" lang="zh-CN" sz="2800" spc="-1" strike="noStrike">
-              <a:solidFill>
-                <a:srgbClr val="000000"/>
-              </a:solidFill>
-              <a:uFill>
-                <a:solidFill>
-                  <a:srgbClr val="ffffff"/>
-                </a:solidFill>
-              </a:uFill>
-              <a:latin typeface="Calibri"/>
+            <a:endParaRPr b="0" lang="en-US" sz="3200" spc="-1" strike="noStrike">
+              <a:solidFill>
+                <a:srgbClr val="000000"/>
+              </a:solidFill>
+              <a:uFill>
+                <a:solidFill>
+                  <a:srgbClr val="ffffff"/>
+                </a:solidFill>
+              </a:uFill>
+              <a:latin typeface="Arial"/>
             </a:endParaRPr>
           </a:p>
         </p:txBody>
@@ -905,7 +917,7 @@
       </p:grpSpPr>
       <p:sp>
         <p:nvSpPr>
-          <p:cNvPr id="51" name="PlaceHolder 1"/>
+          <p:cNvPr id="45" name="PlaceHolder 1"/>
           <p:cNvSpPr>
             <a:spLocks noGrp="1"/>
           </p:cNvSpPr>
@@ -915,8 +927,8 @@
         </p:nvSpPr>
         <p:spPr>
           <a:xfrm>
-            <a:off x="838080" y="365040"/>
-            <a:ext cx="10515240" cy="1325160"/>
+            <a:off x="609480" y="273600"/>
+            <a:ext cx="10972440" cy="1144800"/>
           </a:xfrm>
           <a:prstGeom prst="rect">
             <a:avLst/>
@@ -925,16 +937,17 @@
         <p:txBody>
           <a:bodyPr lIns="0" rIns="0" tIns="0" bIns="0" anchor="ctr"/>
           <a:p>
-            <a:endParaRPr b="0" lang="zh-CN" sz="1800" spc="-1" strike="noStrike">
-              <a:solidFill>
-                <a:srgbClr val="000000"/>
-              </a:solidFill>
-              <a:uFill>
-                <a:solidFill>
-                  <a:srgbClr val="ffffff"/>
-                </a:solidFill>
-              </a:uFill>
-              <a:latin typeface="Calibri"/>
+            <a:pPr algn="ctr"/>
+            <a:endParaRPr b="0" lang="en-US" sz="4400" spc="-1" strike="noStrike">
+              <a:solidFill>
+                <a:srgbClr val="000000"/>
+              </a:solidFill>
+              <a:uFill>
+                <a:solidFill>
+                  <a:srgbClr val="ffffff"/>
+                </a:solidFill>
+              </a:uFill>
+              <a:latin typeface="Arial"/>
             </a:endParaRPr>
           </a:p>
         </p:txBody>
@@ -963,7 +976,7 @@
       </p:grpSpPr>
       <p:sp>
         <p:nvSpPr>
-          <p:cNvPr id="52" name="PlaceHolder 1"/>
+          <p:cNvPr id="46" name="PlaceHolder 1"/>
           <p:cNvSpPr>
             <a:spLocks noGrp="1"/>
           </p:cNvSpPr>
@@ -973,8 +986,8 @@
         </p:nvSpPr>
         <p:spPr>
           <a:xfrm>
-            <a:off x="838080" y="365040"/>
-            <a:ext cx="10515240" cy="6144120"/>
+            <a:off x="609480" y="273600"/>
+            <a:ext cx="10972440" cy="5307840"/>
           </a:xfrm>
           <a:prstGeom prst="rect">
             <a:avLst/>
@@ -1022,7 +1035,7 @@
       </p:grpSpPr>
       <p:sp>
         <p:nvSpPr>
-          <p:cNvPr id="53" name="PlaceHolder 1"/>
+          <p:cNvPr id="47" name="PlaceHolder 1"/>
           <p:cNvSpPr>
             <a:spLocks noGrp="1"/>
           </p:cNvSpPr>
@@ -1032,8 +1045,8 @@
         </p:nvSpPr>
         <p:spPr>
           <a:xfrm>
-            <a:off x="838080" y="365040"/>
-            <a:ext cx="10515240" cy="1325160"/>
+            <a:off x="609480" y="273600"/>
+            <a:ext cx="10972440" cy="1144800"/>
           </a:xfrm>
           <a:prstGeom prst="rect">
             <a:avLst/>
@@ -1042,23 +1055,24 @@
         <p:txBody>
           <a:bodyPr lIns="0" rIns="0" tIns="0" bIns="0" anchor="ctr"/>
           <a:p>
-            <a:endParaRPr b="0" lang="zh-CN" sz="1800" spc="-1" strike="noStrike">
-              <a:solidFill>
-                <a:srgbClr val="000000"/>
-              </a:solidFill>
-              <a:uFill>
-                <a:solidFill>
-                  <a:srgbClr val="ffffff"/>
-                </a:solidFill>
-              </a:uFill>
-              <a:latin typeface="Calibri"/>
-            </a:endParaRPr>
-          </a:p>
-        </p:txBody>
-      </p:sp>
-      <p:sp>
-        <p:nvSpPr>
-          <p:cNvPr id="54" name="PlaceHolder 2"/>
+            <a:pPr algn="ctr"/>
+            <a:endParaRPr b="0" lang="en-US" sz="4400" spc="-1" strike="noStrike">
+              <a:solidFill>
+                <a:srgbClr val="000000"/>
+              </a:solidFill>
+              <a:uFill>
+                <a:solidFill>
+                  <a:srgbClr val="ffffff"/>
+                </a:solidFill>
+              </a:uFill>
+              <a:latin typeface="Arial"/>
+            </a:endParaRPr>
+          </a:p>
+        </p:txBody>
+      </p:sp>
+      <p:sp>
+        <p:nvSpPr>
+          <p:cNvPr id="48" name="PlaceHolder 2"/>
           <p:cNvSpPr>
             <a:spLocks noGrp="1"/>
           </p:cNvSpPr>
@@ -1068,8 +1082,8 @@
         </p:nvSpPr>
         <p:spPr>
           <a:xfrm>
-            <a:off x="838080" y="1825560"/>
-            <a:ext cx="5131080" cy="2075040"/>
+            <a:off x="609480" y="1604520"/>
+            <a:ext cx="5354280" cy="1896840"/>
           </a:xfrm>
           <a:prstGeom prst="rect">
             <a:avLst/>
@@ -1078,23 +1092,23 @@
         <p:txBody>
           <a:bodyPr lIns="0" rIns="0" tIns="0" bIns="0"/>
           <a:p>
-            <a:endParaRPr b="0" lang="zh-CN" sz="2800" spc="-1" strike="noStrike">
-              <a:solidFill>
-                <a:srgbClr val="000000"/>
-              </a:solidFill>
-              <a:uFill>
-                <a:solidFill>
-                  <a:srgbClr val="ffffff"/>
-                </a:solidFill>
-              </a:uFill>
-              <a:latin typeface="Calibri"/>
-            </a:endParaRPr>
-          </a:p>
-        </p:txBody>
-      </p:sp>
-      <p:sp>
-        <p:nvSpPr>
-          <p:cNvPr id="55" name="PlaceHolder 3"/>
+            <a:endParaRPr b="0" lang="en-US" sz="3200" spc="-1" strike="noStrike">
+              <a:solidFill>
+                <a:srgbClr val="000000"/>
+              </a:solidFill>
+              <a:uFill>
+                <a:solidFill>
+                  <a:srgbClr val="ffffff"/>
+                </a:solidFill>
+              </a:uFill>
+              <a:latin typeface="Arial"/>
+            </a:endParaRPr>
+          </a:p>
+        </p:txBody>
+      </p:sp>
+      <p:sp>
+        <p:nvSpPr>
+          <p:cNvPr id="49" name="PlaceHolder 3"/>
           <p:cNvSpPr>
             <a:spLocks noGrp="1"/>
           </p:cNvSpPr>
@@ -1104,8 +1118,8 @@
         </p:nvSpPr>
         <p:spPr>
           <a:xfrm>
-            <a:off x="838080" y="4098240"/>
-            <a:ext cx="5131080" cy="2075040"/>
+            <a:off x="609480" y="3682080"/>
+            <a:ext cx="5354280" cy="1896840"/>
           </a:xfrm>
           <a:prstGeom prst="rect">
             <a:avLst/>
@@ -1114,23 +1128,23 @@
         <p:txBody>
           <a:bodyPr lIns="0" rIns="0" tIns="0" bIns="0"/>
           <a:p>
-            <a:endParaRPr b="0" lang="zh-CN" sz="2800" spc="-1" strike="noStrike">
-              <a:solidFill>
-                <a:srgbClr val="000000"/>
-              </a:solidFill>
-              <a:uFill>
-                <a:solidFill>
-                  <a:srgbClr val="ffffff"/>
-                </a:solidFill>
-              </a:uFill>
-              <a:latin typeface="Calibri"/>
-            </a:endParaRPr>
-          </a:p>
-        </p:txBody>
-      </p:sp>
-      <p:sp>
-        <p:nvSpPr>
-          <p:cNvPr id="56" name="PlaceHolder 4"/>
+            <a:endParaRPr b="0" lang="en-US" sz="3200" spc="-1" strike="noStrike">
+              <a:solidFill>
+                <a:srgbClr val="000000"/>
+              </a:solidFill>
+              <a:uFill>
+                <a:solidFill>
+                  <a:srgbClr val="ffffff"/>
+                </a:solidFill>
+              </a:uFill>
+              <a:latin typeface="Arial"/>
+            </a:endParaRPr>
+          </a:p>
+        </p:txBody>
+      </p:sp>
+      <p:sp>
+        <p:nvSpPr>
+          <p:cNvPr id="50" name="PlaceHolder 4"/>
           <p:cNvSpPr>
             <a:spLocks noGrp="1"/>
           </p:cNvSpPr>
@@ -1140,8 +1154,8 @@
         </p:nvSpPr>
         <p:spPr>
           <a:xfrm>
-            <a:off x="6226200" y="1825560"/>
-            <a:ext cx="5131080" cy="4350960"/>
+            <a:off x="6231960" y="1604520"/>
+            <a:ext cx="5354280" cy="3977280"/>
           </a:xfrm>
           <a:prstGeom prst="rect">
             <a:avLst/>
@@ -1150,16 +1164,16 @@
         <p:txBody>
           <a:bodyPr lIns="0" rIns="0" tIns="0" bIns="0"/>
           <a:p>
-            <a:endParaRPr b="0" lang="zh-CN" sz="2800" spc="-1" strike="noStrike">
-              <a:solidFill>
-                <a:srgbClr val="000000"/>
-              </a:solidFill>
-              <a:uFill>
-                <a:solidFill>
-                  <a:srgbClr val="ffffff"/>
-                </a:solidFill>
-              </a:uFill>
-              <a:latin typeface="Calibri"/>
+            <a:endParaRPr b="0" lang="en-US" sz="3200" spc="-1" strike="noStrike">
+              <a:solidFill>
+                <a:srgbClr val="000000"/>
+              </a:solidFill>
+              <a:uFill>
+                <a:solidFill>
+                  <a:srgbClr val="ffffff"/>
+                </a:solidFill>
+              </a:uFill>
+              <a:latin typeface="Arial"/>
             </a:endParaRPr>
           </a:p>
         </p:txBody>
@@ -1188,7 +1202,7 @@
       </p:grpSpPr>
       <p:sp>
         <p:nvSpPr>
-          <p:cNvPr id="5" name="PlaceHolder 1"/>
+          <p:cNvPr id="2" name="PlaceHolder 1"/>
           <p:cNvSpPr>
             <a:spLocks noGrp="1"/>
           </p:cNvSpPr>
@@ -1198,8 +1212,8 @@
         </p:nvSpPr>
         <p:spPr>
           <a:xfrm>
-            <a:off x="838080" y="365040"/>
-            <a:ext cx="10515240" cy="1325160"/>
+            <a:off x="609480" y="273600"/>
+            <a:ext cx="10972440" cy="1144800"/>
           </a:xfrm>
           <a:prstGeom prst="rect">
             <a:avLst/>
@@ -1208,23 +1222,24 @@
         <p:txBody>
           <a:bodyPr lIns="0" rIns="0" tIns="0" bIns="0" anchor="ctr"/>
           <a:p>
-            <a:endParaRPr b="0" lang="zh-CN" sz="1800" spc="-1" strike="noStrike">
-              <a:solidFill>
-                <a:srgbClr val="000000"/>
-              </a:solidFill>
-              <a:uFill>
-                <a:solidFill>
-                  <a:srgbClr val="ffffff"/>
-                </a:solidFill>
-              </a:uFill>
-              <a:latin typeface="Calibri"/>
-            </a:endParaRPr>
-          </a:p>
-        </p:txBody>
-      </p:sp>
-      <p:sp>
-        <p:nvSpPr>
-          <p:cNvPr id="6" name="PlaceHolder 2"/>
+            <a:pPr algn="ctr"/>
+            <a:endParaRPr b="0" lang="en-US" sz="4400" spc="-1" strike="noStrike">
+              <a:solidFill>
+                <a:srgbClr val="000000"/>
+              </a:solidFill>
+              <a:uFill>
+                <a:solidFill>
+                  <a:srgbClr val="ffffff"/>
+                </a:solidFill>
+              </a:uFill>
+              <a:latin typeface="Arial"/>
+            </a:endParaRPr>
+          </a:p>
+        </p:txBody>
+      </p:sp>
+      <p:sp>
+        <p:nvSpPr>
+          <p:cNvPr id="3" name="PlaceHolder 2"/>
           <p:cNvSpPr>
             <a:spLocks noGrp="1"/>
           </p:cNvSpPr>
@@ -1234,8 +1249,8 @@
         </p:nvSpPr>
         <p:spPr>
           <a:xfrm>
-            <a:off x="838080" y="1825560"/>
-            <a:ext cx="10515240" cy="4350960"/>
+            <a:off x="609480" y="1604520"/>
+            <a:ext cx="10972440" cy="3977280"/>
           </a:xfrm>
           <a:prstGeom prst="rect">
             <a:avLst/>
@@ -1283,7 +1298,7 @@
       </p:grpSpPr>
       <p:sp>
         <p:nvSpPr>
-          <p:cNvPr id="57" name="PlaceHolder 1"/>
+          <p:cNvPr id="51" name="PlaceHolder 1"/>
           <p:cNvSpPr>
             <a:spLocks noGrp="1"/>
           </p:cNvSpPr>
@@ -1293,8 +1308,8 @@
         </p:nvSpPr>
         <p:spPr>
           <a:xfrm>
-            <a:off x="838080" y="365040"/>
-            <a:ext cx="10515240" cy="1325160"/>
+            <a:off x="609480" y="273600"/>
+            <a:ext cx="10972440" cy="1144800"/>
           </a:xfrm>
           <a:prstGeom prst="rect">
             <a:avLst/>
@@ -1303,23 +1318,24 @@
         <p:txBody>
           <a:bodyPr lIns="0" rIns="0" tIns="0" bIns="0" anchor="ctr"/>
           <a:p>
-            <a:endParaRPr b="0" lang="zh-CN" sz="1800" spc="-1" strike="noStrike">
-              <a:solidFill>
-                <a:srgbClr val="000000"/>
-              </a:solidFill>
-              <a:uFill>
-                <a:solidFill>
-                  <a:srgbClr val="ffffff"/>
-                </a:solidFill>
-              </a:uFill>
-              <a:latin typeface="Calibri"/>
-            </a:endParaRPr>
-          </a:p>
-        </p:txBody>
-      </p:sp>
-      <p:sp>
-        <p:nvSpPr>
-          <p:cNvPr id="58" name="PlaceHolder 2"/>
+            <a:pPr algn="ctr"/>
+            <a:endParaRPr b="0" lang="en-US" sz="4400" spc="-1" strike="noStrike">
+              <a:solidFill>
+                <a:srgbClr val="000000"/>
+              </a:solidFill>
+              <a:uFill>
+                <a:solidFill>
+                  <a:srgbClr val="ffffff"/>
+                </a:solidFill>
+              </a:uFill>
+              <a:latin typeface="Arial"/>
+            </a:endParaRPr>
+          </a:p>
+        </p:txBody>
+      </p:sp>
+      <p:sp>
+        <p:nvSpPr>
+          <p:cNvPr id="52" name="PlaceHolder 2"/>
           <p:cNvSpPr>
             <a:spLocks noGrp="1"/>
           </p:cNvSpPr>
@@ -1329,8 +1345,8 @@
         </p:nvSpPr>
         <p:spPr>
           <a:xfrm>
-            <a:off x="838080" y="1825560"/>
-            <a:ext cx="5131080" cy="4350960"/>
+            <a:off x="609480" y="1604520"/>
+            <a:ext cx="5354280" cy="3977280"/>
           </a:xfrm>
           <a:prstGeom prst="rect">
             <a:avLst/>
@@ -1339,23 +1355,23 @@
         <p:txBody>
           <a:bodyPr lIns="0" rIns="0" tIns="0" bIns="0"/>
           <a:p>
-            <a:endParaRPr b="0" lang="zh-CN" sz="2800" spc="-1" strike="noStrike">
-              <a:solidFill>
-                <a:srgbClr val="000000"/>
-              </a:solidFill>
-              <a:uFill>
-                <a:solidFill>
-                  <a:srgbClr val="ffffff"/>
-                </a:solidFill>
-              </a:uFill>
-              <a:latin typeface="Calibri"/>
-            </a:endParaRPr>
-          </a:p>
-        </p:txBody>
-      </p:sp>
-      <p:sp>
-        <p:nvSpPr>
-          <p:cNvPr id="59" name="PlaceHolder 3"/>
+            <a:endParaRPr b="0" lang="en-US" sz="3200" spc="-1" strike="noStrike">
+              <a:solidFill>
+                <a:srgbClr val="000000"/>
+              </a:solidFill>
+              <a:uFill>
+                <a:solidFill>
+                  <a:srgbClr val="ffffff"/>
+                </a:solidFill>
+              </a:uFill>
+              <a:latin typeface="Arial"/>
+            </a:endParaRPr>
+          </a:p>
+        </p:txBody>
+      </p:sp>
+      <p:sp>
+        <p:nvSpPr>
+          <p:cNvPr id="53" name="PlaceHolder 3"/>
           <p:cNvSpPr>
             <a:spLocks noGrp="1"/>
           </p:cNvSpPr>
@@ -1365,8 +1381,8 @@
         </p:nvSpPr>
         <p:spPr>
           <a:xfrm>
-            <a:off x="6226200" y="1825560"/>
-            <a:ext cx="5131080" cy="2075040"/>
+            <a:off x="6231960" y="1604520"/>
+            <a:ext cx="5354280" cy="1896840"/>
           </a:xfrm>
           <a:prstGeom prst="rect">
             <a:avLst/>
@@ -1375,23 +1391,23 @@
         <p:txBody>
           <a:bodyPr lIns="0" rIns="0" tIns="0" bIns="0"/>
           <a:p>
-            <a:endParaRPr b="0" lang="zh-CN" sz="2800" spc="-1" strike="noStrike">
-              <a:solidFill>
-                <a:srgbClr val="000000"/>
-              </a:solidFill>
-              <a:uFill>
-                <a:solidFill>
-                  <a:srgbClr val="ffffff"/>
-                </a:solidFill>
-              </a:uFill>
-              <a:latin typeface="Calibri"/>
-            </a:endParaRPr>
-          </a:p>
-        </p:txBody>
-      </p:sp>
-      <p:sp>
-        <p:nvSpPr>
-          <p:cNvPr id="60" name="PlaceHolder 4"/>
+            <a:endParaRPr b="0" lang="en-US" sz="3200" spc="-1" strike="noStrike">
+              <a:solidFill>
+                <a:srgbClr val="000000"/>
+              </a:solidFill>
+              <a:uFill>
+                <a:solidFill>
+                  <a:srgbClr val="ffffff"/>
+                </a:solidFill>
+              </a:uFill>
+              <a:latin typeface="Arial"/>
+            </a:endParaRPr>
+          </a:p>
+        </p:txBody>
+      </p:sp>
+      <p:sp>
+        <p:nvSpPr>
+          <p:cNvPr id="54" name="PlaceHolder 4"/>
           <p:cNvSpPr>
             <a:spLocks noGrp="1"/>
           </p:cNvSpPr>
@@ -1401,8 +1417,8 @@
         </p:nvSpPr>
         <p:spPr>
           <a:xfrm>
-            <a:off x="6226200" y="4098240"/>
-            <a:ext cx="5131080" cy="2075040"/>
+            <a:off x="6231960" y="3682080"/>
+            <a:ext cx="5354280" cy="1896840"/>
           </a:xfrm>
           <a:prstGeom prst="rect">
             <a:avLst/>
@@ -1411,16 +1427,16 @@
         <p:txBody>
           <a:bodyPr lIns="0" rIns="0" tIns="0" bIns="0"/>
           <a:p>
-            <a:endParaRPr b="0" lang="zh-CN" sz="2800" spc="-1" strike="noStrike">
-              <a:solidFill>
-                <a:srgbClr val="000000"/>
-              </a:solidFill>
-              <a:uFill>
-                <a:solidFill>
-                  <a:srgbClr val="ffffff"/>
-                </a:solidFill>
-              </a:uFill>
-              <a:latin typeface="Calibri"/>
+            <a:endParaRPr b="0" lang="en-US" sz="3200" spc="-1" strike="noStrike">
+              <a:solidFill>
+                <a:srgbClr val="000000"/>
+              </a:solidFill>
+              <a:uFill>
+                <a:solidFill>
+                  <a:srgbClr val="ffffff"/>
+                </a:solidFill>
+              </a:uFill>
+              <a:latin typeface="Arial"/>
             </a:endParaRPr>
           </a:p>
         </p:txBody>
@@ -1449,7 +1465,7 @@
       </p:grpSpPr>
       <p:sp>
         <p:nvSpPr>
-          <p:cNvPr id="61" name="PlaceHolder 1"/>
+          <p:cNvPr id="55" name="PlaceHolder 1"/>
           <p:cNvSpPr>
             <a:spLocks noGrp="1"/>
           </p:cNvSpPr>
@@ -1459,8 +1475,8 @@
         </p:nvSpPr>
         <p:spPr>
           <a:xfrm>
-            <a:off x="838080" y="365040"/>
-            <a:ext cx="10515240" cy="1325160"/>
+            <a:off x="609480" y="273600"/>
+            <a:ext cx="10972440" cy="1144800"/>
           </a:xfrm>
           <a:prstGeom prst="rect">
             <a:avLst/>
@@ -1469,23 +1485,24 @@
         <p:txBody>
           <a:bodyPr lIns="0" rIns="0" tIns="0" bIns="0" anchor="ctr"/>
           <a:p>
-            <a:endParaRPr b="0" lang="zh-CN" sz="1800" spc="-1" strike="noStrike">
-              <a:solidFill>
-                <a:srgbClr val="000000"/>
-              </a:solidFill>
-              <a:uFill>
-                <a:solidFill>
-                  <a:srgbClr val="ffffff"/>
-                </a:solidFill>
-              </a:uFill>
-              <a:latin typeface="Calibri"/>
-            </a:endParaRPr>
-          </a:p>
-        </p:txBody>
-      </p:sp>
-      <p:sp>
-        <p:nvSpPr>
-          <p:cNvPr id="62" name="PlaceHolder 2"/>
+            <a:pPr algn="ctr"/>
+            <a:endParaRPr b="0" lang="en-US" sz="4400" spc="-1" strike="noStrike">
+              <a:solidFill>
+                <a:srgbClr val="000000"/>
+              </a:solidFill>
+              <a:uFill>
+                <a:solidFill>
+                  <a:srgbClr val="ffffff"/>
+                </a:solidFill>
+              </a:uFill>
+              <a:latin typeface="Arial"/>
+            </a:endParaRPr>
+          </a:p>
+        </p:txBody>
+      </p:sp>
+      <p:sp>
+        <p:nvSpPr>
+          <p:cNvPr id="56" name="PlaceHolder 2"/>
           <p:cNvSpPr>
             <a:spLocks noGrp="1"/>
           </p:cNvSpPr>
@@ -1495,8 +1512,8 @@
         </p:nvSpPr>
         <p:spPr>
           <a:xfrm>
-            <a:off x="838080" y="1825560"/>
-            <a:ext cx="5131080" cy="2075040"/>
+            <a:off x="609480" y="1604520"/>
+            <a:ext cx="5354280" cy="1896840"/>
           </a:xfrm>
           <a:prstGeom prst="rect">
             <a:avLst/>
@@ -1505,23 +1522,23 @@
         <p:txBody>
           <a:bodyPr lIns="0" rIns="0" tIns="0" bIns="0"/>
           <a:p>
-            <a:endParaRPr b="0" lang="zh-CN" sz="2800" spc="-1" strike="noStrike">
-              <a:solidFill>
-                <a:srgbClr val="000000"/>
-              </a:solidFill>
-              <a:uFill>
-                <a:solidFill>
-                  <a:srgbClr val="ffffff"/>
-                </a:solidFill>
-              </a:uFill>
-              <a:latin typeface="Calibri"/>
-            </a:endParaRPr>
-          </a:p>
-        </p:txBody>
-      </p:sp>
-      <p:sp>
-        <p:nvSpPr>
-          <p:cNvPr id="63" name="PlaceHolder 3"/>
+            <a:endParaRPr b="0" lang="en-US" sz="3200" spc="-1" strike="noStrike">
+              <a:solidFill>
+                <a:srgbClr val="000000"/>
+              </a:solidFill>
+              <a:uFill>
+                <a:solidFill>
+                  <a:srgbClr val="ffffff"/>
+                </a:solidFill>
+              </a:uFill>
+              <a:latin typeface="Arial"/>
+            </a:endParaRPr>
+          </a:p>
+        </p:txBody>
+      </p:sp>
+      <p:sp>
+        <p:nvSpPr>
+          <p:cNvPr id="57" name="PlaceHolder 3"/>
           <p:cNvSpPr>
             <a:spLocks noGrp="1"/>
           </p:cNvSpPr>
@@ -1531,8 +1548,8 @@
         </p:nvSpPr>
         <p:spPr>
           <a:xfrm>
-            <a:off x="6226200" y="1825560"/>
-            <a:ext cx="5131080" cy="2075040"/>
+            <a:off x="6231960" y="1604520"/>
+            <a:ext cx="5354280" cy="1896840"/>
           </a:xfrm>
           <a:prstGeom prst="rect">
             <a:avLst/>
@@ -1541,23 +1558,23 @@
         <p:txBody>
           <a:bodyPr lIns="0" rIns="0" tIns="0" bIns="0"/>
           <a:p>
-            <a:endParaRPr b="0" lang="zh-CN" sz="2800" spc="-1" strike="noStrike">
-              <a:solidFill>
-                <a:srgbClr val="000000"/>
-              </a:solidFill>
-              <a:uFill>
-                <a:solidFill>
-                  <a:srgbClr val="ffffff"/>
-                </a:solidFill>
-              </a:uFill>
-              <a:latin typeface="Calibri"/>
-            </a:endParaRPr>
-          </a:p>
-        </p:txBody>
-      </p:sp>
-      <p:sp>
-        <p:nvSpPr>
-          <p:cNvPr id="64" name="PlaceHolder 4"/>
+            <a:endParaRPr b="0" lang="en-US" sz="3200" spc="-1" strike="noStrike">
+              <a:solidFill>
+                <a:srgbClr val="000000"/>
+              </a:solidFill>
+              <a:uFill>
+                <a:solidFill>
+                  <a:srgbClr val="ffffff"/>
+                </a:solidFill>
+              </a:uFill>
+              <a:latin typeface="Arial"/>
+            </a:endParaRPr>
+          </a:p>
+        </p:txBody>
+      </p:sp>
+      <p:sp>
+        <p:nvSpPr>
+          <p:cNvPr id="58" name="PlaceHolder 4"/>
           <p:cNvSpPr>
             <a:spLocks noGrp="1"/>
           </p:cNvSpPr>
@@ -1567,8 +1584,8 @@
         </p:nvSpPr>
         <p:spPr>
           <a:xfrm>
-            <a:off x="838080" y="4098240"/>
-            <a:ext cx="10515240" cy="2075040"/>
+            <a:off x="609480" y="3682080"/>
+            <a:ext cx="10972440" cy="1896840"/>
           </a:xfrm>
           <a:prstGeom prst="rect">
             <a:avLst/>
@@ -1577,16 +1594,16 @@
         <p:txBody>
           <a:bodyPr lIns="0" rIns="0" tIns="0" bIns="0"/>
           <a:p>
-            <a:endParaRPr b="0" lang="zh-CN" sz="2800" spc="-1" strike="noStrike">
-              <a:solidFill>
-                <a:srgbClr val="000000"/>
-              </a:solidFill>
-              <a:uFill>
-                <a:solidFill>
-                  <a:srgbClr val="ffffff"/>
-                </a:solidFill>
-              </a:uFill>
-              <a:latin typeface="Calibri"/>
+            <a:endParaRPr b="0" lang="en-US" sz="3200" spc="-1" strike="noStrike">
+              <a:solidFill>
+                <a:srgbClr val="000000"/>
+              </a:solidFill>
+              <a:uFill>
+                <a:solidFill>
+                  <a:srgbClr val="ffffff"/>
+                </a:solidFill>
+              </a:uFill>
+              <a:latin typeface="Arial"/>
             </a:endParaRPr>
           </a:p>
         </p:txBody>
@@ -1615,7 +1632,7 @@
       </p:grpSpPr>
       <p:sp>
         <p:nvSpPr>
-          <p:cNvPr id="65" name="PlaceHolder 1"/>
+          <p:cNvPr id="59" name="PlaceHolder 1"/>
           <p:cNvSpPr>
             <a:spLocks noGrp="1"/>
           </p:cNvSpPr>
@@ -1625,8 +1642,8 @@
         </p:nvSpPr>
         <p:spPr>
           <a:xfrm>
-            <a:off x="838080" y="365040"/>
-            <a:ext cx="10515240" cy="1325160"/>
+            <a:off x="609480" y="273600"/>
+            <a:ext cx="10972440" cy="1144800"/>
           </a:xfrm>
           <a:prstGeom prst="rect">
             <a:avLst/>
@@ -1635,23 +1652,24 @@
         <p:txBody>
           <a:bodyPr lIns="0" rIns="0" tIns="0" bIns="0" anchor="ctr"/>
           <a:p>
-            <a:endParaRPr b="0" lang="zh-CN" sz="1800" spc="-1" strike="noStrike">
-              <a:solidFill>
-                <a:srgbClr val="000000"/>
-              </a:solidFill>
-              <a:uFill>
-                <a:solidFill>
-                  <a:srgbClr val="ffffff"/>
-                </a:solidFill>
-              </a:uFill>
-              <a:latin typeface="Calibri"/>
-            </a:endParaRPr>
-          </a:p>
-        </p:txBody>
-      </p:sp>
-      <p:sp>
-        <p:nvSpPr>
-          <p:cNvPr id="66" name="PlaceHolder 2"/>
+            <a:pPr algn="ctr"/>
+            <a:endParaRPr b="0" lang="en-US" sz="4400" spc="-1" strike="noStrike">
+              <a:solidFill>
+                <a:srgbClr val="000000"/>
+              </a:solidFill>
+              <a:uFill>
+                <a:solidFill>
+                  <a:srgbClr val="ffffff"/>
+                </a:solidFill>
+              </a:uFill>
+              <a:latin typeface="Arial"/>
+            </a:endParaRPr>
+          </a:p>
+        </p:txBody>
+      </p:sp>
+      <p:sp>
+        <p:nvSpPr>
+          <p:cNvPr id="60" name="PlaceHolder 2"/>
           <p:cNvSpPr>
             <a:spLocks noGrp="1"/>
           </p:cNvSpPr>
@@ -1661,8 +1679,8 @@
         </p:nvSpPr>
         <p:spPr>
           <a:xfrm>
-            <a:off x="838080" y="1825560"/>
-            <a:ext cx="10515240" cy="2075040"/>
+            <a:off x="609480" y="1604520"/>
+            <a:ext cx="10972440" cy="1896840"/>
           </a:xfrm>
           <a:prstGeom prst="rect">
             <a:avLst/>
@@ -1671,23 +1689,23 @@
         <p:txBody>
           <a:bodyPr lIns="0" rIns="0" tIns="0" bIns="0"/>
           <a:p>
-            <a:endParaRPr b="0" lang="zh-CN" sz="2800" spc="-1" strike="noStrike">
-              <a:solidFill>
-                <a:srgbClr val="000000"/>
-              </a:solidFill>
-              <a:uFill>
-                <a:solidFill>
-                  <a:srgbClr val="ffffff"/>
-                </a:solidFill>
-              </a:uFill>
-              <a:latin typeface="Calibri"/>
-            </a:endParaRPr>
-          </a:p>
-        </p:txBody>
-      </p:sp>
-      <p:sp>
-        <p:nvSpPr>
-          <p:cNvPr id="67" name="PlaceHolder 3"/>
+            <a:endParaRPr b="0" lang="en-US" sz="3200" spc="-1" strike="noStrike">
+              <a:solidFill>
+                <a:srgbClr val="000000"/>
+              </a:solidFill>
+              <a:uFill>
+                <a:solidFill>
+                  <a:srgbClr val="ffffff"/>
+                </a:solidFill>
+              </a:uFill>
+              <a:latin typeface="Arial"/>
+            </a:endParaRPr>
+          </a:p>
+        </p:txBody>
+      </p:sp>
+      <p:sp>
+        <p:nvSpPr>
+          <p:cNvPr id="61" name="PlaceHolder 3"/>
           <p:cNvSpPr>
             <a:spLocks noGrp="1"/>
           </p:cNvSpPr>
@@ -1697,8 +1715,8 @@
         </p:nvSpPr>
         <p:spPr>
           <a:xfrm>
-            <a:off x="838080" y="4098240"/>
-            <a:ext cx="10515240" cy="2075040"/>
+            <a:off x="609480" y="3682080"/>
+            <a:ext cx="10972440" cy="1896840"/>
           </a:xfrm>
           <a:prstGeom prst="rect">
             <a:avLst/>
@@ -1707,16 +1725,16 @@
         <p:txBody>
           <a:bodyPr lIns="0" rIns="0" tIns="0" bIns="0"/>
           <a:p>
-            <a:endParaRPr b="0" lang="zh-CN" sz="2800" spc="-1" strike="noStrike">
-              <a:solidFill>
-                <a:srgbClr val="000000"/>
-              </a:solidFill>
-              <a:uFill>
-                <a:solidFill>
-                  <a:srgbClr val="ffffff"/>
-                </a:solidFill>
-              </a:uFill>
-              <a:latin typeface="Calibri"/>
+            <a:endParaRPr b="0" lang="en-US" sz="3200" spc="-1" strike="noStrike">
+              <a:solidFill>
+                <a:srgbClr val="000000"/>
+              </a:solidFill>
+              <a:uFill>
+                <a:solidFill>
+                  <a:srgbClr val="ffffff"/>
+                </a:solidFill>
+              </a:uFill>
+              <a:latin typeface="Arial"/>
             </a:endParaRPr>
           </a:p>
         </p:txBody>
@@ -1745,7 +1763,7 @@
       </p:grpSpPr>
       <p:sp>
         <p:nvSpPr>
-          <p:cNvPr id="68" name="PlaceHolder 1"/>
+          <p:cNvPr id="62" name="PlaceHolder 1"/>
           <p:cNvSpPr>
             <a:spLocks noGrp="1"/>
           </p:cNvSpPr>
@@ -1755,8 +1773,8 @@
         </p:nvSpPr>
         <p:spPr>
           <a:xfrm>
-            <a:off x="838080" y="365040"/>
-            <a:ext cx="10515240" cy="1325160"/>
+            <a:off x="609480" y="273600"/>
+            <a:ext cx="10972440" cy="1144800"/>
           </a:xfrm>
           <a:prstGeom prst="rect">
             <a:avLst/>
@@ -1765,23 +1783,24 @@
         <p:txBody>
           <a:bodyPr lIns="0" rIns="0" tIns="0" bIns="0" anchor="ctr"/>
           <a:p>
-            <a:endParaRPr b="0" lang="zh-CN" sz="1800" spc="-1" strike="noStrike">
-              <a:solidFill>
-                <a:srgbClr val="000000"/>
-              </a:solidFill>
-              <a:uFill>
-                <a:solidFill>
-                  <a:srgbClr val="ffffff"/>
-                </a:solidFill>
-              </a:uFill>
-              <a:latin typeface="Calibri"/>
-            </a:endParaRPr>
-          </a:p>
-        </p:txBody>
-      </p:sp>
-      <p:sp>
-        <p:nvSpPr>
-          <p:cNvPr id="69" name="PlaceHolder 2"/>
+            <a:pPr algn="ctr"/>
+            <a:endParaRPr b="0" lang="en-US" sz="4400" spc="-1" strike="noStrike">
+              <a:solidFill>
+                <a:srgbClr val="000000"/>
+              </a:solidFill>
+              <a:uFill>
+                <a:solidFill>
+                  <a:srgbClr val="ffffff"/>
+                </a:solidFill>
+              </a:uFill>
+              <a:latin typeface="Arial"/>
+            </a:endParaRPr>
+          </a:p>
+        </p:txBody>
+      </p:sp>
+      <p:sp>
+        <p:nvSpPr>
+          <p:cNvPr id="63" name="PlaceHolder 2"/>
           <p:cNvSpPr>
             <a:spLocks noGrp="1"/>
           </p:cNvSpPr>
@@ -1791,8 +1810,8 @@
         </p:nvSpPr>
         <p:spPr>
           <a:xfrm>
-            <a:off x="838080" y="1825560"/>
-            <a:ext cx="5131080" cy="2075040"/>
+            <a:off x="609480" y="1604520"/>
+            <a:ext cx="5354280" cy="1896840"/>
           </a:xfrm>
           <a:prstGeom prst="rect">
             <a:avLst/>
@@ -1801,23 +1820,23 @@
         <p:txBody>
           <a:bodyPr lIns="0" rIns="0" tIns="0" bIns="0"/>
           <a:p>
-            <a:endParaRPr b="0" lang="zh-CN" sz="2800" spc="-1" strike="noStrike">
-              <a:solidFill>
-                <a:srgbClr val="000000"/>
-              </a:solidFill>
-              <a:uFill>
-                <a:solidFill>
-                  <a:srgbClr val="ffffff"/>
-                </a:solidFill>
-              </a:uFill>
-              <a:latin typeface="Calibri"/>
-            </a:endParaRPr>
-          </a:p>
-        </p:txBody>
-      </p:sp>
-      <p:sp>
-        <p:nvSpPr>
-          <p:cNvPr id="70" name="PlaceHolder 3"/>
+            <a:endParaRPr b="0" lang="en-US" sz="3200" spc="-1" strike="noStrike">
+              <a:solidFill>
+                <a:srgbClr val="000000"/>
+              </a:solidFill>
+              <a:uFill>
+                <a:solidFill>
+                  <a:srgbClr val="ffffff"/>
+                </a:solidFill>
+              </a:uFill>
+              <a:latin typeface="Arial"/>
+            </a:endParaRPr>
+          </a:p>
+        </p:txBody>
+      </p:sp>
+      <p:sp>
+        <p:nvSpPr>
+          <p:cNvPr id="64" name="PlaceHolder 3"/>
           <p:cNvSpPr>
             <a:spLocks noGrp="1"/>
           </p:cNvSpPr>
@@ -1827,8 +1846,8 @@
         </p:nvSpPr>
         <p:spPr>
           <a:xfrm>
-            <a:off x="6226200" y="1825560"/>
-            <a:ext cx="5131080" cy="2075040"/>
+            <a:off x="6231960" y="1604520"/>
+            <a:ext cx="5354280" cy="1896840"/>
           </a:xfrm>
           <a:prstGeom prst="rect">
             <a:avLst/>
@@ -1837,23 +1856,23 @@
         <p:txBody>
           <a:bodyPr lIns="0" rIns="0" tIns="0" bIns="0"/>
           <a:p>
-            <a:endParaRPr b="0" lang="zh-CN" sz="2800" spc="-1" strike="noStrike">
-              <a:solidFill>
-                <a:srgbClr val="000000"/>
-              </a:solidFill>
-              <a:uFill>
-                <a:solidFill>
-                  <a:srgbClr val="ffffff"/>
-                </a:solidFill>
-              </a:uFill>
-              <a:latin typeface="Calibri"/>
-            </a:endParaRPr>
-          </a:p>
-        </p:txBody>
-      </p:sp>
-      <p:sp>
-        <p:nvSpPr>
-          <p:cNvPr id="71" name="PlaceHolder 4"/>
+            <a:endParaRPr b="0" lang="en-US" sz="3200" spc="-1" strike="noStrike">
+              <a:solidFill>
+                <a:srgbClr val="000000"/>
+              </a:solidFill>
+              <a:uFill>
+                <a:solidFill>
+                  <a:srgbClr val="ffffff"/>
+                </a:solidFill>
+              </a:uFill>
+              <a:latin typeface="Arial"/>
+            </a:endParaRPr>
+          </a:p>
+        </p:txBody>
+      </p:sp>
+      <p:sp>
+        <p:nvSpPr>
+          <p:cNvPr id="65" name="PlaceHolder 4"/>
           <p:cNvSpPr>
             <a:spLocks noGrp="1"/>
           </p:cNvSpPr>
@@ -1863,8 +1882,8 @@
         </p:nvSpPr>
         <p:spPr>
           <a:xfrm>
-            <a:off x="6226200" y="4098240"/>
-            <a:ext cx="5131080" cy="2075040"/>
+            <a:off x="6231960" y="3682080"/>
+            <a:ext cx="5354280" cy="1896840"/>
           </a:xfrm>
           <a:prstGeom prst="rect">
             <a:avLst/>
@@ -1873,23 +1892,23 @@
         <p:txBody>
           <a:bodyPr lIns="0" rIns="0" tIns="0" bIns="0"/>
           <a:p>
-            <a:endParaRPr b="0" lang="zh-CN" sz="2800" spc="-1" strike="noStrike">
-              <a:solidFill>
-                <a:srgbClr val="000000"/>
-              </a:solidFill>
-              <a:uFill>
-                <a:solidFill>
-                  <a:srgbClr val="ffffff"/>
-                </a:solidFill>
-              </a:uFill>
-              <a:latin typeface="Calibri"/>
-            </a:endParaRPr>
-          </a:p>
-        </p:txBody>
-      </p:sp>
-      <p:sp>
-        <p:nvSpPr>
-          <p:cNvPr id="72" name="PlaceHolder 5"/>
+            <a:endParaRPr b="0" lang="en-US" sz="3200" spc="-1" strike="noStrike">
+              <a:solidFill>
+                <a:srgbClr val="000000"/>
+              </a:solidFill>
+              <a:uFill>
+                <a:solidFill>
+                  <a:srgbClr val="ffffff"/>
+                </a:solidFill>
+              </a:uFill>
+              <a:latin typeface="Arial"/>
+            </a:endParaRPr>
+          </a:p>
+        </p:txBody>
+      </p:sp>
+      <p:sp>
+        <p:nvSpPr>
+          <p:cNvPr id="66" name="PlaceHolder 5"/>
           <p:cNvSpPr>
             <a:spLocks noGrp="1"/>
           </p:cNvSpPr>
@@ -1899,8 +1918,8 @@
         </p:nvSpPr>
         <p:spPr>
           <a:xfrm>
-            <a:off x="838080" y="4098240"/>
-            <a:ext cx="5131080" cy="2075040"/>
+            <a:off x="609480" y="3682080"/>
+            <a:ext cx="5354280" cy="1896840"/>
           </a:xfrm>
           <a:prstGeom prst="rect">
             <a:avLst/>
@@ -1909,16 +1928,16 @@
         <p:txBody>
           <a:bodyPr lIns="0" rIns="0" tIns="0" bIns="0"/>
           <a:p>
-            <a:endParaRPr b="0" lang="zh-CN" sz="2800" spc="-1" strike="noStrike">
-              <a:solidFill>
-                <a:srgbClr val="000000"/>
-              </a:solidFill>
-              <a:uFill>
-                <a:solidFill>
-                  <a:srgbClr val="ffffff"/>
-                </a:solidFill>
-              </a:uFill>
-              <a:latin typeface="Calibri"/>
+            <a:endParaRPr b="0" lang="en-US" sz="3200" spc="-1" strike="noStrike">
+              <a:solidFill>
+                <a:srgbClr val="000000"/>
+              </a:solidFill>
+              <a:uFill>
+                <a:solidFill>
+                  <a:srgbClr val="ffffff"/>
+                </a:solidFill>
+              </a:uFill>
+              <a:latin typeface="Arial"/>
             </a:endParaRPr>
           </a:p>
         </p:txBody>
@@ -1947,7 +1966,7 @@
       </p:grpSpPr>
       <p:sp>
         <p:nvSpPr>
-          <p:cNvPr id="73" name="PlaceHolder 1"/>
+          <p:cNvPr id="67" name="PlaceHolder 1"/>
           <p:cNvSpPr>
             <a:spLocks noGrp="1"/>
           </p:cNvSpPr>
@@ -1957,8 +1976,8 @@
         </p:nvSpPr>
         <p:spPr>
           <a:xfrm>
-            <a:off x="838080" y="365040"/>
-            <a:ext cx="10515240" cy="1325160"/>
+            <a:off x="609480" y="273600"/>
+            <a:ext cx="10972440" cy="1144800"/>
           </a:xfrm>
           <a:prstGeom prst="rect">
             <a:avLst/>
@@ -1967,23 +1986,24 @@
         <p:txBody>
           <a:bodyPr lIns="0" rIns="0" tIns="0" bIns="0" anchor="ctr"/>
           <a:p>
-            <a:endParaRPr b="0" lang="zh-CN" sz="1800" spc="-1" strike="noStrike">
-              <a:solidFill>
-                <a:srgbClr val="000000"/>
-              </a:solidFill>
-              <a:uFill>
-                <a:solidFill>
-                  <a:srgbClr val="ffffff"/>
-                </a:solidFill>
-              </a:uFill>
-              <a:latin typeface="Calibri"/>
-            </a:endParaRPr>
-          </a:p>
-        </p:txBody>
-      </p:sp>
-      <p:sp>
-        <p:nvSpPr>
-          <p:cNvPr id="74" name="PlaceHolder 2"/>
+            <a:pPr algn="ctr"/>
+            <a:endParaRPr b="0" lang="en-US" sz="4400" spc="-1" strike="noStrike">
+              <a:solidFill>
+                <a:srgbClr val="000000"/>
+              </a:solidFill>
+              <a:uFill>
+                <a:solidFill>
+                  <a:srgbClr val="ffffff"/>
+                </a:solidFill>
+              </a:uFill>
+              <a:latin typeface="Arial"/>
+            </a:endParaRPr>
+          </a:p>
+        </p:txBody>
+      </p:sp>
+      <p:sp>
+        <p:nvSpPr>
+          <p:cNvPr id="68" name="PlaceHolder 2"/>
           <p:cNvSpPr>
             <a:spLocks noGrp="1"/>
           </p:cNvSpPr>
@@ -1993,8 +2013,8 @@
         </p:nvSpPr>
         <p:spPr>
           <a:xfrm>
-            <a:off x="838080" y="1825560"/>
-            <a:ext cx="10515240" cy="4350960"/>
+            <a:off x="609480" y="1604520"/>
+            <a:ext cx="10972440" cy="3977280"/>
           </a:xfrm>
           <a:prstGeom prst="rect">
             <a:avLst/>
@@ -2003,23 +2023,23 @@
         <p:txBody>
           <a:bodyPr lIns="0" rIns="0" tIns="0" bIns="0"/>
           <a:p>
-            <a:endParaRPr b="0" lang="zh-CN" sz="2800" spc="-1" strike="noStrike">
-              <a:solidFill>
-                <a:srgbClr val="000000"/>
-              </a:solidFill>
-              <a:uFill>
-                <a:solidFill>
-                  <a:srgbClr val="ffffff"/>
-                </a:solidFill>
-              </a:uFill>
-              <a:latin typeface="Calibri"/>
-            </a:endParaRPr>
-          </a:p>
-        </p:txBody>
-      </p:sp>
-      <p:sp>
-        <p:nvSpPr>
-          <p:cNvPr id="75" name="PlaceHolder 3"/>
+            <a:endParaRPr b="0" lang="en-US" sz="3200" spc="-1" strike="noStrike">
+              <a:solidFill>
+                <a:srgbClr val="000000"/>
+              </a:solidFill>
+              <a:uFill>
+                <a:solidFill>
+                  <a:srgbClr val="ffffff"/>
+                </a:solidFill>
+              </a:uFill>
+              <a:latin typeface="Arial"/>
+            </a:endParaRPr>
+          </a:p>
+        </p:txBody>
+      </p:sp>
+      <p:sp>
+        <p:nvSpPr>
+          <p:cNvPr id="69" name="PlaceHolder 3"/>
           <p:cNvSpPr>
             <a:spLocks noGrp="1"/>
           </p:cNvSpPr>
@@ -2029,8 +2049,8 @@
         </p:nvSpPr>
         <p:spPr>
           <a:xfrm>
-            <a:off x="838080" y="1825560"/>
-            <a:ext cx="10515240" cy="4350960"/>
+            <a:off x="609480" y="1604520"/>
+            <a:ext cx="10972440" cy="3977280"/>
           </a:xfrm>
           <a:prstGeom prst="rect">
             <a:avLst/>
@@ -2039,23 +2059,23 @@
         <p:txBody>
           <a:bodyPr lIns="0" rIns="0" tIns="0" bIns="0"/>
           <a:p>
-            <a:endParaRPr b="0" lang="zh-CN" sz="2800" spc="-1" strike="noStrike">
-              <a:solidFill>
-                <a:srgbClr val="000000"/>
-              </a:solidFill>
-              <a:uFill>
-                <a:solidFill>
-                  <a:srgbClr val="ffffff"/>
-                </a:solidFill>
-              </a:uFill>
-              <a:latin typeface="Calibri"/>
+            <a:endParaRPr b="0" lang="en-US" sz="3200" spc="-1" strike="noStrike">
+              <a:solidFill>
+                <a:srgbClr val="000000"/>
+              </a:solidFill>
+              <a:uFill>
+                <a:solidFill>
+                  <a:srgbClr val="ffffff"/>
+                </a:solidFill>
+              </a:uFill>
+              <a:latin typeface="Arial"/>
             </a:endParaRPr>
           </a:p>
         </p:txBody>
       </p:sp>
       <p:pic>
         <p:nvPicPr>
-          <p:cNvPr id="76" name="" descr=""/>
+          <p:cNvPr id="70" name="" descr=""/>
           <p:cNvPicPr/>
           <p:nvPr/>
         </p:nvPicPr>
@@ -2065,8 +2085,8 @@
         </p:blipFill>
         <p:spPr>
           <a:xfrm>
-            <a:off x="3368880" y="1825560"/>
-            <a:ext cx="5452920" cy="4350960"/>
+            <a:off x="3602880" y="1604520"/>
+            <a:ext cx="4984920" cy="3977280"/>
           </a:xfrm>
           <a:prstGeom prst="rect">
             <a:avLst/>
@@ -2078,7 +2098,7 @@
       </p:pic>
       <p:pic>
         <p:nvPicPr>
-          <p:cNvPr id="77" name="" descr=""/>
+          <p:cNvPr id="71" name="" descr=""/>
           <p:cNvPicPr/>
           <p:nvPr/>
         </p:nvPicPr>
@@ -2088,8 +2108,8 @@
         </p:blipFill>
         <p:spPr>
           <a:xfrm>
-            <a:off x="3368880" y="1825560"/>
-            <a:ext cx="5452920" cy="4350960"/>
+            <a:off x="3602880" y="1604520"/>
+            <a:ext cx="4984920" cy="3977280"/>
           </a:xfrm>
           <a:prstGeom prst="rect">
             <a:avLst/>
@@ -2123,7 +2143,7 @@
       </p:grpSpPr>
       <p:sp>
         <p:nvSpPr>
-          <p:cNvPr id="7" name="PlaceHolder 1"/>
+          <p:cNvPr id="4" name="PlaceHolder 1"/>
           <p:cNvSpPr>
             <a:spLocks noGrp="1"/>
           </p:cNvSpPr>
@@ -2133,8 +2153,8 @@
         </p:nvSpPr>
         <p:spPr>
           <a:xfrm>
-            <a:off x="838080" y="365040"/>
-            <a:ext cx="10515240" cy="1325160"/>
+            <a:off x="609480" y="273600"/>
+            <a:ext cx="10972440" cy="1144800"/>
           </a:xfrm>
           <a:prstGeom prst="rect">
             <a:avLst/>
@@ -2143,23 +2163,24 @@
         <p:txBody>
           <a:bodyPr lIns="0" rIns="0" tIns="0" bIns="0" anchor="ctr"/>
           <a:p>
-            <a:endParaRPr b="0" lang="zh-CN" sz="1800" spc="-1" strike="noStrike">
-              <a:solidFill>
-                <a:srgbClr val="000000"/>
-              </a:solidFill>
-              <a:uFill>
-                <a:solidFill>
-                  <a:srgbClr val="ffffff"/>
-                </a:solidFill>
-              </a:uFill>
-              <a:latin typeface="Calibri"/>
-            </a:endParaRPr>
-          </a:p>
-        </p:txBody>
-      </p:sp>
-      <p:sp>
-        <p:nvSpPr>
-          <p:cNvPr id="8" name="PlaceHolder 2"/>
+            <a:pPr algn="ctr"/>
+            <a:endParaRPr b="0" lang="en-US" sz="4400" spc="-1" strike="noStrike">
+              <a:solidFill>
+                <a:srgbClr val="000000"/>
+              </a:solidFill>
+              <a:uFill>
+                <a:solidFill>
+                  <a:srgbClr val="ffffff"/>
+                </a:solidFill>
+              </a:uFill>
+              <a:latin typeface="Arial"/>
+            </a:endParaRPr>
+          </a:p>
+        </p:txBody>
+      </p:sp>
+      <p:sp>
+        <p:nvSpPr>
+          <p:cNvPr id="5" name="PlaceHolder 2"/>
           <p:cNvSpPr>
             <a:spLocks noGrp="1"/>
           </p:cNvSpPr>
@@ -2169,8 +2190,8 @@
         </p:nvSpPr>
         <p:spPr>
           <a:xfrm>
-            <a:off x="838080" y="1825560"/>
-            <a:ext cx="10515240" cy="4350960"/>
+            <a:off x="609480" y="1604520"/>
+            <a:ext cx="10972440" cy="3977280"/>
           </a:xfrm>
           <a:prstGeom prst="rect">
             <a:avLst/>
@@ -2179,16 +2200,16 @@
         <p:txBody>
           <a:bodyPr lIns="0" rIns="0" tIns="0" bIns="0"/>
           <a:p>
-            <a:endParaRPr b="0" lang="zh-CN" sz="2800" spc="-1" strike="noStrike">
-              <a:solidFill>
-                <a:srgbClr val="000000"/>
-              </a:solidFill>
-              <a:uFill>
-                <a:solidFill>
-                  <a:srgbClr val="ffffff"/>
-                </a:solidFill>
-              </a:uFill>
-              <a:latin typeface="Calibri"/>
+            <a:endParaRPr b="0" lang="en-US" sz="3200" spc="-1" strike="noStrike">
+              <a:solidFill>
+                <a:srgbClr val="000000"/>
+              </a:solidFill>
+              <a:uFill>
+                <a:solidFill>
+                  <a:srgbClr val="ffffff"/>
+                </a:solidFill>
+              </a:uFill>
+              <a:latin typeface="Arial"/>
             </a:endParaRPr>
           </a:p>
         </p:txBody>
@@ -2217,7 +2238,7 @@
       </p:grpSpPr>
       <p:sp>
         <p:nvSpPr>
-          <p:cNvPr id="9" name="PlaceHolder 1"/>
+          <p:cNvPr id="6" name="PlaceHolder 1"/>
           <p:cNvSpPr>
             <a:spLocks noGrp="1"/>
           </p:cNvSpPr>
@@ -2227,8 +2248,8 @@
         </p:nvSpPr>
         <p:spPr>
           <a:xfrm>
-            <a:off x="838080" y="365040"/>
-            <a:ext cx="10515240" cy="1325160"/>
+            <a:off x="609480" y="273600"/>
+            <a:ext cx="10972440" cy="1144800"/>
           </a:xfrm>
           <a:prstGeom prst="rect">
             <a:avLst/>
@@ -2237,23 +2258,24 @@
         <p:txBody>
           <a:bodyPr lIns="0" rIns="0" tIns="0" bIns="0" anchor="ctr"/>
           <a:p>
-            <a:endParaRPr b="0" lang="zh-CN" sz="1800" spc="-1" strike="noStrike">
-              <a:solidFill>
-                <a:srgbClr val="000000"/>
-              </a:solidFill>
-              <a:uFill>
-                <a:solidFill>
-                  <a:srgbClr val="ffffff"/>
-                </a:solidFill>
-              </a:uFill>
-              <a:latin typeface="Calibri"/>
-            </a:endParaRPr>
-          </a:p>
-        </p:txBody>
-      </p:sp>
-      <p:sp>
-        <p:nvSpPr>
-          <p:cNvPr id="10" name="PlaceHolder 2"/>
+            <a:pPr algn="ctr"/>
+            <a:endParaRPr b="0" lang="en-US" sz="4400" spc="-1" strike="noStrike">
+              <a:solidFill>
+                <a:srgbClr val="000000"/>
+              </a:solidFill>
+              <a:uFill>
+                <a:solidFill>
+                  <a:srgbClr val="ffffff"/>
+                </a:solidFill>
+              </a:uFill>
+              <a:latin typeface="Arial"/>
+            </a:endParaRPr>
+          </a:p>
+        </p:txBody>
+      </p:sp>
+      <p:sp>
+        <p:nvSpPr>
+          <p:cNvPr id="7" name="PlaceHolder 2"/>
           <p:cNvSpPr>
             <a:spLocks noGrp="1"/>
           </p:cNvSpPr>
@@ -2263,8 +2285,8 @@
         </p:nvSpPr>
         <p:spPr>
           <a:xfrm>
-            <a:off x="838080" y="1825560"/>
-            <a:ext cx="5131080" cy="4350960"/>
+            <a:off x="609480" y="1604520"/>
+            <a:ext cx="5354280" cy="3977280"/>
           </a:xfrm>
           <a:prstGeom prst="rect">
             <a:avLst/>
@@ -2273,23 +2295,23 @@
         <p:txBody>
           <a:bodyPr lIns="0" rIns="0" tIns="0" bIns="0"/>
           <a:p>
-            <a:endParaRPr b="0" lang="zh-CN" sz="2800" spc="-1" strike="noStrike">
-              <a:solidFill>
-                <a:srgbClr val="000000"/>
-              </a:solidFill>
-              <a:uFill>
-                <a:solidFill>
-                  <a:srgbClr val="ffffff"/>
-                </a:solidFill>
-              </a:uFill>
-              <a:latin typeface="Calibri"/>
-            </a:endParaRPr>
-          </a:p>
-        </p:txBody>
-      </p:sp>
-      <p:sp>
-        <p:nvSpPr>
-          <p:cNvPr id="11" name="PlaceHolder 3"/>
+            <a:endParaRPr b="0" lang="en-US" sz="3200" spc="-1" strike="noStrike">
+              <a:solidFill>
+                <a:srgbClr val="000000"/>
+              </a:solidFill>
+              <a:uFill>
+                <a:solidFill>
+                  <a:srgbClr val="ffffff"/>
+                </a:solidFill>
+              </a:uFill>
+              <a:latin typeface="Arial"/>
+            </a:endParaRPr>
+          </a:p>
+        </p:txBody>
+      </p:sp>
+      <p:sp>
+        <p:nvSpPr>
+          <p:cNvPr id="8" name="PlaceHolder 3"/>
           <p:cNvSpPr>
             <a:spLocks noGrp="1"/>
           </p:cNvSpPr>
@@ -2299,8 +2321,8 @@
         </p:nvSpPr>
         <p:spPr>
           <a:xfrm>
-            <a:off x="6226200" y="1825560"/>
-            <a:ext cx="5131080" cy="4350960"/>
+            <a:off x="6231960" y="1604520"/>
+            <a:ext cx="5354280" cy="3977280"/>
           </a:xfrm>
           <a:prstGeom prst="rect">
             <a:avLst/>
@@ -2309,16 +2331,16 @@
         <p:txBody>
           <a:bodyPr lIns="0" rIns="0" tIns="0" bIns="0"/>
           <a:p>
-            <a:endParaRPr b="0" lang="zh-CN" sz="2800" spc="-1" strike="noStrike">
-              <a:solidFill>
-                <a:srgbClr val="000000"/>
-              </a:solidFill>
-              <a:uFill>
-                <a:solidFill>
-                  <a:srgbClr val="ffffff"/>
-                </a:solidFill>
-              </a:uFill>
-              <a:latin typeface="Calibri"/>
+            <a:endParaRPr b="0" lang="en-US" sz="3200" spc="-1" strike="noStrike">
+              <a:solidFill>
+                <a:srgbClr val="000000"/>
+              </a:solidFill>
+              <a:uFill>
+                <a:solidFill>
+                  <a:srgbClr val="ffffff"/>
+                </a:solidFill>
+              </a:uFill>
+              <a:latin typeface="Arial"/>
             </a:endParaRPr>
           </a:p>
         </p:txBody>
@@ -2347,7 +2369,7 @@
       </p:grpSpPr>
       <p:sp>
         <p:nvSpPr>
-          <p:cNvPr id="12" name="PlaceHolder 1"/>
+          <p:cNvPr id="9" name="PlaceHolder 1"/>
           <p:cNvSpPr>
             <a:spLocks noGrp="1"/>
           </p:cNvSpPr>
@@ -2357,8 +2379,8 @@
         </p:nvSpPr>
         <p:spPr>
           <a:xfrm>
-            <a:off x="838080" y="365040"/>
-            <a:ext cx="10515240" cy="1325160"/>
+            <a:off x="609480" y="273600"/>
+            <a:ext cx="10972440" cy="1144800"/>
           </a:xfrm>
           <a:prstGeom prst="rect">
             <a:avLst/>
@@ -2367,16 +2389,17 @@
         <p:txBody>
           <a:bodyPr lIns="0" rIns="0" tIns="0" bIns="0" anchor="ctr"/>
           <a:p>
-            <a:endParaRPr b="0" lang="zh-CN" sz="1800" spc="-1" strike="noStrike">
-              <a:solidFill>
-                <a:srgbClr val="000000"/>
-              </a:solidFill>
-              <a:uFill>
-                <a:solidFill>
-                  <a:srgbClr val="ffffff"/>
-                </a:solidFill>
-              </a:uFill>
-              <a:latin typeface="Calibri"/>
+            <a:pPr algn="ctr"/>
+            <a:endParaRPr b="0" lang="en-US" sz="4400" spc="-1" strike="noStrike">
+              <a:solidFill>
+                <a:srgbClr val="000000"/>
+              </a:solidFill>
+              <a:uFill>
+                <a:solidFill>
+                  <a:srgbClr val="ffffff"/>
+                </a:solidFill>
+              </a:uFill>
+              <a:latin typeface="Arial"/>
             </a:endParaRPr>
           </a:p>
         </p:txBody>
@@ -2405,7 +2428,7 @@
       </p:grpSpPr>
       <p:sp>
         <p:nvSpPr>
-          <p:cNvPr id="13" name="PlaceHolder 1"/>
+          <p:cNvPr id="10" name="PlaceHolder 1"/>
           <p:cNvSpPr>
             <a:spLocks noGrp="1"/>
           </p:cNvSpPr>
@@ -2415,8 +2438,8 @@
         </p:nvSpPr>
         <p:spPr>
           <a:xfrm>
-            <a:off x="838080" y="365040"/>
-            <a:ext cx="10515240" cy="6144120"/>
+            <a:off x="609480" y="273600"/>
+            <a:ext cx="10972440" cy="5307840"/>
           </a:xfrm>
           <a:prstGeom prst="rect">
             <a:avLst/>
@@ -2464,7 +2487,7 @@
       </p:grpSpPr>
       <p:sp>
         <p:nvSpPr>
-          <p:cNvPr id="14" name="PlaceHolder 1"/>
+          <p:cNvPr id="11" name="PlaceHolder 1"/>
           <p:cNvSpPr>
             <a:spLocks noGrp="1"/>
           </p:cNvSpPr>
@@ -2474,8 +2497,8 @@
         </p:nvSpPr>
         <p:spPr>
           <a:xfrm>
-            <a:off x="838080" y="365040"/>
-            <a:ext cx="10515240" cy="1325160"/>
+            <a:off x="609480" y="273600"/>
+            <a:ext cx="10972440" cy="1144800"/>
           </a:xfrm>
           <a:prstGeom prst="rect">
             <a:avLst/>
@@ -2484,23 +2507,24 @@
         <p:txBody>
           <a:bodyPr lIns="0" rIns="0" tIns="0" bIns="0" anchor="ctr"/>
           <a:p>
-            <a:endParaRPr b="0" lang="zh-CN" sz="1800" spc="-1" strike="noStrike">
-              <a:solidFill>
-                <a:srgbClr val="000000"/>
-              </a:solidFill>
-              <a:uFill>
-                <a:solidFill>
-                  <a:srgbClr val="ffffff"/>
-                </a:solidFill>
-              </a:uFill>
-              <a:latin typeface="Calibri"/>
-            </a:endParaRPr>
-          </a:p>
-        </p:txBody>
-      </p:sp>
-      <p:sp>
-        <p:nvSpPr>
-          <p:cNvPr id="15" name="PlaceHolder 2"/>
+            <a:pPr algn="ctr"/>
+            <a:endParaRPr b="0" lang="en-US" sz="4400" spc="-1" strike="noStrike">
+              <a:solidFill>
+                <a:srgbClr val="000000"/>
+              </a:solidFill>
+              <a:uFill>
+                <a:solidFill>
+                  <a:srgbClr val="ffffff"/>
+                </a:solidFill>
+              </a:uFill>
+              <a:latin typeface="Arial"/>
+            </a:endParaRPr>
+          </a:p>
+        </p:txBody>
+      </p:sp>
+      <p:sp>
+        <p:nvSpPr>
+          <p:cNvPr id="12" name="PlaceHolder 2"/>
           <p:cNvSpPr>
             <a:spLocks noGrp="1"/>
           </p:cNvSpPr>
@@ -2510,8 +2534,8 @@
         </p:nvSpPr>
         <p:spPr>
           <a:xfrm>
-            <a:off x="838080" y="1825560"/>
-            <a:ext cx="5131080" cy="2075040"/>
+            <a:off x="609480" y="1604520"/>
+            <a:ext cx="5354280" cy="1896840"/>
           </a:xfrm>
           <a:prstGeom prst="rect">
             <a:avLst/>
@@ -2520,23 +2544,23 @@
         <p:txBody>
           <a:bodyPr lIns="0" rIns="0" tIns="0" bIns="0"/>
           <a:p>
-            <a:endParaRPr b="0" lang="zh-CN" sz="2800" spc="-1" strike="noStrike">
-              <a:solidFill>
-                <a:srgbClr val="000000"/>
-              </a:solidFill>
-              <a:uFill>
-                <a:solidFill>
-                  <a:srgbClr val="ffffff"/>
-                </a:solidFill>
-              </a:uFill>
-              <a:latin typeface="Calibri"/>
-            </a:endParaRPr>
-          </a:p>
-        </p:txBody>
-      </p:sp>
-      <p:sp>
-        <p:nvSpPr>
-          <p:cNvPr id="16" name="PlaceHolder 3"/>
+            <a:endParaRPr b="0" lang="en-US" sz="3200" spc="-1" strike="noStrike">
+              <a:solidFill>
+                <a:srgbClr val="000000"/>
+              </a:solidFill>
+              <a:uFill>
+                <a:solidFill>
+                  <a:srgbClr val="ffffff"/>
+                </a:solidFill>
+              </a:uFill>
+              <a:latin typeface="Arial"/>
+            </a:endParaRPr>
+          </a:p>
+        </p:txBody>
+      </p:sp>
+      <p:sp>
+        <p:nvSpPr>
+          <p:cNvPr id="13" name="PlaceHolder 3"/>
           <p:cNvSpPr>
             <a:spLocks noGrp="1"/>
           </p:cNvSpPr>
@@ -2546,8 +2570,8 @@
         </p:nvSpPr>
         <p:spPr>
           <a:xfrm>
-            <a:off x="838080" y="4098240"/>
-            <a:ext cx="5131080" cy="2075040"/>
+            <a:off x="609480" y="3682080"/>
+            <a:ext cx="5354280" cy="1896840"/>
           </a:xfrm>
           <a:prstGeom prst="rect">
             <a:avLst/>
@@ -2556,23 +2580,23 @@
         <p:txBody>
           <a:bodyPr lIns="0" rIns="0" tIns="0" bIns="0"/>
           <a:p>
-            <a:endParaRPr b="0" lang="zh-CN" sz="2800" spc="-1" strike="noStrike">
-              <a:solidFill>
-                <a:srgbClr val="000000"/>
-              </a:solidFill>
-              <a:uFill>
-                <a:solidFill>
-                  <a:srgbClr val="ffffff"/>
-                </a:solidFill>
-              </a:uFill>
-              <a:latin typeface="Calibri"/>
-            </a:endParaRPr>
-          </a:p>
-        </p:txBody>
-      </p:sp>
-      <p:sp>
-        <p:nvSpPr>
-          <p:cNvPr id="17" name="PlaceHolder 4"/>
+            <a:endParaRPr b="0" lang="en-US" sz="3200" spc="-1" strike="noStrike">
+              <a:solidFill>
+                <a:srgbClr val="000000"/>
+              </a:solidFill>
+              <a:uFill>
+                <a:solidFill>
+                  <a:srgbClr val="ffffff"/>
+                </a:solidFill>
+              </a:uFill>
+              <a:latin typeface="Arial"/>
+            </a:endParaRPr>
+          </a:p>
+        </p:txBody>
+      </p:sp>
+      <p:sp>
+        <p:nvSpPr>
+          <p:cNvPr id="14" name="PlaceHolder 4"/>
           <p:cNvSpPr>
             <a:spLocks noGrp="1"/>
           </p:cNvSpPr>
@@ -2582,8 +2606,8 @@
         </p:nvSpPr>
         <p:spPr>
           <a:xfrm>
-            <a:off x="6226200" y="1825560"/>
-            <a:ext cx="5131080" cy="4350960"/>
+            <a:off x="6231960" y="1604520"/>
+            <a:ext cx="5354280" cy="3977280"/>
           </a:xfrm>
           <a:prstGeom prst="rect">
             <a:avLst/>
@@ -2592,16 +2616,16 @@
         <p:txBody>
           <a:bodyPr lIns="0" rIns="0" tIns="0" bIns="0"/>
           <a:p>
-            <a:endParaRPr b="0" lang="zh-CN" sz="2800" spc="-1" strike="noStrike">
-              <a:solidFill>
-                <a:srgbClr val="000000"/>
-              </a:solidFill>
-              <a:uFill>
-                <a:solidFill>
-                  <a:srgbClr val="ffffff"/>
-                </a:solidFill>
-              </a:uFill>
-              <a:latin typeface="Calibri"/>
+            <a:endParaRPr b="0" lang="en-US" sz="3200" spc="-1" strike="noStrike">
+              <a:solidFill>
+                <a:srgbClr val="000000"/>
+              </a:solidFill>
+              <a:uFill>
+                <a:solidFill>
+                  <a:srgbClr val="ffffff"/>
+                </a:solidFill>
+              </a:uFill>
+              <a:latin typeface="Arial"/>
             </a:endParaRPr>
           </a:p>
         </p:txBody>
@@ -2630,7 +2654,7 @@
       </p:grpSpPr>
       <p:sp>
         <p:nvSpPr>
-          <p:cNvPr id="18" name="PlaceHolder 1"/>
+          <p:cNvPr id="15" name="PlaceHolder 1"/>
           <p:cNvSpPr>
             <a:spLocks noGrp="1"/>
           </p:cNvSpPr>
@@ -2640,8 +2664,8 @@
         </p:nvSpPr>
         <p:spPr>
           <a:xfrm>
-            <a:off x="838080" y="365040"/>
-            <a:ext cx="10515240" cy="1325160"/>
+            <a:off x="609480" y="273600"/>
+            <a:ext cx="10972440" cy="1144800"/>
           </a:xfrm>
           <a:prstGeom prst="rect">
             <a:avLst/>
@@ -2650,23 +2674,24 @@
         <p:txBody>
           <a:bodyPr lIns="0" rIns="0" tIns="0" bIns="0" anchor="ctr"/>
           <a:p>
-            <a:endParaRPr b="0" lang="zh-CN" sz="1800" spc="-1" strike="noStrike">
-              <a:solidFill>
-                <a:srgbClr val="000000"/>
-              </a:solidFill>
-              <a:uFill>
-                <a:solidFill>
-                  <a:srgbClr val="ffffff"/>
-                </a:solidFill>
-              </a:uFill>
-              <a:latin typeface="Calibri"/>
-            </a:endParaRPr>
-          </a:p>
-        </p:txBody>
-      </p:sp>
-      <p:sp>
-        <p:nvSpPr>
-          <p:cNvPr id="19" name="PlaceHolder 2"/>
+            <a:pPr algn="ctr"/>
+            <a:endParaRPr b="0" lang="en-US" sz="4400" spc="-1" strike="noStrike">
+              <a:solidFill>
+                <a:srgbClr val="000000"/>
+              </a:solidFill>
+              <a:uFill>
+                <a:solidFill>
+                  <a:srgbClr val="ffffff"/>
+                </a:solidFill>
+              </a:uFill>
+              <a:latin typeface="Arial"/>
+            </a:endParaRPr>
+          </a:p>
+        </p:txBody>
+      </p:sp>
+      <p:sp>
+        <p:nvSpPr>
+          <p:cNvPr id="16" name="PlaceHolder 2"/>
           <p:cNvSpPr>
             <a:spLocks noGrp="1"/>
           </p:cNvSpPr>
@@ -2676,8 +2701,8 @@
         </p:nvSpPr>
         <p:spPr>
           <a:xfrm>
-            <a:off x="838080" y="1825560"/>
-            <a:ext cx="5131080" cy="4350960"/>
+            <a:off x="609480" y="1604520"/>
+            <a:ext cx="5354280" cy="3977280"/>
           </a:xfrm>
           <a:prstGeom prst="rect">
             <a:avLst/>
@@ -2686,23 +2711,23 @@
         <p:txBody>
           <a:bodyPr lIns="0" rIns="0" tIns="0" bIns="0"/>
           <a:p>
-            <a:endParaRPr b="0" lang="zh-CN" sz="2800" spc="-1" strike="noStrike">
-              <a:solidFill>
-                <a:srgbClr val="000000"/>
-              </a:solidFill>
-              <a:uFill>
-                <a:solidFill>
-                  <a:srgbClr val="ffffff"/>
-                </a:solidFill>
-              </a:uFill>
-              <a:latin typeface="Calibri"/>
-            </a:endParaRPr>
-          </a:p>
-        </p:txBody>
-      </p:sp>
-      <p:sp>
-        <p:nvSpPr>
-          <p:cNvPr id="20" name="PlaceHolder 3"/>
+            <a:endParaRPr b="0" lang="en-US" sz="3200" spc="-1" strike="noStrike">
+              <a:solidFill>
+                <a:srgbClr val="000000"/>
+              </a:solidFill>
+              <a:uFill>
+                <a:solidFill>
+                  <a:srgbClr val="ffffff"/>
+                </a:solidFill>
+              </a:uFill>
+              <a:latin typeface="Arial"/>
+            </a:endParaRPr>
+          </a:p>
+        </p:txBody>
+      </p:sp>
+      <p:sp>
+        <p:nvSpPr>
+          <p:cNvPr id="17" name="PlaceHolder 3"/>
           <p:cNvSpPr>
             <a:spLocks noGrp="1"/>
           </p:cNvSpPr>
@@ -2712,8 +2737,8 @@
         </p:nvSpPr>
         <p:spPr>
           <a:xfrm>
-            <a:off x="6226200" y="1825560"/>
-            <a:ext cx="5131080" cy="2075040"/>
+            <a:off x="6231960" y="1604520"/>
+            <a:ext cx="5354280" cy="1896840"/>
           </a:xfrm>
           <a:prstGeom prst="rect">
             <a:avLst/>
@@ -2722,23 +2747,23 @@
         <p:txBody>
           <a:bodyPr lIns="0" rIns="0" tIns="0" bIns="0"/>
           <a:p>
-            <a:endParaRPr b="0" lang="zh-CN" sz="2800" spc="-1" strike="noStrike">
-              <a:solidFill>
-                <a:srgbClr val="000000"/>
-              </a:solidFill>
-              <a:uFill>
-                <a:solidFill>
-                  <a:srgbClr val="ffffff"/>
-                </a:solidFill>
-              </a:uFill>
-              <a:latin typeface="Calibri"/>
-            </a:endParaRPr>
-          </a:p>
-        </p:txBody>
-      </p:sp>
-      <p:sp>
-        <p:nvSpPr>
-          <p:cNvPr id="21" name="PlaceHolder 4"/>
+            <a:endParaRPr b="0" lang="en-US" sz="3200" spc="-1" strike="noStrike">
+              <a:solidFill>
+                <a:srgbClr val="000000"/>
+              </a:solidFill>
+              <a:uFill>
+                <a:solidFill>
+                  <a:srgbClr val="ffffff"/>
+                </a:solidFill>
+              </a:uFill>
+              <a:latin typeface="Arial"/>
+            </a:endParaRPr>
+          </a:p>
+        </p:txBody>
+      </p:sp>
+      <p:sp>
+        <p:nvSpPr>
+          <p:cNvPr id="18" name="PlaceHolder 4"/>
           <p:cNvSpPr>
             <a:spLocks noGrp="1"/>
           </p:cNvSpPr>
@@ -2748,8 +2773,8 @@
         </p:nvSpPr>
         <p:spPr>
           <a:xfrm>
-            <a:off x="6226200" y="4098240"/>
-            <a:ext cx="5131080" cy="2075040"/>
+            <a:off x="6231960" y="3682080"/>
+            <a:ext cx="5354280" cy="1896840"/>
           </a:xfrm>
           <a:prstGeom prst="rect">
             <a:avLst/>
@@ -2758,16 +2783,16 @@
         <p:txBody>
           <a:bodyPr lIns="0" rIns="0" tIns="0" bIns="0"/>
           <a:p>
-            <a:endParaRPr b="0" lang="zh-CN" sz="2800" spc="-1" strike="noStrike">
-              <a:solidFill>
-                <a:srgbClr val="000000"/>
-              </a:solidFill>
-              <a:uFill>
-                <a:solidFill>
-                  <a:srgbClr val="ffffff"/>
-                </a:solidFill>
-              </a:uFill>
-              <a:latin typeface="Calibri"/>
+            <a:endParaRPr b="0" lang="en-US" sz="3200" spc="-1" strike="noStrike">
+              <a:solidFill>
+                <a:srgbClr val="000000"/>
+              </a:solidFill>
+              <a:uFill>
+                <a:solidFill>
+                  <a:srgbClr val="ffffff"/>
+                </a:solidFill>
+              </a:uFill>
+              <a:latin typeface="Arial"/>
             </a:endParaRPr>
           </a:p>
         </p:txBody>
@@ -2796,7 +2821,7 @@
       </p:grpSpPr>
       <p:sp>
         <p:nvSpPr>
-          <p:cNvPr id="22" name="PlaceHolder 1"/>
+          <p:cNvPr id="19" name="PlaceHolder 1"/>
           <p:cNvSpPr>
             <a:spLocks noGrp="1"/>
           </p:cNvSpPr>
@@ -2806,8 +2831,8 @@
         </p:nvSpPr>
         <p:spPr>
           <a:xfrm>
-            <a:off x="838080" y="365040"/>
-            <a:ext cx="10515240" cy="1325160"/>
+            <a:off x="609480" y="273600"/>
+            <a:ext cx="10972440" cy="1144800"/>
           </a:xfrm>
           <a:prstGeom prst="rect">
             <a:avLst/>
@@ -2816,23 +2841,24 @@
         <p:txBody>
           <a:bodyPr lIns="0" rIns="0" tIns="0" bIns="0" anchor="ctr"/>
           <a:p>
-            <a:endParaRPr b="0" lang="zh-CN" sz="1800" spc="-1" strike="noStrike">
-              <a:solidFill>
-                <a:srgbClr val="000000"/>
-              </a:solidFill>
-              <a:uFill>
-                <a:solidFill>
-                  <a:srgbClr val="ffffff"/>
-                </a:solidFill>
-              </a:uFill>
-              <a:latin typeface="Calibri"/>
-            </a:endParaRPr>
-          </a:p>
-        </p:txBody>
-      </p:sp>
-      <p:sp>
-        <p:nvSpPr>
-          <p:cNvPr id="23" name="PlaceHolder 2"/>
+            <a:pPr algn="ctr"/>
+            <a:endParaRPr b="0" lang="en-US" sz="4400" spc="-1" strike="noStrike">
+              <a:solidFill>
+                <a:srgbClr val="000000"/>
+              </a:solidFill>
+              <a:uFill>
+                <a:solidFill>
+                  <a:srgbClr val="ffffff"/>
+                </a:solidFill>
+              </a:uFill>
+              <a:latin typeface="Arial"/>
+            </a:endParaRPr>
+          </a:p>
+        </p:txBody>
+      </p:sp>
+      <p:sp>
+        <p:nvSpPr>
+          <p:cNvPr id="20" name="PlaceHolder 2"/>
           <p:cNvSpPr>
             <a:spLocks noGrp="1"/>
           </p:cNvSpPr>
@@ -2842,8 +2868,8 @@
         </p:nvSpPr>
         <p:spPr>
           <a:xfrm>
-            <a:off x="838080" y="1825560"/>
-            <a:ext cx="5131080" cy="2075040"/>
+            <a:off x="609480" y="1604520"/>
+            <a:ext cx="5354280" cy="1896840"/>
           </a:xfrm>
           <a:prstGeom prst="rect">
             <a:avLst/>
@@ -2852,23 +2878,23 @@
         <p:txBody>
           <a:bodyPr lIns="0" rIns="0" tIns="0" bIns="0"/>
           <a:p>
-            <a:endParaRPr b="0" lang="zh-CN" sz="2800" spc="-1" strike="noStrike">
-              <a:solidFill>
-                <a:srgbClr val="000000"/>
-              </a:solidFill>
-              <a:uFill>
-                <a:solidFill>
-                  <a:srgbClr val="ffffff"/>
-                </a:solidFill>
-              </a:uFill>
-              <a:latin typeface="Calibri"/>
-            </a:endParaRPr>
-          </a:p>
-        </p:txBody>
-      </p:sp>
-      <p:sp>
-        <p:nvSpPr>
-          <p:cNvPr id="24" name="PlaceHolder 3"/>
+            <a:endParaRPr b="0" lang="en-US" sz="3200" spc="-1" strike="noStrike">
+              <a:solidFill>
+                <a:srgbClr val="000000"/>
+              </a:solidFill>
+              <a:uFill>
+                <a:solidFill>
+                  <a:srgbClr val="ffffff"/>
+                </a:solidFill>
+              </a:uFill>
+              <a:latin typeface="Arial"/>
+            </a:endParaRPr>
+          </a:p>
+        </p:txBody>
+      </p:sp>
+      <p:sp>
+        <p:nvSpPr>
+          <p:cNvPr id="21" name="PlaceHolder 3"/>
           <p:cNvSpPr>
             <a:spLocks noGrp="1"/>
           </p:cNvSpPr>
@@ -2878,8 +2904,8 @@
         </p:nvSpPr>
         <p:spPr>
           <a:xfrm>
-            <a:off x="6226200" y="1825560"/>
-            <a:ext cx="5131080" cy="2075040"/>
+            <a:off x="6231960" y="1604520"/>
+            <a:ext cx="5354280" cy="1896840"/>
           </a:xfrm>
           <a:prstGeom prst="rect">
             <a:avLst/>
@@ -2888,23 +2914,23 @@
         <p:txBody>
           <a:bodyPr lIns="0" rIns="0" tIns="0" bIns="0"/>
           <a:p>
-            <a:endParaRPr b="0" lang="zh-CN" sz="2800" spc="-1" strike="noStrike">
-              <a:solidFill>
-                <a:srgbClr val="000000"/>
-              </a:solidFill>
-              <a:uFill>
-                <a:solidFill>
-                  <a:srgbClr val="ffffff"/>
-                </a:solidFill>
-              </a:uFill>
-              <a:latin typeface="Calibri"/>
-            </a:endParaRPr>
-          </a:p>
-        </p:txBody>
-      </p:sp>
-      <p:sp>
-        <p:nvSpPr>
-          <p:cNvPr id="25" name="PlaceHolder 4"/>
+            <a:endParaRPr b="0" lang="en-US" sz="3200" spc="-1" strike="noStrike">
+              <a:solidFill>
+                <a:srgbClr val="000000"/>
+              </a:solidFill>
+              <a:uFill>
+                <a:solidFill>
+                  <a:srgbClr val="ffffff"/>
+                </a:solidFill>
+              </a:uFill>
+              <a:latin typeface="Arial"/>
+            </a:endParaRPr>
+          </a:p>
+        </p:txBody>
+      </p:sp>
+      <p:sp>
+        <p:nvSpPr>
+          <p:cNvPr id="22" name="PlaceHolder 4"/>
           <p:cNvSpPr>
             <a:spLocks noGrp="1"/>
           </p:cNvSpPr>
@@ -2914,8 +2940,8 @@
         </p:nvSpPr>
         <p:spPr>
           <a:xfrm>
-            <a:off x="838080" y="4098240"/>
-            <a:ext cx="10515240" cy="2075040"/>
+            <a:off x="609480" y="3682080"/>
+            <a:ext cx="10972440" cy="1896840"/>
           </a:xfrm>
           <a:prstGeom prst="rect">
             <a:avLst/>
@@ -2924,16 +2950,16 @@
         <p:txBody>
           <a:bodyPr lIns="0" rIns="0" tIns="0" bIns="0"/>
           <a:p>
-            <a:endParaRPr b="0" lang="zh-CN" sz="2800" spc="-1" strike="noStrike">
-              <a:solidFill>
-                <a:srgbClr val="000000"/>
-              </a:solidFill>
-              <a:uFill>
-                <a:solidFill>
-                  <a:srgbClr val="ffffff"/>
-                </a:solidFill>
-              </a:uFill>
-              <a:latin typeface="Calibri"/>
+            <a:endParaRPr b="0" lang="en-US" sz="3200" spc="-1" strike="noStrike">
+              <a:solidFill>
+                <a:srgbClr val="000000"/>
+              </a:solidFill>
+              <a:uFill>
+                <a:solidFill>
+                  <a:srgbClr val="ffffff"/>
+                </a:solidFill>
+              </a:uFill>
+              <a:latin typeface="Arial"/>
             </a:endParaRPr>
           </a:p>
         </p:txBody>
@@ -2979,45 +3005,27 @@
         </p:nvSpPr>
         <p:spPr>
           <a:xfrm>
-            <a:off x="1523880" y="1122480"/>
-            <a:ext cx="9143640" cy="2387160"/>
-          </a:xfrm>
-          <a:prstGeom prst="rect">
-            <a:avLst/>
-          </a:prstGeom>
-        </p:spPr>
-        <p:txBody>
-          <a:bodyPr anchor="b"/>
-          <a:p>
-            <a:pPr algn="ctr">
-              <a:lnSpc>
-                <a:spcPct val="100000"/>
-              </a:lnSpc>
-            </a:pPr>
-            <a:r>
-              <a:rPr b="0" lang="zh-CN" sz="6000" spc="-1" strike="noStrike">
-                <a:solidFill>
-                  <a:srgbClr val="000000"/>
-                </a:solidFill>
-                <a:uFill>
-                  <a:solidFill>
-                    <a:srgbClr val="ffffff"/>
-                  </a:solidFill>
-                </a:uFill>
-                <a:latin typeface="Calibri Light"/>
-              </a:rPr>
-              <a:t>Click to edit Master title style</a:t>
-            </a:r>
-            <a:endParaRPr b="0" lang="zh-CN" sz="1800" spc="-1" strike="noStrike">
-              <a:solidFill>
-                <a:srgbClr val="000000"/>
-              </a:solidFill>
-              <a:uFill>
-                <a:solidFill>
-                  <a:srgbClr val="ffffff"/>
-                </a:solidFill>
-              </a:uFill>
-              <a:latin typeface="Calibri"/>
+            <a:off x="838080" y="365040"/>
+            <a:ext cx="10514880" cy="1324800"/>
+          </a:xfrm>
+          <a:prstGeom prst="rect">
+            <a:avLst/>
+          </a:prstGeom>
+        </p:spPr>
+        <p:txBody>
+          <a:bodyPr lIns="0" rIns="0" tIns="0" bIns="0" anchor="ctr"/>
+          <a:p>
+            <a:pPr algn="ctr"/>
+            <a:endParaRPr b="0" lang="en-US" sz="4400" spc="-1" strike="noStrike">
+              <a:solidFill>
+                <a:srgbClr val="000000"/>
+              </a:solidFill>
+              <a:uFill>
+                <a:solidFill>
+                  <a:srgbClr val="ffffff"/>
+                </a:solidFill>
+              </a:uFill>
+              <a:latin typeface="Arial"/>
             </a:endParaRPr>
           </a:p>
         </p:txBody>
@@ -3025,152 +3033,6 @@
       <p:sp>
         <p:nvSpPr>
           <p:cNvPr id="1" name="PlaceHolder 2"/>
-          <p:cNvSpPr>
-            <a:spLocks noGrp="1"/>
-          </p:cNvSpPr>
-          <p:nvPr>
-            <p:ph type="dt"/>
-          </p:nvPr>
-        </p:nvSpPr>
-        <p:spPr>
-          <a:xfrm>
-            <a:off x="838080" y="6356520"/>
-            <a:ext cx="2742840" cy="364680"/>
-          </a:xfrm>
-          <a:prstGeom prst="rect">
-            <a:avLst/>
-          </a:prstGeom>
-        </p:spPr>
-        <p:txBody>
-          <a:bodyPr anchor="ctr"/>
-          <a:p>
-            <a:pPr>
-              <a:lnSpc>
-                <a:spcPct val="100000"/>
-              </a:lnSpc>
-            </a:pPr>
-            <a:r>
-              <a:rPr b="0" lang="en-US" sz="1200" spc="-1" strike="noStrike">
-                <a:solidFill>
-                  <a:srgbClr val="8b8b8b"/>
-                </a:solidFill>
-                <a:uFill>
-                  <a:solidFill>
-                    <a:srgbClr val="ffffff"/>
-                  </a:solidFill>
-                </a:uFill>
-                <a:latin typeface="Calibri"/>
-              </a:rPr>
-              <a:t>3/17/19</a:t>
-            </a:r>
-            <a:endParaRPr b="0" lang="en-US" sz="1400" spc="-1" strike="noStrike">
-              <a:solidFill>
-                <a:srgbClr val="000000"/>
-              </a:solidFill>
-              <a:uFill>
-                <a:solidFill>
-                  <a:srgbClr val="ffffff"/>
-                </a:solidFill>
-              </a:uFill>
-              <a:latin typeface="Times New Roman"/>
-            </a:endParaRPr>
-          </a:p>
-        </p:txBody>
-      </p:sp>
-      <p:sp>
-        <p:nvSpPr>
-          <p:cNvPr id="2" name="PlaceHolder 3"/>
-          <p:cNvSpPr>
-            <a:spLocks noGrp="1"/>
-          </p:cNvSpPr>
-          <p:nvPr>
-            <p:ph type="ftr"/>
-          </p:nvPr>
-        </p:nvSpPr>
-        <p:spPr>
-          <a:xfrm>
-            <a:off x="4038480" y="6356520"/>
-            <a:ext cx="4114440" cy="364680"/>
-          </a:xfrm>
-          <a:prstGeom prst="rect">
-            <a:avLst/>
-          </a:prstGeom>
-        </p:spPr>
-        <p:txBody>
-          <a:bodyPr anchor="ctr"/>
-          <a:p>
-            <a:endParaRPr b="0" lang="en-US" sz="2400" spc="-1" strike="noStrike">
-              <a:solidFill>
-                <a:srgbClr val="000000"/>
-              </a:solidFill>
-              <a:uFill>
-                <a:solidFill>
-                  <a:srgbClr val="ffffff"/>
-                </a:solidFill>
-              </a:uFill>
-              <a:latin typeface="Times New Roman"/>
-            </a:endParaRPr>
-          </a:p>
-        </p:txBody>
-      </p:sp>
-      <p:sp>
-        <p:nvSpPr>
-          <p:cNvPr id="3" name="PlaceHolder 4"/>
-          <p:cNvSpPr>
-            <a:spLocks noGrp="1"/>
-          </p:cNvSpPr>
-          <p:nvPr>
-            <p:ph type="sldNum"/>
-          </p:nvPr>
-        </p:nvSpPr>
-        <p:spPr>
-          <a:xfrm>
-            <a:off x="8610480" y="6356520"/>
-            <a:ext cx="2742840" cy="364680"/>
-          </a:xfrm>
-          <a:prstGeom prst="rect">
-            <a:avLst/>
-          </a:prstGeom>
-        </p:spPr>
-        <p:txBody>
-          <a:bodyPr anchor="ctr"/>
-          <a:p>
-            <a:pPr algn="r">
-              <a:lnSpc>
-                <a:spcPct val="100000"/>
-              </a:lnSpc>
-            </a:pPr>
-            <a:fld id="{BDE8A600-5EC9-422B-9F8A-00553CAA8677}" type="slidenum">
-              <a:rPr b="0" lang="en-US" sz="1200" spc="-1" strike="noStrike">
-                <a:solidFill>
-                  <a:srgbClr val="8b8b8b"/>
-                </a:solidFill>
-                <a:uFill>
-                  <a:solidFill>
-                    <a:srgbClr val="ffffff"/>
-                  </a:solidFill>
-                </a:uFill>
-                <a:latin typeface="Calibri"/>
-              </a:rPr>
-              <a:t>&lt;number&gt;</a:t>
-            </a:fld>
-            <a:endParaRPr b="0" lang="en-US" sz="1400" spc="-1" strike="noStrike">
-              <a:solidFill>
-                <a:srgbClr val="000000"/>
-              </a:solidFill>
-              <a:uFill>
-                <a:solidFill>
-                  <a:srgbClr val="ffffff"/>
-                </a:solidFill>
-              </a:uFill>
-              <a:latin typeface="Times New Roman"/>
-            </a:endParaRPr>
-          </a:p>
-        </p:txBody>
-      </p:sp>
-      <p:sp>
-        <p:nvSpPr>
-          <p:cNvPr id="4" name="PlaceHolder 5"/>
           <p:cNvSpPr>
             <a:spLocks noGrp="1"/>
           </p:cNvSpPr>
@@ -3199,29 +3061,29 @@
               <a:buChar char=""/>
             </a:pPr>
             <a:r>
-              <a:rPr b="0" lang="zh-CN" sz="2800" spc="-1" strike="noStrike">
-                <a:solidFill>
-                  <a:srgbClr val="000000"/>
-                </a:solidFill>
-                <a:uFill>
-                  <a:solidFill>
-                    <a:srgbClr val="ffffff"/>
-                  </a:solidFill>
-                </a:uFill>
-                <a:latin typeface="Calibri"/>
+              <a:rPr b="0" lang="en-US" sz="3200" spc="-1" strike="noStrike">
+                <a:solidFill>
+                  <a:srgbClr val="000000"/>
+                </a:solidFill>
+                <a:uFill>
+                  <a:solidFill>
+                    <a:srgbClr val="ffffff"/>
+                  </a:solidFill>
+                </a:uFill>
+                <a:latin typeface="Arial"/>
               </a:rPr>
               <a:t>Click to edit the outline text format</a:t>
             </a:r>
-            <a:endParaRPr b="0" lang="zh-CN" sz="2800" spc="-1" strike="noStrike">
-              <a:solidFill>
-                <a:srgbClr val="000000"/>
-              </a:solidFill>
-              <a:uFill>
-                <a:solidFill>
-                  <a:srgbClr val="ffffff"/>
-                </a:solidFill>
-              </a:uFill>
-              <a:latin typeface="Calibri"/>
+            <a:endParaRPr b="0" lang="en-US" sz="3200" spc="-1" strike="noStrike">
+              <a:solidFill>
+                <a:srgbClr val="000000"/>
+              </a:solidFill>
+              <a:uFill>
+                <a:solidFill>
+                  <a:srgbClr val="ffffff"/>
+                </a:solidFill>
+              </a:uFill>
+              <a:latin typeface="Arial"/>
             </a:endParaRPr>
           </a:p>
           <a:p>
@@ -3234,29 +3096,29 @@
               <a:buChar char=""/>
             </a:pPr>
             <a:r>
-              <a:rPr b="0" lang="zh-CN" sz="2000" spc="-1" strike="noStrike">
-                <a:solidFill>
-                  <a:srgbClr val="000000"/>
-                </a:solidFill>
-                <a:uFill>
-                  <a:solidFill>
-                    <a:srgbClr val="ffffff"/>
-                  </a:solidFill>
-                </a:uFill>
-                <a:latin typeface="Calibri"/>
+              <a:rPr b="0" lang="en-US" sz="2800" spc="-1" strike="noStrike">
+                <a:solidFill>
+                  <a:srgbClr val="000000"/>
+                </a:solidFill>
+                <a:uFill>
+                  <a:solidFill>
+                    <a:srgbClr val="ffffff"/>
+                  </a:solidFill>
+                </a:uFill>
+                <a:latin typeface="Arial"/>
               </a:rPr>
               <a:t>Second Outline Level</a:t>
             </a:r>
-            <a:endParaRPr b="0" lang="zh-CN" sz="2000" spc="-1" strike="noStrike">
-              <a:solidFill>
-                <a:srgbClr val="000000"/>
-              </a:solidFill>
-              <a:uFill>
-                <a:solidFill>
-                  <a:srgbClr val="ffffff"/>
-                </a:solidFill>
-              </a:uFill>
-              <a:latin typeface="Calibri"/>
+            <a:endParaRPr b="0" lang="en-US" sz="2800" spc="-1" strike="noStrike">
+              <a:solidFill>
+                <a:srgbClr val="000000"/>
+              </a:solidFill>
+              <a:uFill>
+                <a:solidFill>
+                  <a:srgbClr val="ffffff"/>
+                </a:solidFill>
+              </a:uFill>
+              <a:latin typeface="Arial"/>
             </a:endParaRPr>
           </a:p>
           <a:p>
@@ -3269,29 +3131,29 @@
               <a:buChar char=""/>
             </a:pPr>
             <a:r>
-              <a:rPr b="0" lang="zh-CN" sz="1800" spc="-1" strike="noStrike">
-                <a:solidFill>
-                  <a:srgbClr val="000000"/>
-                </a:solidFill>
-                <a:uFill>
-                  <a:solidFill>
-                    <a:srgbClr val="ffffff"/>
-                  </a:solidFill>
-                </a:uFill>
-                <a:latin typeface="Calibri"/>
+              <a:rPr b="0" lang="en-US" sz="2400" spc="-1" strike="noStrike">
+                <a:solidFill>
+                  <a:srgbClr val="000000"/>
+                </a:solidFill>
+                <a:uFill>
+                  <a:solidFill>
+                    <a:srgbClr val="ffffff"/>
+                  </a:solidFill>
+                </a:uFill>
+                <a:latin typeface="Arial"/>
               </a:rPr>
               <a:t>Third Outline Level</a:t>
             </a:r>
-            <a:endParaRPr b="0" lang="zh-CN" sz="1800" spc="-1" strike="noStrike">
-              <a:solidFill>
-                <a:srgbClr val="000000"/>
-              </a:solidFill>
-              <a:uFill>
-                <a:solidFill>
-                  <a:srgbClr val="ffffff"/>
-                </a:solidFill>
-              </a:uFill>
-              <a:latin typeface="Calibri"/>
+            <a:endParaRPr b="0" lang="en-US" sz="2400" spc="-1" strike="noStrike">
+              <a:solidFill>
+                <a:srgbClr val="000000"/>
+              </a:solidFill>
+              <a:uFill>
+                <a:solidFill>
+                  <a:srgbClr val="ffffff"/>
+                </a:solidFill>
+              </a:uFill>
+              <a:latin typeface="Arial"/>
             </a:endParaRPr>
           </a:p>
           <a:p>
@@ -3304,29 +3166,29 @@
               <a:buChar char=""/>
             </a:pPr>
             <a:r>
-              <a:rPr b="0" lang="zh-CN" sz="1800" spc="-1" strike="noStrike">
-                <a:solidFill>
-                  <a:srgbClr val="000000"/>
-                </a:solidFill>
-                <a:uFill>
-                  <a:solidFill>
-                    <a:srgbClr val="ffffff"/>
-                  </a:solidFill>
-                </a:uFill>
-                <a:latin typeface="Calibri"/>
+              <a:rPr b="0" lang="en-US" sz="2000" spc="-1" strike="noStrike">
+                <a:solidFill>
+                  <a:srgbClr val="000000"/>
+                </a:solidFill>
+                <a:uFill>
+                  <a:solidFill>
+                    <a:srgbClr val="ffffff"/>
+                  </a:solidFill>
+                </a:uFill>
+                <a:latin typeface="Arial"/>
               </a:rPr>
               <a:t>Fourth Outline Level</a:t>
             </a:r>
-            <a:endParaRPr b="0" lang="zh-CN" sz="1800" spc="-1" strike="noStrike">
-              <a:solidFill>
-                <a:srgbClr val="000000"/>
-              </a:solidFill>
-              <a:uFill>
-                <a:solidFill>
-                  <a:srgbClr val="ffffff"/>
-                </a:solidFill>
-              </a:uFill>
-              <a:latin typeface="Calibri"/>
+            <a:endParaRPr b="0" lang="en-US" sz="2000" spc="-1" strike="noStrike">
+              <a:solidFill>
+                <a:srgbClr val="000000"/>
+              </a:solidFill>
+              <a:uFill>
+                <a:solidFill>
+                  <a:srgbClr val="ffffff"/>
+                </a:solidFill>
+              </a:uFill>
+              <a:latin typeface="Arial"/>
             </a:endParaRPr>
           </a:p>
           <a:p>
@@ -3339,29 +3201,29 @@
               <a:buChar char=""/>
             </a:pPr>
             <a:r>
-              <a:rPr b="0" lang="zh-CN" sz="2000" spc="-1" strike="noStrike">
-                <a:solidFill>
-                  <a:srgbClr val="000000"/>
-                </a:solidFill>
-                <a:uFill>
-                  <a:solidFill>
-                    <a:srgbClr val="ffffff"/>
-                  </a:solidFill>
-                </a:uFill>
-                <a:latin typeface="Calibri"/>
+              <a:rPr b="0" lang="en-US" sz="2000" spc="-1" strike="noStrike">
+                <a:solidFill>
+                  <a:srgbClr val="000000"/>
+                </a:solidFill>
+                <a:uFill>
+                  <a:solidFill>
+                    <a:srgbClr val="ffffff"/>
+                  </a:solidFill>
+                </a:uFill>
+                <a:latin typeface="Arial"/>
               </a:rPr>
               <a:t>Fifth Outline Level</a:t>
             </a:r>
-            <a:endParaRPr b="0" lang="zh-CN" sz="2000" spc="-1" strike="noStrike">
-              <a:solidFill>
-                <a:srgbClr val="000000"/>
-              </a:solidFill>
-              <a:uFill>
-                <a:solidFill>
-                  <a:srgbClr val="ffffff"/>
-                </a:solidFill>
-              </a:uFill>
-              <a:latin typeface="Calibri"/>
+            <a:endParaRPr b="0" lang="en-US" sz="2000" spc="-1" strike="noStrike">
+              <a:solidFill>
+                <a:srgbClr val="000000"/>
+              </a:solidFill>
+              <a:uFill>
+                <a:solidFill>
+                  <a:srgbClr val="ffffff"/>
+                </a:solidFill>
+              </a:uFill>
+              <a:latin typeface="Arial"/>
             </a:endParaRPr>
           </a:p>
           <a:p>
@@ -3374,29 +3236,29 @@
               <a:buChar char=""/>
             </a:pPr>
             <a:r>
-              <a:rPr b="0" lang="zh-CN" sz="2000" spc="-1" strike="noStrike">
-                <a:solidFill>
-                  <a:srgbClr val="000000"/>
-                </a:solidFill>
-                <a:uFill>
-                  <a:solidFill>
-                    <a:srgbClr val="ffffff"/>
-                  </a:solidFill>
-                </a:uFill>
-                <a:latin typeface="Calibri"/>
+              <a:rPr b="0" lang="en-US" sz="2000" spc="-1" strike="noStrike">
+                <a:solidFill>
+                  <a:srgbClr val="000000"/>
+                </a:solidFill>
+                <a:uFill>
+                  <a:solidFill>
+                    <a:srgbClr val="ffffff"/>
+                  </a:solidFill>
+                </a:uFill>
+                <a:latin typeface="Arial"/>
               </a:rPr>
               <a:t>Sixth Outline Level</a:t>
             </a:r>
-            <a:endParaRPr b="0" lang="zh-CN" sz="2000" spc="-1" strike="noStrike">
-              <a:solidFill>
-                <a:srgbClr val="000000"/>
-              </a:solidFill>
-              <a:uFill>
-                <a:solidFill>
-                  <a:srgbClr val="ffffff"/>
-                </a:solidFill>
-              </a:uFill>
-              <a:latin typeface="Calibri"/>
+            <a:endParaRPr b="0" lang="en-US" sz="2000" spc="-1" strike="noStrike">
+              <a:solidFill>
+                <a:srgbClr val="000000"/>
+              </a:solidFill>
+              <a:uFill>
+                <a:solidFill>
+                  <a:srgbClr val="ffffff"/>
+                </a:solidFill>
+              </a:uFill>
+              <a:latin typeface="Arial"/>
             </a:endParaRPr>
           </a:p>
           <a:p>
@@ -3409,29 +3271,29 @@
               <a:buChar char=""/>
             </a:pPr>
             <a:r>
-              <a:rPr b="0" lang="zh-CN" sz="2000" spc="-1" strike="noStrike">
-                <a:solidFill>
-                  <a:srgbClr val="000000"/>
-                </a:solidFill>
-                <a:uFill>
-                  <a:solidFill>
-                    <a:srgbClr val="ffffff"/>
-                  </a:solidFill>
-                </a:uFill>
-                <a:latin typeface="Calibri"/>
+              <a:rPr b="0" lang="en-US" sz="2000" spc="-1" strike="noStrike">
+                <a:solidFill>
+                  <a:srgbClr val="000000"/>
+                </a:solidFill>
+                <a:uFill>
+                  <a:solidFill>
+                    <a:srgbClr val="ffffff"/>
+                  </a:solidFill>
+                </a:uFill>
+                <a:latin typeface="Arial"/>
               </a:rPr>
               <a:t>Seventh Outline Level</a:t>
             </a:r>
-            <a:endParaRPr b="0" lang="zh-CN" sz="2000" spc="-1" strike="noStrike">
-              <a:solidFill>
-                <a:srgbClr val="000000"/>
-              </a:solidFill>
-              <a:uFill>
-                <a:solidFill>
-                  <a:srgbClr val="ffffff"/>
-                </a:solidFill>
-              </a:uFill>
-              <a:latin typeface="Calibri"/>
+            <a:endParaRPr b="0" lang="en-US" sz="2000" spc="-1" strike="noStrike">
+              <a:solidFill>
+                <a:srgbClr val="000000"/>
+              </a:solidFill>
+              <a:uFill>
+                <a:solidFill>
+                  <a:srgbClr val="ffffff"/>
+                </a:solidFill>
+              </a:uFill>
+              <a:latin typeface="Arial"/>
             </a:endParaRPr>
           </a:p>
         </p:txBody>
@@ -3482,7 +3344,7 @@
       </p:grpSpPr>
       <p:sp>
         <p:nvSpPr>
-          <p:cNvPr id="39" name="PlaceHolder 1"/>
+          <p:cNvPr id="36" name="PlaceHolder 1"/>
           <p:cNvSpPr>
             <a:spLocks noGrp="1"/>
           </p:cNvSpPr>
@@ -3492,52 +3354,48 @@
         </p:nvSpPr>
         <p:spPr>
           <a:xfrm>
-            <a:off x="838080" y="365040"/>
-            <a:ext cx="10515240" cy="1325160"/>
-          </a:xfrm>
-          <a:prstGeom prst="rect">
-            <a:avLst/>
-          </a:prstGeom>
-        </p:spPr>
-        <p:txBody>
-          <a:bodyPr anchor="ctr"/>
-          <a:p>
-            <a:pPr>
-              <a:lnSpc>
-                <a:spcPct val="90000"/>
-              </a:lnSpc>
-            </a:pPr>
-            <a:r>
-              <a:rPr b="0" lang="zh-CN" sz="4400" spc="-1" strike="noStrike">
-                <a:solidFill>
-                  <a:srgbClr val="000000"/>
-                </a:solidFill>
-                <a:uFill>
-                  <a:solidFill>
-                    <a:srgbClr val="ffffff"/>
-                  </a:solidFill>
-                </a:uFill>
-                <a:latin typeface="Calibri Light"/>
-              </a:rPr>
-              <a:t>Click to edit Master title style</a:t>
-            </a:r>
-            <a:endParaRPr b="0" lang="zh-CN" sz="1800" spc="-1" strike="noStrike">
-              <a:solidFill>
-                <a:srgbClr val="000000"/>
-              </a:solidFill>
-              <a:uFill>
-                <a:solidFill>
-                  <a:srgbClr val="ffffff"/>
-                </a:solidFill>
-              </a:uFill>
-              <a:latin typeface="Calibri"/>
-            </a:endParaRPr>
-          </a:p>
-        </p:txBody>
-      </p:sp>
-      <p:sp>
-        <p:nvSpPr>
-          <p:cNvPr id="40" name="PlaceHolder 2"/>
+            <a:off x="609480" y="273600"/>
+            <a:ext cx="10972440" cy="1144800"/>
+          </a:xfrm>
+          <a:prstGeom prst="rect">
+            <a:avLst/>
+          </a:prstGeom>
+        </p:spPr>
+        <p:txBody>
+          <a:bodyPr lIns="0" rIns="0" tIns="0" bIns="0" anchor="ctr"/>
+          <a:p>
+            <a:pPr algn="ctr"/>
+            <a:r>
+              <a:rPr b="0" lang="en-US" sz="4400" spc="-1" strike="noStrike">
+                <a:solidFill>
+                  <a:srgbClr val="000000"/>
+                </a:solidFill>
+                <a:uFill>
+                  <a:solidFill>
+                    <a:srgbClr val="ffffff"/>
+                  </a:solidFill>
+                </a:uFill>
+                <a:latin typeface="Arial"/>
+              </a:rPr>
+              <a:t>Click to edit the title text format</a:t>
+            </a:r>
+            <a:endParaRPr b="0" lang="en-US" sz="4400" spc="-1" strike="noStrike">
+              <a:solidFill>
+                <a:srgbClr val="000000"/>
+              </a:solidFill>
+              <a:uFill>
+                <a:solidFill>
+                  <a:srgbClr val="ffffff"/>
+                </a:solidFill>
+              </a:uFill>
+              <a:latin typeface="Arial"/>
+            </a:endParaRPr>
+          </a:p>
+        </p:txBody>
+      </p:sp>
+      <p:sp>
+        <p:nvSpPr>
+          <p:cNvPr id="37" name="PlaceHolder 2"/>
           <p:cNvSpPr>
             <a:spLocks noGrp="1"/>
           </p:cNvSpPr>
@@ -3547,15 +3405,15 @@
         </p:nvSpPr>
         <p:spPr>
           <a:xfrm>
-            <a:off x="838080" y="1825560"/>
-            <a:ext cx="10515240" cy="4350960"/>
-          </a:xfrm>
-          <a:prstGeom prst="rect">
-            <a:avLst/>
-          </a:prstGeom>
-        </p:spPr>
-        <p:txBody>
-          <a:bodyPr/>
+            <a:off x="609480" y="1604520"/>
+            <a:ext cx="10972440" cy="3977280"/>
+          </a:xfrm>
+          <a:prstGeom prst="rect">
+            <a:avLst/>
+          </a:prstGeom>
+        </p:spPr>
+        <p:txBody>
+          <a:bodyPr lIns="0" rIns="0" tIns="0" bIns="0"/>
           <a:p>
             <a:pPr marL="432000" indent="-324000">
               <a:buClr>
@@ -3566,29 +3424,29 @@
               <a:buChar char=""/>
             </a:pPr>
             <a:r>
-              <a:rPr b="0" lang="zh-CN" sz="2800" spc="-1" strike="noStrike">
-                <a:solidFill>
-                  <a:srgbClr val="000000"/>
-                </a:solidFill>
-                <a:uFill>
-                  <a:solidFill>
-                    <a:srgbClr val="ffffff"/>
-                  </a:solidFill>
-                </a:uFill>
-                <a:latin typeface="Calibri"/>
+              <a:rPr b="0" lang="en-US" sz="3200" spc="-1" strike="noStrike">
+                <a:solidFill>
+                  <a:srgbClr val="000000"/>
+                </a:solidFill>
+                <a:uFill>
+                  <a:solidFill>
+                    <a:srgbClr val="ffffff"/>
+                  </a:solidFill>
+                </a:uFill>
+                <a:latin typeface="Arial"/>
               </a:rPr>
               <a:t>Click to edit the outline text format</a:t>
             </a:r>
-            <a:endParaRPr b="0" lang="zh-CN" sz="2800" spc="-1" strike="noStrike">
-              <a:solidFill>
-                <a:srgbClr val="000000"/>
-              </a:solidFill>
-              <a:uFill>
-                <a:solidFill>
-                  <a:srgbClr val="ffffff"/>
-                </a:solidFill>
-              </a:uFill>
-              <a:latin typeface="Calibri"/>
+            <a:endParaRPr b="0" lang="en-US" sz="3200" spc="-1" strike="noStrike">
+              <a:solidFill>
+                <a:srgbClr val="000000"/>
+              </a:solidFill>
+              <a:uFill>
+                <a:solidFill>
+                  <a:srgbClr val="ffffff"/>
+                </a:solidFill>
+              </a:uFill>
+              <a:latin typeface="Arial"/>
             </a:endParaRPr>
           </a:p>
           <a:p>
@@ -3601,29 +3459,29 @@
               <a:buChar char=""/>
             </a:pPr>
             <a:r>
-              <a:rPr b="0" lang="zh-CN" sz="2800" spc="-1" strike="noStrike">
-                <a:solidFill>
-                  <a:srgbClr val="000000"/>
-                </a:solidFill>
-                <a:uFill>
-                  <a:solidFill>
-                    <a:srgbClr val="ffffff"/>
-                  </a:solidFill>
-                </a:uFill>
-                <a:latin typeface="Calibri"/>
+              <a:rPr b="0" lang="en-US" sz="2800" spc="-1" strike="noStrike">
+                <a:solidFill>
+                  <a:srgbClr val="000000"/>
+                </a:solidFill>
+                <a:uFill>
+                  <a:solidFill>
+                    <a:srgbClr val="ffffff"/>
+                  </a:solidFill>
+                </a:uFill>
+                <a:latin typeface="Arial"/>
               </a:rPr>
               <a:t>Second Outline Level</a:t>
             </a:r>
-            <a:endParaRPr b="0" lang="zh-CN" sz="2800" spc="-1" strike="noStrike">
-              <a:solidFill>
-                <a:srgbClr val="000000"/>
-              </a:solidFill>
-              <a:uFill>
-                <a:solidFill>
-                  <a:srgbClr val="ffffff"/>
-                </a:solidFill>
-              </a:uFill>
-              <a:latin typeface="Calibri"/>
+            <a:endParaRPr b="0" lang="en-US" sz="2800" spc="-1" strike="noStrike">
+              <a:solidFill>
+                <a:srgbClr val="000000"/>
+              </a:solidFill>
+              <a:uFill>
+                <a:solidFill>
+                  <a:srgbClr val="ffffff"/>
+                </a:solidFill>
+              </a:uFill>
+              <a:latin typeface="Arial"/>
             </a:endParaRPr>
           </a:p>
           <a:p>
@@ -3636,29 +3494,29 @@
               <a:buChar char=""/>
             </a:pPr>
             <a:r>
-              <a:rPr b="0" lang="zh-CN" sz="2800" spc="-1" strike="noStrike">
-                <a:solidFill>
-                  <a:srgbClr val="000000"/>
-                </a:solidFill>
-                <a:uFill>
-                  <a:solidFill>
-                    <a:srgbClr val="ffffff"/>
-                  </a:solidFill>
-                </a:uFill>
-                <a:latin typeface="Calibri"/>
+              <a:rPr b="0" lang="en-US" sz="2400" spc="-1" strike="noStrike">
+                <a:solidFill>
+                  <a:srgbClr val="000000"/>
+                </a:solidFill>
+                <a:uFill>
+                  <a:solidFill>
+                    <a:srgbClr val="ffffff"/>
+                  </a:solidFill>
+                </a:uFill>
+                <a:latin typeface="Arial"/>
               </a:rPr>
               <a:t>Third Outline Level</a:t>
             </a:r>
-            <a:endParaRPr b="0" lang="zh-CN" sz="2800" spc="-1" strike="noStrike">
-              <a:solidFill>
-                <a:srgbClr val="000000"/>
-              </a:solidFill>
-              <a:uFill>
-                <a:solidFill>
-                  <a:srgbClr val="ffffff"/>
-                </a:solidFill>
-              </a:uFill>
-              <a:latin typeface="Calibri"/>
+            <a:endParaRPr b="0" lang="en-US" sz="2400" spc="-1" strike="noStrike">
+              <a:solidFill>
+                <a:srgbClr val="000000"/>
+              </a:solidFill>
+              <a:uFill>
+                <a:solidFill>
+                  <a:srgbClr val="ffffff"/>
+                </a:solidFill>
+              </a:uFill>
+              <a:latin typeface="Arial"/>
             </a:endParaRPr>
           </a:p>
           <a:p>
@@ -3671,29 +3529,29 @@
               <a:buChar char=""/>
             </a:pPr>
             <a:r>
-              <a:rPr b="0" lang="zh-CN" sz="2800" spc="-1" strike="noStrike">
-                <a:solidFill>
-                  <a:srgbClr val="000000"/>
-                </a:solidFill>
-                <a:uFill>
-                  <a:solidFill>
-                    <a:srgbClr val="ffffff"/>
-                  </a:solidFill>
-                </a:uFill>
-                <a:latin typeface="Calibri"/>
+              <a:rPr b="0" lang="en-US" sz="2000" spc="-1" strike="noStrike">
+                <a:solidFill>
+                  <a:srgbClr val="000000"/>
+                </a:solidFill>
+                <a:uFill>
+                  <a:solidFill>
+                    <a:srgbClr val="ffffff"/>
+                  </a:solidFill>
+                </a:uFill>
+                <a:latin typeface="Arial"/>
               </a:rPr>
               <a:t>Fourth Outline Level</a:t>
             </a:r>
-            <a:endParaRPr b="0" lang="zh-CN" sz="2800" spc="-1" strike="noStrike">
-              <a:solidFill>
-                <a:srgbClr val="000000"/>
-              </a:solidFill>
-              <a:uFill>
-                <a:solidFill>
-                  <a:srgbClr val="ffffff"/>
-                </a:solidFill>
-              </a:uFill>
-              <a:latin typeface="Calibri"/>
+            <a:endParaRPr b="0" lang="en-US" sz="2000" spc="-1" strike="noStrike">
+              <a:solidFill>
+                <a:srgbClr val="000000"/>
+              </a:solidFill>
+              <a:uFill>
+                <a:solidFill>
+                  <a:srgbClr val="ffffff"/>
+                </a:solidFill>
+              </a:uFill>
+              <a:latin typeface="Arial"/>
             </a:endParaRPr>
           </a:p>
           <a:p>
@@ -3706,29 +3564,29 @@
               <a:buChar char=""/>
             </a:pPr>
             <a:r>
-              <a:rPr b="0" lang="zh-CN" sz="2800" spc="-1" strike="noStrike">
-                <a:solidFill>
-                  <a:srgbClr val="000000"/>
-                </a:solidFill>
-                <a:uFill>
-                  <a:solidFill>
-                    <a:srgbClr val="ffffff"/>
-                  </a:solidFill>
-                </a:uFill>
-                <a:latin typeface="Calibri"/>
+              <a:rPr b="0" lang="en-US" sz="2000" spc="-1" strike="noStrike">
+                <a:solidFill>
+                  <a:srgbClr val="000000"/>
+                </a:solidFill>
+                <a:uFill>
+                  <a:solidFill>
+                    <a:srgbClr val="ffffff"/>
+                  </a:solidFill>
+                </a:uFill>
+                <a:latin typeface="Arial"/>
               </a:rPr>
               <a:t>Fifth Outline Level</a:t>
             </a:r>
-            <a:endParaRPr b="0" lang="zh-CN" sz="2800" spc="-1" strike="noStrike">
-              <a:solidFill>
-                <a:srgbClr val="000000"/>
-              </a:solidFill>
-              <a:uFill>
-                <a:solidFill>
-                  <a:srgbClr val="ffffff"/>
-                </a:solidFill>
-              </a:uFill>
-              <a:latin typeface="Calibri"/>
+            <a:endParaRPr b="0" lang="en-US" sz="2000" spc="-1" strike="noStrike">
+              <a:solidFill>
+                <a:srgbClr val="000000"/>
+              </a:solidFill>
+              <a:uFill>
+                <a:solidFill>
+                  <a:srgbClr val="ffffff"/>
+                </a:solidFill>
+              </a:uFill>
+              <a:latin typeface="Arial"/>
             </a:endParaRPr>
           </a:p>
           <a:p>
@@ -3741,360 +3599,64 @@
               <a:buChar char=""/>
             </a:pPr>
             <a:r>
-              <a:rPr b="0" lang="zh-CN" sz="2800" spc="-1" strike="noStrike">
-                <a:solidFill>
-                  <a:srgbClr val="000000"/>
-                </a:solidFill>
-                <a:uFill>
-                  <a:solidFill>
-                    <a:srgbClr val="ffffff"/>
-                  </a:solidFill>
-                </a:uFill>
-                <a:latin typeface="Calibri"/>
+              <a:rPr b="0" lang="en-US" sz="2000" spc="-1" strike="noStrike">
+                <a:solidFill>
+                  <a:srgbClr val="000000"/>
+                </a:solidFill>
+                <a:uFill>
+                  <a:solidFill>
+                    <a:srgbClr val="ffffff"/>
+                  </a:solidFill>
+                </a:uFill>
+                <a:latin typeface="Arial"/>
               </a:rPr>
               <a:t>Sixth Outline Level</a:t>
             </a:r>
-            <a:endParaRPr b="0" lang="zh-CN" sz="2800" spc="-1" strike="noStrike">
-              <a:solidFill>
-                <a:srgbClr val="000000"/>
-              </a:solidFill>
-              <a:uFill>
-                <a:solidFill>
-                  <a:srgbClr val="ffffff"/>
-                </a:solidFill>
-              </a:uFill>
-              <a:latin typeface="Calibri"/>
-            </a:endParaRPr>
-          </a:p>
-          <a:p>
-            <a:pPr marL="228600" indent="-228240">
-              <a:lnSpc>
-                <a:spcPct val="100000"/>
-              </a:lnSpc>
+            <a:endParaRPr b="0" lang="en-US" sz="2000" spc="-1" strike="noStrike">
+              <a:solidFill>
+                <a:srgbClr val="000000"/>
+              </a:solidFill>
+              <a:uFill>
+                <a:solidFill>
+                  <a:srgbClr val="ffffff"/>
+                </a:solidFill>
+              </a:uFill>
+              <a:latin typeface="Arial"/>
+            </a:endParaRPr>
+          </a:p>
+          <a:p>
+            <a:pPr lvl="6" marL="3024000" indent="-216000">
               <a:buClr>
                 <a:srgbClr val="000000"/>
               </a:buClr>
-              <a:buFont typeface="Arial"/>
-              <a:buChar char="•"/>
+              <a:buSzPct val="45000"/>
+              <a:buFont typeface="Wingdings" charset="2"/>
+              <a:buChar char=""/>
             </a:pPr>
             <a:r>
-              <a:rPr b="0" lang="zh-CN" sz="2800" spc="-1" strike="noStrike">
-                <a:solidFill>
-                  <a:srgbClr val="000000"/>
-                </a:solidFill>
-                <a:uFill>
-                  <a:solidFill>
-                    <a:srgbClr val="ffffff"/>
-                  </a:solidFill>
-                </a:uFill>
-                <a:latin typeface="Calibri"/>
-              </a:rPr>
-              <a:t>Seventh Outline LevelClick to edit Master text styles</a:t>
-            </a:r>
-            <a:endParaRPr b="0" lang="zh-CN" sz="2800" spc="-1" strike="noStrike">
-              <a:solidFill>
-                <a:srgbClr val="000000"/>
-              </a:solidFill>
-              <a:uFill>
-                <a:solidFill>
-                  <a:srgbClr val="ffffff"/>
-                </a:solidFill>
-              </a:uFill>
-              <a:latin typeface="Calibri"/>
-            </a:endParaRPr>
-          </a:p>
-          <a:p>
-            <a:pPr lvl="1" marL="685800" indent="-228240">
-              <a:lnSpc>
-                <a:spcPct val="100000"/>
-              </a:lnSpc>
-              <a:buClr>
-                <a:srgbClr val="000000"/>
-              </a:buClr>
-              <a:buFont typeface="Arial"/>
-              <a:buChar char="•"/>
-            </a:pPr>
-            <a:r>
-              <a:rPr b="0" lang="zh-CN" sz="2400" spc="-1" strike="noStrike">
-                <a:solidFill>
-                  <a:srgbClr val="000000"/>
-                </a:solidFill>
-                <a:uFill>
-                  <a:solidFill>
-                    <a:srgbClr val="ffffff"/>
-                  </a:solidFill>
-                </a:uFill>
-                <a:latin typeface="Calibri"/>
-              </a:rPr>
-              <a:t>Second level</a:t>
-            </a:r>
-            <a:endParaRPr b="0" lang="zh-CN" sz="2800" spc="-1" strike="noStrike">
-              <a:solidFill>
-                <a:srgbClr val="000000"/>
-              </a:solidFill>
-              <a:uFill>
-                <a:solidFill>
-                  <a:srgbClr val="ffffff"/>
-                </a:solidFill>
-              </a:uFill>
-              <a:latin typeface="Calibri"/>
-            </a:endParaRPr>
-          </a:p>
-          <a:p>
-            <a:pPr lvl="2" marL="1143000" indent="-228240">
-              <a:lnSpc>
-                <a:spcPct val="100000"/>
-              </a:lnSpc>
-              <a:buClr>
-                <a:srgbClr val="000000"/>
-              </a:buClr>
-              <a:buFont typeface="Arial"/>
-              <a:buChar char="•"/>
-            </a:pPr>
-            <a:r>
-              <a:rPr b="0" lang="zh-CN" sz="2000" spc="-1" strike="noStrike">
-                <a:solidFill>
-                  <a:srgbClr val="000000"/>
-                </a:solidFill>
-                <a:uFill>
-                  <a:solidFill>
-                    <a:srgbClr val="ffffff"/>
-                  </a:solidFill>
-                </a:uFill>
-                <a:latin typeface="Calibri"/>
-              </a:rPr>
-              <a:t>Third level</a:t>
-            </a:r>
-            <a:endParaRPr b="0" lang="zh-CN" sz="2800" spc="-1" strike="noStrike">
-              <a:solidFill>
-                <a:srgbClr val="000000"/>
-              </a:solidFill>
-              <a:uFill>
-                <a:solidFill>
-                  <a:srgbClr val="ffffff"/>
-                </a:solidFill>
-              </a:uFill>
-              <a:latin typeface="Calibri"/>
-            </a:endParaRPr>
-          </a:p>
-          <a:p>
-            <a:pPr lvl="3" marL="1600200" indent="-228240">
-              <a:lnSpc>
-                <a:spcPct val="100000"/>
-              </a:lnSpc>
-              <a:buClr>
-                <a:srgbClr val="000000"/>
-              </a:buClr>
-              <a:buFont typeface="Arial"/>
-              <a:buChar char="•"/>
-            </a:pPr>
-            <a:r>
-              <a:rPr b="0" lang="zh-CN" sz="1800" spc="-1" strike="noStrike">
-                <a:solidFill>
-                  <a:srgbClr val="000000"/>
-                </a:solidFill>
-                <a:uFill>
-                  <a:solidFill>
-                    <a:srgbClr val="ffffff"/>
-                  </a:solidFill>
-                </a:uFill>
-                <a:latin typeface="Calibri"/>
-              </a:rPr>
-              <a:t>Fourth level</a:t>
-            </a:r>
-            <a:endParaRPr b="0" lang="zh-CN" sz="2800" spc="-1" strike="noStrike">
-              <a:solidFill>
-                <a:srgbClr val="000000"/>
-              </a:solidFill>
-              <a:uFill>
-                <a:solidFill>
-                  <a:srgbClr val="ffffff"/>
-                </a:solidFill>
-              </a:uFill>
-              <a:latin typeface="Calibri"/>
-            </a:endParaRPr>
-          </a:p>
-          <a:p>
-            <a:pPr lvl="4" marL="2057400" indent="-228240">
-              <a:lnSpc>
-                <a:spcPct val="100000"/>
-              </a:lnSpc>
-              <a:buClr>
-                <a:srgbClr val="000000"/>
-              </a:buClr>
-              <a:buFont typeface="Arial"/>
-              <a:buChar char="•"/>
-            </a:pPr>
-            <a:r>
-              <a:rPr b="0" lang="zh-CN" sz="1800" spc="-1" strike="noStrike">
-                <a:solidFill>
-                  <a:srgbClr val="000000"/>
-                </a:solidFill>
-                <a:uFill>
-                  <a:solidFill>
-                    <a:srgbClr val="ffffff"/>
-                  </a:solidFill>
-                </a:uFill>
-                <a:latin typeface="Calibri"/>
-              </a:rPr>
-              <a:t>Fifth level</a:t>
-            </a:r>
-            <a:endParaRPr b="0" lang="zh-CN" sz="2800" spc="-1" strike="noStrike">
-              <a:solidFill>
-                <a:srgbClr val="000000"/>
-              </a:solidFill>
-              <a:uFill>
-                <a:solidFill>
-                  <a:srgbClr val="ffffff"/>
-                </a:solidFill>
-              </a:uFill>
-              <a:latin typeface="Calibri"/>
-            </a:endParaRPr>
-          </a:p>
-        </p:txBody>
-      </p:sp>
-      <p:sp>
-        <p:nvSpPr>
-          <p:cNvPr id="41" name="PlaceHolder 3"/>
-          <p:cNvSpPr>
-            <a:spLocks noGrp="1"/>
-          </p:cNvSpPr>
-          <p:nvPr>
-            <p:ph type="dt"/>
-          </p:nvPr>
-        </p:nvSpPr>
-        <p:spPr>
-          <a:xfrm>
-            <a:off x="838080" y="6356520"/>
-            <a:ext cx="2742840" cy="364680"/>
-          </a:xfrm>
-          <a:prstGeom prst="rect">
-            <a:avLst/>
-          </a:prstGeom>
-        </p:spPr>
-        <p:txBody>
-          <a:bodyPr anchor="ctr"/>
-          <a:p>
-            <a:pPr>
-              <a:lnSpc>
-                <a:spcPct val="100000"/>
-              </a:lnSpc>
-            </a:pPr>
-            <a:r>
-              <a:rPr b="0" lang="en-US" sz="1200" spc="-1" strike="noStrike">
-                <a:solidFill>
-                  <a:srgbClr val="8b8b8b"/>
-                </a:solidFill>
-                <a:uFill>
-                  <a:solidFill>
-                    <a:srgbClr val="ffffff"/>
-                  </a:solidFill>
-                </a:uFill>
-                <a:latin typeface="Calibri"/>
-              </a:rPr>
-              <a:t>3/17/19</a:t>
-            </a:r>
-            <a:endParaRPr b="0" lang="en-US" sz="1400" spc="-1" strike="noStrike">
-              <a:solidFill>
-                <a:srgbClr val="000000"/>
-              </a:solidFill>
-              <a:uFill>
-                <a:solidFill>
-                  <a:srgbClr val="ffffff"/>
-                </a:solidFill>
-              </a:uFill>
-              <a:latin typeface="Times New Roman"/>
-            </a:endParaRPr>
-          </a:p>
-        </p:txBody>
-      </p:sp>
-      <p:sp>
-        <p:nvSpPr>
-          <p:cNvPr id="42" name="PlaceHolder 4"/>
-          <p:cNvSpPr>
-            <a:spLocks noGrp="1"/>
-          </p:cNvSpPr>
-          <p:nvPr>
-            <p:ph type="ftr"/>
-          </p:nvPr>
-        </p:nvSpPr>
-        <p:spPr>
-          <a:xfrm>
-            <a:off x="4038480" y="6356520"/>
-            <a:ext cx="4114440" cy="364680"/>
-          </a:xfrm>
-          <a:prstGeom prst="rect">
-            <a:avLst/>
-          </a:prstGeom>
-        </p:spPr>
-        <p:txBody>
-          <a:bodyPr anchor="ctr"/>
-          <a:p>
-            <a:endParaRPr b="0" lang="en-US" sz="2400" spc="-1" strike="noStrike">
-              <a:solidFill>
-                <a:srgbClr val="000000"/>
-              </a:solidFill>
-              <a:uFill>
-                <a:solidFill>
-                  <a:srgbClr val="ffffff"/>
-                </a:solidFill>
-              </a:uFill>
-              <a:latin typeface="Times New Roman"/>
-            </a:endParaRPr>
-          </a:p>
-        </p:txBody>
-      </p:sp>
-      <p:sp>
-        <p:nvSpPr>
-          <p:cNvPr id="43" name="PlaceHolder 5"/>
-          <p:cNvSpPr>
-            <a:spLocks noGrp="1"/>
-          </p:cNvSpPr>
-          <p:nvPr>
-            <p:ph type="sldNum"/>
-          </p:nvPr>
-        </p:nvSpPr>
-        <p:spPr>
-          <a:xfrm>
-            <a:off x="8610480" y="6356520"/>
-            <a:ext cx="2742840" cy="364680"/>
-          </a:xfrm>
-          <a:prstGeom prst="rect">
-            <a:avLst/>
-          </a:prstGeom>
-        </p:spPr>
-        <p:txBody>
-          <a:bodyPr anchor="ctr"/>
-          <a:p>
-            <a:pPr algn="r">
-              <a:lnSpc>
-                <a:spcPct val="100000"/>
-              </a:lnSpc>
-            </a:pPr>
-            <a:fld id="{20D887BD-A738-4F12-B64B-6F1D9FEE220C}" type="slidenum">
-              <a:rPr b="0" lang="en-US" sz="1200" spc="-1" strike="noStrike">
-                <a:solidFill>
-                  <a:srgbClr val="8b8b8b"/>
-                </a:solidFill>
-                <a:uFill>
-                  <a:solidFill>
-                    <a:srgbClr val="ffffff"/>
-                  </a:solidFill>
-                </a:uFill>
-                <a:latin typeface="Calibri"/>
-              </a:rPr>
-              <a:t>1</a:t>
-            </a:fld>
-            <a:endParaRPr b="0" lang="en-US" sz="1400" spc="-1" strike="noStrike">
-              <a:solidFill>
-                <a:srgbClr val="000000"/>
-              </a:solidFill>
-              <a:uFill>
-                <a:solidFill>
-                  <a:srgbClr val="ffffff"/>
-                </a:solidFill>
-              </a:uFill>
-              <a:latin typeface="Times New Roman"/>
+              <a:rPr b="0" lang="en-US" sz="2000" spc="-1" strike="noStrike">
+                <a:solidFill>
+                  <a:srgbClr val="000000"/>
+                </a:solidFill>
+                <a:uFill>
+                  <a:solidFill>
+                    <a:srgbClr val="ffffff"/>
+                  </a:solidFill>
+                </a:uFill>
+                <a:latin typeface="Arial"/>
+              </a:rPr>
+              <a:t>Seventh Outline Level</a:t>
+            </a:r>
+            <a:endParaRPr b="0" lang="en-US" sz="2000" spc="-1" strike="noStrike">
+              <a:solidFill>
+                <a:srgbClr val="000000"/>
+              </a:solidFill>
+              <a:uFill>
+                <a:solidFill>
+                  <a:srgbClr val="ffffff"/>
+                </a:solidFill>
+              </a:uFill>
+              <a:latin typeface="Arial"/>
             </a:endParaRPr>
           </a:p>
         </p:txBody>
@@ -4138,14 +3700,14 @@
       </p:grpSpPr>
       <p:sp>
         <p:nvSpPr>
-          <p:cNvPr id="78" name="TextShape 1"/>
-          <p:cNvSpPr txBox="1"/>
+          <p:cNvPr id="72" name="CustomShape 1"/>
+          <p:cNvSpPr/>
           <p:nvPr/>
         </p:nvSpPr>
         <p:spPr>
           <a:xfrm>
             <a:off x="1523880" y="1122480"/>
-            <a:ext cx="9143640" cy="2387160"/>
+            <a:ext cx="9143280" cy="2386800"/>
           </a:xfrm>
           <a:prstGeom prst="rect">
             <a:avLst/>
@@ -4155,8 +3717,14 @@
             <a:noFill/>
           </a:ln>
         </p:spPr>
-        <p:txBody>
-          <a:bodyPr anchor="b"/>
+        <p:style>
+          <a:lnRef idx="0"/>
+          <a:fillRef idx="0"/>
+          <a:effectRef idx="0"/>
+          <a:fontRef idx="minor"/>
+        </p:style>
+        <p:txBody>
+          <a:bodyPr lIns="90000" rIns="90000" tIns="45000" bIns="45000" anchor="b"/>
           <a:p>
             <a:pPr algn="ctr">
               <a:lnSpc>
@@ -4164,7 +3732,7 @@
               </a:lnSpc>
             </a:pPr>
             <a:r>
-              <a:rPr b="0" lang="zh-CN" sz="6000" spc="-1" strike="noStrike">
+              <a:rPr b="0" lang="en-US" sz="6000" spc="-1" strike="noStrike">
                 <a:solidFill>
                   <a:srgbClr val="000000"/>
                 </a:solidFill>
@@ -4177,30 +3745,30 @@
               </a:rPr>
               <a:t>遗传算法</a:t>
             </a:r>
-            <a:endParaRPr b="0" lang="zh-CN" sz="1800" spc="-1" strike="noStrike">
-              <a:solidFill>
-                <a:srgbClr val="000000"/>
-              </a:solidFill>
-              <a:uFill>
-                <a:solidFill>
-                  <a:srgbClr val="ffffff"/>
-                </a:solidFill>
-              </a:uFill>
-              <a:latin typeface="Calibri"/>
-            </a:endParaRPr>
-          </a:p>
-        </p:txBody>
-      </p:sp>
-      <p:sp>
-        <p:nvSpPr>
-          <p:cNvPr id="79" name="TextShape 2"/>
-          <p:cNvSpPr txBox="1"/>
+            <a:endParaRPr b="0" lang="en-US" sz="1800" spc="-1" strike="noStrike">
+              <a:solidFill>
+                <a:srgbClr val="000000"/>
+              </a:solidFill>
+              <a:uFill>
+                <a:solidFill>
+                  <a:srgbClr val="ffffff"/>
+                </a:solidFill>
+              </a:uFill>
+              <a:latin typeface="Arial"/>
+            </a:endParaRPr>
+          </a:p>
+        </p:txBody>
+      </p:sp>
+      <p:sp>
+        <p:nvSpPr>
+          <p:cNvPr id="73" name="CustomShape 2"/>
+          <p:cNvSpPr/>
           <p:nvPr/>
         </p:nvSpPr>
         <p:spPr>
           <a:xfrm>
             <a:off x="1523880" y="3602160"/>
-            <a:ext cx="9143640" cy="1655280"/>
+            <a:ext cx="9143280" cy="1654920"/>
           </a:xfrm>
           <a:prstGeom prst="rect">
             <a:avLst/>
@@ -4210,8 +3778,14 @@
             <a:noFill/>
           </a:ln>
         </p:spPr>
-        <p:txBody>
-          <a:bodyPr/>
+        <p:style>
+          <a:lnRef idx="0"/>
+          <a:fillRef idx="0"/>
+          <a:effectRef idx="0"/>
+          <a:fontRef idx="minor"/>
+        </p:style>
+        <p:txBody>
+          <a:bodyPr lIns="90000" rIns="90000" tIns="45000" bIns="45000"/>
           <a:p>
             <a:pPr algn="ctr">
               <a:lnSpc>
@@ -4246,7 +3820,7 @@
               </a:rPr>
               <a:t>11821050</a:t>
             </a:r>
-            <a:endParaRPr b="0" lang="en-US" sz="3200" spc="-1" strike="noStrike">
+            <a:endParaRPr b="0" lang="en-US" sz="1800" spc="-1" strike="noStrike">
               <a:solidFill>
                 <a:srgbClr val="000000"/>
               </a:solidFill>
@@ -4311,14 +3885,14 @@
       </p:grpSpPr>
       <p:sp>
         <p:nvSpPr>
-          <p:cNvPr id="80" name="TextShape 1"/>
-          <p:cNvSpPr txBox="1"/>
+          <p:cNvPr id="74" name="CustomShape 1"/>
+          <p:cNvSpPr/>
           <p:nvPr/>
         </p:nvSpPr>
         <p:spPr>
           <a:xfrm>
             <a:off x="838080" y="365040"/>
-            <a:ext cx="10515240" cy="1325160"/>
+            <a:ext cx="10514880" cy="1324800"/>
           </a:xfrm>
           <a:prstGeom prst="rect">
             <a:avLst/>
@@ -4328,8 +3902,14 @@
             <a:noFill/>
           </a:ln>
         </p:spPr>
-        <p:txBody>
-          <a:bodyPr anchor="ctr"/>
+        <p:style>
+          <a:lnRef idx="0"/>
+          <a:fillRef idx="0"/>
+          <a:effectRef idx="0"/>
+          <a:fontRef idx="minor"/>
+        </p:style>
+        <p:txBody>
+          <a:bodyPr lIns="90000" rIns="90000" tIns="45000" bIns="45000" anchor="ctr"/>
           <a:p>
             <a:pPr>
               <a:lnSpc>
@@ -4337,7 +3917,7 @@
               </a:lnSpc>
             </a:pPr>
             <a:r>
-              <a:rPr b="0" lang="zh-CN" sz="4400" spc="-1" strike="noStrike">
+              <a:rPr b="0" lang="en-US" sz="4400" spc="-1" strike="noStrike">
                 <a:solidFill>
                   <a:srgbClr val="000000"/>
                 </a:solidFill>
@@ -4350,30 +3930,30 @@
               </a:rPr>
               <a:t>遗传算法简介</a:t>
             </a:r>
-            <a:endParaRPr b="0" lang="zh-CN" sz="1800" spc="-1" strike="noStrike">
-              <a:solidFill>
-                <a:srgbClr val="000000"/>
-              </a:solidFill>
-              <a:uFill>
-                <a:solidFill>
-                  <a:srgbClr val="ffffff"/>
-                </a:solidFill>
-              </a:uFill>
-              <a:latin typeface="Calibri"/>
-            </a:endParaRPr>
-          </a:p>
-        </p:txBody>
-      </p:sp>
-      <p:sp>
-        <p:nvSpPr>
-          <p:cNvPr id="81" name="TextShape 2"/>
-          <p:cNvSpPr txBox="1"/>
+            <a:endParaRPr b="0" lang="en-US" sz="1800" spc="-1" strike="noStrike">
+              <a:solidFill>
+                <a:srgbClr val="000000"/>
+              </a:solidFill>
+              <a:uFill>
+                <a:solidFill>
+                  <a:srgbClr val="ffffff"/>
+                </a:solidFill>
+              </a:uFill>
+              <a:latin typeface="Arial"/>
+            </a:endParaRPr>
+          </a:p>
+        </p:txBody>
+      </p:sp>
+      <p:sp>
+        <p:nvSpPr>
+          <p:cNvPr id="75" name="CustomShape 2"/>
+          <p:cNvSpPr/>
           <p:nvPr/>
         </p:nvSpPr>
         <p:spPr>
           <a:xfrm>
             <a:off x="838080" y="1825560"/>
-            <a:ext cx="10515240" cy="4350960"/>
+            <a:ext cx="10514880" cy="4350600"/>
           </a:xfrm>
           <a:prstGeom prst="rect">
             <a:avLst/>
@@ -4383,10 +3963,16 @@
             <a:noFill/>
           </a:ln>
         </p:spPr>
-        <p:txBody>
-          <a:bodyPr/>
-          <a:p>
-            <a:pPr marL="228600" indent="-228240">
+        <p:style>
+          <a:lnRef idx="0"/>
+          <a:fillRef idx="0"/>
+          <a:effectRef idx="0"/>
+          <a:fontRef idx="minor"/>
+        </p:style>
+        <p:txBody>
+          <a:bodyPr lIns="90000" rIns="90000" tIns="45000" bIns="45000"/>
+          <a:p>
+            <a:pPr marL="228600" indent="-227880">
               <a:lnSpc>
                 <a:spcPct val="90000"/>
               </a:lnSpc>
@@ -4397,7 +3983,7 @@
               <a:buChar char="•"/>
             </a:pPr>
             <a:r>
-              <a:rPr b="0" lang="zh-CN" sz="2800" spc="-1" strike="noStrike">
+              <a:rPr b="0" lang="en-US" sz="2800" spc="-1" strike="noStrike">
                 <a:solidFill>
                   <a:srgbClr val="000000"/>
                 </a:solidFill>
@@ -4411,7 +3997,7 @@
               <a:t>借鉴生物进化论，遗传算法将要解决的问题模拟成一个生物进化的过程，通过复制、交叉、突变等操作产生下一代的解，并逐步淘汰掉适应度函数值低的解，增加适应度函数值高的解。这样进化</a:t>
             </a:r>
             <a:r>
-              <a:rPr b="0" lang="zh-CN" sz="2800" spc="-1" strike="noStrike">
+              <a:rPr b="0" lang="en-US" sz="2800" spc="-1" strike="noStrike">
                 <a:solidFill>
                   <a:srgbClr val="000000"/>
                 </a:solidFill>
@@ -4425,7 +4011,7 @@
               <a:t>N</a:t>
             </a:r>
             <a:r>
-              <a:rPr b="0" lang="zh-CN" sz="2800" spc="-1" strike="noStrike">
+              <a:rPr b="0" lang="en-US" sz="2800" spc="-1" strike="noStrike">
                 <a:solidFill>
                   <a:srgbClr val="000000"/>
                 </a:solidFill>
@@ -4438,20 +4024,20 @@
               </a:rPr>
               <a:t>代后就很有可能会进化出适应度函数值很高的个体。</a:t>
             </a:r>
-            <a:endParaRPr b="0" lang="zh-CN" sz="2800" spc="-1" strike="noStrike">
-              <a:solidFill>
-                <a:srgbClr val="000000"/>
-              </a:solidFill>
-              <a:uFill>
-                <a:solidFill>
-                  <a:srgbClr val="ffffff"/>
-                </a:solidFill>
-              </a:uFill>
-              <a:latin typeface="Calibri"/>
-            </a:endParaRPr>
-          </a:p>
-          <a:p>
-            <a:pPr marL="228600" indent="-228240">
+            <a:endParaRPr b="0" lang="en-US" sz="1800" spc="-1" strike="noStrike">
+              <a:solidFill>
+                <a:srgbClr val="000000"/>
+              </a:solidFill>
+              <a:uFill>
+                <a:solidFill>
+                  <a:srgbClr val="ffffff"/>
+                </a:solidFill>
+              </a:uFill>
+              <a:latin typeface="Arial"/>
+            </a:endParaRPr>
+          </a:p>
+          <a:p>
+            <a:pPr marL="228600" indent="-227880">
               <a:lnSpc>
                 <a:spcPct val="90000"/>
               </a:lnSpc>
@@ -4462,7 +4048,7 @@
               <a:buChar char="•"/>
             </a:pPr>
             <a:r>
-              <a:rPr b="0" lang="zh-CN" sz="2800" spc="-1" strike="noStrike">
+              <a:rPr b="0" lang="en-US" sz="2800" spc="-1" strike="noStrike">
                 <a:solidFill>
                   <a:srgbClr val="000000"/>
                 </a:solidFill>
@@ -4476,7 +4062,7 @@
               <a:t>例如，使用遗传算法解决“</a:t>
             </a:r>
             <a:r>
-              <a:rPr b="0" lang="zh-CN" sz="2800" spc="-1" strike="noStrike">
+              <a:rPr b="0" lang="en-US" sz="2800" spc="-1" strike="noStrike">
                 <a:solidFill>
                   <a:srgbClr val="000000"/>
                 </a:solidFill>
@@ -4490,7 +4076,7 @@
               <a:t>0-1</a:t>
             </a:r>
             <a:r>
-              <a:rPr b="0" lang="zh-CN" sz="2800" spc="-1" strike="noStrike">
+              <a:rPr b="0" lang="en-US" sz="2800" spc="-1" strike="noStrike">
                 <a:solidFill>
                   <a:srgbClr val="000000"/>
                 </a:solidFill>
@@ -4504,7 +4090,7 @@
               <a:t>背包问题”的思路：</a:t>
             </a:r>
             <a:r>
-              <a:rPr b="0" lang="zh-CN" sz="2800" spc="-1" strike="noStrike">
+              <a:rPr b="0" lang="en-US" sz="2800" spc="-1" strike="noStrike">
                 <a:solidFill>
                   <a:srgbClr val="000000"/>
                 </a:solidFill>
@@ -4518,7 +4104,7 @@
               <a:t>0-1</a:t>
             </a:r>
             <a:r>
-              <a:rPr b="0" lang="zh-CN" sz="2800" spc="-1" strike="noStrike">
+              <a:rPr b="0" lang="en-US" sz="2800" spc="-1" strike="noStrike">
                 <a:solidFill>
                   <a:srgbClr val="000000"/>
                 </a:solidFill>
@@ -4532,7 +4118,7 @@
               <a:t>背包的解可以编码为一串</a:t>
             </a:r>
             <a:r>
-              <a:rPr b="0" lang="zh-CN" sz="2800" spc="-1" strike="noStrike">
+              <a:rPr b="0" lang="en-US" sz="2800" spc="-1" strike="noStrike">
                 <a:solidFill>
                   <a:srgbClr val="000000"/>
                 </a:solidFill>
@@ -4546,7 +4132,7 @@
               <a:t>0-1</a:t>
             </a:r>
             <a:r>
-              <a:rPr b="0" lang="zh-CN" sz="2800" spc="-1" strike="noStrike">
+              <a:rPr b="0" lang="en-US" sz="2800" spc="-1" strike="noStrike">
                 <a:solidFill>
                   <a:srgbClr val="000000"/>
                 </a:solidFill>
@@ -4560,7 +4146,7 @@
               <a:t>字符串（</a:t>
             </a:r>
             <a:r>
-              <a:rPr b="0" lang="zh-CN" sz="2800" spc="-1" strike="noStrike">
+              <a:rPr b="0" lang="en-US" sz="2800" spc="-1" strike="noStrike">
                 <a:solidFill>
                   <a:srgbClr val="000000"/>
                 </a:solidFill>
@@ -4574,7 +4160,7 @@
               <a:t>0</a:t>
             </a:r>
             <a:r>
-              <a:rPr b="0" lang="zh-CN" sz="2800" spc="-1" strike="noStrike">
+              <a:rPr b="0" lang="en-US" sz="2800" spc="-1" strike="noStrike">
                 <a:solidFill>
                   <a:srgbClr val="000000"/>
                 </a:solidFill>
@@ -4588,7 +4174,7 @@
               <a:t>：不取，</a:t>
             </a:r>
             <a:r>
-              <a:rPr b="0" lang="zh-CN" sz="2800" spc="-1" strike="noStrike">
+              <a:rPr b="0" lang="en-US" sz="2800" spc="-1" strike="noStrike">
                 <a:solidFill>
                   <a:srgbClr val="000000"/>
                 </a:solidFill>
@@ -4602,7 +4188,7 @@
               <a:t>1</a:t>
             </a:r>
             <a:r>
-              <a:rPr b="0" lang="zh-CN" sz="2800" spc="-1" strike="noStrike">
+              <a:rPr b="0" lang="en-US" sz="2800" spc="-1" strike="noStrike">
                 <a:solidFill>
                   <a:srgbClr val="000000"/>
                 </a:solidFill>
@@ -4616,7 +4202,7 @@
               <a:t>：取） ；首先，随机产生</a:t>
             </a:r>
             <a:r>
-              <a:rPr b="0" lang="zh-CN" sz="2800" spc="-1" strike="noStrike">
+              <a:rPr b="0" lang="en-US" sz="2800" spc="-1" strike="noStrike">
                 <a:solidFill>
                   <a:srgbClr val="000000"/>
                 </a:solidFill>
@@ -4630,7 +4216,7 @@
               <a:t>M</a:t>
             </a:r>
             <a:r>
-              <a:rPr b="0" lang="zh-CN" sz="2800" spc="-1" strike="noStrike">
+              <a:rPr b="0" lang="en-US" sz="2800" spc="-1" strike="noStrike">
                 <a:solidFill>
                   <a:srgbClr val="000000"/>
                 </a:solidFill>
@@ -4644,7 +4230,7 @@
               <a:t>个</a:t>
             </a:r>
             <a:r>
-              <a:rPr b="0" lang="zh-CN" sz="2800" spc="-1" strike="noStrike">
+              <a:rPr b="0" lang="en-US" sz="2800" spc="-1" strike="noStrike">
                 <a:solidFill>
                   <a:srgbClr val="000000"/>
                 </a:solidFill>
@@ -4658,7 +4244,7 @@
               <a:t>0-1</a:t>
             </a:r>
             <a:r>
-              <a:rPr b="0" lang="zh-CN" sz="2800" spc="-1" strike="noStrike">
+              <a:rPr b="0" lang="en-US" sz="2800" spc="-1" strike="noStrike">
                 <a:solidFill>
                   <a:srgbClr val="000000"/>
                 </a:solidFill>
@@ -4672,7 +4258,7 @@
               <a:t>字符串，然后评价这些</a:t>
             </a:r>
             <a:r>
-              <a:rPr b="0" lang="zh-CN" sz="2800" spc="-1" strike="noStrike">
+              <a:rPr b="0" lang="en-US" sz="2800" spc="-1" strike="noStrike">
                 <a:solidFill>
                   <a:srgbClr val="000000"/>
                 </a:solidFill>
@@ -4686,7 +4272,7 @@
               <a:t>0-1</a:t>
             </a:r>
             <a:r>
-              <a:rPr b="0" lang="zh-CN" sz="2800" spc="-1" strike="noStrike">
+              <a:rPr b="0" lang="en-US" sz="2800" spc="-1" strike="noStrike">
                 <a:solidFill>
                   <a:srgbClr val="000000"/>
                 </a:solidFill>
@@ -4700,7 +4286,7 @@
               <a:t>字符串作为</a:t>
             </a:r>
             <a:r>
-              <a:rPr b="0" lang="zh-CN" sz="2800" spc="-1" strike="noStrike">
+              <a:rPr b="0" lang="en-US" sz="2800" spc="-1" strike="noStrike">
                 <a:solidFill>
                   <a:srgbClr val="000000"/>
                 </a:solidFill>
@@ -4714,7 +4300,7 @@
               <a:t>0-1</a:t>
             </a:r>
             <a:r>
-              <a:rPr b="0" lang="zh-CN" sz="2800" spc="-1" strike="noStrike">
+              <a:rPr b="0" lang="en-US" sz="2800" spc="-1" strike="noStrike">
                 <a:solidFill>
                   <a:srgbClr val="000000"/>
                 </a:solidFill>
@@ -4728,7 +4314,7 @@
               <a:t>背包问题的解的优劣；然后，随机选择一些字符串通过交叉、突变等操作产生下一代的</a:t>
             </a:r>
             <a:r>
-              <a:rPr b="0" lang="zh-CN" sz="2800" spc="-1" strike="noStrike">
+              <a:rPr b="0" lang="en-US" sz="2800" spc="-1" strike="noStrike">
                 <a:solidFill>
                   <a:srgbClr val="000000"/>
                 </a:solidFill>
@@ -4742,7 +4328,7 @@
               <a:t>M</a:t>
             </a:r>
             <a:r>
-              <a:rPr b="0" lang="zh-CN" sz="2800" spc="-1" strike="noStrike">
+              <a:rPr b="0" lang="en-US" sz="2800" spc="-1" strike="noStrike">
                 <a:solidFill>
                   <a:srgbClr val="000000"/>
                 </a:solidFill>
@@ -4756,7 +4342,7 @@
               <a:t>个字符串，而且较优的解被选中的概率要比较高。这样经过</a:t>
             </a:r>
             <a:r>
-              <a:rPr b="0" lang="zh-CN" sz="2800" spc="-1" strike="noStrike">
+              <a:rPr b="0" lang="en-US" sz="2800" spc="-1" strike="noStrike">
                 <a:solidFill>
                   <a:srgbClr val="000000"/>
                 </a:solidFill>
@@ -4770,7 +4356,7 @@
               <a:t>G</a:t>
             </a:r>
             <a:r>
-              <a:rPr b="0" lang="zh-CN" sz="2800" spc="-1" strike="noStrike">
+              <a:rPr b="0" lang="en-US" sz="2800" spc="-1" strike="noStrike">
                 <a:solidFill>
                   <a:srgbClr val="000000"/>
                 </a:solidFill>
@@ -4784,7 +4370,7 @@
               <a:t>代的进化后就可能会产生出</a:t>
             </a:r>
             <a:r>
-              <a:rPr b="0" lang="zh-CN" sz="2800" spc="-1" strike="noStrike">
+              <a:rPr b="0" lang="en-US" sz="2800" spc="-1" strike="noStrike">
                 <a:solidFill>
                   <a:srgbClr val="000000"/>
                 </a:solidFill>
@@ -4798,7 +4384,7 @@
               <a:t>0-1</a:t>
             </a:r>
             <a:r>
-              <a:rPr b="0" lang="zh-CN" sz="2800" spc="-1" strike="noStrike">
+              <a:rPr b="0" lang="en-US" sz="2800" spc="-1" strike="noStrike">
                 <a:solidFill>
                   <a:srgbClr val="000000"/>
                 </a:solidFill>
@@ -4811,16 +4397,16 @@
               </a:rPr>
               <a:t>背包问题的一个“近似最优解”。</a:t>
             </a:r>
-            <a:endParaRPr b="0" lang="zh-CN" sz="2800" spc="-1" strike="noStrike">
-              <a:solidFill>
-                <a:srgbClr val="000000"/>
-              </a:solidFill>
-              <a:uFill>
-                <a:solidFill>
-                  <a:srgbClr val="ffffff"/>
-                </a:solidFill>
-              </a:uFill>
-              <a:latin typeface="Calibri"/>
+            <a:endParaRPr b="0" lang="en-US" sz="1800" spc="-1" strike="noStrike">
+              <a:solidFill>
+                <a:srgbClr val="000000"/>
+              </a:solidFill>
+              <a:uFill>
+                <a:solidFill>
+                  <a:srgbClr val="ffffff"/>
+                </a:solidFill>
+              </a:uFill>
+              <a:latin typeface="Arial"/>
             </a:endParaRPr>
           </a:p>
           <a:p>
@@ -4829,16 +4415,16 @@
                 <a:spcPct val="90000"/>
               </a:lnSpc>
             </a:pPr>
-            <a:endParaRPr b="0" lang="zh-CN" sz="2800" spc="-1" strike="noStrike">
-              <a:solidFill>
-                <a:srgbClr val="000000"/>
-              </a:solidFill>
-              <a:uFill>
-                <a:solidFill>
-                  <a:srgbClr val="ffffff"/>
-                </a:solidFill>
-              </a:uFill>
-              <a:latin typeface="Calibri"/>
+            <a:endParaRPr b="0" lang="en-US" sz="1800" spc="-1" strike="noStrike">
+              <a:solidFill>
+                <a:srgbClr val="000000"/>
+              </a:solidFill>
+              <a:uFill>
+                <a:solidFill>
+                  <a:srgbClr val="ffffff"/>
+                </a:solidFill>
+              </a:uFill>
+              <a:latin typeface="Arial"/>
             </a:endParaRPr>
           </a:p>
         </p:txBody>
@@ -4894,14 +4480,14 @@
       </p:grpSpPr>
       <p:sp>
         <p:nvSpPr>
-          <p:cNvPr id="82" name="TextShape 1"/>
-          <p:cNvSpPr txBox="1"/>
+          <p:cNvPr id="76" name="CustomShape 1"/>
+          <p:cNvSpPr/>
           <p:nvPr/>
         </p:nvSpPr>
         <p:spPr>
           <a:xfrm>
             <a:off x="838080" y="365040"/>
-            <a:ext cx="10515240" cy="1325160"/>
+            <a:ext cx="10514880" cy="1324800"/>
           </a:xfrm>
           <a:prstGeom prst="rect">
             <a:avLst/>
@@ -4911,16 +4497,22 @@
             <a:noFill/>
           </a:ln>
         </p:spPr>
-        <p:txBody>
-          <a:bodyPr anchor="ctr"/>
-          <a:p>
-            <a:pPr>
+        <p:style>
+          <a:lnRef idx="0"/>
+          <a:fillRef idx="0"/>
+          <a:effectRef idx="0"/>
+          <a:fontRef idx="minor"/>
+        </p:style>
+        <p:txBody>
+          <a:bodyPr lIns="90000" rIns="90000" tIns="45000" bIns="45000" anchor="ctr"/>
+          <a:p>
+            <a:pPr algn="ctr">
               <a:lnSpc>
                 <a:spcPct val="90000"/>
               </a:lnSpc>
             </a:pPr>
             <a:r>
-              <a:rPr b="0" lang="zh-CN" sz="4400" spc="-1" strike="noStrike">
+              <a:rPr b="0" lang="en-US" sz="4400" spc="-1" strike="noStrike">
                 <a:solidFill>
                   <a:srgbClr val="000000"/>
                 </a:solidFill>
@@ -4933,30 +4525,30 @@
               </a:rPr>
               <a:t>遗传算法参考文献</a:t>
             </a:r>
-            <a:endParaRPr b="0" lang="zh-CN" sz="1800" spc="-1" strike="noStrike">
-              <a:solidFill>
-                <a:srgbClr val="000000"/>
-              </a:solidFill>
-              <a:uFill>
-                <a:solidFill>
-                  <a:srgbClr val="ffffff"/>
-                </a:solidFill>
-              </a:uFill>
-              <a:latin typeface="Calibri"/>
-            </a:endParaRPr>
-          </a:p>
-        </p:txBody>
-      </p:sp>
-      <p:sp>
-        <p:nvSpPr>
-          <p:cNvPr id="83" name="TextShape 2"/>
-          <p:cNvSpPr txBox="1"/>
+            <a:endParaRPr b="0" lang="en-US" sz="1800" spc="-1" strike="noStrike">
+              <a:solidFill>
+                <a:srgbClr val="000000"/>
+              </a:solidFill>
+              <a:uFill>
+                <a:solidFill>
+                  <a:srgbClr val="ffffff"/>
+                </a:solidFill>
+              </a:uFill>
+              <a:latin typeface="Arial"/>
+            </a:endParaRPr>
+          </a:p>
+        </p:txBody>
+      </p:sp>
+      <p:sp>
+        <p:nvSpPr>
+          <p:cNvPr id="77" name="CustomShape 2"/>
+          <p:cNvSpPr/>
           <p:nvPr/>
         </p:nvSpPr>
         <p:spPr>
           <a:xfrm>
             <a:off x="838080" y="1825560"/>
-            <a:ext cx="10515240" cy="4350960"/>
+            <a:ext cx="10514880" cy="4350600"/>
           </a:xfrm>
           <a:prstGeom prst="rect">
             <a:avLst/>
@@ -4966,10 +4558,16 @@
             <a:noFill/>
           </a:ln>
         </p:spPr>
-        <p:txBody>
-          <a:bodyPr/>
-          <a:p>
-            <a:pPr marL="228600" indent="-228240">
+        <p:style>
+          <a:lnRef idx="0"/>
+          <a:fillRef idx="0"/>
+          <a:effectRef idx="0"/>
+          <a:fontRef idx="minor"/>
+        </p:style>
+        <p:txBody>
+          <a:bodyPr lIns="90000" rIns="90000" tIns="45000" bIns="45000"/>
+          <a:p>
+            <a:pPr marL="228600" indent="-227880">
               <a:lnSpc>
                 <a:spcPct val="90000"/>
               </a:lnSpc>
@@ -4980,7 +4578,7 @@
               <a:buChar char="•"/>
             </a:pPr>
             <a:r>
-              <a:rPr b="0" lang="zh-CN" sz="2800" spc="-1" strike="noStrike">
+              <a:rPr b="0" lang="en-US" sz="2800" spc="-1" strike="noStrike">
                 <a:solidFill>
                   <a:srgbClr val="000000"/>
                 </a:solidFill>
@@ -4994,7 +4592,7 @@
               <a:t>1.Adaptation in Natural and Artificial Systems</a:t>
             </a:r>
             <a:r>
-              <a:rPr b="0" lang="zh-CN" sz="2800" spc="-1" strike="noStrike">
+              <a:rPr b="0" lang="en-US" sz="2800" spc="-1" strike="noStrike">
                 <a:solidFill>
                   <a:srgbClr val="000000"/>
                 </a:solidFill>
@@ -5008,7 +4606,7 @@
               <a:t>；</a:t>
             </a:r>
             <a:r>
-              <a:rPr b="0" lang="zh-CN" sz="2800" spc="-1" strike="noStrike">
+              <a:rPr b="0" lang="en-US" sz="2800" spc="-1" strike="noStrike">
                 <a:solidFill>
                   <a:srgbClr val="000000"/>
                 </a:solidFill>
@@ -5021,20 +4619,20 @@
               </a:rPr>
               <a:t>MIT Press</a:t>
             </a:r>
-            <a:endParaRPr b="0" lang="zh-CN" sz="2800" spc="-1" strike="noStrike">
-              <a:solidFill>
-                <a:srgbClr val="000000"/>
-              </a:solidFill>
-              <a:uFill>
-                <a:solidFill>
-                  <a:srgbClr val="ffffff"/>
-                </a:solidFill>
-              </a:uFill>
-              <a:latin typeface="Calibri"/>
-            </a:endParaRPr>
-          </a:p>
-          <a:p>
-            <a:pPr marL="228600" indent="-228240">
+            <a:endParaRPr b="0" lang="en-US" sz="1800" spc="-1" strike="noStrike">
+              <a:solidFill>
+                <a:srgbClr val="000000"/>
+              </a:solidFill>
+              <a:uFill>
+                <a:solidFill>
+                  <a:srgbClr val="ffffff"/>
+                </a:solidFill>
+              </a:uFill>
+              <a:latin typeface="Arial"/>
+            </a:endParaRPr>
+          </a:p>
+          <a:p>
+            <a:pPr marL="228600" indent="-227880">
               <a:lnSpc>
                 <a:spcPct val="90000"/>
               </a:lnSpc>
@@ -5045,7 +4643,7 @@
               <a:buChar char="•"/>
             </a:pPr>
             <a:r>
-              <a:rPr b="0" lang="zh-CN" sz="2800" spc="-1" strike="noStrike">
+              <a:rPr b="0" lang="en-US" sz="2800" spc="-1" strike="noStrike">
                 <a:solidFill>
                   <a:srgbClr val="000000"/>
                 </a:solidFill>
@@ -5059,7 +4657,7 @@
               <a:t>2.An Introduction to Genetic Algorithms</a:t>
             </a:r>
             <a:r>
-              <a:rPr b="0" lang="zh-CN" sz="2800" spc="-1" strike="noStrike">
+              <a:rPr b="0" lang="en-US" sz="2800" spc="-1" strike="noStrike">
                 <a:solidFill>
                   <a:srgbClr val="000000"/>
                 </a:solidFill>
@@ -5073,7 +4671,7 @@
               <a:t>；</a:t>
             </a:r>
             <a:r>
-              <a:rPr b="0" lang="zh-CN" sz="2800" spc="-1" strike="noStrike">
+              <a:rPr b="0" lang="en-US" sz="2800" spc="-1" strike="noStrike">
                 <a:solidFill>
                   <a:srgbClr val="000000"/>
                 </a:solidFill>
@@ -5086,20 +4684,20 @@
               </a:rPr>
               <a:t>Jenna Carr</a:t>
             </a:r>
-            <a:endParaRPr b="0" lang="zh-CN" sz="2800" spc="-1" strike="noStrike">
-              <a:solidFill>
-                <a:srgbClr val="000000"/>
-              </a:solidFill>
-              <a:uFill>
-                <a:solidFill>
-                  <a:srgbClr val="ffffff"/>
-                </a:solidFill>
-              </a:uFill>
-              <a:latin typeface="Calibri"/>
-            </a:endParaRPr>
-          </a:p>
-          <a:p>
-            <a:pPr marL="228600" indent="-228240">
+            <a:endParaRPr b="0" lang="en-US" sz="1800" spc="-1" strike="noStrike">
+              <a:solidFill>
+                <a:srgbClr val="000000"/>
+              </a:solidFill>
+              <a:uFill>
+                <a:solidFill>
+                  <a:srgbClr val="ffffff"/>
+                </a:solidFill>
+              </a:uFill>
+              <a:latin typeface="Arial"/>
+            </a:endParaRPr>
+          </a:p>
+          <a:p>
+            <a:pPr marL="228600" indent="-227880">
               <a:lnSpc>
                 <a:spcPct val="90000"/>
               </a:lnSpc>
@@ -5110,7 +4708,7 @@
               <a:buChar char="•"/>
             </a:pPr>
             <a:r>
-              <a:rPr b="0" lang="zh-CN" sz="2800" spc="-1" strike="noStrike">
+              <a:rPr b="0" lang="en-US" sz="2800" spc="-1" strike="noStrike">
                 <a:solidFill>
                   <a:srgbClr val="000000"/>
                 </a:solidFill>
@@ -5124,7 +4722,7 @@
               <a:t>3.Safe Mutations for Deep and Recurrent Neural Networks through Output Gradients</a:t>
             </a:r>
             <a:r>
-              <a:rPr b="0" lang="zh-CN" sz="2800" spc="-1" strike="noStrike">
+              <a:rPr b="0" lang="en-US" sz="2800" spc="-1" strike="noStrike">
                 <a:solidFill>
                   <a:srgbClr val="000000"/>
                 </a:solidFill>
@@ -5138,7 +4736,7 @@
               <a:t>；</a:t>
             </a:r>
             <a:r>
-              <a:rPr b="0" lang="zh-CN" sz="2800" spc="-1" strike="noStrike">
+              <a:rPr b="0" lang="en-US" sz="2800" spc="-1" strike="noStrike">
                 <a:solidFill>
                   <a:srgbClr val="000000"/>
                 </a:solidFill>
@@ -5151,20 +4749,20 @@
               </a:rPr>
               <a:t>Joel Lehman, Jay Chen, Jeff Clune, and Kenneth O. Stanley</a:t>
             </a:r>
-            <a:endParaRPr b="0" lang="zh-CN" sz="2800" spc="-1" strike="noStrike">
-              <a:solidFill>
-                <a:srgbClr val="000000"/>
-              </a:solidFill>
-              <a:uFill>
-                <a:solidFill>
-                  <a:srgbClr val="ffffff"/>
-                </a:solidFill>
-              </a:uFill>
-              <a:latin typeface="Calibri"/>
-            </a:endParaRPr>
-          </a:p>
-          <a:p>
-            <a:pPr marL="228600" indent="-228240">
+            <a:endParaRPr b="0" lang="en-US" sz="1800" spc="-1" strike="noStrike">
+              <a:solidFill>
+                <a:srgbClr val="000000"/>
+              </a:solidFill>
+              <a:uFill>
+                <a:solidFill>
+                  <a:srgbClr val="ffffff"/>
+                </a:solidFill>
+              </a:uFill>
+              <a:latin typeface="Arial"/>
+            </a:endParaRPr>
+          </a:p>
+          <a:p>
+            <a:pPr marL="228600" indent="-227880">
               <a:lnSpc>
                 <a:spcPct val="90000"/>
               </a:lnSpc>
@@ -5175,7 +4773,7 @@
               <a:buChar char="•"/>
             </a:pPr>
             <a:r>
-              <a:rPr b="0" lang="zh-CN" sz="2800" spc="-1" strike="noStrike">
+              <a:rPr b="0" lang="en-US" sz="2800" spc="-1" strike="noStrike">
                 <a:solidFill>
                   <a:srgbClr val="000000"/>
                 </a:solidFill>
@@ -5189,7 +4787,7 @@
               <a:t>4.Training Feedforward Neural Networks Using Genetic Algorithms </a:t>
             </a:r>
             <a:r>
-              <a:rPr b="0" lang="zh-CN" sz="2800" spc="-1" strike="noStrike">
+              <a:rPr b="0" lang="en-US" sz="2800" spc="-1" strike="noStrike">
                 <a:solidFill>
                   <a:srgbClr val="000000"/>
                 </a:solidFill>
@@ -5203,7 +4801,7 @@
               <a:t>；</a:t>
             </a:r>
             <a:r>
-              <a:rPr b="0" lang="zh-CN" sz="2800" spc="-1" strike="noStrike">
+              <a:rPr b="0" lang="en-US" sz="2800" spc="-1" strike="noStrike">
                 <a:solidFill>
                   <a:srgbClr val="000000"/>
                 </a:solidFill>
@@ -5217,7 +4815,7 @@
               <a:t>David J. Montana and Lawrence Davis </a:t>
             </a:r>
             <a:r>
-              <a:rPr b="0" lang="zh-CN" sz="2800" spc="-1" strike="noStrike">
+              <a:rPr b="0" lang="en-US" sz="2800" spc="-1" strike="noStrike">
                 <a:solidFill>
                   <a:srgbClr val="000000"/>
                 </a:solidFill>
@@ -5231,7 +4829,7 @@
               <a:t>；</a:t>
             </a:r>
             <a:r>
-              <a:rPr b="0" lang="zh-CN" sz="2800" spc="-1" strike="noStrike">
+              <a:rPr b="0" lang="en-US" sz="2800" spc="-1" strike="noStrike">
                 <a:solidFill>
                   <a:srgbClr val="000000"/>
                 </a:solidFill>
@@ -5244,20 +4842,20 @@
               </a:rPr>
               <a:t>IJCAI</a:t>
             </a:r>
-            <a:endParaRPr b="0" lang="zh-CN" sz="2800" spc="-1" strike="noStrike">
-              <a:solidFill>
-                <a:srgbClr val="000000"/>
-              </a:solidFill>
-              <a:uFill>
-                <a:solidFill>
-                  <a:srgbClr val="ffffff"/>
-                </a:solidFill>
-              </a:uFill>
-              <a:latin typeface="Calibri"/>
-            </a:endParaRPr>
-          </a:p>
-          <a:p>
-            <a:pPr marL="228600" indent="-228240">
+            <a:endParaRPr b="0" lang="en-US" sz="1800" spc="-1" strike="noStrike">
+              <a:solidFill>
+                <a:srgbClr val="000000"/>
+              </a:solidFill>
+              <a:uFill>
+                <a:solidFill>
+                  <a:srgbClr val="ffffff"/>
+                </a:solidFill>
+              </a:uFill>
+              <a:latin typeface="Arial"/>
+            </a:endParaRPr>
+          </a:p>
+          <a:p>
+            <a:pPr marL="228600" indent="-227880">
               <a:lnSpc>
                 <a:spcPct val="90000"/>
               </a:lnSpc>
@@ -5268,7 +4866,7 @@
               <a:buChar char="•"/>
             </a:pPr>
             <a:r>
-              <a:rPr b="0" lang="zh-CN" sz="2800" spc="-1" strike="noStrike">
+              <a:rPr b="0" lang="en-US" sz="2800" spc="-1" strike="noStrike">
                 <a:solidFill>
                   <a:srgbClr val="000000"/>
                 </a:solidFill>
@@ -5279,134 +4877,18 @@
                 </a:uFill>
                 <a:latin typeface="Calibri"/>
               </a:rPr>
-              <a:t>5.Genetic Algorithms for Evolving Deep Neural Networks</a:t>
-            </a:r>
-            <a:r>
-              <a:rPr b="0" lang="zh-CN" sz="2800" spc="-1" strike="noStrike">
-                <a:solidFill>
-                  <a:srgbClr val="000000"/>
-                </a:solidFill>
-                <a:uFill>
-                  <a:solidFill>
-                    <a:srgbClr val="ffffff"/>
-                  </a:solidFill>
-                </a:uFill>
-                <a:latin typeface="Calibri"/>
-              </a:rPr>
-              <a:t>；</a:t>
-            </a:r>
-            <a:r>
-              <a:rPr b="0" lang="zh-CN" sz="2800" spc="-1" strike="noStrike">
-                <a:solidFill>
-                  <a:srgbClr val="000000"/>
-                </a:solidFill>
-                <a:uFill>
-                  <a:solidFill>
-                    <a:srgbClr val="ffffff"/>
-                  </a:solidFill>
-                </a:uFill>
-                <a:latin typeface="Calibri"/>
-              </a:rPr>
-              <a:t>Eli (Omid) David</a:t>
-            </a:r>
-            <a:r>
-              <a:rPr b="0" lang="zh-CN" sz="2800" spc="-1" strike="noStrike">
-                <a:solidFill>
-                  <a:srgbClr val="000000"/>
-                </a:solidFill>
-                <a:uFill>
-                  <a:solidFill>
-                    <a:srgbClr val="ffffff"/>
-                  </a:solidFill>
-                </a:uFill>
-                <a:latin typeface="Calibri"/>
-              </a:rPr>
-              <a:t>，</a:t>
-            </a:r>
-            <a:r>
-              <a:rPr b="0" lang="zh-CN" sz="2800" spc="-1" strike="noStrike">
-                <a:solidFill>
-                  <a:srgbClr val="000000"/>
-                </a:solidFill>
-                <a:uFill>
-                  <a:solidFill>
-                    <a:srgbClr val="ffffff"/>
-                  </a:solidFill>
-                </a:uFill>
-                <a:latin typeface="Calibri"/>
-              </a:rPr>
-              <a:t>Iddo Greental</a:t>
-            </a:r>
-            <a:r>
-              <a:rPr b="0" lang="zh-CN" sz="2800" spc="-1" strike="noStrike">
-                <a:solidFill>
-                  <a:srgbClr val="000000"/>
-                </a:solidFill>
-                <a:uFill>
-                  <a:solidFill>
-                    <a:srgbClr val="ffffff"/>
-                  </a:solidFill>
-                </a:uFill>
-                <a:latin typeface="Calibri"/>
-              </a:rPr>
-              <a:t>；</a:t>
-            </a:r>
-            <a:r>
-              <a:rPr b="0" lang="zh-CN" sz="2800" spc="-1" strike="noStrike">
-                <a:solidFill>
-                  <a:srgbClr val="000000"/>
-                </a:solidFill>
-                <a:uFill>
-                  <a:solidFill>
-                    <a:srgbClr val="ffffff"/>
-                  </a:solidFill>
-                </a:uFill>
-                <a:latin typeface="Calibri"/>
-              </a:rPr>
-              <a:t>ACM Genetic and Evolutionary Computation Conference (GECCO), pages 1451–1452, Vancouver, Canada, July 2014.</a:t>
-            </a:r>
-            <a:endParaRPr b="0" lang="zh-CN" sz="2800" spc="-1" strike="noStrike">
-              <a:solidFill>
-                <a:srgbClr val="000000"/>
-              </a:solidFill>
-              <a:uFill>
-                <a:solidFill>
-                  <a:srgbClr val="ffffff"/>
-                </a:solidFill>
-              </a:uFill>
-              <a:latin typeface="Calibri"/>
-            </a:endParaRPr>
-          </a:p>
-          <a:p>
-            <a:pPr>
-              <a:lnSpc>
-                <a:spcPct val="90000"/>
-              </a:lnSpc>
-            </a:pPr>
-            <a:r>
-              <a:rPr b="0" lang="zh-CN" sz="2800" spc="-1" strike="noStrike">
-                <a:solidFill>
-                  <a:srgbClr val="000000"/>
-                </a:solidFill>
-                <a:uFill>
-                  <a:solidFill>
-                    <a:srgbClr val="ffffff"/>
-                  </a:solidFill>
-                </a:uFill>
-                <a:latin typeface="Calibri"/>
-              </a:rPr>
-              <a:t>6.Scalable training of artificial neural networks with adaptive sparse connectivity inspired by network.Nature Commputations,Decebal Constantin Mocanu,Elena Mocanu,Peter Stone;DOI: 10.1038/s41467-018-04316-3,2018</a:t>
-            </a:r>
-            <a:endParaRPr b="0" lang="zh-CN" sz="2800" spc="-1" strike="noStrike">
-              <a:solidFill>
-                <a:srgbClr val="000000"/>
-              </a:solidFill>
-              <a:uFill>
-                <a:solidFill>
-                  <a:srgbClr val="ffffff"/>
-                </a:solidFill>
-              </a:uFill>
-              <a:latin typeface="Calibri"/>
+              <a:t> </a:t>
+            </a:r>
+            <a:endParaRPr b="0" lang="en-US" sz="1800" spc="-1" strike="noStrike">
+              <a:solidFill>
+                <a:srgbClr val="000000"/>
+              </a:solidFill>
+              <a:uFill>
+                <a:solidFill>
+                  <a:srgbClr val="ffffff"/>
+                </a:solidFill>
+              </a:uFill>
+              <a:latin typeface="Arial"/>
             </a:endParaRPr>
           </a:p>
         </p:txBody>
@@ -5420,6 +4902,1076 @@
           <p:childTnLst>
             <p:seq>
               <p:cTn id="6" nodeType="mainSeq"/>
+              <p:prevCondLst>
+                <p:cond delay="0" evt="onPrev">
+                  <p:tgtEl>
+                    <p:sldTgt/>
+                  </p:tgtEl>
+                </p:cond>
+              </p:prevCondLst>
+              <p:nextCondLst>
+                <p:cond delay="0" evt="onNext">
+                  <p:tgtEl>
+                    <p:sldTgt/>
+                  </p:tgtEl>
+                </p:cond>
+              </p:nextCondLst>
+            </p:seq>
+          </p:childTnLst>
+        </p:cTn>
+      </p:par>
+    </p:tnLst>
+  </p:timing>
+</p:sld>
+</file>
+
+<file path=ppt/slides/slide4.xml><?xml version="1.0" encoding="utf-8"?>
+<p:sld xmlns:a="http://schemas.openxmlformats.org/drawingml/2006/main" xmlns:p="http://schemas.openxmlformats.org/presentationml/2006/main" xmlns:r="http://schemas.openxmlformats.org/officeDocument/2006/relationships" xmlns:p14="http://schemas.microsoft.com/office/powerpoint/2010/main" xmlns:p15="http://schemas.microsoft.com/office/powerpoint/2012/main" xmlns:mc="http://schemas.openxmlformats.org/markup-compatibility/2006">
+  <p:cSld>
+    <p:spTree>
+      <p:nvGrpSpPr>
+        <p:cNvPr id="1" name=""/>
+        <p:cNvGrpSpPr/>
+        <p:nvPr/>
+      </p:nvGrpSpPr>
+      <p:grpSpPr>
+        <a:xfrm>
+          <a:off x="0" y="0"/>
+          <a:ext cx="0" cy="0"/>
+          <a:chOff x="0" y="0"/>
+          <a:chExt cx="0" cy="0"/>
+        </a:xfrm>
+      </p:grpSpPr>
+      <p:sp>
+        <p:nvSpPr>
+          <p:cNvPr id="78" name="TextShape 1"/>
+          <p:cNvSpPr txBox="1"/>
+          <p:nvPr/>
+        </p:nvSpPr>
+        <p:spPr>
+          <a:xfrm>
+            <a:off x="609480" y="273600"/>
+            <a:ext cx="10972440" cy="1144800"/>
+          </a:xfrm>
+          <a:prstGeom prst="rect">
+            <a:avLst/>
+          </a:prstGeom>
+          <a:noFill/>
+          <a:ln>
+            <a:noFill/>
+          </a:ln>
+        </p:spPr>
+        <p:txBody>
+          <a:bodyPr lIns="0" rIns="0" tIns="0" bIns="0" anchor="ctr"/>
+          <a:p>
+            <a:pPr algn="ctr">
+              <a:lnSpc>
+                <a:spcPct val="90000"/>
+              </a:lnSpc>
+            </a:pPr>
+            <a:r>
+              <a:rPr b="0" lang="en-US" sz="4400" spc="-1" strike="noStrike">
+                <a:solidFill>
+                  <a:srgbClr val="000000"/>
+                </a:solidFill>
+                <a:uFill>
+                  <a:solidFill>
+                    <a:srgbClr val="ffffff"/>
+                  </a:solidFill>
+                </a:uFill>
+                <a:latin typeface="Calibri Light"/>
+              </a:rPr>
+              <a:t>遗传算法参考文献</a:t>
+            </a:r>
+            <a:endParaRPr b="0" lang="en-US" sz="4400" spc="-1" strike="noStrike">
+              <a:solidFill>
+                <a:srgbClr val="000000"/>
+              </a:solidFill>
+              <a:uFill>
+                <a:solidFill>
+                  <a:srgbClr val="ffffff"/>
+                </a:solidFill>
+              </a:uFill>
+              <a:latin typeface="Arial"/>
+            </a:endParaRPr>
+          </a:p>
+        </p:txBody>
+      </p:sp>
+      <p:sp>
+        <p:nvSpPr>
+          <p:cNvPr id="79" name="TextShape 2"/>
+          <p:cNvSpPr txBox="1"/>
+          <p:nvPr/>
+        </p:nvSpPr>
+        <p:spPr>
+          <a:xfrm>
+            <a:off x="609480" y="1604520"/>
+            <a:ext cx="10972440" cy="3977280"/>
+          </a:xfrm>
+          <a:prstGeom prst="rect">
+            <a:avLst/>
+          </a:prstGeom>
+          <a:noFill/>
+          <a:ln>
+            <a:noFill/>
+          </a:ln>
+        </p:spPr>
+        <p:txBody>
+          <a:bodyPr lIns="0" rIns="0" tIns="0" bIns="0" anchor="ctr"/>
+          <a:p>
+            <a:pPr marL="216000" indent="-216000" algn="just">
+              <a:lnSpc>
+                <a:spcPct val="90000"/>
+              </a:lnSpc>
+              <a:buClr>
+                <a:srgbClr val="000000"/>
+              </a:buClr>
+              <a:buSzPct val="45000"/>
+              <a:buFont typeface="Wingdings" charset="2"/>
+              <a:buChar char=""/>
+            </a:pPr>
+            <a:r>
+              <a:rPr b="0" lang="en-US" sz="2800" spc="-1" strike="noStrike">
+                <a:solidFill>
+                  <a:srgbClr val="000000"/>
+                </a:solidFill>
+                <a:uFill>
+                  <a:solidFill>
+                    <a:srgbClr val="ffffff"/>
+                  </a:solidFill>
+                </a:uFill>
+                <a:latin typeface="Calibri"/>
+              </a:rPr>
+              <a:t>5.Genetic Algorithms for Evolving Deep Neural Networks</a:t>
+            </a:r>
+            <a:r>
+              <a:rPr b="0" lang="en-US" sz="2800" spc="-1" strike="noStrike">
+                <a:solidFill>
+                  <a:srgbClr val="000000"/>
+                </a:solidFill>
+                <a:uFill>
+                  <a:solidFill>
+                    <a:srgbClr val="ffffff"/>
+                  </a:solidFill>
+                </a:uFill>
+                <a:latin typeface="Calibri"/>
+              </a:rPr>
+              <a:t>；</a:t>
+            </a:r>
+            <a:r>
+              <a:rPr b="0" lang="en-US" sz="2800" spc="-1" strike="noStrike">
+                <a:solidFill>
+                  <a:srgbClr val="000000"/>
+                </a:solidFill>
+                <a:uFill>
+                  <a:solidFill>
+                    <a:srgbClr val="ffffff"/>
+                  </a:solidFill>
+                </a:uFill>
+                <a:latin typeface="Calibri"/>
+              </a:rPr>
+              <a:t>Eli (Omid) David</a:t>
+            </a:r>
+            <a:r>
+              <a:rPr b="0" lang="en-US" sz="2800" spc="-1" strike="noStrike">
+                <a:solidFill>
+                  <a:srgbClr val="000000"/>
+                </a:solidFill>
+                <a:uFill>
+                  <a:solidFill>
+                    <a:srgbClr val="ffffff"/>
+                  </a:solidFill>
+                </a:uFill>
+                <a:latin typeface="Calibri"/>
+              </a:rPr>
+              <a:t>，</a:t>
+            </a:r>
+            <a:r>
+              <a:rPr b="0" lang="en-US" sz="2800" spc="-1" strike="noStrike">
+                <a:solidFill>
+                  <a:srgbClr val="000000"/>
+                </a:solidFill>
+                <a:uFill>
+                  <a:solidFill>
+                    <a:srgbClr val="ffffff"/>
+                  </a:solidFill>
+                </a:uFill>
+                <a:latin typeface="Calibri"/>
+              </a:rPr>
+              <a:t>Iddo Greental</a:t>
+            </a:r>
+            <a:r>
+              <a:rPr b="0" lang="en-US" sz="2800" spc="-1" strike="noStrike">
+                <a:solidFill>
+                  <a:srgbClr val="000000"/>
+                </a:solidFill>
+                <a:uFill>
+                  <a:solidFill>
+                    <a:srgbClr val="ffffff"/>
+                  </a:solidFill>
+                </a:uFill>
+                <a:latin typeface="Calibri"/>
+              </a:rPr>
+              <a:t>；</a:t>
+            </a:r>
+            <a:r>
+              <a:rPr b="0" lang="en-US" sz="2800" spc="-1" strike="noStrike">
+                <a:solidFill>
+                  <a:srgbClr val="000000"/>
+                </a:solidFill>
+                <a:uFill>
+                  <a:solidFill>
+                    <a:srgbClr val="ffffff"/>
+                  </a:solidFill>
+                </a:uFill>
+                <a:latin typeface="Calibri"/>
+              </a:rPr>
+              <a:t>ACM Genetic and Evolutionary Computation Conference (GECCO), pages 1451–1452, Vancouver, Canada, July 2014.</a:t>
+            </a:r>
+            <a:endParaRPr b="0" lang="en-US" sz="3200" spc="-1" strike="noStrike">
+              <a:solidFill>
+                <a:srgbClr val="000000"/>
+              </a:solidFill>
+              <a:uFill>
+                <a:solidFill>
+                  <a:srgbClr val="ffffff"/>
+                </a:solidFill>
+              </a:uFill>
+              <a:latin typeface="Arial"/>
+            </a:endParaRPr>
+          </a:p>
+          <a:p>
+            <a:pPr algn="just">
+              <a:lnSpc>
+                <a:spcPct val="90000"/>
+              </a:lnSpc>
+            </a:pPr>
+            <a:endParaRPr b="0" lang="en-US" sz="3200" spc="-1" strike="noStrike">
+              <a:solidFill>
+                <a:srgbClr val="000000"/>
+              </a:solidFill>
+              <a:uFill>
+                <a:solidFill>
+                  <a:srgbClr val="ffffff"/>
+                </a:solidFill>
+              </a:uFill>
+              <a:latin typeface="Arial"/>
+            </a:endParaRPr>
+          </a:p>
+          <a:p>
+            <a:pPr marL="216000" indent="-216000" algn="just">
+              <a:lnSpc>
+                <a:spcPct val="90000"/>
+              </a:lnSpc>
+              <a:buClr>
+                <a:srgbClr val="000000"/>
+              </a:buClr>
+              <a:buSzPct val="45000"/>
+              <a:buFont typeface="Wingdings" charset="2"/>
+              <a:buChar char=""/>
+            </a:pPr>
+            <a:r>
+              <a:rPr b="0" lang="en-US" sz="2800" spc="-1" strike="noStrike">
+                <a:solidFill>
+                  <a:srgbClr val="000000"/>
+                </a:solidFill>
+                <a:uFill>
+                  <a:solidFill>
+                    <a:srgbClr val="ffffff"/>
+                  </a:solidFill>
+                </a:uFill>
+                <a:latin typeface="Calibri"/>
+              </a:rPr>
+              <a:t>6.Scalable training of artificial neural networks with adaptive sparse connectivity inspired by network.Nature Commputations,Decebal Constantin Mocanu,Elena Mocanu,Peter Stone;DOI: 10.1038/s41467-018-04316-3,2018</a:t>
+            </a:r>
+            <a:endParaRPr b="0" lang="en-US" sz="3200" spc="-1" strike="noStrike">
+              <a:solidFill>
+                <a:srgbClr val="000000"/>
+              </a:solidFill>
+              <a:uFill>
+                <a:solidFill>
+                  <a:srgbClr val="ffffff"/>
+                </a:solidFill>
+              </a:uFill>
+              <a:latin typeface="Arial"/>
+            </a:endParaRPr>
+          </a:p>
+        </p:txBody>
+      </p:sp>
+    </p:spTree>
+  </p:cSld>
+  <p:timing>
+    <p:tnLst>
+      <p:par>
+        <p:cTn id="7" dur="indefinite" restart="never" nodeType="tmRoot">
+          <p:childTnLst>
+            <p:seq>
+              <p:cTn id="8" nodeType="mainSeq"/>
+              <p:prevCondLst>
+                <p:cond delay="0" evt="onPrev">
+                  <p:tgtEl>
+                    <p:sldTgt/>
+                  </p:tgtEl>
+                </p:cond>
+              </p:prevCondLst>
+              <p:nextCondLst>
+                <p:cond delay="0" evt="onNext">
+                  <p:tgtEl>
+                    <p:sldTgt/>
+                  </p:tgtEl>
+                </p:cond>
+              </p:nextCondLst>
+            </p:seq>
+          </p:childTnLst>
+        </p:cTn>
+      </p:par>
+    </p:tnLst>
+  </p:timing>
+</p:sld>
+</file>
+
+<file path=ppt/slides/slide5.xml><?xml version="1.0" encoding="utf-8"?>
+<p:sld xmlns:a="http://schemas.openxmlformats.org/drawingml/2006/main" xmlns:p="http://schemas.openxmlformats.org/presentationml/2006/main" xmlns:r="http://schemas.openxmlformats.org/officeDocument/2006/relationships" xmlns:p14="http://schemas.microsoft.com/office/powerpoint/2010/main" xmlns:p15="http://schemas.microsoft.com/office/powerpoint/2012/main" xmlns:mc="http://schemas.openxmlformats.org/markup-compatibility/2006">
+  <p:cSld>
+    <p:spTree>
+      <p:nvGrpSpPr>
+        <p:cNvPr id="1" name=""/>
+        <p:cNvGrpSpPr/>
+        <p:nvPr/>
+      </p:nvGrpSpPr>
+      <p:grpSpPr>
+        <a:xfrm>
+          <a:off x="0" y="0"/>
+          <a:ext cx="0" cy="0"/>
+          <a:chOff x="0" y="0"/>
+          <a:chExt cx="0" cy="0"/>
+        </a:xfrm>
+      </p:grpSpPr>
+      <p:sp>
+        <p:nvSpPr>
+          <p:cNvPr id="80" name="TextShape 1"/>
+          <p:cNvSpPr txBox="1"/>
+          <p:nvPr/>
+        </p:nvSpPr>
+        <p:spPr>
+          <a:xfrm>
+            <a:off x="731520" y="365760"/>
+            <a:ext cx="10972440" cy="1144800"/>
+          </a:xfrm>
+          <a:prstGeom prst="rect">
+            <a:avLst/>
+          </a:prstGeom>
+          <a:noFill/>
+          <a:ln>
+            <a:noFill/>
+          </a:ln>
+        </p:spPr>
+        <p:txBody>
+          <a:bodyPr lIns="0" rIns="0" tIns="0" bIns="0" anchor="ctr"/>
+          <a:p>
+            <a:pPr marL="216000" indent="-216000" algn="ctr">
+              <a:lnSpc>
+                <a:spcPct val="90000"/>
+              </a:lnSpc>
+              <a:buClr>
+                <a:srgbClr val="000000"/>
+              </a:buClr>
+              <a:buSzPct val="45000"/>
+              <a:buFont typeface="Wingdings" charset="2"/>
+              <a:buChar char=""/>
+            </a:pPr>
+            <a:r>
+              <a:rPr b="0" lang="en-US" sz="2800" spc="-1" strike="noStrike">
+                <a:solidFill>
+                  <a:srgbClr val="000000"/>
+                </a:solidFill>
+                <a:uFill>
+                  <a:solidFill>
+                    <a:srgbClr val="ffffff"/>
+                  </a:solidFill>
+                </a:uFill>
+                <a:latin typeface="Calibri"/>
+              </a:rPr>
+              <a:t>Scalable Training of Artificial Neural Networks with Adaptive Sparse Connectivity Inspired by Network</a:t>
+            </a:r>
+            <a:endParaRPr b="0" lang="en-US" sz="4400" spc="-1" strike="noStrike">
+              <a:solidFill>
+                <a:srgbClr val="000000"/>
+              </a:solidFill>
+              <a:uFill>
+                <a:solidFill>
+                  <a:srgbClr val="ffffff"/>
+                </a:solidFill>
+              </a:uFill>
+              <a:latin typeface="Arial"/>
+            </a:endParaRPr>
+          </a:p>
+        </p:txBody>
+      </p:sp>
+      <p:sp>
+        <p:nvSpPr>
+          <p:cNvPr id="81" name="TextShape 2"/>
+          <p:cNvSpPr txBox="1"/>
+          <p:nvPr/>
+        </p:nvSpPr>
+        <p:spPr>
+          <a:xfrm>
+            <a:off x="609480" y="1604520"/>
+            <a:ext cx="10972440" cy="3977280"/>
+          </a:xfrm>
+          <a:prstGeom prst="rect">
+            <a:avLst/>
+          </a:prstGeom>
+          <a:noFill/>
+          <a:ln>
+            <a:noFill/>
+          </a:ln>
+        </p:spPr>
+        <p:txBody>
+          <a:bodyPr lIns="0" rIns="0" tIns="0" bIns="0"/>
+          <a:p>
+            <a:pPr marL="432000" indent="-324000">
+              <a:buClr>
+                <a:srgbClr val="000000"/>
+              </a:buClr>
+              <a:buSzPct val="45000"/>
+              <a:buFont typeface="Wingdings" charset="2"/>
+              <a:buChar char=""/>
+            </a:pPr>
+            <a:r>
+              <a:rPr b="1" lang="en-US" sz="4000" spc="-1" strike="noStrike">
+                <a:solidFill>
+                  <a:srgbClr val="000000"/>
+                </a:solidFill>
+                <a:uFill>
+                  <a:solidFill>
+                    <a:srgbClr val="ffffff"/>
+                  </a:solidFill>
+                </a:uFill>
+                <a:latin typeface="Arial"/>
+              </a:rPr>
+              <a:t>ieda:</a:t>
+            </a:r>
+            <a:endParaRPr b="0" lang="en-US" sz="3200" spc="-1" strike="noStrike">
+              <a:solidFill>
+                <a:srgbClr val="000000"/>
+              </a:solidFill>
+              <a:uFill>
+                <a:solidFill>
+                  <a:srgbClr val="ffffff"/>
+                </a:solidFill>
+              </a:uFill>
+              <a:latin typeface="Arial"/>
+            </a:endParaRPr>
+          </a:p>
+          <a:p>
+            <a:pPr marL="432000" indent="-324000">
+              <a:buClr>
+                <a:srgbClr val="000000"/>
+              </a:buClr>
+              <a:buSzPct val="45000"/>
+              <a:buFont typeface="Wingdings" charset="2"/>
+              <a:buChar char=""/>
+            </a:pPr>
+            <a:r>
+              <a:rPr b="0" lang="en-US" sz="3200" spc="-1" strike="noStrike">
+                <a:solidFill>
+                  <a:srgbClr val="000000"/>
+                </a:solidFill>
+                <a:uFill>
+                  <a:solidFill>
+                    <a:srgbClr val="ffffff"/>
+                  </a:solidFill>
+                </a:uFill>
+                <a:latin typeface="Arial"/>
+              </a:rPr>
+              <a:t>Biological neural networks have good properties(e.g. sparsity, scale-freeness)</a:t>
+            </a:r>
+            <a:endParaRPr b="0" lang="en-US" sz="3200" spc="-1" strike="noStrike">
+              <a:solidFill>
+                <a:srgbClr val="000000"/>
+              </a:solidFill>
+              <a:uFill>
+                <a:solidFill>
+                  <a:srgbClr val="ffffff"/>
+                </a:solidFill>
+              </a:uFill>
+              <a:latin typeface="Arial"/>
+            </a:endParaRPr>
+          </a:p>
+          <a:p>
+            <a:pPr marL="432000" indent="-324000">
+              <a:buClr>
+                <a:srgbClr val="000000"/>
+              </a:buClr>
+              <a:buSzPct val="45000"/>
+              <a:buFont typeface="Wingdings" charset="2"/>
+              <a:buChar char=""/>
+            </a:pPr>
+            <a:r>
+              <a:rPr b="0" lang="en-US" sz="3200" spc="-1" strike="noStrike">
+                <a:solidFill>
+                  <a:srgbClr val="000000"/>
+                </a:solidFill>
+                <a:uFill>
+                  <a:solidFill>
+                    <a:srgbClr val="ffffff"/>
+                  </a:solidFill>
+                </a:uFill>
+                <a:latin typeface="Arial"/>
+              </a:rPr>
+              <a:t>Artificial neural networks should not have fully-connected layers</a:t>
+            </a:r>
+            <a:endParaRPr b="0" lang="en-US" sz="3200" spc="-1" strike="noStrike">
+              <a:solidFill>
+                <a:srgbClr val="000000"/>
+              </a:solidFill>
+              <a:uFill>
+                <a:solidFill>
+                  <a:srgbClr val="ffffff"/>
+                </a:solidFill>
+              </a:uFill>
+              <a:latin typeface="Arial"/>
+            </a:endParaRPr>
+          </a:p>
+          <a:p>
+            <a:pPr marL="432000" indent="-324000">
+              <a:buClr>
+                <a:srgbClr val="000000"/>
+              </a:buClr>
+              <a:buSzPct val="45000"/>
+              <a:buFont typeface="Wingdings" charset="2"/>
+              <a:buChar char=""/>
+            </a:pPr>
+            <a:r>
+              <a:rPr b="0" lang="en-US" sz="3200" spc="-1" strike="noStrike">
+                <a:solidFill>
+                  <a:srgbClr val="000000"/>
+                </a:solidFill>
+                <a:uFill>
+                  <a:solidFill>
+                    <a:srgbClr val="ffffff"/>
+                  </a:solidFill>
+                </a:uFill>
+                <a:latin typeface="Arial"/>
+              </a:rPr>
+              <a:t>Propose sparse evolutionary training of artificial neural networks</a:t>
+            </a:r>
+            <a:endParaRPr b="0" lang="en-US" sz="3200" spc="-1" strike="noStrike">
+              <a:solidFill>
+                <a:srgbClr val="000000"/>
+              </a:solidFill>
+              <a:uFill>
+                <a:solidFill>
+                  <a:srgbClr val="ffffff"/>
+                </a:solidFill>
+              </a:uFill>
+              <a:latin typeface="Arial"/>
+            </a:endParaRPr>
+          </a:p>
+        </p:txBody>
+      </p:sp>
+    </p:spTree>
+  </p:cSld>
+  <p:timing>
+    <p:tnLst>
+      <p:par>
+        <p:cTn id="9" dur="indefinite" restart="never" nodeType="tmRoot">
+          <p:childTnLst>
+            <p:seq>
+              <p:cTn id="10" nodeType="mainSeq"/>
+              <p:prevCondLst>
+                <p:cond delay="0" evt="onPrev">
+                  <p:tgtEl>
+                    <p:sldTgt/>
+                  </p:tgtEl>
+                </p:cond>
+              </p:prevCondLst>
+              <p:nextCondLst>
+                <p:cond delay="0" evt="onNext">
+                  <p:tgtEl>
+                    <p:sldTgt/>
+                  </p:tgtEl>
+                </p:cond>
+              </p:nextCondLst>
+            </p:seq>
+          </p:childTnLst>
+        </p:cTn>
+      </p:par>
+    </p:tnLst>
+  </p:timing>
+</p:sld>
+</file>
+
+<file path=ppt/slides/slide6.xml><?xml version="1.0" encoding="utf-8"?>
+<p:sld xmlns:a="http://schemas.openxmlformats.org/drawingml/2006/main" xmlns:p="http://schemas.openxmlformats.org/presentationml/2006/main" xmlns:r="http://schemas.openxmlformats.org/officeDocument/2006/relationships" xmlns:p14="http://schemas.microsoft.com/office/powerpoint/2010/main" xmlns:p15="http://schemas.microsoft.com/office/powerpoint/2012/main" xmlns:mc="http://schemas.openxmlformats.org/markup-compatibility/2006">
+  <p:cSld>
+    <p:spTree>
+      <p:nvGrpSpPr>
+        <p:cNvPr id="1" name=""/>
+        <p:cNvGrpSpPr/>
+        <p:nvPr/>
+      </p:nvGrpSpPr>
+      <p:grpSpPr>
+        <a:xfrm>
+          <a:off x="0" y="0"/>
+          <a:ext cx="0" cy="0"/>
+          <a:chOff x="0" y="0"/>
+          <a:chExt cx="0" cy="0"/>
+        </a:xfrm>
+      </p:grpSpPr>
+      <p:pic>
+        <p:nvPicPr>
+          <p:cNvPr id="82" name="" descr=""/>
+          <p:cNvPicPr/>
+          <p:nvPr/>
+        </p:nvPicPr>
+        <p:blipFill>
+          <a:blip r:embed="rId1"/>
+          <a:stretch/>
+        </p:blipFill>
+        <p:spPr>
+          <a:xfrm>
+            <a:off x="136080" y="1862280"/>
+            <a:ext cx="11934000" cy="3147120"/>
+          </a:xfrm>
+          <a:prstGeom prst="rect">
+            <a:avLst/>
+          </a:prstGeom>
+          <a:ln>
+            <a:noFill/>
+          </a:ln>
+        </p:spPr>
+      </p:pic>
+      <p:sp>
+        <p:nvSpPr>
+          <p:cNvPr id="83" name="TextShape 1"/>
+          <p:cNvSpPr txBox="1"/>
+          <p:nvPr/>
+        </p:nvSpPr>
+        <p:spPr>
+          <a:xfrm>
+            <a:off x="609480" y="273600"/>
+            <a:ext cx="10972440" cy="1144800"/>
+          </a:xfrm>
+          <a:prstGeom prst="rect">
+            <a:avLst/>
+          </a:prstGeom>
+          <a:noFill/>
+          <a:ln>
+            <a:noFill/>
+          </a:ln>
+        </p:spPr>
+        <p:txBody>
+          <a:bodyPr lIns="0" rIns="0" tIns="0" bIns="0" anchor="ctr"/>
+          <a:p>
+            <a:pPr algn="ctr"/>
+            <a:r>
+              <a:rPr b="0" lang="en-US" sz="4400" spc="-1" strike="noStrike">
+                <a:solidFill>
+                  <a:srgbClr val="000000"/>
+                </a:solidFill>
+                <a:uFill>
+                  <a:solidFill>
+                    <a:srgbClr val="ffffff"/>
+                  </a:solidFill>
+                </a:uFill>
+                <a:latin typeface="Arial"/>
+              </a:rPr>
+              <a:t>SET(Sparse Evolutionary Training)</a:t>
+            </a:r>
+            <a:endParaRPr b="0" lang="en-US" sz="4400" spc="-1" strike="noStrike">
+              <a:solidFill>
+                <a:srgbClr val="000000"/>
+              </a:solidFill>
+              <a:uFill>
+                <a:solidFill>
+                  <a:srgbClr val="ffffff"/>
+                </a:solidFill>
+              </a:uFill>
+              <a:latin typeface="Arial"/>
+            </a:endParaRPr>
+          </a:p>
+        </p:txBody>
+      </p:sp>
+    </p:spTree>
+  </p:cSld>
+  <p:timing>
+    <p:tnLst>
+      <p:par>
+        <p:cTn id="11" dur="indefinite" restart="never" nodeType="tmRoot">
+          <p:childTnLst>
+            <p:seq>
+              <p:cTn id="12" nodeType="mainSeq"/>
+              <p:prevCondLst>
+                <p:cond delay="0" evt="onPrev">
+                  <p:tgtEl>
+                    <p:sldTgt/>
+                  </p:tgtEl>
+                </p:cond>
+              </p:prevCondLst>
+              <p:nextCondLst>
+                <p:cond delay="0" evt="onNext">
+                  <p:tgtEl>
+                    <p:sldTgt/>
+                  </p:tgtEl>
+                </p:cond>
+              </p:nextCondLst>
+            </p:seq>
+          </p:childTnLst>
+        </p:cTn>
+      </p:par>
+    </p:tnLst>
+  </p:timing>
+</p:sld>
+</file>
+
+<file path=ppt/slides/slide7.xml><?xml version="1.0" encoding="utf-8"?>
+<p:sld xmlns:a="http://schemas.openxmlformats.org/drawingml/2006/main" xmlns:p="http://schemas.openxmlformats.org/presentationml/2006/main" xmlns:r="http://schemas.openxmlformats.org/officeDocument/2006/relationships" xmlns:p14="http://schemas.microsoft.com/office/powerpoint/2010/main" xmlns:p15="http://schemas.microsoft.com/office/powerpoint/2012/main" xmlns:mc="http://schemas.openxmlformats.org/markup-compatibility/2006">
+  <p:cSld>
+    <p:spTree>
+      <p:nvGrpSpPr>
+        <p:cNvPr id="1" name=""/>
+        <p:cNvGrpSpPr/>
+        <p:nvPr/>
+      </p:nvGrpSpPr>
+      <p:grpSpPr>
+        <a:xfrm>
+          <a:off x="0" y="0"/>
+          <a:ext cx="0" cy="0"/>
+          <a:chOff x="0" y="0"/>
+          <a:chExt cx="0" cy="0"/>
+        </a:xfrm>
+      </p:grpSpPr>
+      <p:sp>
+        <p:nvSpPr>
+          <p:cNvPr id="84" name="TextShape 1"/>
+          <p:cNvSpPr txBox="1"/>
+          <p:nvPr/>
+        </p:nvSpPr>
+        <p:spPr>
+          <a:xfrm>
+            <a:off x="609480" y="273600"/>
+            <a:ext cx="10972440" cy="1144800"/>
+          </a:xfrm>
+          <a:prstGeom prst="rect">
+            <a:avLst/>
+          </a:prstGeom>
+          <a:noFill/>
+          <a:ln>
+            <a:noFill/>
+          </a:ln>
+        </p:spPr>
+        <p:txBody>
+          <a:bodyPr lIns="0" rIns="0" tIns="0" bIns="0" anchor="ctr"/>
+          <a:p>
+            <a:pPr algn="ctr"/>
+            <a:r>
+              <a:rPr b="0" lang="en-US" sz="4400" spc="-1" strike="noStrike">
+                <a:solidFill>
+                  <a:srgbClr val="000000"/>
+                </a:solidFill>
+                <a:uFill>
+                  <a:solidFill>
+                    <a:srgbClr val="ffffff"/>
+                  </a:solidFill>
+                </a:uFill>
+                <a:latin typeface="Arial"/>
+              </a:rPr>
+              <a:t>Performance on MLPs</a:t>
+            </a:r>
+            <a:endParaRPr b="0" lang="en-US" sz="4400" spc="-1" strike="noStrike">
+              <a:solidFill>
+                <a:srgbClr val="000000"/>
+              </a:solidFill>
+              <a:uFill>
+                <a:solidFill>
+                  <a:srgbClr val="ffffff"/>
+                </a:solidFill>
+              </a:uFill>
+              <a:latin typeface="Arial"/>
+            </a:endParaRPr>
+          </a:p>
+        </p:txBody>
+      </p:sp>
+      <p:pic>
+        <p:nvPicPr>
+          <p:cNvPr id="85" name="" descr=""/>
+          <p:cNvPicPr/>
+          <p:nvPr/>
+        </p:nvPicPr>
+        <p:blipFill>
+          <a:blip r:embed="rId1"/>
+          <a:stretch/>
+        </p:blipFill>
+        <p:spPr>
+          <a:xfrm rot="21580800">
+            <a:off x="1745280" y="1761480"/>
+            <a:ext cx="8778240" cy="2985840"/>
+          </a:xfrm>
+          <a:prstGeom prst="rect">
+            <a:avLst/>
+          </a:prstGeom>
+          <a:ln>
+            <a:noFill/>
+          </a:ln>
+        </p:spPr>
+      </p:pic>
+    </p:spTree>
+  </p:cSld>
+  <p:timing>
+    <p:tnLst>
+      <p:par>
+        <p:cTn id="13" dur="indefinite" restart="never" nodeType="tmRoot">
+          <p:childTnLst>
+            <p:seq>
+              <p:cTn id="14" nodeType="mainSeq"/>
+              <p:prevCondLst>
+                <p:cond delay="0" evt="onPrev">
+                  <p:tgtEl>
+                    <p:sldTgt/>
+                  </p:tgtEl>
+                </p:cond>
+              </p:prevCondLst>
+              <p:nextCondLst>
+                <p:cond delay="0" evt="onNext">
+                  <p:tgtEl>
+                    <p:sldTgt/>
+                  </p:tgtEl>
+                </p:cond>
+              </p:nextCondLst>
+            </p:seq>
+          </p:childTnLst>
+        </p:cTn>
+      </p:par>
+    </p:tnLst>
+  </p:timing>
+</p:sld>
+</file>
+
+<file path=ppt/slides/slide8.xml><?xml version="1.0" encoding="utf-8"?>
+<p:sld xmlns:a="http://schemas.openxmlformats.org/drawingml/2006/main" xmlns:p="http://schemas.openxmlformats.org/presentationml/2006/main" xmlns:r="http://schemas.openxmlformats.org/officeDocument/2006/relationships" xmlns:p14="http://schemas.microsoft.com/office/powerpoint/2010/main" xmlns:p15="http://schemas.microsoft.com/office/powerpoint/2012/main" xmlns:mc="http://schemas.openxmlformats.org/markup-compatibility/2006">
+  <p:cSld>
+    <p:spTree>
+      <p:nvGrpSpPr>
+        <p:cNvPr id="1" name=""/>
+        <p:cNvGrpSpPr/>
+        <p:nvPr/>
+      </p:nvGrpSpPr>
+      <p:grpSpPr>
+        <a:xfrm>
+          <a:off x="0" y="0"/>
+          <a:ext cx="0" cy="0"/>
+          <a:chOff x="0" y="0"/>
+          <a:chExt cx="0" cy="0"/>
+        </a:xfrm>
+      </p:grpSpPr>
+      <p:sp>
+        <p:nvSpPr>
+          <p:cNvPr id="86" name="TextShape 1"/>
+          <p:cNvSpPr txBox="1"/>
+          <p:nvPr/>
+        </p:nvSpPr>
+        <p:spPr>
+          <a:xfrm>
+            <a:off x="609480" y="273600"/>
+            <a:ext cx="10972440" cy="1144800"/>
+          </a:xfrm>
+          <a:prstGeom prst="rect">
+            <a:avLst/>
+          </a:prstGeom>
+          <a:noFill/>
+          <a:ln>
+            <a:noFill/>
+          </a:ln>
+        </p:spPr>
+        <p:txBody>
+          <a:bodyPr lIns="0" rIns="0" tIns="0" bIns="0" anchor="ctr"/>
+          <a:p>
+            <a:pPr algn="ctr"/>
+            <a:r>
+              <a:rPr b="0" lang="en-US" sz="4400" spc="-1" strike="noStrike">
+                <a:solidFill>
+                  <a:srgbClr val="000000"/>
+                </a:solidFill>
+                <a:uFill>
+                  <a:solidFill>
+                    <a:srgbClr val="ffffff"/>
+                  </a:solidFill>
+                </a:uFill>
+                <a:latin typeface="Arial"/>
+              </a:rPr>
+              <a:t>Performance on MLPs</a:t>
+            </a:r>
+            <a:endParaRPr b="0" lang="en-US" sz="4400" spc="-1" strike="noStrike">
+              <a:solidFill>
+                <a:srgbClr val="000000"/>
+              </a:solidFill>
+              <a:uFill>
+                <a:solidFill>
+                  <a:srgbClr val="ffffff"/>
+                </a:solidFill>
+              </a:uFill>
+              <a:latin typeface="Arial"/>
+            </a:endParaRPr>
+          </a:p>
+        </p:txBody>
+      </p:sp>
+      <p:pic>
+        <p:nvPicPr>
+          <p:cNvPr id="87" name="" descr=""/>
+          <p:cNvPicPr/>
+          <p:nvPr/>
+        </p:nvPicPr>
+        <p:blipFill>
+          <a:blip r:embed="rId1"/>
+          <a:stretch/>
+        </p:blipFill>
+        <p:spPr>
+          <a:xfrm>
+            <a:off x="1188720" y="1828800"/>
+            <a:ext cx="9235440" cy="3441960"/>
+          </a:xfrm>
+          <a:prstGeom prst="rect">
+            <a:avLst/>
+          </a:prstGeom>
+          <a:ln>
+            <a:noFill/>
+          </a:ln>
+        </p:spPr>
+      </p:pic>
+    </p:spTree>
+  </p:cSld>
+  <p:timing>
+    <p:tnLst>
+      <p:par>
+        <p:cTn id="15" dur="indefinite" restart="never" nodeType="tmRoot">
+          <p:childTnLst>
+            <p:seq>
+              <p:cTn id="16" nodeType="mainSeq"/>
+              <p:prevCondLst>
+                <p:cond delay="0" evt="onPrev">
+                  <p:tgtEl>
+                    <p:sldTgt/>
+                  </p:tgtEl>
+                </p:cond>
+              </p:prevCondLst>
+              <p:nextCondLst>
+                <p:cond delay="0" evt="onNext">
+                  <p:tgtEl>
+                    <p:sldTgt/>
+                  </p:tgtEl>
+                </p:cond>
+              </p:nextCondLst>
+            </p:seq>
+          </p:childTnLst>
+        </p:cTn>
+      </p:par>
+    </p:tnLst>
+  </p:timing>
+</p:sld>
+</file>
+
+<file path=ppt/slides/slide9.xml><?xml version="1.0" encoding="utf-8"?>
+<p:sld xmlns:a="http://schemas.openxmlformats.org/drawingml/2006/main" xmlns:p="http://schemas.openxmlformats.org/presentationml/2006/main" xmlns:r="http://schemas.openxmlformats.org/officeDocument/2006/relationships" xmlns:p14="http://schemas.microsoft.com/office/powerpoint/2010/main" xmlns:p15="http://schemas.microsoft.com/office/powerpoint/2012/main" xmlns:mc="http://schemas.openxmlformats.org/markup-compatibility/2006">
+  <p:cSld>
+    <p:spTree>
+      <p:nvGrpSpPr>
+        <p:cNvPr id="1" name=""/>
+        <p:cNvGrpSpPr/>
+        <p:nvPr/>
+      </p:nvGrpSpPr>
+      <p:grpSpPr>
+        <a:xfrm>
+          <a:off x="0" y="0"/>
+          <a:ext cx="0" cy="0"/>
+          <a:chOff x="0" y="0"/>
+          <a:chExt cx="0" cy="0"/>
+        </a:xfrm>
+      </p:grpSpPr>
+      <p:sp>
+        <p:nvSpPr>
+          <p:cNvPr id="88" name="TextShape 1"/>
+          <p:cNvSpPr txBox="1"/>
+          <p:nvPr/>
+        </p:nvSpPr>
+        <p:spPr>
+          <a:xfrm>
+            <a:off x="609480" y="273600"/>
+            <a:ext cx="10972440" cy="1144800"/>
+          </a:xfrm>
+          <a:prstGeom prst="rect">
+            <a:avLst/>
+          </a:prstGeom>
+          <a:noFill/>
+          <a:ln>
+            <a:noFill/>
+          </a:ln>
+        </p:spPr>
+        <p:txBody>
+          <a:bodyPr lIns="0" rIns="0" tIns="0" bIns="0" anchor="ctr"/>
+          <a:p>
+            <a:pPr algn="ctr"/>
+            <a:r>
+              <a:rPr b="0" lang="en-US" sz="4400" spc="-1" strike="noStrike">
+                <a:solidFill>
+                  <a:srgbClr val="000000"/>
+                </a:solidFill>
+                <a:uFill>
+                  <a:solidFill>
+                    <a:srgbClr val="ffffff"/>
+                  </a:solidFill>
+                </a:uFill>
+                <a:latin typeface="Arial"/>
+              </a:rPr>
+              <a:t>Performance on CNNs</a:t>
+            </a:r>
+            <a:endParaRPr b="0" lang="en-US" sz="4400" spc="-1" strike="noStrike">
+              <a:solidFill>
+                <a:srgbClr val="000000"/>
+              </a:solidFill>
+              <a:uFill>
+                <a:solidFill>
+                  <a:srgbClr val="ffffff"/>
+                </a:solidFill>
+              </a:uFill>
+              <a:latin typeface="Arial"/>
+            </a:endParaRPr>
+          </a:p>
+        </p:txBody>
+      </p:sp>
+      <p:pic>
+        <p:nvPicPr>
+          <p:cNvPr id="89" name="" descr=""/>
+          <p:cNvPicPr/>
+          <p:nvPr/>
+        </p:nvPicPr>
+        <p:blipFill>
+          <a:blip r:embed="rId1"/>
+          <a:stretch/>
+        </p:blipFill>
+        <p:spPr>
+          <a:xfrm>
+            <a:off x="324720" y="1737360"/>
+            <a:ext cx="11745360" cy="4114800"/>
+          </a:xfrm>
+          <a:prstGeom prst="rect">
+            <a:avLst/>
+          </a:prstGeom>
+          <a:ln>
+            <a:noFill/>
+          </a:ln>
+        </p:spPr>
+      </p:pic>
+    </p:spTree>
+  </p:cSld>
+  <p:timing>
+    <p:tnLst>
+      <p:par>
+        <p:cTn id="17" dur="indefinite" restart="never" nodeType="tmRoot">
+          <p:childTnLst>
+            <p:seq>
+              <p:cTn id="18" nodeType="mainSeq"/>
               <p:prevCondLst>
                 <p:cond delay="0" evt="onPrev">
                   <p:tgtEl>

--- a/maning/遗传算法.pptx
+++ b/maning/遗传算法.pptx
@@ -4,17 +4,23 @@
   <p:sldMasterIdLst>
     <p:sldMasterId id="2147483648" r:id="rId2"/>
     <p:sldMasterId id="2147483661" r:id="rId3"/>
+    <p:sldMasterId id="2147483674" r:id="rId4"/>
+    <p:sldMasterId id="2147483687" r:id="rId5"/>
+    <p:sldMasterId id="2147483700" r:id="rId6"/>
   </p:sldMasterIdLst>
   <p:sldIdLst>
-    <p:sldId id="256" r:id="rId4"/>
-    <p:sldId id="257" r:id="rId5"/>
-    <p:sldId id="258" r:id="rId6"/>
-    <p:sldId id="259" r:id="rId7"/>
-    <p:sldId id="260" r:id="rId8"/>
-    <p:sldId id="261" r:id="rId9"/>
-    <p:sldId id="262" r:id="rId10"/>
-    <p:sldId id="263" r:id="rId11"/>
-    <p:sldId id="264" r:id="rId12"/>
+    <p:sldId id="256" r:id="rId7"/>
+    <p:sldId id="257" r:id="rId8"/>
+    <p:sldId id="258" r:id="rId9"/>
+    <p:sldId id="259" r:id="rId10"/>
+    <p:sldId id="260" r:id="rId11"/>
+    <p:sldId id="261" r:id="rId12"/>
+    <p:sldId id="262" r:id="rId13"/>
+    <p:sldId id="263" r:id="rId14"/>
+    <p:sldId id="264" r:id="rId15"/>
+    <p:sldId id="265" r:id="rId16"/>
+    <p:sldId id="266" r:id="rId17"/>
+    <p:sldId id="267" r:id="rId18"/>
   </p:sldIdLst>
   <p:sldSz cx="12192000" cy="6858000"/>
   <p:notesSz cx="7772400" cy="10058400"/>
@@ -73,7 +79,7 @@
         <p:spPr>
           <a:xfrm>
             <a:off x="609480" y="273600"/>
-            <a:ext cx="10972440" cy="1144800"/>
+            <a:ext cx="10972080" cy="1144440"/>
           </a:xfrm>
           <a:prstGeom prst="rect">
             <a:avLst/>
@@ -204,7 +210,7 @@
         <p:spPr>
           <a:xfrm>
             <a:off x="609480" y="273600"/>
-            <a:ext cx="10972440" cy="1144800"/>
+            <a:ext cx="10972080" cy="1144440"/>
           </a:xfrm>
           <a:prstGeom prst="rect">
             <a:avLst/>
@@ -407,7 +413,7 @@
         <p:spPr>
           <a:xfrm>
             <a:off x="609480" y="273600"/>
-            <a:ext cx="10972440" cy="1144800"/>
+            <a:ext cx="10972080" cy="1144440"/>
           </a:xfrm>
           <a:prstGeom prst="rect">
             <a:avLst/>
@@ -606,7 +612,7 @@
         <p:spPr>
           <a:xfrm>
             <a:off x="609480" y="273600"/>
-            <a:ext cx="10972440" cy="1144800"/>
+            <a:ext cx="10972080" cy="1144440"/>
           </a:xfrm>
           <a:prstGeom prst="rect">
             <a:avLst/>
@@ -702,7 +708,7 @@
         <p:spPr>
           <a:xfrm>
             <a:off x="609480" y="273600"/>
-            <a:ext cx="10972440" cy="1144800"/>
+            <a:ext cx="10972080" cy="1144440"/>
           </a:xfrm>
           <a:prstGeom prst="rect">
             <a:avLst/>
@@ -797,7 +803,7 @@
         <p:spPr>
           <a:xfrm>
             <a:off x="609480" y="273600"/>
-            <a:ext cx="10972440" cy="1144800"/>
+            <a:ext cx="10972080" cy="1144440"/>
           </a:xfrm>
           <a:prstGeom prst="rect">
             <a:avLst/>
@@ -928,7 +934,7 @@
         <p:spPr>
           <a:xfrm>
             <a:off x="609480" y="273600"/>
-            <a:ext cx="10972440" cy="1144800"/>
+            <a:ext cx="10972080" cy="1144440"/>
           </a:xfrm>
           <a:prstGeom prst="rect">
             <a:avLst/>
@@ -987,7 +993,7 @@
         <p:spPr>
           <a:xfrm>
             <a:off x="609480" y="273600"/>
-            <a:ext cx="10972440" cy="5307840"/>
+            <a:ext cx="10972080" cy="5306400"/>
           </a:xfrm>
           <a:prstGeom prst="rect">
             <a:avLst/>
@@ -1046,7 +1052,7 @@
         <p:spPr>
           <a:xfrm>
             <a:off x="609480" y="273600"/>
-            <a:ext cx="10972440" cy="1144800"/>
+            <a:ext cx="10972080" cy="1144440"/>
           </a:xfrm>
           <a:prstGeom prst="rect">
             <a:avLst/>
@@ -1213,7 +1219,7 @@
         <p:spPr>
           <a:xfrm>
             <a:off x="609480" y="273600"/>
-            <a:ext cx="10972440" cy="1144800"/>
+            <a:ext cx="10972080" cy="1144440"/>
           </a:xfrm>
           <a:prstGeom prst="rect">
             <a:avLst/>
@@ -1309,7 +1315,7 @@
         <p:spPr>
           <a:xfrm>
             <a:off x="609480" y="273600"/>
-            <a:ext cx="10972440" cy="1144800"/>
+            <a:ext cx="10972080" cy="1144440"/>
           </a:xfrm>
           <a:prstGeom prst="rect">
             <a:avLst/>
@@ -1476,7 +1482,7 @@
         <p:spPr>
           <a:xfrm>
             <a:off x="609480" y="273600"/>
-            <a:ext cx="10972440" cy="1144800"/>
+            <a:ext cx="10972080" cy="1144440"/>
           </a:xfrm>
           <a:prstGeom prst="rect">
             <a:avLst/>
@@ -1643,7 +1649,7 @@
         <p:spPr>
           <a:xfrm>
             <a:off x="609480" y="273600"/>
-            <a:ext cx="10972440" cy="1144800"/>
+            <a:ext cx="10972080" cy="1144440"/>
           </a:xfrm>
           <a:prstGeom prst="rect">
             <a:avLst/>
@@ -1774,7 +1780,7 @@
         <p:spPr>
           <a:xfrm>
             <a:off x="609480" y="273600"/>
-            <a:ext cx="10972440" cy="1144800"/>
+            <a:ext cx="10972080" cy="1144440"/>
           </a:xfrm>
           <a:prstGeom prst="rect">
             <a:avLst/>
@@ -1977,7 +1983,7 @@
         <p:spPr>
           <a:xfrm>
             <a:off x="609480" y="273600"/>
-            <a:ext cx="10972440" cy="1144800"/>
+            <a:ext cx="10972080" cy="1144440"/>
           </a:xfrm>
           <a:prstGeom prst="rect">
             <a:avLst/>
@@ -2119,6 +2125,409 @@
           </a:ln>
         </p:spPr>
       </p:pic>
+    </p:spTree>
+  </p:cSld>
+</p:sldLayout>
+</file>
+
+<file path=ppt/slideLayouts/slideLayout25.xml><?xml version="1.0" encoding="utf-8"?>
+<p:sldLayout xmlns:a="http://schemas.openxmlformats.org/drawingml/2006/main" xmlns:p="http://schemas.openxmlformats.org/presentationml/2006/main" xmlns:r="http://schemas.openxmlformats.org/officeDocument/2006/relationships" xmlns:p14="http://schemas.microsoft.com/office/powerpoint/2010/main" xmlns:p15="http://schemas.microsoft.com/office/powerpoint/2012/main" xmlns:mc="http://schemas.openxmlformats.org/markup-compatibility/2006" type="blank" preserve="1">
+  <p:cSld name="Blank Slide">
+    <p:spTree>
+      <p:nvGrpSpPr>
+        <p:cNvPr id="1" name=""/>
+        <p:cNvGrpSpPr/>
+        <p:nvPr/>
+      </p:nvGrpSpPr>
+      <p:grpSpPr>
+        <a:xfrm>
+          <a:off x="0" y="0"/>
+          <a:ext cx="0" cy="0"/>
+          <a:chOff x="0" y="0"/>
+          <a:chExt cx="0" cy="0"/>
+        </a:xfrm>
+      </p:grpSpPr>
+    </p:spTree>
+  </p:cSld>
+</p:sldLayout>
+</file>
+
+<file path=ppt/slideLayouts/slideLayout26.xml><?xml version="1.0" encoding="utf-8"?>
+<p:sldLayout xmlns:a="http://schemas.openxmlformats.org/drawingml/2006/main" xmlns:p="http://schemas.openxmlformats.org/presentationml/2006/main" xmlns:r="http://schemas.openxmlformats.org/officeDocument/2006/relationships" xmlns:p14="http://schemas.microsoft.com/office/powerpoint/2010/main" xmlns:p15="http://schemas.microsoft.com/office/powerpoint/2012/main" xmlns:mc="http://schemas.openxmlformats.org/markup-compatibility/2006" type="tx" preserve="1">
+  <p:cSld name="Title Slide">
+    <p:spTree>
+      <p:nvGrpSpPr>
+        <p:cNvPr id="1" name=""/>
+        <p:cNvGrpSpPr/>
+        <p:nvPr/>
+      </p:nvGrpSpPr>
+      <p:grpSpPr>
+        <a:xfrm>
+          <a:off x="0" y="0"/>
+          <a:ext cx="0" cy="0"/>
+          <a:chOff x="0" y="0"/>
+          <a:chExt cx="0" cy="0"/>
+        </a:xfrm>
+      </p:grpSpPr>
+      <p:sp>
+        <p:nvSpPr>
+          <p:cNvPr id="74" name="PlaceHolder 1"/>
+          <p:cNvSpPr>
+            <a:spLocks noGrp="1"/>
+          </p:cNvSpPr>
+          <p:nvPr>
+            <p:ph type="title"/>
+          </p:nvPr>
+        </p:nvSpPr>
+        <p:spPr>
+          <a:xfrm>
+            <a:off x="609480" y="273600"/>
+            <a:ext cx="10972080" cy="1144440"/>
+          </a:xfrm>
+          <a:prstGeom prst="rect">
+            <a:avLst/>
+          </a:prstGeom>
+        </p:spPr>
+        <p:txBody>
+          <a:bodyPr lIns="0" rIns="0" tIns="0" bIns="0" anchor="ctr"/>
+          <a:p>
+            <a:pPr algn="ctr"/>
+            <a:endParaRPr b="0" lang="en-US" sz="4400" spc="-1" strike="noStrike">
+              <a:solidFill>
+                <a:srgbClr val="000000"/>
+              </a:solidFill>
+              <a:uFill>
+                <a:solidFill>
+                  <a:srgbClr val="ffffff"/>
+                </a:solidFill>
+              </a:uFill>
+              <a:latin typeface="Arial"/>
+            </a:endParaRPr>
+          </a:p>
+        </p:txBody>
+      </p:sp>
+      <p:sp>
+        <p:nvSpPr>
+          <p:cNvPr id="75" name="PlaceHolder 2"/>
+          <p:cNvSpPr>
+            <a:spLocks noGrp="1"/>
+          </p:cNvSpPr>
+          <p:nvPr>
+            <p:ph type="subTitle"/>
+          </p:nvPr>
+        </p:nvSpPr>
+        <p:spPr>
+          <a:xfrm>
+            <a:off x="609480" y="1604520"/>
+            <a:ext cx="10972440" cy="3977280"/>
+          </a:xfrm>
+          <a:prstGeom prst="rect">
+            <a:avLst/>
+          </a:prstGeom>
+        </p:spPr>
+        <p:txBody>
+          <a:bodyPr lIns="0" rIns="0" tIns="0" bIns="0" anchor="ctr"/>
+          <a:p>
+            <a:pPr algn="ctr"/>
+            <a:endParaRPr b="0" lang="en-US" sz="3200" spc="-1" strike="noStrike">
+              <a:solidFill>
+                <a:srgbClr val="000000"/>
+              </a:solidFill>
+              <a:uFill>
+                <a:solidFill>
+                  <a:srgbClr val="ffffff"/>
+                </a:solidFill>
+              </a:uFill>
+              <a:latin typeface="Arial"/>
+            </a:endParaRPr>
+          </a:p>
+        </p:txBody>
+      </p:sp>
+    </p:spTree>
+  </p:cSld>
+</p:sldLayout>
+</file>
+
+<file path=ppt/slideLayouts/slideLayout27.xml><?xml version="1.0" encoding="utf-8"?>
+<p:sldLayout xmlns:a="http://schemas.openxmlformats.org/drawingml/2006/main" xmlns:p="http://schemas.openxmlformats.org/presentationml/2006/main" xmlns:r="http://schemas.openxmlformats.org/officeDocument/2006/relationships" xmlns:p14="http://schemas.microsoft.com/office/powerpoint/2010/main" xmlns:p15="http://schemas.microsoft.com/office/powerpoint/2012/main" xmlns:mc="http://schemas.openxmlformats.org/markup-compatibility/2006" type="obj" preserve="1">
+  <p:cSld name="Title, Content">
+    <p:spTree>
+      <p:nvGrpSpPr>
+        <p:cNvPr id="1" name=""/>
+        <p:cNvGrpSpPr/>
+        <p:nvPr/>
+      </p:nvGrpSpPr>
+      <p:grpSpPr>
+        <a:xfrm>
+          <a:off x="0" y="0"/>
+          <a:ext cx="0" cy="0"/>
+          <a:chOff x="0" y="0"/>
+          <a:chExt cx="0" cy="0"/>
+        </a:xfrm>
+      </p:grpSpPr>
+      <p:sp>
+        <p:nvSpPr>
+          <p:cNvPr id="76" name="PlaceHolder 1"/>
+          <p:cNvSpPr>
+            <a:spLocks noGrp="1"/>
+          </p:cNvSpPr>
+          <p:nvPr>
+            <p:ph type="title"/>
+          </p:nvPr>
+        </p:nvSpPr>
+        <p:spPr>
+          <a:xfrm>
+            <a:off x="609480" y="273600"/>
+            <a:ext cx="10972080" cy="1144440"/>
+          </a:xfrm>
+          <a:prstGeom prst="rect">
+            <a:avLst/>
+          </a:prstGeom>
+        </p:spPr>
+        <p:txBody>
+          <a:bodyPr lIns="0" rIns="0" tIns="0" bIns="0" anchor="ctr"/>
+          <a:p>
+            <a:pPr algn="ctr"/>
+            <a:endParaRPr b="0" lang="en-US" sz="4400" spc="-1" strike="noStrike">
+              <a:solidFill>
+                <a:srgbClr val="000000"/>
+              </a:solidFill>
+              <a:uFill>
+                <a:solidFill>
+                  <a:srgbClr val="ffffff"/>
+                </a:solidFill>
+              </a:uFill>
+              <a:latin typeface="Arial"/>
+            </a:endParaRPr>
+          </a:p>
+        </p:txBody>
+      </p:sp>
+      <p:sp>
+        <p:nvSpPr>
+          <p:cNvPr id="77" name="PlaceHolder 2"/>
+          <p:cNvSpPr>
+            <a:spLocks noGrp="1"/>
+          </p:cNvSpPr>
+          <p:nvPr>
+            <p:ph type="body"/>
+          </p:nvPr>
+        </p:nvSpPr>
+        <p:spPr>
+          <a:xfrm>
+            <a:off x="609480" y="1604520"/>
+            <a:ext cx="10972440" cy="3977280"/>
+          </a:xfrm>
+          <a:prstGeom prst="rect">
+            <a:avLst/>
+          </a:prstGeom>
+        </p:spPr>
+        <p:txBody>
+          <a:bodyPr lIns="0" rIns="0" tIns="0" bIns="0"/>
+          <a:p>
+            <a:endParaRPr b="0" lang="en-US" sz="3200" spc="-1" strike="noStrike">
+              <a:solidFill>
+                <a:srgbClr val="000000"/>
+              </a:solidFill>
+              <a:uFill>
+                <a:solidFill>
+                  <a:srgbClr val="ffffff"/>
+                </a:solidFill>
+              </a:uFill>
+              <a:latin typeface="Arial"/>
+            </a:endParaRPr>
+          </a:p>
+        </p:txBody>
+      </p:sp>
+    </p:spTree>
+  </p:cSld>
+</p:sldLayout>
+</file>
+
+<file path=ppt/slideLayouts/slideLayout28.xml><?xml version="1.0" encoding="utf-8"?>
+<p:sldLayout xmlns:a="http://schemas.openxmlformats.org/drawingml/2006/main" xmlns:p="http://schemas.openxmlformats.org/presentationml/2006/main" xmlns:r="http://schemas.openxmlformats.org/officeDocument/2006/relationships" xmlns:p14="http://schemas.microsoft.com/office/powerpoint/2010/main" xmlns:p15="http://schemas.microsoft.com/office/powerpoint/2012/main" xmlns:mc="http://schemas.openxmlformats.org/markup-compatibility/2006" type="twoObj" preserve="1">
+  <p:cSld name="Title, 2 Content">
+    <p:spTree>
+      <p:nvGrpSpPr>
+        <p:cNvPr id="1" name=""/>
+        <p:cNvGrpSpPr/>
+        <p:nvPr/>
+      </p:nvGrpSpPr>
+      <p:grpSpPr>
+        <a:xfrm>
+          <a:off x="0" y="0"/>
+          <a:ext cx="0" cy="0"/>
+          <a:chOff x="0" y="0"/>
+          <a:chExt cx="0" cy="0"/>
+        </a:xfrm>
+      </p:grpSpPr>
+      <p:sp>
+        <p:nvSpPr>
+          <p:cNvPr id="78" name="PlaceHolder 1"/>
+          <p:cNvSpPr>
+            <a:spLocks noGrp="1"/>
+          </p:cNvSpPr>
+          <p:nvPr>
+            <p:ph type="title"/>
+          </p:nvPr>
+        </p:nvSpPr>
+        <p:spPr>
+          <a:xfrm>
+            <a:off x="609480" y="273600"/>
+            <a:ext cx="10972080" cy="1144440"/>
+          </a:xfrm>
+          <a:prstGeom prst="rect">
+            <a:avLst/>
+          </a:prstGeom>
+        </p:spPr>
+        <p:txBody>
+          <a:bodyPr lIns="0" rIns="0" tIns="0" bIns="0" anchor="ctr"/>
+          <a:p>
+            <a:pPr algn="ctr"/>
+            <a:endParaRPr b="0" lang="en-US" sz="4400" spc="-1" strike="noStrike">
+              <a:solidFill>
+                <a:srgbClr val="000000"/>
+              </a:solidFill>
+              <a:uFill>
+                <a:solidFill>
+                  <a:srgbClr val="ffffff"/>
+                </a:solidFill>
+              </a:uFill>
+              <a:latin typeface="Arial"/>
+            </a:endParaRPr>
+          </a:p>
+        </p:txBody>
+      </p:sp>
+      <p:sp>
+        <p:nvSpPr>
+          <p:cNvPr id="79" name="PlaceHolder 2"/>
+          <p:cNvSpPr>
+            <a:spLocks noGrp="1"/>
+          </p:cNvSpPr>
+          <p:nvPr>
+            <p:ph type="body"/>
+          </p:nvPr>
+        </p:nvSpPr>
+        <p:spPr>
+          <a:xfrm>
+            <a:off x="609480" y="1604520"/>
+            <a:ext cx="5354280" cy="3977280"/>
+          </a:xfrm>
+          <a:prstGeom prst="rect">
+            <a:avLst/>
+          </a:prstGeom>
+        </p:spPr>
+        <p:txBody>
+          <a:bodyPr lIns="0" rIns="0" tIns="0" bIns="0"/>
+          <a:p>
+            <a:endParaRPr b="0" lang="en-US" sz="3200" spc="-1" strike="noStrike">
+              <a:solidFill>
+                <a:srgbClr val="000000"/>
+              </a:solidFill>
+              <a:uFill>
+                <a:solidFill>
+                  <a:srgbClr val="ffffff"/>
+                </a:solidFill>
+              </a:uFill>
+              <a:latin typeface="Arial"/>
+            </a:endParaRPr>
+          </a:p>
+        </p:txBody>
+      </p:sp>
+      <p:sp>
+        <p:nvSpPr>
+          <p:cNvPr id="80" name="PlaceHolder 3"/>
+          <p:cNvSpPr>
+            <a:spLocks noGrp="1"/>
+          </p:cNvSpPr>
+          <p:nvPr>
+            <p:ph type="body"/>
+          </p:nvPr>
+        </p:nvSpPr>
+        <p:spPr>
+          <a:xfrm>
+            <a:off x="6231960" y="1604520"/>
+            <a:ext cx="5354280" cy="3977280"/>
+          </a:xfrm>
+          <a:prstGeom prst="rect">
+            <a:avLst/>
+          </a:prstGeom>
+        </p:spPr>
+        <p:txBody>
+          <a:bodyPr lIns="0" rIns="0" tIns="0" bIns="0"/>
+          <a:p>
+            <a:endParaRPr b="0" lang="en-US" sz="3200" spc="-1" strike="noStrike">
+              <a:solidFill>
+                <a:srgbClr val="000000"/>
+              </a:solidFill>
+              <a:uFill>
+                <a:solidFill>
+                  <a:srgbClr val="ffffff"/>
+                </a:solidFill>
+              </a:uFill>
+              <a:latin typeface="Arial"/>
+            </a:endParaRPr>
+          </a:p>
+        </p:txBody>
+      </p:sp>
+    </p:spTree>
+  </p:cSld>
+</p:sldLayout>
+</file>
+
+<file path=ppt/slideLayouts/slideLayout29.xml><?xml version="1.0" encoding="utf-8"?>
+<p:sldLayout xmlns:a="http://schemas.openxmlformats.org/drawingml/2006/main" xmlns:p="http://schemas.openxmlformats.org/presentationml/2006/main" xmlns:r="http://schemas.openxmlformats.org/officeDocument/2006/relationships" xmlns:p14="http://schemas.microsoft.com/office/powerpoint/2010/main" xmlns:p15="http://schemas.microsoft.com/office/powerpoint/2012/main" xmlns:mc="http://schemas.openxmlformats.org/markup-compatibility/2006" type="titleOnly" preserve="1">
+  <p:cSld name="Title Only">
+    <p:spTree>
+      <p:nvGrpSpPr>
+        <p:cNvPr id="1" name=""/>
+        <p:cNvGrpSpPr/>
+        <p:nvPr/>
+      </p:nvGrpSpPr>
+      <p:grpSpPr>
+        <a:xfrm>
+          <a:off x="0" y="0"/>
+          <a:ext cx="0" cy="0"/>
+          <a:chOff x="0" y="0"/>
+          <a:chExt cx="0" cy="0"/>
+        </a:xfrm>
+      </p:grpSpPr>
+      <p:sp>
+        <p:nvSpPr>
+          <p:cNvPr id="81" name="PlaceHolder 1"/>
+          <p:cNvSpPr>
+            <a:spLocks noGrp="1"/>
+          </p:cNvSpPr>
+          <p:nvPr>
+            <p:ph type="title"/>
+          </p:nvPr>
+        </p:nvSpPr>
+        <p:spPr>
+          <a:xfrm>
+            <a:off x="609480" y="273600"/>
+            <a:ext cx="10972080" cy="1144440"/>
+          </a:xfrm>
+          <a:prstGeom prst="rect">
+            <a:avLst/>
+          </a:prstGeom>
+        </p:spPr>
+        <p:txBody>
+          <a:bodyPr lIns="0" rIns="0" tIns="0" bIns="0" anchor="ctr"/>
+          <a:p>
+            <a:pPr algn="ctr"/>
+            <a:endParaRPr b="0" lang="en-US" sz="4400" spc="-1" strike="noStrike">
+              <a:solidFill>
+                <a:srgbClr val="000000"/>
+              </a:solidFill>
+              <a:uFill>
+                <a:solidFill>
+                  <a:srgbClr val="ffffff"/>
+                </a:solidFill>
+              </a:uFill>
+              <a:latin typeface="Arial"/>
+            </a:endParaRPr>
+          </a:p>
+        </p:txBody>
+      </p:sp>
     </p:spTree>
   </p:cSld>
 </p:sldLayout>
@@ -2154,7 +2563,7 @@
         <p:spPr>
           <a:xfrm>
             <a:off x="609480" y="273600"/>
-            <a:ext cx="10972440" cy="1144800"/>
+            <a:ext cx="10972080" cy="1144440"/>
           </a:xfrm>
           <a:prstGeom prst="rect">
             <a:avLst/>
@@ -2181,6 +2590,1290 @@
       <p:sp>
         <p:nvSpPr>
           <p:cNvPr id="5" name="PlaceHolder 2"/>
+          <p:cNvSpPr>
+            <a:spLocks noGrp="1"/>
+          </p:cNvSpPr>
+          <p:nvPr>
+            <p:ph type="body"/>
+          </p:nvPr>
+        </p:nvSpPr>
+        <p:spPr>
+          <a:xfrm>
+            <a:off x="609480" y="1604520"/>
+            <a:ext cx="10972440" cy="3977280"/>
+          </a:xfrm>
+          <a:prstGeom prst="rect">
+            <a:avLst/>
+          </a:prstGeom>
+        </p:spPr>
+        <p:txBody>
+          <a:bodyPr lIns="0" rIns="0" tIns="0" bIns="0"/>
+          <a:p>
+            <a:endParaRPr b="0" lang="en-US" sz="3200" spc="-1" strike="noStrike">
+              <a:solidFill>
+                <a:srgbClr val="000000"/>
+              </a:solidFill>
+              <a:uFill>
+                <a:solidFill>
+                  <a:srgbClr val="ffffff"/>
+                </a:solidFill>
+              </a:uFill>
+              <a:latin typeface="Arial"/>
+            </a:endParaRPr>
+          </a:p>
+        </p:txBody>
+      </p:sp>
+    </p:spTree>
+  </p:cSld>
+</p:sldLayout>
+</file>
+
+<file path=ppt/slideLayouts/slideLayout30.xml><?xml version="1.0" encoding="utf-8"?>
+<p:sldLayout xmlns:a="http://schemas.openxmlformats.org/drawingml/2006/main" xmlns:p="http://schemas.openxmlformats.org/presentationml/2006/main" xmlns:r="http://schemas.openxmlformats.org/officeDocument/2006/relationships" xmlns:p14="http://schemas.microsoft.com/office/powerpoint/2010/main" xmlns:p15="http://schemas.microsoft.com/office/powerpoint/2012/main" xmlns:mc="http://schemas.openxmlformats.org/markup-compatibility/2006" type="objOnly" preserve="1">
+  <p:cSld name="Centered Text">
+    <p:spTree>
+      <p:nvGrpSpPr>
+        <p:cNvPr id="1" name=""/>
+        <p:cNvGrpSpPr/>
+        <p:nvPr/>
+      </p:nvGrpSpPr>
+      <p:grpSpPr>
+        <a:xfrm>
+          <a:off x="0" y="0"/>
+          <a:ext cx="0" cy="0"/>
+          <a:chOff x="0" y="0"/>
+          <a:chExt cx="0" cy="0"/>
+        </a:xfrm>
+      </p:grpSpPr>
+      <p:sp>
+        <p:nvSpPr>
+          <p:cNvPr id="82" name="PlaceHolder 1"/>
+          <p:cNvSpPr>
+            <a:spLocks noGrp="1"/>
+          </p:cNvSpPr>
+          <p:nvPr>
+            <p:ph type="subTitle"/>
+          </p:nvPr>
+        </p:nvSpPr>
+        <p:spPr>
+          <a:xfrm>
+            <a:off x="609480" y="273600"/>
+            <a:ext cx="10972080" cy="5306400"/>
+          </a:xfrm>
+          <a:prstGeom prst="rect">
+            <a:avLst/>
+          </a:prstGeom>
+        </p:spPr>
+        <p:txBody>
+          <a:bodyPr lIns="0" rIns="0" tIns="0" bIns="0" anchor="ctr"/>
+          <a:p>
+            <a:pPr algn="ctr"/>
+            <a:endParaRPr b="0" lang="en-US" sz="3200" spc="-1" strike="noStrike">
+              <a:solidFill>
+                <a:srgbClr val="000000"/>
+              </a:solidFill>
+              <a:uFill>
+                <a:solidFill>
+                  <a:srgbClr val="ffffff"/>
+                </a:solidFill>
+              </a:uFill>
+              <a:latin typeface="Arial"/>
+            </a:endParaRPr>
+          </a:p>
+        </p:txBody>
+      </p:sp>
+    </p:spTree>
+  </p:cSld>
+</p:sldLayout>
+</file>
+
+<file path=ppt/slideLayouts/slideLayout31.xml><?xml version="1.0" encoding="utf-8"?>
+<p:sldLayout xmlns:a="http://schemas.openxmlformats.org/drawingml/2006/main" xmlns:p="http://schemas.openxmlformats.org/presentationml/2006/main" xmlns:r="http://schemas.openxmlformats.org/officeDocument/2006/relationships" xmlns:p14="http://schemas.microsoft.com/office/powerpoint/2010/main" xmlns:p15="http://schemas.microsoft.com/office/powerpoint/2012/main" xmlns:mc="http://schemas.openxmlformats.org/markup-compatibility/2006" type="twoObjAndObj" preserve="1">
+  <p:cSld name="Title, 2 Content and Content">
+    <p:spTree>
+      <p:nvGrpSpPr>
+        <p:cNvPr id="1" name=""/>
+        <p:cNvGrpSpPr/>
+        <p:nvPr/>
+      </p:nvGrpSpPr>
+      <p:grpSpPr>
+        <a:xfrm>
+          <a:off x="0" y="0"/>
+          <a:ext cx="0" cy="0"/>
+          <a:chOff x="0" y="0"/>
+          <a:chExt cx="0" cy="0"/>
+        </a:xfrm>
+      </p:grpSpPr>
+      <p:sp>
+        <p:nvSpPr>
+          <p:cNvPr id="83" name="PlaceHolder 1"/>
+          <p:cNvSpPr>
+            <a:spLocks noGrp="1"/>
+          </p:cNvSpPr>
+          <p:nvPr>
+            <p:ph type="title"/>
+          </p:nvPr>
+        </p:nvSpPr>
+        <p:spPr>
+          <a:xfrm>
+            <a:off x="609480" y="273600"/>
+            <a:ext cx="10972080" cy="1144440"/>
+          </a:xfrm>
+          <a:prstGeom prst="rect">
+            <a:avLst/>
+          </a:prstGeom>
+        </p:spPr>
+        <p:txBody>
+          <a:bodyPr lIns="0" rIns="0" tIns="0" bIns="0" anchor="ctr"/>
+          <a:p>
+            <a:pPr algn="ctr"/>
+            <a:endParaRPr b="0" lang="en-US" sz="4400" spc="-1" strike="noStrike">
+              <a:solidFill>
+                <a:srgbClr val="000000"/>
+              </a:solidFill>
+              <a:uFill>
+                <a:solidFill>
+                  <a:srgbClr val="ffffff"/>
+                </a:solidFill>
+              </a:uFill>
+              <a:latin typeface="Arial"/>
+            </a:endParaRPr>
+          </a:p>
+        </p:txBody>
+      </p:sp>
+      <p:sp>
+        <p:nvSpPr>
+          <p:cNvPr id="84" name="PlaceHolder 2"/>
+          <p:cNvSpPr>
+            <a:spLocks noGrp="1"/>
+          </p:cNvSpPr>
+          <p:nvPr>
+            <p:ph type="body"/>
+          </p:nvPr>
+        </p:nvSpPr>
+        <p:spPr>
+          <a:xfrm>
+            <a:off x="609480" y="1604520"/>
+            <a:ext cx="5354280" cy="1896840"/>
+          </a:xfrm>
+          <a:prstGeom prst="rect">
+            <a:avLst/>
+          </a:prstGeom>
+        </p:spPr>
+        <p:txBody>
+          <a:bodyPr lIns="0" rIns="0" tIns="0" bIns="0"/>
+          <a:p>
+            <a:endParaRPr b="0" lang="en-US" sz="3200" spc="-1" strike="noStrike">
+              <a:solidFill>
+                <a:srgbClr val="000000"/>
+              </a:solidFill>
+              <a:uFill>
+                <a:solidFill>
+                  <a:srgbClr val="ffffff"/>
+                </a:solidFill>
+              </a:uFill>
+              <a:latin typeface="Arial"/>
+            </a:endParaRPr>
+          </a:p>
+        </p:txBody>
+      </p:sp>
+      <p:sp>
+        <p:nvSpPr>
+          <p:cNvPr id="85" name="PlaceHolder 3"/>
+          <p:cNvSpPr>
+            <a:spLocks noGrp="1"/>
+          </p:cNvSpPr>
+          <p:nvPr>
+            <p:ph type="body"/>
+          </p:nvPr>
+        </p:nvSpPr>
+        <p:spPr>
+          <a:xfrm>
+            <a:off x="609480" y="3682080"/>
+            <a:ext cx="5354280" cy="1896840"/>
+          </a:xfrm>
+          <a:prstGeom prst="rect">
+            <a:avLst/>
+          </a:prstGeom>
+        </p:spPr>
+        <p:txBody>
+          <a:bodyPr lIns="0" rIns="0" tIns="0" bIns="0"/>
+          <a:p>
+            <a:endParaRPr b="0" lang="en-US" sz="3200" spc="-1" strike="noStrike">
+              <a:solidFill>
+                <a:srgbClr val="000000"/>
+              </a:solidFill>
+              <a:uFill>
+                <a:solidFill>
+                  <a:srgbClr val="ffffff"/>
+                </a:solidFill>
+              </a:uFill>
+              <a:latin typeface="Arial"/>
+            </a:endParaRPr>
+          </a:p>
+        </p:txBody>
+      </p:sp>
+      <p:sp>
+        <p:nvSpPr>
+          <p:cNvPr id="86" name="PlaceHolder 4"/>
+          <p:cNvSpPr>
+            <a:spLocks noGrp="1"/>
+          </p:cNvSpPr>
+          <p:nvPr>
+            <p:ph type="body"/>
+          </p:nvPr>
+        </p:nvSpPr>
+        <p:spPr>
+          <a:xfrm>
+            <a:off x="6231960" y="1604520"/>
+            <a:ext cx="5354280" cy="3977280"/>
+          </a:xfrm>
+          <a:prstGeom prst="rect">
+            <a:avLst/>
+          </a:prstGeom>
+        </p:spPr>
+        <p:txBody>
+          <a:bodyPr lIns="0" rIns="0" tIns="0" bIns="0"/>
+          <a:p>
+            <a:endParaRPr b="0" lang="en-US" sz="3200" spc="-1" strike="noStrike">
+              <a:solidFill>
+                <a:srgbClr val="000000"/>
+              </a:solidFill>
+              <a:uFill>
+                <a:solidFill>
+                  <a:srgbClr val="ffffff"/>
+                </a:solidFill>
+              </a:uFill>
+              <a:latin typeface="Arial"/>
+            </a:endParaRPr>
+          </a:p>
+        </p:txBody>
+      </p:sp>
+    </p:spTree>
+  </p:cSld>
+</p:sldLayout>
+</file>
+
+<file path=ppt/slideLayouts/slideLayout32.xml><?xml version="1.0" encoding="utf-8"?>
+<p:sldLayout xmlns:a="http://schemas.openxmlformats.org/drawingml/2006/main" xmlns:p="http://schemas.openxmlformats.org/presentationml/2006/main" xmlns:r="http://schemas.openxmlformats.org/officeDocument/2006/relationships" xmlns:p14="http://schemas.microsoft.com/office/powerpoint/2010/main" xmlns:p15="http://schemas.microsoft.com/office/powerpoint/2012/main" xmlns:mc="http://schemas.openxmlformats.org/markup-compatibility/2006" type="objAndTwoObj" preserve="1">
+  <p:cSld name="Title Content and 2 Content">
+    <p:spTree>
+      <p:nvGrpSpPr>
+        <p:cNvPr id="1" name=""/>
+        <p:cNvGrpSpPr/>
+        <p:nvPr/>
+      </p:nvGrpSpPr>
+      <p:grpSpPr>
+        <a:xfrm>
+          <a:off x="0" y="0"/>
+          <a:ext cx="0" cy="0"/>
+          <a:chOff x="0" y="0"/>
+          <a:chExt cx="0" cy="0"/>
+        </a:xfrm>
+      </p:grpSpPr>
+      <p:sp>
+        <p:nvSpPr>
+          <p:cNvPr id="87" name="PlaceHolder 1"/>
+          <p:cNvSpPr>
+            <a:spLocks noGrp="1"/>
+          </p:cNvSpPr>
+          <p:nvPr>
+            <p:ph type="title"/>
+          </p:nvPr>
+        </p:nvSpPr>
+        <p:spPr>
+          <a:xfrm>
+            <a:off x="609480" y="273600"/>
+            <a:ext cx="10972080" cy="1144440"/>
+          </a:xfrm>
+          <a:prstGeom prst="rect">
+            <a:avLst/>
+          </a:prstGeom>
+        </p:spPr>
+        <p:txBody>
+          <a:bodyPr lIns="0" rIns="0" tIns="0" bIns="0" anchor="ctr"/>
+          <a:p>
+            <a:pPr algn="ctr"/>
+            <a:endParaRPr b="0" lang="en-US" sz="4400" spc="-1" strike="noStrike">
+              <a:solidFill>
+                <a:srgbClr val="000000"/>
+              </a:solidFill>
+              <a:uFill>
+                <a:solidFill>
+                  <a:srgbClr val="ffffff"/>
+                </a:solidFill>
+              </a:uFill>
+              <a:latin typeface="Arial"/>
+            </a:endParaRPr>
+          </a:p>
+        </p:txBody>
+      </p:sp>
+      <p:sp>
+        <p:nvSpPr>
+          <p:cNvPr id="88" name="PlaceHolder 2"/>
+          <p:cNvSpPr>
+            <a:spLocks noGrp="1"/>
+          </p:cNvSpPr>
+          <p:nvPr>
+            <p:ph type="body"/>
+          </p:nvPr>
+        </p:nvSpPr>
+        <p:spPr>
+          <a:xfrm>
+            <a:off x="609480" y="1604520"/>
+            <a:ext cx="5354280" cy="3977280"/>
+          </a:xfrm>
+          <a:prstGeom prst="rect">
+            <a:avLst/>
+          </a:prstGeom>
+        </p:spPr>
+        <p:txBody>
+          <a:bodyPr lIns="0" rIns="0" tIns="0" bIns="0"/>
+          <a:p>
+            <a:endParaRPr b="0" lang="en-US" sz="3200" spc="-1" strike="noStrike">
+              <a:solidFill>
+                <a:srgbClr val="000000"/>
+              </a:solidFill>
+              <a:uFill>
+                <a:solidFill>
+                  <a:srgbClr val="ffffff"/>
+                </a:solidFill>
+              </a:uFill>
+              <a:latin typeface="Arial"/>
+            </a:endParaRPr>
+          </a:p>
+        </p:txBody>
+      </p:sp>
+      <p:sp>
+        <p:nvSpPr>
+          <p:cNvPr id="89" name="PlaceHolder 3"/>
+          <p:cNvSpPr>
+            <a:spLocks noGrp="1"/>
+          </p:cNvSpPr>
+          <p:nvPr>
+            <p:ph type="body"/>
+          </p:nvPr>
+        </p:nvSpPr>
+        <p:spPr>
+          <a:xfrm>
+            <a:off x="6231960" y="1604520"/>
+            <a:ext cx="5354280" cy="1896840"/>
+          </a:xfrm>
+          <a:prstGeom prst="rect">
+            <a:avLst/>
+          </a:prstGeom>
+        </p:spPr>
+        <p:txBody>
+          <a:bodyPr lIns="0" rIns="0" tIns="0" bIns="0"/>
+          <a:p>
+            <a:endParaRPr b="0" lang="en-US" sz="3200" spc="-1" strike="noStrike">
+              <a:solidFill>
+                <a:srgbClr val="000000"/>
+              </a:solidFill>
+              <a:uFill>
+                <a:solidFill>
+                  <a:srgbClr val="ffffff"/>
+                </a:solidFill>
+              </a:uFill>
+              <a:latin typeface="Arial"/>
+            </a:endParaRPr>
+          </a:p>
+        </p:txBody>
+      </p:sp>
+      <p:sp>
+        <p:nvSpPr>
+          <p:cNvPr id="90" name="PlaceHolder 4"/>
+          <p:cNvSpPr>
+            <a:spLocks noGrp="1"/>
+          </p:cNvSpPr>
+          <p:nvPr>
+            <p:ph type="body"/>
+          </p:nvPr>
+        </p:nvSpPr>
+        <p:spPr>
+          <a:xfrm>
+            <a:off x="6231960" y="3682080"/>
+            <a:ext cx="5354280" cy="1896840"/>
+          </a:xfrm>
+          <a:prstGeom prst="rect">
+            <a:avLst/>
+          </a:prstGeom>
+        </p:spPr>
+        <p:txBody>
+          <a:bodyPr lIns="0" rIns="0" tIns="0" bIns="0"/>
+          <a:p>
+            <a:endParaRPr b="0" lang="en-US" sz="3200" spc="-1" strike="noStrike">
+              <a:solidFill>
+                <a:srgbClr val="000000"/>
+              </a:solidFill>
+              <a:uFill>
+                <a:solidFill>
+                  <a:srgbClr val="ffffff"/>
+                </a:solidFill>
+              </a:uFill>
+              <a:latin typeface="Arial"/>
+            </a:endParaRPr>
+          </a:p>
+        </p:txBody>
+      </p:sp>
+    </p:spTree>
+  </p:cSld>
+</p:sldLayout>
+</file>
+
+<file path=ppt/slideLayouts/slideLayout33.xml><?xml version="1.0" encoding="utf-8"?>
+<p:sldLayout xmlns:a="http://schemas.openxmlformats.org/drawingml/2006/main" xmlns:p="http://schemas.openxmlformats.org/presentationml/2006/main" xmlns:r="http://schemas.openxmlformats.org/officeDocument/2006/relationships" xmlns:p14="http://schemas.microsoft.com/office/powerpoint/2010/main" xmlns:p15="http://schemas.microsoft.com/office/powerpoint/2012/main" xmlns:mc="http://schemas.openxmlformats.org/markup-compatibility/2006" type="twoObjOverTx" preserve="1">
+  <p:cSld name="Title, 2 Content over Content">
+    <p:spTree>
+      <p:nvGrpSpPr>
+        <p:cNvPr id="1" name=""/>
+        <p:cNvGrpSpPr/>
+        <p:nvPr/>
+      </p:nvGrpSpPr>
+      <p:grpSpPr>
+        <a:xfrm>
+          <a:off x="0" y="0"/>
+          <a:ext cx="0" cy="0"/>
+          <a:chOff x="0" y="0"/>
+          <a:chExt cx="0" cy="0"/>
+        </a:xfrm>
+      </p:grpSpPr>
+      <p:sp>
+        <p:nvSpPr>
+          <p:cNvPr id="91" name="PlaceHolder 1"/>
+          <p:cNvSpPr>
+            <a:spLocks noGrp="1"/>
+          </p:cNvSpPr>
+          <p:nvPr>
+            <p:ph type="title"/>
+          </p:nvPr>
+        </p:nvSpPr>
+        <p:spPr>
+          <a:xfrm>
+            <a:off x="609480" y="273600"/>
+            <a:ext cx="10972080" cy="1144440"/>
+          </a:xfrm>
+          <a:prstGeom prst="rect">
+            <a:avLst/>
+          </a:prstGeom>
+        </p:spPr>
+        <p:txBody>
+          <a:bodyPr lIns="0" rIns="0" tIns="0" bIns="0" anchor="ctr"/>
+          <a:p>
+            <a:pPr algn="ctr"/>
+            <a:endParaRPr b="0" lang="en-US" sz="4400" spc="-1" strike="noStrike">
+              <a:solidFill>
+                <a:srgbClr val="000000"/>
+              </a:solidFill>
+              <a:uFill>
+                <a:solidFill>
+                  <a:srgbClr val="ffffff"/>
+                </a:solidFill>
+              </a:uFill>
+              <a:latin typeface="Arial"/>
+            </a:endParaRPr>
+          </a:p>
+        </p:txBody>
+      </p:sp>
+      <p:sp>
+        <p:nvSpPr>
+          <p:cNvPr id="92" name="PlaceHolder 2"/>
+          <p:cNvSpPr>
+            <a:spLocks noGrp="1"/>
+          </p:cNvSpPr>
+          <p:nvPr>
+            <p:ph type="body"/>
+          </p:nvPr>
+        </p:nvSpPr>
+        <p:spPr>
+          <a:xfrm>
+            <a:off x="609480" y="1604520"/>
+            <a:ext cx="5354280" cy="1896840"/>
+          </a:xfrm>
+          <a:prstGeom prst="rect">
+            <a:avLst/>
+          </a:prstGeom>
+        </p:spPr>
+        <p:txBody>
+          <a:bodyPr lIns="0" rIns="0" tIns="0" bIns="0"/>
+          <a:p>
+            <a:endParaRPr b="0" lang="en-US" sz="3200" spc="-1" strike="noStrike">
+              <a:solidFill>
+                <a:srgbClr val="000000"/>
+              </a:solidFill>
+              <a:uFill>
+                <a:solidFill>
+                  <a:srgbClr val="ffffff"/>
+                </a:solidFill>
+              </a:uFill>
+              <a:latin typeface="Arial"/>
+            </a:endParaRPr>
+          </a:p>
+        </p:txBody>
+      </p:sp>
+      <p:sp>
+        <p:nvSpPr>
+          <p:cNvPr id="93" name="PlaceHolder 3"/>
+          <p:cNvSpPr>
+            <a:spLocks noGrp="1"/>
+          </p:cNvSpPr>
+          <p:nvPr>
+            <p:ph type="body"/>
+          </p:nvPr>
+        </p:nvSpPr>
+        <p:spPr>
+          <a:xfrm>
+            <a:off x="6231960" y="1604520"/>
+            <a:ext cx="5354280" cy="1896840"/>
+          </a:xfrm>
+          <a:prstGeom prst="rect">
+            <a:avLst/>
+          </a:prstGeom>
+        </p:spPr>
+        <p:txBody>
+          <a:bodyPr lIns="0" rIns="0" tIns="0" bIns="0"/>
+          <a:p>
+            <a:endParaRPr b="0" lang="en-US" sz="3200" spc="-1" strike="noStrike">
+              <a:solidFill>
+                <a:srgbClr val="000000"/>
+              </a:solidFill>
+              <a:uFill>
+                <a:solidFill>
+                  <a:srgbClr val="ffffff"/>
+                </a:solidFill>
+              </a:uFill>
+              <a:latin typeface="Arial"/>
+            </a:endParaRPr>
+          </a:p>
+        </p:txBody>
+      </p:sp>
+      <p:sp>
+        <p:nvSpPr>
+          <p:cNvPr id="94" name="PlaceHolder 4"/>
+          <p:cNvSpPr>
+            <a:spLocks noGrp="1"/>
+          </p:cNvSpPr>
+          <p:nvPr>
+            <p:ph type="body"/>
+          </p:nvPr>
+        </p:nvSpPr>
+        <p:spPr>
+          <a:xfrm>
+            <a:off x="609480" y="3682080"/>
+            <a:ext cx="10972440" cy="1896840"/>
+          </a:xfrm>
+          <a:prstGeom prst="rect">
+            <a:avLst/>
+          </a:prstGeom>
+        </p:spPr>
+        <p:txBody>
+          <a:bodyPr lIns="0" rIns="0" tIns="0" bIns="0"/>
+          <a:p>
+            <a:endParaRPr b="0" lang="en-US" sz="3200" spc="-1" strike="noStrike">
+              <a:solidFill>
+                <a:srgbClr val="000000"/>
+              </a:solidFill>
+              <a:uFill>
+                <a:solidFill>
+                  <a:srgbClr val="ffffff"/>
+                </a:solidFill>
+              </a:uFill>
+              <a:latin typeface="Arial"/>
+            </a:endParaRPr>
+          </a:p>
+        </p:txBody>
+      </p:sp>
+    </p:spTree>
+  </p:cSld>
+</p:sldLayout>
+</file>
+
+<file path=ppt/slideLayouts/slideLayout34.xml><?xml version="1.0" encoding="utf-8"?>
+<p:sldLayout xmlns:a="http://schemas.openxmlformats.org/drawingml/2006/main" xmlns:p="http://schemas.openxmlformats.org/presentationml/2006/main" xmlns:r="http://schemas.openxmlformats.org/officeDocument/2006/relationships" xmlns:p14="http://schemas.microsoft.com/office/powerpoint/2010/main" xmlns:p15="http://schemas.microsoft.com/office/powerpoint/2012/main" xmlns:mc="http://schemas.openxmlformats.org/markup-compatibility/2006" type="objOverTx" preserve="1">
+  <p:cSld name="Title, Content over Content">
+    <p:spTree>
+      <p:nvGrpSpPr>
+        <p:cNvPr id="1" name=""/>
+        <p:cNvGrpSpPr/>
+        <p:nvPr/>
+      </p:nvGrpSpPr>
+      <p:grpSpPr>
+        <a:xfrm>
+          <a:off x="0" y="0"/>
+          <a:ext cx="0" cy="0"/>
+          <a:chOff x="0" y="0"/>
+          <a:chExt cx="0" cy="0"/>
+        </a:xfrm>
+      </p:grpSpPr>
+      <p:sp>
+        <p:nvSpPr>
+          <p:cNvPr id="95" name="PlaceHolder 1"/>
+          <p:cNvSpPr>
+            <a:spLocks noGrp="1"/>
+          </p:cNvSpPr>
+          <p:nvPr>
+            <p:ph type="title"/>
+          </p:nvPr>
+        </p:nvSpPr>
+        <p:spPr>
+          <a:xfrm>
+            <a:off x="609480" y="273600"/>
+            <a:ext cx="10972080" cy="1144440"/>
+          </a:xfrm>
+          <a:prstGeom prst="rect">
+            <a:avLst/>
+          </a:prstGeom>
+        </p:spPr>
+        <p:txBody>
+          <a:bodyPr lIns="0" rIns="0" tIns="0" bIns="0" anchor="ctr"/>
+          <a:p>
+            <a:pPr algn="ctr"/>
+            <a:endParaRPr b="0" lang="en-US" sz="4400" spc="-1" strike="noStrike">
+              <a:solidFill>
+                <a:srgbClr val="000000"/>
+              </a:solidFill>
+              <a:uFill>
+                <a:solidFill>
+                  <a:srgbClr val="ffffff"/>
+                </a:solidFill>
+              </a:uFill>
+              <a:latin typeface="Arial"/>
+            </a:endParaRPr>
+          </a:p>
+        </p:txBody>
+      </p:sp>
+      <p:sp>
+        <p:nvSpPr>
+          <p:cNvPr id="96" name="PlaceHolder 2"/>
+          <p:cNvSpPr>
+            <a:spLocks noGrp="1"/>
+          </p:cNvSpPr>
+          <p:nvPr>
+            <p:ph type="body"/>
+          </p:nvPr>
+        </p:nvSpPr>
+        <p:spPr>
+          <a:xfrm>
+            <a:off x="609480" y="1604520"/>
+            <a:ext cx="10972440" cy="1896840"/>
+          </a:xfrm>
+          <a:prstGeom prst="rect">
+            <a:avLst/>
+          </a:prstGeom>
+        </p:spPr>
+        <p:txBody>
+          <a:bodyPr lIns="0" rIns="0" tIns="0" bIns="0"/>
+          <a:p>
+            <a:endParaRPr b="0" lang="en-US" sz="3200" spc="-1" strike="noStrike">
+              <a:solidFill>
+                <a:srgbClr val="000000"/>
+              </a:solidFill>
+              <a:uFill>
+                <a:solidFill>
+                  <a:srgbClr val="ffffff"/>
+                </a:solidFill>
+              </a:uFill>
+              <a:latin typeface="Arial"/>
+            </a:endParaRPr>
+          </a:p>
+        </p:txBody>
+      </p:sp>
+      <p:sp>
+        <p:nvSpPr>
+          <p:cNvPr id="97" name="PlaceHolder 3"/>
+          <p:cNvSpPr>
+            <a:spLocks noGrp="1"/>
+          </p:cNvSpPr>
+          <p:nvPr>
+            <p:ph type="body"/>
+          </p:nvPr>
+        </p:nvSpPr>
+        <p:spPr>
+          <a:xfrm>
+            <a:off x="609480" y="3682080"/>
+            <a:ext cx="10972440" cy="1896840"/>
+          </a:xfrm>
+          <a:prstGeom prst="rect">
+            <a:avLst/>
+          </a:prstGeom>
+        </p:spPr>
+        <p:txBody>
+          <a:bodyPr lIns="0" rIns="0" tIns="0" bIns="0"/>
+          <a:p>
+            <a:endParaRPr b="0" lang="en-US" sz="3200" spc="-1" strike="noStrike">
+              <a:solidFill>
+                <a:srgbClr val="000000"/>
+              </a:solidFill>
+              <a:uFill>
+                <a:solidFill>
+                  <a:srgbClr val="ffffff"/>
+                </a:solidFill>
+              </a:uFill>
+              <a:latin typeface="Arial"/>
+            </a:endParaRPr>
+          </a:p>
+        </p:txBody>
+      </p:sp>
+    </p:spTree>
+  </p:cSld>
+</p:sldLayout>
+</file>
+
+<file path=ppt/slideLayouts/slideLayout35.xml><?xml version="1.0" encoding="utf-8"?>
+<p:sldLayout xmlns:a="http://schemas.openxmlformats.org/drawingml/2006/main" xmlns:p="http://schemas.openxmlformats.org/presentationml/2006/main" xmlns:r="http://schemas.openxmlformats.org/officeDocument/2006/relationships" xmlns:p14="http://schemas.microsoft.com/office/powerpoint/2010/main" xmlns:p15="http://schemas.microsoft.com/office/powerpoint/2012/main" xmlns:mc="http://schemas.openxmlformats.org/markup-compatibility/2006" type="fourObj" preserve="1">
+  <p:cSld name="Title, 4 Content">
+    <p:spTree>
+      <p:nvGrpSpPr>
+        <p:cNvPr id="1" name=""/>
+        <p:cNvGrpSpPr/>
+        <p:nvPr/>
+      </p:nvGrpSpPr>
+      <p:grpSpPr>
+        <a:xfrm>
+          <a:off x="0" y="0"/>
+          <a:ext cx="0" cy="0"/>
+          <a:chOff x="0" y="0"/>
+          <a:chExt cx="0" cy="0"/>
+        </a:xfrm>
+      </p:grpSpPr>
+      <p:sp>
+        <p:nvSpPr>
+          <p:cNvPr id="98" name="PlaceHolder 1"/>
+          <p:cNvSpPr>
+            <a:spLocks noGrp="1"/>
+          </p:cNvSpPr>
+          <p:nvPr>
+            <p:ph type="title"/>
+          </p:nvPr>
+        </p:nvSpPr>
+        <p:spPr>
+          <a:xfrm>
+            <a:off x="609480" y="273600"/>
+            <a:ext cx="10972080" cy="1144440"/>
+          </a:xfrm>
+          <a:prstGeom prst="rect">
+            <a:avLst/>
+          </a:prstGeom>
+        </p:spPr>
+        <p:txBody>
+          <a:bodyPr lIns="0" rIns="0" tIns="0" bIns="0" anchor="ctr"/>
+          <a:p>
+            <a:pPr algn="ctr"/>
+            <a:endParaRPr b="0" lang="en-US" sz="4400" spc="-1" strike="noStrike">
+              <a:solidFill>
+                <a:srgbClr val="000000"/>
+              </a:solidFill>
+              <a:uFill>
+                <a:solidFill>
+                  <a:srgbClr val="ffffff"/>
+                </a:solidFill>
+              </a:uFill>
+              <a:latin typeface="Arial"/>
+            </a:endParaRPr>
+          </a:p>
+        </p:txBody>
+      </p:sp>
+      <p:sp>
+        <p:nvSpPr>
+          <p:cNvPr id="99" name="PlaceHolder 2"/>
+          <p:cNvSpPr>
+            <a:spLocks noGrp="1"/>
+          </p:cNvSpPr>
+          <p:nvPr>
+            <p:ph type="body"/>
+          </p:nvPr>
+        </p:nvSpPr>
+        <p:spPr>
+          <a:xfrm>
+            <a:off x="609480" y="1604520"/>
+            <a:ext cx="5354280" cy="1896840"/>
+          </a:xfrm>
+          <a:prstGeom prst="rect">
+            <a:avLst/>
+          </a:prstGeom>
+        </p:spPr>
+        <p:txBody>
+          <a:bodyPr lIns="0" rIns="0" tIns="0" bIns="0"/>
+          <a:p>
+            <a:endParaRPr b="0" lang="en-US" sz="3200" spc="-1" strike="noStrike">
+              <a:solidFill>
+                <a:srgbClr val="000000"/>
+              </a:solidFill>
+              <a:uFill>
+                <a:solidFill>
+                  <a:srgbClr val="ffffff"/>
+                </a:solidFill>
+              </a:uFill>
+              <a:latin typeface="Arial"/>
+            </a:endParaRPr>
+          </a:p>
+        </p:txBody>
+      </p:sp>
+      <p:sp>
+        <p:nvSpPr>
+          <p:cNvPr id="100" name="PlaceHolder 3"/>
+          <p:cNvSpPr>
+            <a:spLocks noGrp="1"/>
+          </p:cNvSpPr>
+          <p:nvPr>
+            <p:ph type="body"/>
+          </p:nvPr>
+        </p:nvSpPr>
+        <p:spPr>
+          <a:xfrm>
+            <a:off x="6231960" y="1604520"/>
+            <a:ext cx="5354280" cy="1896840"/>
+          </a:xfrm>
+          <a:prstGeom prst="rect">
+            <a:avLst/>
+          </a:prstGeom>
+        </p:spPr>
+        <p:txBody>
+          <a:bodyPr lIns="0" rIns="0" tIns="0" bIns="0"/>
+          <a:p>
+            <a:endParaRPr b="0" lang="en-US" sz="3200" spc="-1" strike="noStrike">
+              <a:solidFill>
+                <a:srgbClr val="000000"/>
+              </a:solidFill>
+              <a:uFill>
+                <a:solidFill>
+                  <a:srgbClr val="ffffff"/>
+                </a:solidFill>
+              </a:uFill>
+              <a:latin typeface="Arial"/>
+            </a:endParaRPr>
+          </a:p>
+        </p:txBody>
+      </p:sp>
+      <p:sp>
+        <p:nvSpPr>
+          <p:cNvPr id="101" name="PlaceHolder 4"/>
+          <p:cNvSpPr>
+            <a:spLocks noGrp="1"/>
+          </p:cNvSpPr>
+          <p:nvPr>
+            <p:ph type="body"/>
+          </p:nvPr>
+        </p:nvSpPr>
+        <p:spPr>
+          <a:xfrm>
+            <a:off x="6231960" y="3682080"/>
+            <a:ext cx="5354280" cy="1896840"/>
+          </a:xfrm>
+          <a:prstGeom prst="rect">
+            <a:avLst/>
+          </a:prstGeom>
+        </p:spPr>
+        <p:txBody>
+          <a:bodyPr lIns="0" rIns="0" tIns="0" bIns="0"/>
+          <a:p>
+            <a:endParaRPr b="0" lang="en-US" sz="3200" spc="-1" strike="noStrike">
+              <a:solidFill>
+                <a:srgbClr val="000000"/>
+              </a:solidFill>
+              <a:uFill>
+                <a:solidFill>
+                  <a:srgbClr val="ffffff"/>
+                </a:solidFill>
+              </a:uFill>
+              <a:latin typeface="Arial"/>
+            </a:endParaRPr>
+          </a:p>
+        </p:txBody>
+      </p:sp>
+      <p:sp>
+        <p:nvSpPr>
+          <p:cNvPr id="102" name="PlaceHolder 5"/>
+          <p:cNvSpPr>
+            <a:spLocks noGrp="1"/>
+          </p:cNvSpPr>
+          <p:nvPr>
+            <p:ph type="body"/>
+          </p:nvPr>
+        </p:nvSpPr>
+        <p:spPr>
+          <a:xfrm>
+            <a:off x="609480" y="3682080"/>
+            <a:ext cx="5354280" cy="1896840"/>
+          </a:xfrm>
+          <a:prstGeom prst="rect">
+            <a:avLst/>
+          </a:prstGeom>
+        </p:spPr>
+        <p:txBody>
+          <a:bodyPr lIns="0" rIns="0" tIns="0" bIns="0"/>
+          <a:p>
+            <a:endParaRPr b="0" lang="en-US" sz="3200" spc="-1" strike="noStrike">
+              <a:solidFill>
+                <a:srgbClr val="000000"/>
+              </a:solidFill>
+              <a:uFill>
+                <a:solidFill>
+                  <a:srgbClr val="ffffff"/>
+                </a:solidFill>
+              </a:uFill>
+              <a:latin typeface="Arial"/>
+            </a:endParaRPr>
+          </a:p>
+        </p:txBody>
+      </p:sp>
+    </p:spTree>
+  </p:cSld>
+</p:sldLayout>
+</file>
+
+<file path=ppt/slideLayouts/slideLayout36.xml><?xml version="1.0" encoding="utf-8"?>
+<p:sldLayout xmlns:a="http://schemas.openxmlformats.org/drawingml/2006/main" xmlns:p="http://schemas.openxmlformats.org/presentationml/2006/main" xmlns:r="http://schemas.openxmlformats.org/officeDocument/2006/relationships" xmlns:p14="http://schemas.microsoft.com/office/powerpoint/2010/main" xmlns:p15="http://schemas.microsoft.com/office/powerpoint/2012/main" xmlns:mc="http://schemas.openxmlformats.org/markup-compatibility/2006" type="blank" preserve="1">
+  <p:cSld name="Title, 6 Content">
+    <p:spTree>
+      <p:nvGrpSpPr>
+        <p:cNvPr id="1" name=""/>
+        <p:cNvGrpSpPr/>
+        <p:nvPr/>
+      </p:nvGrpSpPr>
+      <p:grpSpPr>
+        <a:xfrm>
+          <a:off x="0" y="0"/>
+          <a:ext cx="0" cy="0"/>
+          <a:chOff x="0" y="0"/>
+          <a:chExt cx="0" cy="0"/>
+        </a:xfrm>
+      </p:grpSpPr>
+      <p:sp>
+        <p:nvSpPr>
+          <p:cNvPr id="103" name="PlaceHolder 1"/>
+          <p:cNvSpPr>
+            <a:spLocks noGrp="1"/>
+          </p:cNvSpPr>
+          <p:nvPr>
+            <p:ph type="title"/>
+          </p:nvPr>
+        </p:nvSpPr>
+        <p:spPr>
+          <a:xfrm>
+            <a:off x="609480" y="273600"/>
+            <a:ext cx="10972080" cy="1144440"/>
+          </a:xfrm>
+          <a:prstGeom prst="rect">
+            <a:avLst/>
+          </a:prstGeom>
+        </p:spPr>
+        <p:txBody>
+          <a:bodyPr lIns="0" rIns="0" tIns="0" bIns="0" anchor="ctr"/>
+          <a:p>
+            <a:pPr algn="ctr"/>
+            <a:endParaRPr b="0" lang="en-US" sz="4400" spc="-1" strike="noStrike">
+              <a:solidFill>
+                <a:srgbClr val="000000"/>
+              </a:solidFill>
+              <a:uFill>
+                <a:solidFill>
+                  <a:srgbClr val="ffffff"/>
+                </a:solidFill>
+              </a:uFill>
+              <a:latin typeface="Arial"/>
+            </a:endParaRPr>
+          </a:p>
+        </p:txBody>
+      </p:sp>
+      <p:sp>
+        <p:nvSpPr>
+          <p:cNvPr id="104" name="PlaceHolder 2"/>
+          <p:cNvSpPr>
+            <a:spLocks noGrp="1"/>
+          </p:cNvSpPr>
+          <p:nvPr>
+            <p:ph type="body"/>
+          </p:nvPr>
+        </p:nvSpPr>
+        <p:spPr>
+          <a:xfrm>
+            <a:off x="609480" y="1604520"/>
+            <a:ext cx="10972440" cy="3977280"/>
+          </a:xfrm>
+          <a:prstGeom prst="rect">
+            <a:avLst/>
+          </a:prstGeom>
+        </p:spPr>
+        <p:txBody>
+          <a:bodyPr lIns="0" rIns="0" tIns="0" bIns="0"/>
+          <a:p>
+            <a:endParaRPr b="0" lang="en-US" sz="3200" spc="-1" strike="noStrike">
+              <a:solidFill>
+                <a:srgbClr val="000000"/>
+              </a:solidFill>
+              <a:uFill>
+                <a:solidFill>
+                  <a:srgbClr val="ffffff"/>
+                </a:solidFill>
+              </a:uFill>
+              <a:latin typeface="Arial"/>
+            </a:endParaRPr>
+          </a:p>
+        </p:txBody>
+      </p:sp>
+      <p:sp>
+        <p:nvSpPr>
+          <p:cNvPr id="105" name="PlaceHolder 3"/>
+          <p:cNvSpPr>
+            <a:spLocks noGrp="1"/>
+          </p:cNvSpPr>
+          <p:nvPr>
+            <p:ph type="body"/>
+          </p:nvPr>
+        </p:nvSpPr>
+        <p:spPr>
+          <a:xfrm>
+            <a:off x="609480" y="1604520"/>
+            <a:ext cx="10972440" cy="3977280"/>
+          </a:xfrm>
+          <a:prstGeom prst="rect">
+            <a:avLst/>
+          </a:prstGeom>
+        </p:spPr>
+        <p:txBody>
+          <a:bodyPr lIns="0" rIns="0" tIns="0" bIns="0"/>
+          <a:p>
+            <a:endParaRPr b="0" lang="en-US" sz="3200" spc="-1" strike="noStrike">
+              <a:solidFill>
+                <a:srgbClr val="000000"/>
+              </a:solidFill>
+              <a:uFill>
+                <a:solidFill>
+                  <a:srgbClr val="ffffff"/>
+                </a:solidFill>
+              </a:uFill>
+              <a:latin typeface="Arial"/>
+            </a:endParaRPr>
+          </a:p>
+        </p:txBody>
+      </p:sp>
+      <p:pic>
+        <p:nvPicPr>
+          <p:cNvPr id="106" name="" descr=""/>
+          <p:cNvPicPr/>
+          <p:nvPr/>
+        </p:nvPicPr>
+        <p:blipFill>
+          <a:blip r:embed="rId2"/>
+          <a:stretch/>
+        </p:blipFill>
+        <p:spPr>
+          <a:xfrm>
+            <a:off x="3602880" y="1604520"/>
+            <a:ext cx="4984920" cy="3977280"/>
+          </a:xfrm>
+          <a:prstGeom prst="rect">
+            <a:avLst/>
+          </a:prstGeom>
+          <a:ln>
+            <a:noFill/>
+          </a:ln>
+        </p:spPr>
+      </p:pic>
+      <p:pic>
+        <p:nvPicPr>
+          <p:cNvPr id="107" name="" descr=""/>
+          <p:cNvPicPr/>
+          <p:nvPr/>
+        </p:nvPicPr>
+        <p:blipFill>
+          <a:blip r:embed="rId3"/>
+          <a:stretch/>
+        </p:blipFill>
+        <p:spPr>
+          <a:xfrm>
+            <a:off x="3602880" y="1604520"/>
+            <a:ext cx="4984920" cy="3977280"/>
+          </a:xfrm>
+          <a:prstGeom prst="rect">
+            <a:avLst/>
+          </a:prstGeom>
+          <a:ln>
+            <a:noFill/>
+          </a:ln>
+        </p:spPr>
+      </p:pic>
+    </p:spTree>
+  </p:cSld>
+</p:sldLayout>
+</file>
+
+<file path=ppt/slideLayouts/slideLayout37.xml><?xml version="1.0" encoding="utf-8"?>
+<p:sldLayout xmlns:a="http://schemas.openxmlformats.org/drawingml/2006/main" xmlns:p="http://schemas.openxmlformats.org/presentationml/2006/main" xmlns:r="http://schemas.openxmlformats.org/officeDocument/2006/relationships" xmlns:p14="http://schemas.microsoft.com/office/powerpoint/2010/main" xmlns:p15="http://schemas.microsoft.com/office/powerpoint/2012/main" xmlns:mc="http://schemas.openxmlformats.org/markup-compatibility/2006" type="blank" preserve="1">
+  <p:cSld name="Blank Slide">
+    <p:spTree>
+      <p:nvGrpSpPr>
+        <p:cNvPr id="1" name=""/>
+        <p:cNvGrpSpPr/>
+        <p:nvPr/>
+      </p:nvGrpSpPr>
+      <p:grpSpPr>
+        <a:xfrm>
+          <a:off x="0" y="0"/>
+          <a:ext cx="0" cy="0"/>
+          <a:chOff x="0" y="0"/>
+          <a:chExt cx="0" cy="0"/>
+        </a:xfrm>
+      </p:grpSpPr>
+    </p:spTree>
+  </p:cSld>
+</p:sldLayout>
+</file>
+
+<file path=ppt/slideLayouts/slideLayout38.xml><?xml version="1.0" encoding="utf-8"?>
+<p:sldLayout xmlns:a="http://schemas.openxmlformats.org/drawingml/2006/main" xmlns:p="http://schemas.openxmlformats.org/presentationml/2006/main" xmlns:r="http://schemas.openxmlformats.org/officeDocument/2006/relationships" xmlns:p14="http://schemas.microsoft.com/office/powerpoint/2010/main" xmlns:p15="http://schemas.microsoft.com/office/powerpoint/2012/main" xmlns:mc="http://schemas.openxmlformats.org/markup-compatibility/2006" type="tx" preserve="1">
+  <p:cSld name="Title Slide">
+    <p:spTree>
+      <p:nvGrpSpPr>
+        <p:cNvPr id="1" name=""/>
+        <p:cNvGrpSpPr/>
+        <p:nvPr/>
+      </p:nvGrpSpPr>
+      <p:grpSpPr>
+        <a:xfrm>
+          <a:off x="0" y="0"/>
+          <a:ext cx="0" cy="0"/>
+          <a:chOff x="0" y="0"/>
+          <a:chExt cx="0" cy="0"/>
+        </a:xfrm>
+      </p:grpSpPr>
+      <p:sp>
+        <p:nvSpPr>
+          <p:cNvPr id="110" name="PlaceHolder 1"/>
+          <p:cNvSpPr>
+            <a:spLocks noGrp="1"/>
+          </p:cNvSpPr>
+          <p:nvPr>
+            <p:ph type="title"/>
+          </p:nvPr>
+        </p:nvSpPr>
+        <p:spPr>
+          <a:xfrm>
+            <a:off x="609480" y="273600"/>
+            <a:ext cx="10972080" cy="1144440"/>
+          </a:xfrm>
+          <a:prstGeom prst="rect">
+            <a:avLst/>
+          </a:prstGeom>
+        </p:spPr>
+        <p:txBody>
+          <a:bodyPr lIns="0" rIns="0" tIns="0" bIns="0" anchor="ctr"/>
+          <a:p>
+            <a:pPr algn="ctr"/>
+            <a:endParaRPr b="0" lang="en-US" sz="4400" spc="-1" strike="noStrike">
+              <a:solidFill>
+                <a:srgbClr val="000000"/>
+              </a:solidFill>
+              <a:uFill>
+                <a:solidFill>
+                  <a:srgbClr val="ffffff"/>
+                </a:solidFill>
+              </a:uFill>
+              <a:latin typeface="Arial"/>
+            </a:endParaRPr>
+          </a:p>
+        </p:txBody>
+      </p:sp>
+      <p:sp>
+        <p:nvSpPr>
+          <p:cNvPr id="111" name="PlaceHolder 2"/>
+          <p:cNvSpPr>
+            <a:spLocks noGrp="1"/>
+          </p:cNvSpPr>
+          <p:nvPr>
+            <p:ph type="subTitle"/>
+          </p:nvPr>
+        </p:nvSpPr>
+        <p:spPr>
+          <a:xfrm>
+            <a:off x="609480" y="1604520"/>
+            <a:ext cx="10972440" cy="3977280"/>
+          </a:xfrm>
+          <a:prstGeom prst="rect">
+            <a:avLst/>
+          </a:prstGeom>
+        </p:spPr>
+        <p:txBody>
+          <a:bodyPr lIns="0" rIns="0" tIns="0" bIns="0" anchor="ctr"/>
+          <a:p>
+            <a:pPr algn="ctr"/>
+            <a:endParaRPr b="0" lang="en-US" sz="3200" spc="-1" strike="noStrike">
+              <a:solidFill>
+                <a:srgbClr val="000000"/>
+              </a:solidFill>
+              <a:uFill>
+                <a:solidFill>
+                  <a:srgbClr val="ffffff"/>
+                </a:solidFill>
+              </a:uFill>
+              <a:latin typeface="Arial"/>
+            </a:endParaRPr>
+          </a:p>
+        </p:txBody>
+      </p:sp>
+    </p:spTree>
+  </p:cSld>
+</p:sldLayout>
+</file>
+
+<file path=ppt/slideLayouts/slideLayout39.xml><?xml version="1.0" encoding="utf-8"?>
+<p:sldLayout xmlns:a="http://schemas.openxmlformats.org/drawingml/2006/main" xmlns:p="http://schemas.openxmlformats.org/presentationml/2006/main" xmlns:r="http://schemas.openxmlformats.org/officeDocument/2006/relationships" xmlns:p14="http://schemas.microsoft.com/office/powerpoint/2010/main" xmlns:p15="http://schemas.microsoft.com/office/powerpoint/2012/main" xmlns:mc="http://schemas.openxmlformats.org/markup-compatibility/2006" type="obj" preserve="1">
+  <p:cSld name="Title, Content">
+    <p:spTree>
+      <p:nvGrpSpPr>
+        <p:cNvPr id="1" name=""/>
+        <p:cNvGrpSpPr/>
+        <p:nvPr/>
+      </p:nvGrpSpPr>
+      <p:grpSpPr>
+        <a:xfrm>
+          <a:off x="0" y="0"/>
+          <a:ext cx="0" cy="0"/>
+          <a:chOff x="0" y="0"/>
+          <a:chExt cx="0" cy="0"/>
+        </a:xfrm>
+      </p:grpSpPr>
+      <p:sp>
+        <p:nvSpPr>
+          <p:cNvPr id="112" name="PlaceHolder 1"/>
+          <p:cNvSpPr>
+            <a:spLocks noGrp="1"/>
+          </p:cNvSpPr>
+          <p:nvPr>
+            <p:ph type="title"/>
+          </p:nvPr>
+        </p:nvSpPr>
+        <p:spPr>
+          <a:xfrm>
+            <a:off x="609480" y="273600"/>
+            <a:ext cx="10972080" cy="1144440"/>
+          </a:xfrm>
+          <a:prstGeom prst="rect">
+            <a:avLst/>
+          </a:prstGeom>
+        </p:spPr>
+        <p:txBody>
+          <a:bodyPr lIns="0" rIns="0" tIns="0" bIns="0" anchor="ctr"/>
+          <a:p>
+            <a:pPr algn="ctr"/>
+            <a:endParaRPr b="0" lang="en-US" sz="4400" spc="-1" strike="noStrike">
+              <a:solidFill>
+                <a:srgbClr val="000000"/>
+              </a:solidFill>
+              <a:uFill>
+                <a:solidFill>
+                  <a:srgbClr val="ffffff"/>
+                </a:solidFill>
+              </a:uFill>
+              <a:latin typeface="Arial"/>
+            </a:endParaRPr>
+          </a:p>
+        </p:txBody>
+      </p:sp>
+      <p:sp>
+        <p:nvSpPr>
+          <p:cNvPr id="113" name="PlaceHolder 2"/>
           <p:cNvSpPr>
             <a:spLocks noGrp="1"/>
           </p:cNvSpPr>
@@ -2249,7 +3942,7 @@
         <p:spPr>
           <a:xfrm>
             <a:off x="609480" y="273600"/>
-            <a:ext cx="10972440" cy="1144800"/>
+            <a:ext cx="10972080" cy="1144440"/>
           </a:xfrm>
           <a:prstGeom prst="rect">
             <a:avLst/>
@@ -2345,6 +4038,1289 @@
           </a:p>
         </p:txBody>
       </p:sp>
+    </p:spTree>
+  </p:cSld>
+</p:sldLayout>
+</file>
+
+<file path=ppt/slideLayouts/slideLayout40.xml><?xml version="1.0" encoding="utf-8"?>
+<p:sldLayout xmlns:a="http://schemas.openxmlformats.org/drawingml/2006/main" xmlns:p="http://schemas.openxmlformats.org/presentationml/2006/main" xmlns:r="http://schemas.openxmlformats.org/officeDocument/2006/relationships" xmlns:p14="http://schemas.microsoft.com/office/powerpoint/2010/main" xmlns:p15="http://schemas.microsoft.com/office/powerpoint/2012/main" xmlns:mc="http://schemas.openxmlformats.org/markup-compatibility/2006" type="twoObj" preserve="1">
+  <p:cSld name="Title, 2 Content">
+    <p:spTree>
+      <p:nvGrpSpPr>
+        <p:cNvPr id="1" name=""/>
+        <p:cNvGrpSpPr/>
+        <p:nvPr/>
+      </p:nvGrpSpPr>
+      <p:grpSpPr>
+        <a:xfrm>
+          <a:off x="0" y="0"/>
+          <a:ext cx="0" cy="0"/>
+          <a:chOff x="0" y="0"/>
+          <a:chExt cx="0" cy="0"/>
+        </a:xfrm>
+      </p:grpSpPr>
+      <p:sp>
+        <p:nvSpPr>
+          <p:cNvPr id="114" name="PlaceHolder 1"/>
+          <p:cNvSpPr>
+            <a:spLocks noGrp="1"/>
+          </p:cNvSpPr>
+          <p:nvPr>
+            <p:ph type="title"/>
+          </p:nvPr>
+        </p:nvSpPr>
+        <p:spPr>
+          <a:xfrm>
+            <a:off x="609480" y="273600"/>
+            <a:ext cx="10972080" cy="1144440"/>
+          </a:xfrm>
+          <a:prstGeom prst="rect">
+            <a:avLst/>
+          </a:prstGeom>
+        </p:spPr>
+        <p:txBody>
+          <a:bodyPr lIns="0" rIns="0" tIns="0" bIns="0" anchor="ctr"/>
+          <a:p>
+            <a:pPr algn="ctr"/>
+            <a:endParaRPr b="0" lang="en-US" sz="4400" spc="-1" strike="noStrike">
+              <a:solidFill>
+                <a:srgbClr val="000000"/>
+              </a:solidFill>
+              <a:uFill>
+                <a:solidFill>
+                  <a:srgbClr val="ffffff"/>
+                </a:solidFill>
+              </a:uFill>
+              <a:latin typeface="Arial"/>
+            </a:endParaRPr>
+          </a:p>
+        </p:txBody>
+      </p:sp>
+      <p:sp>
+        <p:nvSpPr>
+          <p:cNvPr id="115" name="PlaceHolder 2"/>
+          <p:cNvSpPr>
+            <a:spLocks noGrp="1"/>
+          </p:cNvSpPr>
+          <p:nvPr>
+            <p:ph type="body"/>
+          </p:nvPr>
+        </p:nvSpPr>
+        <p:spPr>
+          <a:xfrm>
+            <a:off x="609480" y="1604520"/>
+            <a:ext cx="5354280" cy="3977280"/>
+          </a:xfrm>
+          <a:prstGeom prst="rect">
+            <a:avLst/>
+          </a:prstGeom>
+        </p:spPr>
+        <p:txBody>
+          <a:bodyPr lIns="0" rIns="0" tIns="0" bIns="0"/>
+          <a:p>
+            <a:endParaRPr b="0" lang="en-US" sz="3200" spc="-1" strike="noStrike">
+              <a:solidFill>
+                <a:srgbClr val="000000"/>
+              </a:solidFill>
+              <a:uFill>
+                <a:solidFill>
+                  <a:srgbClr val="ffffff"/>
+                </a:solidFill>
+              </a:uFill>
+              <a:latin typeface="Arial"/>
+            </a:endParaRPr>
+          </a:p>
+        </p:txBody>
+      </p:sp>
+      <p:sp>
+        <p:nvSpPr>
+          <p:cNvPr id="116" name="PlaceHolder 3"/>
+          <p:cNvSpPr>
+            <a:spLocks noGrp="1"/>
+          </p:cNvSpPr>
+          <p:nvPr>
+            <p:ph type="body"/>
+          </p:nvPr>
+        </p:nvSpPr>
+        <p:spPr>
+          <a:xfrm>
+            <a:off x="6231960" y="1604520"/>
+            <a:ext cx="5354280" cy="3977280"/>
+          </a:xfrm>
+          <a:prstGeom prst="rect">
+            <a:avLst/>
+          </a:prstGeom>
+        </p:spPr>
+        <p:txBody>
+          <a:bodyPr lIns="0" rIns="0" tIns="0" bIns="0"/>
+          <a:p>
+            <a:endParaRPr b="0" lang="en-US" sz="3200" spc="-1" strike="noStrike">
+              <a:solidFill>
+                <a:srgbClr val="000000"/>
+              </a:solidFill>
+              <a:uFill>
+                <a:solidFill>
+                  <a:srgbClr val="ffffff"/>
+                </a:solidFill>
+              </a:uFill>
+              <a:latin typeface="Arial"/>
+            </a:endParaRPr>
+          </a:p>
+        </p:txBody>
+      </p:sp>
+    </p:spTree>
+  </p:cSld>
+</p:sldLayout>
+</file>
+
+<file path=ppt/slideLayouts/slideLayout41.xml><?xml version="1.0" encoding="utf-8"?>
+<p:sldLayout xmlns:a="http://schemas.openxmlformats.org/drawingml/2006/main" xmlns:p="http://schemas.openxmlformats.org/presentationml/2006/main" xmlns:r="http://schemas.openxmlformats.org/officeDocument/2006/relationships" xmlns:p14="http://schemas.microsoft.com/office/powerpoint/2010/main" xmlns:p15="http://schemas.microsoft.com/office/powerpoint/2012/main" xmlns:mc="http://schemas.openxmlformats.org/markup-compatibility/2006" type="titleOnly" preserve="1">
+  <p:cSld name="Title Only">
+    <p:spTree>
+      <p:nvGrpSpPr>
+        <p:cNvPr id="1" name=""/>
+        <p:cNvGrpSpPr/>
+        <p:nvPr/>
+      </p:nvGrpSpPr>
+      <p:grpSpPr>
+        <a:xfrm>
+          <a:off x="0" y="0"/>
+          <a:ext cx="0" cy="0"/>
+          <a:chOff x="0" y="0"/>
+          <a:chExt cx="0" cy="0"/>
+        </a:xfrm>
+      </p:grpSpPr>
+      <p:sp>
+        <p:nvSpPr>
+          <p:cNvPr id="117" name="PlaceHolder 1"/>
+          <p:cNvSpPr>
+            <a:spLocks noGrp="1"/>
+          </p:cNvSpPr>
+          <p:nvPr>
+            <p:ph type="title"/>
+          </p:nvPr>
+        </p:nvSpPr>
+        <p:spPr>
+          <a:xfrm>
+            <a:off x="609480" y="273600"/>
+            <a:ext cx="10972080" cy="1144440"/>
+          </a:xfrm>
+          <a:prstGeom prst="rect">
+            <a:avLst/>
+          </a:prstGeom>
+        </p:spPr>
+        <p:txBody>
+          <a:bodyPr lIns="0" rIns="0" tIns="0" bIns="0" anchor="ctr"/>
+          <a:p>
+            <a:pPr algn="ctr"/>
+            <a:endParaRPr b="0" lang="en-US" sz="4400" spc="-1" strike="noStrike">
+              <a:solidFill>
+                <a:srgbClr val="000000"/>
+              </a:solidFill>
+              <a:uFill>
+                <a:solidFill>
+                  <a:srgbClr val="ffffff"/>
+                </a:solidFill>
+              </a:uFill>
+              <a:latin typeface="Arial"/>
+            </a:endParaRPr>
+          </a:p>
+        </p:txBody>
+      </p:sp>
+    </p:spTree>
+  </p:cSld>
+</p:sldLayout>
+</file>
+
+<file path=ppt/slideLayouts/slideLayout42.xml><?xml version="1.0" encoding="utf-8"?>
+<p:sldLayout xmlns:a="http://schemas.openxmlformats.org/drawingml/2006/main" xmlns:p="http://schemas.openxmlformats.org/presentationml/2006/main" xmlns:r="http://schemas.openxmlformats.org/officeDocument/2006/relationships" xmlns:p14="http://schemas.microsoft.com/office/powerpoint/2010/main" xmlns:p15="http://schemas.microsoft.com/office/powerpoint/2012/main" xmlns:mc="http://schemas.openxmlformats.org/markup-compatibility/2006" type="objOnly" preserve="1">
+  <p:cSld name="Centered Text">
+    <p:spTree>
+      <p:nvGrpSpPr>
+        <p:cNvPr id="1" name=""/>
+        <p:cNvGrpSpPr/>
+        <p:nvPr/>
+      </p:nvGrpSpPr>
+      <p:grpSpPr>
+        <a:xfrm>
+          <a:off x="0" y="0"/>
+          <a:ext cx="0" cy="0"/>
+          <a:chOff x="0" y="0"/>
+          <a:chExt cx="0" cy="0"/>
+        </a:xfrm>
+      </p:grpSpPr>
+      <p:sp>
+        <p:nvSpPr>
+          <p:cNvPr id="118" name="PlaceHolder 1"/>
+          <p:cNvSpPr>
+            <a:spLocks noGrp="1"/>
+          </p:cNvSpPr>
+          <p:nvPr>
+            <p:ph type="subTitle"/>
+          </p:nvPr>
+        </p:nvSpPr>
+        <p:spPr>
+          <a:xfrm>
+            <a:off x="609480" y="273600"/>
+            <a:ext cx="10972080" cy="5306400"/>
+          </a:xfrm>
+          <a:prstGeom prst="rect">
+            <a:avLst/>
+          </a:prstGeom>
+        </p:spPr>
+        <p:txBody>
+          <a:bodyPr lIns="0" rIns="0" tIns="0" bIns="0" anchor="ctr"/>
+          <a:p>
+            <a:pPr algn="ctr"/>
+            <a:endParaRPr b="0" lang="en-US" sz="3200" spc="-1" strike="noStrike">
+              <a:solidFill>
+                <a:srgbClr val="000000"/>
+              </a:solidFill>
+              <a:uFill>
+                <a:solidFill>
+                  <a:srgbClr val="ffffff"/>
+                </a:solidFill>
+              </a:uFill>
+              <a:latin typeface="Arial"/>
+            </a:endParaRPr>
+          </a:p>
+        </p:txBody>
+      </p:sp>
+    </p:spTree>
+  </p:cSld>
+</p:sldLayout>
+</file>
+
+<file path=ppt/slideLayouts/slideLayout43.xml><?xml version="1.0" encoding="utf-8"?>
+<p:sldLayout xmlns:a="http://schemas.openxmlformats.org/drawingml/2006/main" xmlns:p="http://schemas.openxmlformats.org/presentationml/2006/main" xmlns:r="http://schemas.openxmlformats.org/officeDocument/2006/relationships" xmlns:p14="http://schemas.microsoft.com/office/powerpoint/2010/main" xmlns:p15="http://schemas.microsoft.com/office/powerpoint/2012/main" xmlns:mc="http://schemas.openxmlformats.org/markup-compatibility/2006" type="twoObjAndObj" preserve="1">
+  <p:cSld name="Title, 2 Content and Content">
+    <p:spTree>
+      <p:nvGrpSpPr>
+        <p:cNvPr id="1" name=""/>
+        <p:cNvGrpSpPr/>
+        <p:nvPr/>
+      </p:nvGrpSpPr>
+      <p:grpSpPr>
+        <a:xfrm>
+          <a:off x="0" y="0"/>
+          <a:ext cx="0" cy="0"/>
+          <a:chOff x="0" y="0"/>
+          <a:chExt cx="0" cy="0"/>
+        </a:xfrm>
+      </p:grpSpPr>
+      <p:sp>
+        <p:nvSpPr>
+          <p:cNvPr id="119" name="PlaceHolder 1"/>
+          <p:cNvSpPr>
+            <a:spLocks noGrp="1"/>
+          </p:cNvSpPr>
+          <p:nvPr>
+            <p:ph type="title"/>
+          </p:nvPr>
+        </p:nvSpPr>
+        <p:spPr>
+          <a:xfrm>
+            <a:off x="609480" y="273600"/>
+            <a:ext cx="10972080" cy="1144440"/>
+          </a:xfrm>
+          <a:prstGeom prst="rect">
+            <a:avLst/>
+          </a:prstGeom>
+        </p:spPr>
+        <p:txBody>
+          <a:bodyPr lIns="0" rIns="0" tIns="0" bIns="0" anchor="ctr"/>
+          <a:p>
+            <a:pPr algn="ctr"/>
+            <a:endParaRPr b="0" lang="en-US" sz="4400" spc="-1" strike="noStrike">
+              <a:solidFill>
+                <a:srgbClr val="000000"/>
+              </a:solidFill>
+              <a:uFill>
+                <a:solidFill>
+                  <a:srgbClr val="ffffff"/>
+                </a:solidFill>
+              </a:uFill>
+              <a:latin typeface="Arial"/>
+            </a:endParaRPr>
+          </a:p>
+        </p:txBody>
+      </p:sp>
+      <p:sp>
+        <p:nvSpPr>
+          <p:cNvPr id="120" name="PlaceHolder 2"/>
+          <p:cNvSpPr>
+            <a:spLocks noGrp="1"/>
+          </p:cNvSpPr>
+          <p:nvPr>
+            <p:ph type="body"/>
+          </p:nvPr>
+        </p:nvSpPr>
+        <p:spPr>
+          <a:xfrm>
+            <a:off x="609480" y="1604520"/>
+            <a:ext cx="5354280" cy="1896840"/>
+          </a:xfrm>
+          <a:prstGeom prst="rect">
+            <a:avLst/>
+          </a:prstGeom>
+        </p:spPr>
+        <p:txBody>
+          <a:bodyPr lIns="0" rIns="0" tIns="0" bIns="0"/>
+          <a:p>
+            <a:endParaRPr b="0" lang="en-US" sz="3200" spc="-1" strike="noStrike">
+              <a:solidFill>
+                <a:srgbClr val="000000"/>
+              </a:solidFill>
+              <a:uFill>
+                <a:solidFill>
+                  <a:srgbClr val="ffffff"/>
+                </a:solidFill>
+              </a:uFill>
+              <a:latin typeface="Arial"/>
+            </a:endParaRPr>
+          </a:p>
+        </p:txBody>
+      </p:sp>
+      <p:sp>
+        <p:nvSpPr>
+          <p:cNvPr id="121" name="PlaceHolder 3"/>
+          <p:cNvSpPr>
+            <a:spLocks noGrp="1"/>
+          </p:cNvSpPr>
+          <p:nvPr>
+            <p:ph type="body"/>
+          </p:nvPr>
+        </p:nvSpPr>
+        <p:spPr>
+          <a:xfrm>
+            <a:off x="609480" y="3682080"/>
+            <a:ext cx="5354280" cy="1896840"/>
+          </a:xfrm>
+          <a:prstGeom prst="rect">
+            <a:avLst/>
+          </a:prstGeom>
+        </p:spPr>
+        <p:txBody>
+          <a:bodyPr lIns="0" rIns="0" tIns="0" bIns="0"/>
+          <a:p>
+            <a:endParaRPr b="0" lang="en-US" sz="3200" spc="-1" strike="noStrike">
+              <a:solidFill>
+                <a:srgbClr val="000000"/>
+              </a:solidFill>
+              <a:uFill>
+                <a:solidFill>
+                  <a:srgbClr val="ffffff"/>
+                </a:solidFill>
+              </a:uFill>
+              <a:latin typeface="Arial"/>
+            </a:endParaRPr>
+          </a:p>
+        </p:txBody>
+      </p:sp>
+      <p:sp>
+        <p:nvSpPr>
+          <p:cNvPr id="122" name="PlaceHolder 4"/>
+          <p:cNvSpPr>
+            <a:spLocks noGrp="1"/>
+          </p:cNvSpPr>
+          <p:nvPr>
+            <p:ph type="body"/>
+          </p:nvPr>
+        </p:nvSpPr>
+        <p:spPr>
+          <a:xfrm>
+            <a:off x="6231960" y="1604520"/>
+            <a:ext cx="5354280" cy="3977280"/>
+          </a:xfrm>
+          <a:prstGeom prst="rect">
+            <a:avLst/>
+          </a:prstGeom>
+        </p:spPr>
+        <p:txBody>
+          <a:bodyPr lIns="0" rIns="0" tIns="0" bIns="0"/>
+          <a:p>
+            <a:endParaRPr b="0" lang="en-US" sz="3200" spc="-1" strike="noStrike">
+              <a:solidFill>
+                <a:srgbClr val="000000"/>
+              </a:solidFill>
+              <a:uFill>
+                <a:solidFill>
+                  <a:srgbClr val="ffffff"/>
+                </a:solidFill>
+              </a:uFill>
+              <a:latin typeface="Arial"/>
+            </a:endParaRPr>
+          </a:p>
+        </p:txBody>
+      </p:sp>
+    </p:spTree>
+  </p:cSld>
+</p:sldLayout>
+</file>
+
+<file path=ppt/slideLayouts/slideLayout44.xml><?xml version="1.0" encoding="utf-8"?>
+<p:sldLayout xmlns:a="http://schemas.openxmlformats.org/drawingml/2006/main" xmlns:p="http://schemas.openxmlformats.org/presentationml/2006/main" xmlns:r="http://schemas.openxmlformats.org/officeDocument/2006/relationships" xmlns:p14="http://schemas.microsoft.com/office/powerpoint/2010/main" xmlns:p15="http://schemas.microsoft.com/office/powerpoint/2012/main" xmlns:mc="http://schemas.openxmlformats.org/markup-compatibility/2006" type="objAndTwoObj" preserve="1">
+  <p:cSld name="Title Content and 2 Content">
+    <p:spTree>
+      <p:nvGrpSpPr>
+        <p:cNvPr id="1" name=""/>
+        <p:cNvGrpSpPr/>
+        <p:nvPr/>
+      </p:nvGrpSpPr>
+      <p:grpSpPr>
+        <a:xfrm>
+          <a:off x="0" y="0"/>
+          <a:ext cx="0" cy="0"/>
+          <a:chOff x="0" y="0"/>
+          <a:chExt cx="0" cy="0"/>
+        </a:xfrm>
+      </p:grpSpPr>
+      <p:sp>
+        <p:nvSpPr>
+          <p:cNvPr id="123" name="PlaceHolder 1"/>
+          <p:cNvSpPr>
+            <a:spLocks noGrp="1"/>
+          </p:cNvSpPr>
+          <p:nvPr>
+            <p:ph type="title"/>
+          </p:nvPr>
+        </p:nvSpPr>
+        <p:spPr>
+          <a:xfrm>
+            <a:off x="609480" y="273600"/>
+            <a:ext cx="10972080" cy="1144440"/>
+          </a:xfrm>
+          <a:prstGeom prst="rect">
+            <a:avLst/>
+          </a:prstGeom>
+        </p:spPr>
+        <p:txBody>
+          <a:bodyPr lIns="0" rIns="0" tIns="0" bIns="0" anchor="ctr"/>
+          <a:p>
+            <a:pPr algn="ctr"/>
+            <a:endParaRPr b="0" lang="en-US" sz="4400" spc="-1" strike="noStrike">
+              <a:solidFill>
+                <a:srgbClr val="000000"/>
+              </a:solidFill>
+              <a:uFill>
+                <a:solidFill>
+                  <a:srgbClr val="ffffff"/>
+                </a:solidFill>
+              </a:uFill>
+              <a:latin typeface="Arial"/>
+            </a:endParaRPr>
+          </a:p>
+        </p:txBody>
+      </p:sp>
+      <p:sp>
+        <p:nvSpPr>
+          <p:cNvPr id="124" name="PlaceHolder 2"/>
+          <p:cNvSpPr>
+            <a:spLocks noGrp="1"/>
+          </p:cNvSpPr>
+          <p:nvPr>
+            <p:ph type="body"/>
+          </p:nvPr>
+        </p:nvSpPr>
+        <p:spPr>
+          <a:xfrm>
+            <a:off x="609480" y="1604520"/>
+            <a:ext cx="5354280" cy="3977280"/>
+          </a:xfrm>
+          <a:prstGeom prst="rect">
+            <a:avLst/>
+          </a:prstGeom>
+        </p:spPr>
+        <p:txBody>
+          <a:bodyPr lIns="0" rIns="0" tIns="0" bIns="0"/>
+          <a:p>
+            <a:endParaRPr b="0" lang="en-US" sz="3200" spc="-1" strike="noStrike">
+              <a:solidFill>
+                <a:srgbClr val="000000"/>
+              </a:solidFill>
+              <a:uFill>
+                <a:solidFill>
+                  <a:srgbClr val="ffffff"/>
+                </a:solidFill>
+              </a:uFill>
+              <a:latin typeface="Arial"/>
+            </a:endParaRPr>
+          </a:p>
+        </p:txBody>
+      </p:sp>
+      <p:sp>
+        <p:nvSpPr>
+          <p:cNvPr id="125" name="PlaceHolder 3"/>
+          <p:cNvSpPr>
+            <a:spLocks noGrp="1"/>
+          </p:cNvSpPr>
+          <p:nvPr>
+            <p:ph type="body"/>
+          </p:nvPr>
+        </p:nvSpPr>
+        <p:spPr>
+          <a:xfrm>
+            <a:off x="6231960" y="1604520"/>
+            <a:ext cx="5354280" cy="1896840"/>
+          </a:xfrm>
+          <a:prstGeom prst="rect">
+            <a:avLst/>
+          </a:prstGeom>
+        </p:spPr>
+        <p:txBody>
+          <a:bodyPr lIns="0" rIns="0" tIns="0" bIns="0"/>
+          <a:p>
+            <a:endParaRPr b="0" lang="en-US" sz="3200" spc="-1" strike="noStrike">
+              <a:solidFill>
+                <a:srgbClr val="000000"/>
+              </a:solidFill>
+              <a:uFill>
+                <a:solidFill>
+                  <a:srgbClr val="ffffff"/>
+                </a:solidFill>
+              </a:uFill>
+              <a:latin typeface="Arial"/>
+            </a:endParaRPr>
+          </a:p>
+        </p:txBody>
+      </p:sp>
+      <p:sp>
+        <p:nvSpPr>
+          <p:cNvPr id="126" name="PlaceHolder 4"/>
+          <p:cNvSpPr>
+            <a:spLocks noGrp="1"/>
+          </p:cNvSpPr>
+          <p:nvPr>
+            <p:ph type="body"/>
+          </p:nvPr>
+        </p:nvSpPr>
+        <p:spPr>
+          <a:xfrm>
+            <a:off x="6231960" y="3682080"/>
+            <a:ext cx="5354280" cy="1896840"/>
+          </a:xfrm>
+          <a:prstGeom prst="rect">
+            <a:avLst/>
+          </a:prstGeom>
+        </p:spPr>
+        <p:txBody>
+          <a:bodyPr lIns="0" rIns="0" tIns="0" bIns="0"/>
+          <a:p>
+            <a:endParaRPr b="0" lang="en-US" sz="3200" spc="-1" strike="noStrike">
+              <a:solidFill>
+                <a:srgbClr val="000000"/>
+              </a:solidFill>
+              <a:uFill>
+                <a:solidFill>
+                  <a:srgbClr val="ffffff"/>
+                </a:solidFill>
+              </a:uFill>
+              <a:latin typeface="Arial"/>
+            </a:endParaRPr>
+          </a:p>
+        </p:txBody>
+      </p:sp>
+    </p:spTree>
+  </p:cSld>
+</p:sldLayout>
+</file>
+
+<file path=ppt/slideLayouts/slideLayout45.xml><?xml version="1.0" encoding="utf-8"?>
+<p:sldLayout xmlns:a="http://schemas.openxmlformats.org/drawingml/2006/main" xmlns:p="http://schemas.openxmlformats.org/presentationml/2006/main" xmlns:r="http://schemas.openxmlformats.org/officeDocument/2006/relationships" xmlns:p14="http://schemas.microsoft.com/office/powerpoint/2010/main" xmlns:p15="http://schemas.microsoft.com/office/powerpoint/2012/main" xmlns:mc="http://schemas.openxmlformats.org/markup-compatibility/2006" type="twoObjOverTx" preserve="1">
+  <p:cSld name="Title, 2 Content over Content">
+    <p:spTree>
+      <p:nvGrpSpPr>
+        <p:cNvPr id="1" name=""/>
+        <p:cNvGrpSpPr/>
+        <p:nvPr/>
+      </p:nvGrpSpPr>
+      <p:grpSpPr>
+        <a:xfrm>
+          <a:off x="0" y="0"/>
+          <a:ext cx="0" cy="0"/>
+          <a:chOff x="0" y="0"/>
+          <a:chExt cx="0" cy="0"/>
+        </a:xfrm>
+      </p:grpSpPr>
+      <p:sp>
+        <p:nvSpPr>
+          <p:cNvPr id="127" name="PlaceHolder 1"/>
+          <p:cNvSpPr>
+            <a:spLocks noGrp="1"/>
+          </p:cNvSpPr>
+          <p:nvPr>
+            <p:ph type="title"/>
+          </p:nvPr>
+        </p:nvSpPr>
+        <p:spPr>
+          <a:xfrm>
+            <a:off x="609480" y="273600"/>
+            <a:ext cx="10972080" cy="1144440"/>
+          </a:xfrm>
+          <a:prstGeom prst="rect">
+            <a:avLst/>
+          </a:prstGeom>
+        </p:spPr>
+        <p:txBody>
+          <a:bodyPr lIns="0" rIns="0" tIns="0" bIns="0" anchor="ctr"/>
+          <a:p>
+            <a:pPr algn="ctr"/>
+            <a:endParaRPr b="0" lang="en-US" sz="4400" spc="-1" strike="noStrike">
+              <a:solidFill>
+                <a:srgbClr val="000000"/>
+              </a:solidFill>
+              <a:uFill>
+                <a:solidFill>
+                  <a:srgbClr val="ffffff"/>
+                </a:solidFill>
+              </a:uFill>
+              <a:latin typeface="Arial"/>
+            </a:endParaRPr>
+          </a:p>
+        </p:txBody>
+      </p:sp>
+      <p:sp>
+        <p:nvSpPr>
+          <p:cNvPr id="128" name="PlaceHolder 2"/>
+          <p:cNvSpPr>
+            <a:spLocks noGrp="1"/>
+          </p:cNvSpPr>
+          <p:nvPr>
+            <p:ph type="body"/>
+          </p:nvPr>
+        </p:nvSpPr>
+        <p:spPr>
+          <a:xfrm>
+            <a:off x="609480" y="1604520"/>
+            <a:ext cx="5354280" cy="1896840"/>
+          </a:xfrm>
+          <a:prstGeom prst="rect">
+            <a:avLst/>
+          </a:prstGeom>
+        </p:spPr>
+        <p:txBody>
+          <a:bodyPr lIns="0" rIns="0" tIns="0" bIns="0"/>
+          <a:p>
+            <a:endParaRPr b="0" lang="en-US" sz="3200" spc="-1" strike="noStrike">
+              <a:solidFill>
+                <a:srgbClr val="000000"/>
+              </a:solidFill>
+              <a:uFill>
+                <a:solidFill>
+                  <a:srgbClr val="ffffff"/>
+                </a:solidFill>
+              </a:uFill>
+              <a:latin typeface="Arial"/>
+            </a:endParaRPr>
+          </a:p>
+        </p:txBody>
+      </p:sp>
+      <p:sp>
+        <p:nvSpPr>
+          <p:cNvPr id="129" name="PlaceHolder 3"/>
+          <p:cNvSpPr>
+            <a:spLocks noGrp="1"/>
+          </p:cNvSpPr>
+          <p:nvPr>
+            <p:ph type="body"/>
+          </p:nvPr>
+        </p:nvSpPr>
+        <p:spPr>
+          <a:xfrm>
+            <a:off x="6231960" y="1604520"/>
+            <a:ext cx="5354280" cy="1896840"/>
+          </a:xfrm>
+          <a:prstGeom prst="rect">
+            <a:avLst/>
+          </a:prstGeom>
+        </p:spPr>
+        <p:txBody>
+          <a:bodyPr lIns="0" rIns="0" tIns="0" bIns="0"/>
+          <a:p>
+            <a:endParaRPr b="0" lang="en-US" sz="3200" spc="-1" strike="noStrike">
+              <a:solidFill>
+                <a:srgbClr val="000000"/>
+              </a:solidFill>
+              <a:uFill>
+                <a:solidFill>
+                  <a:srgbClr val="ffffff"/>
+                </a:solidFill>
+              </a:uFill>
+              <a:latin typeface="Arial"/>
+            </a:endParaRPr>
+          </a:p>
+        </p:txBody>
+      </p:sp>
+      <p:sp>
+        <p:nvSpPr>
+          <p:cNvPr id="130" name="PlaceHolder 4"/>
+          <p:cNvSpPr>
+            <a:spLocks noGrp="1"/>
+          </p:cNvSpPr>
+          <p:nvPr>
+            <p:ph type="body"/>
+          </p:nvPr>
+        </p:nvSpPr>
+        <p:spPr>
+          <a:xfrm>
+            <a:off x="609480" y="3682080"/>
+            <a:ext cx="10972440" cy="1896840"/>
+          </a:xfrm>
+          <a:prstGeom prst="rect">
+            <a:avLst/>
+          </a:prstGeom>
+        </p:spPr>
+        <p:txBody>
+          <a:bodyPr lIns="0" rIns="0" tIns="0" bIns="0"/>
+          <a:p>
+            <a:endParaRPr b="0" lang="en-US" sz="3200" spc="-1" strike="noStrike">
+              <a:solidFill>
+                <a:srgbClr val="000000"/>
+              </a:solidFill>
+              <a:uFill>
+                <a:solidFill>
+                  <a:srgbClr val="ffffff"/>
+                </a:solidFill>
+              </a:uFill>
+              <a:latin typeface="Arial"/>
+            </a:endParaRPr>
+          </a:p>
+        </p:txBody>
+      </p:sp>
+    </p:spTree>
+  </p:cSld>
+</p:sldLayout>
+</file>
+
+<file path=ppt/slideLayouts/slideLayout46.xml><?xml version="1.0" encoding="utf-8"?>
+<p:sldLayout xmlns:a="http://schemas.openxmlformats.org/drawingml/2006/main" xmlns:p="http://schemas.openxmlformats.org/presentationml/2006/main" xmlns:r="http://schemas.openxmlformats.org/officeDocument/2006/relationships" xmlns:p14="http://schemas.microsoft.com/office/powerpoint/2010/main" xmlns:p15="http://schemas.microsoft.com/office/powerpoint/2012/main" xmlns:mc="http://schemas.openxmlformats.org/markup-compatibility/2006" type="objOverTx" preserve="1">
+  <p:cSld name="Title, Content over Content">
+    <p:spTree>
+      <p:nvGrpSpPr>
+        <p:cNvPr id="1" name=""/>
+        <p:cNvGrpSpPr/>
+        <p:nvPr/>
+      </p:nvGrpSpPr>
+      <p:grpSpPr>
+        <a:xfrm>
+          <a:off x="0" y="0"/>
+          <a:ext cx="0" cy="0"/>
+          <a:chOff x="0" y="0"/>
+          <a:chExt cx="0" cy="0"/>
+        </a:xfrm>
+      </p:grpSpPr>
+      <p:sp>
+        <p:nvSpPr>
+          <p:cNvPr id="131" name="PlaceHolder 1"/>
+          <p:cNvSpPr>
+            <a:spLocks noGrp="1"/>
+          </p:cNvSpPr>
+          <p:nvPr>
+            <p:ph type="title"/>
+          </p:nvPr>
+        </p:nvSpPr>
+        <p:spPr>
+          <a:xfrm>
+            <a:off x="609480" y="273600"/>
+            <a:ext cx="10972080" cy="1144440"/>
+          </a:xfrm>
+          <a:prstGeom prst="rect">
+            <a:avLst/>
+          </a:prstGeom>
+        </p:spPr>
+        <p:txBody>
+          <a:bodyPr lIns="0" rIns="0" tIns="0" bIns="0" anchor="ctr"/>
+          <a:p>
+            <a:pPr algn="ctr"/>
+            <a:endParaRPr b="0" lang="en-US" sz="4400" spc="-1" strike="noStrike">
+              <a:solidFill>
+                <a:srgbClr val="000000"/>
+              </a:solidFill>
+              <a:uFill>
+                <a:solidFill>
+                  <a:srgbClr val="ffffff"/>
+                </a:solidFill>
+              </a:uFill>
+              <a:latin typeface="Arial"/>
+            </a:endParaRPr>
+          </a:p>
+        </p:txBody>
+      </p:sp>
+      <p:sp>
+        <p:nvSpPr>
+          <p:cNvPr id="132" name="PlaceHolder 2"/>
+          <p:cNvSpPr>
+            <a:spLocks noGrp="1"/>
+          </p:cNvSpPr>
+          <p:nvPr>
+            <p:ph type="body"/>
+          </p:nvPr>
+        </p:nvSpPr>
+        <p:spPr>
+          <a:xfrm>
+            <a:off x="609480" y="1604520"/>
+            <a:ext cx="10972440" cy="1896840"/>
+          </a:xfrm>
+          <a:prstGeom prst="rect">
+            <a:avLst/>
+          </a:prstGeom>
+        </p:spPr>
+        <p:txBody>
+          <a:bodyPr lIns="0" rIns="0" tIns="0" bIns="0"/>
+          <a:p>
+            <a:endParaRPr b="0" lang="en-US" sz="3200" spc="-1" strike="noStrike">
+              <a:solidFill>
+                <a:srgbClr val="000000"/>
+              </a:solidFill>
+              <a:uFill>
+                <a:solidFill>
+                  <a:srgbClr val="ffffff"/>
+                </a:solidFill>
+              </a:uFill>
+              <a:latin typeface="Arial"/>
+            </a:endParaRPr>
+          </a:p>
+        </p:txBody>
+      </p:sp>
+      <p:sp>
+        <p:nvSpPr>
+          <p:cNvPr id="133" name="PlaceHolder 3"/>
+          <p:cNvSpPr>
+            <a:spLocks noGrp="1"/>
+          </p:cNvSpPr>
+          <p:nvPr>
+            <p:ph type="body"/>
+          </p:nvPr>
+        </p:nvSpPr>
+        <p:spPr>
+          <a:xfrm>
+            <a:off x="609480" y="3682080"/>
+            <a:ext cx="10972440" cy="1896840"/>
+          </a:xfrm>
+          <a:prstGeom prst="rect">
+            <a:avLst/>
+          </a:prstGeom>
+        </p:spPr>
+        <p:txBody>
+          <a:bodyPr lIns="0" rIns="0" tIns="0" bIns="0"/>
+          <a:p>
+            <a:endParaRPr b="0" lang="en-US" sz="3200" spc="-1" strike="noStrike">
+              <a:solidFill>
+                <a:srgbClr val="000000"/>
+              </a:solidFill>
+              <a:uFill>
+                <a:solidFill>
+                  <a:srgbClr val="ffffff"/>
+                </a:solidFill>
+              </a:uFill>
+              <a:latin typeface="Arial"/>
+            </a:endParaRPr>
+          </a:p>
+        </p:txBody>
+      </p:sp>
+    </p:spTree>
+  </p:cSld>
+</p:sldLayout>
+</file>
+
+<file path=ppt/slideLayouts/slideLayout47.xml><?xml version="1.0" encoding="utf-8"?>
+<p:sldLayout xmlns:a="http://schemas.openxmlformats.org/drawingml/2006/main" xmlns:p="http://schemas.openxmlformats.org/presentationml/2006/main" xmlns:r="http://schemas.openxmlformats.org/officeDocument/2006/relationships" xmlns:p14="http://schemas.microsoft.com/office/powerpoint/2010/main" xmlns:p15="http://schemas.microsoft.com/office/powerpoint/2012/main" xmlns:mc="http://schemas.openxmlformats.org/markup-compatibility/2006" type="fourObj" preserve="1">
+  <p:cSld name="Title, 4 Content">
+    <p:spTree>
+      <p:nvGrpSpPr>
+        <p:cNvPr id="1" name=""/>
+        <p:cNvGrpSpPr/>
+        <p:nvPr/>
+      </p:nvGrpSpPr>
+      <p:grpSpPr>
+        <a:xfrm>
+          <a:off x="0" y="0"/>
+          <a:ext cx="0" cy="0"/>
+          <a:chOff x="0" y="0"/>
+          <a:chExt cx="0" cy="0"/>
+        </a:xfrm>
+      </p:grpSpPr>
+      <p:sp>
+        <p:nvSpPr>
+          <p:cNvPr id="134" name="PlaceHolder 1"/>
+          <p:cNvSpPr>
+            <a:spLocks noGrp="1"/>
+          </p:cNvSpPr>
+          <p:nvPr>
+            <p:ph type="title"/>
+          </p:nvPr>
+        </p:nvSpPr>
+        <p:spPr>
+          <a:xfrm>
+            <a:off x="609480" y="273600"/>
+            <a:ext cx="10972080" cy="1144440"/>
+          </a:xfrm>
+          <a:prstGeom prst="rect">
+            <a:avLst/>
+          </a:prstGeom>
+        </p:spPr>
+        <p:txBody>
+          <a:bodyPr lIns="0" rIns="0" tIns="0" bIns="0" anchor="ctr"/>
+          <a:p>
+            <a:pPr algn="ctr"/>
+            <a:endParaRPr b="0" lang="en-US" sz="4400" spc="-1" strike="noStrike">
+              <a:solidFill>
+                <a:srgbClr val="000000"/>
+              </a:solidFill>
+              <a:uFill>
+                <a:solidFill>
+                  <a:srgbClr val="ffffff"/>
+                </a:solidFill>
+              </a:uFill>
+              <a:latin typeface="Arial"/>
+            </a:endParaRPr>
+          </a:p>
+        </p:txBody>
+      </p:sp>
+      <p:sp>
+        <p:nvSpPr>
+          <p:cNvPr id="135" name="PlaceHolder 2"/>
+          <p:cNvSpPr>
+            <a:spLocks noGrp="1"/>
+          </p:cNvSpPr>
+          <p:nvPr>
+            <p:ph type="body"/>
+          </p:nvPr>
+        </p:nvSpPr>
+        <p:spPr>
+          <a:xfrm>
+            <a:off x="609480" y="1604520"/>
+            <a:ext cx="5354280" cy="1896840"/>
+          </a:xfrm>
+          <a:prstGeom prst="rect">
+            <a:avLst/>
+          </a:prstGeom>
+        </p:spPr>
+        <p:txBody>
+          <a:bodyPr lIns="0" rIns="0" tIns="0" bIns="0"/>
+          <a:p>
+            <a:endParaRPr b="0" lang="en-US" sz="3200" spc="-1" strike="noStrike">
+              <a:solidFill>
+                <a:srgbClr val="000000"/>
+              </a:solidFill>
+              <a:uFill>
+                <a:solidFill>
+                  <a:srgbClr val="ffffff"/>
+                </a:solidFill>
+              </a:uFill>
+              <a:latin typeface="Arial"/>
+            </a:endParaRPr>
+          </a:p>
+        </p:txBody>
+      </p:sp>
+      <p:sp>
+        <p:nvSpPr>
+          <p:cNvPr id="136" name="PlaceHolder 3"/>
+          <p:cNvSpPr>
+            <a:spLocks noGrp="1"/>
+          </p:cNvSpPr>
+          <p:nvPr>
+            <p:ph type="body"/>
+          </p:nvPr>
+        </p:nvSpPr>
+        <p:spPr>
+          <a:xfrm>
+            <a:off x="6231960" y="1604520"/>
+            <a:ext cx="5354280" cy="1896840"/>
+          </a:xfrm>
+          <a:prstGeom prst="rect">
+            <a:avLst/>
+          </a:prstGeom>
+        </p:spPr>
+        <p:txBody>
+          <a:bodyPr lIns="0" rIns="0" tIns="0" bIns="0"/>
+          <a:p>
+            <a:endParaRPr b="0" lang="en-US" sz="3200" spc="-1" strike="noStrike">
+              <a:solidFill>
+                <a:srgbClr val="000000"/>
+              </a:solidFill>
+              <a:uFill>
+                <a:solidFill>
+                  <a:srgbClr val="ffffff"/>
+                </a:solidFill>
+              </a:uFill>
+              <a:latin typeface="Arial"/>
+            </a:endParaRPr>
+          </a:p>
+        </p:txBody>
+      </p:sp>
+      <p:sp>
+        <p:nvSpPr>
+          <p:cNvPr id="137" name="PlaceHolder 4"/>
+          <p:cNvSpPr>
+            <a:spLocks noGrp="1"/>
+          </p:cNvSpPr>
+          <p:nvPr>
+            <p:ph type="body"/>
+          </p:nvPr>
+        </p:nvSpPr>
+        <p:spPr>
+          <a:xfrm>
+            <a:off x="6231960" y="3682080"/>
+            <a:ext cx="5354280" cy="1896840"/>
+          </a:xfrm>
+          <a:prstGeom prst="rect">
+            <a:avLst/>
+          </a:prstGeom>
+        </p:spPr>
+        <p:txBody>
+          <a:bodyPr lIns="0" rIns="0" tIns="0" bIns="0"/>
+          <a:p>
+            <a:endParaRPr b="0" lang="en-US" sz="3200" spc="-1" strike="noStrike">
+              <a:solidFill>
+                <a:srgbClr val="000000"/>
+              </a:solidFill>
+              <a:uFill>
+                <a:solidFill>
+                  <a:srgbClr val="ffffff"/>
+                </a:solidFill>
+              </a:uFill>
+              <a:latin typeface="Arial"/>
+            </a:endParaRPr>
+          </a:p>
+        </p:txBody>
+      </p:sp>
+      <p:sp>
+        <p:nvSpPr>
+          <p:cNvPr id="138" name="PlaceHolder 5"/>
+          <p:cNvSpPr>
+            <a:spLocks noGrp="1"/>
+          </p:cNvSpPr>
+          <p:nvPr>
+            <p:ph type="body"/>
+          </p:nvPr>
+        </p:nvSpPr>
+        <p:spPr>
+          <a:xfrm>
+            <a:off x="609480" y="3682080"/>
+            <a:ext cx="5354280" cy="1896840"/>
+          </a:xfrm>
+          <a:prstGeom prst="rect">
+            <a:avLst/>
+          </a:prstGeom>
+        </p:spPr>
+        <p:txBody>
+          <a:bodyPr lIns="0" rIns="0" tIns="0" bIns="0"/>
+          <a:p>
+            <a:endParaRPr b="0" lang="en-US" sz="3200" spc="-1" strike="noStrike">
+              <a:solidFill>
+                <a:srgbClr val="000000"/>
+              </a:solidFill>
+              <a:uFill>
+                <a:solidFill>
+                  <a:srgbClr val="ffffff"/>
+                </a:solidFill>
+              </a:uFill>
+              <a:latin typeface="Arial"/>
+            </a:endParaRPr>
+          </a:p>
+        </p:txBody>
+      </p:sp>
+    </p:spTree>
+  </p:cSld>
+</p:sldLayout>
+</file>
+
+<file path=ppt/slideLayouts/slideLayout48.xml><?xml version="1.0" encoding="utf-8"?>
+<p:sldLayout xmlns:a="http://schemas.openxmlformats.org/drawingml/2006/main" xmlns:p="http://schemas.openxmlformats.org/presentationml/2006/main" xmlns:r="http://schemas.openxmlformats.org/officeDocument/2006/relationships" xmlns:p14="http://schemas.microsoft.com/office/powerpoint/2010/main" xmlns:p15="http://schemas.microsoft.com/office/powerpoint/2012/main" xmlns:mc="http://schemas.openxmlformats.org/markup-compatibility/2006" type="blank" preserve="1">
+  <p:cSld name="Title, 6 Content">
+    <p:spTree>
+      <p:nvGrpSpPr>
+        <p:cNvPr id="1" name=""/>
+        <p:cNvGrpSpPr/>
+        <p:nvPr/>
+      </p:nvGrpSpPr>
+      <p:grpSpPr>
+        <a:xfrm>
+          <a:off x="0" y="0"/>
+          <a:ext cx="0" cy="0"/>
+          <a:chOff x="0" y="0"/>
+          <a:chExt cx="0" cy="0"/>
+        </a:xfrm>
+      </p:grpSpPr>
+      <p:sp>
+        <p:nvSpPr>
+          <p:cNvPr id="139" name="PlaceHolder 1"/>
+          <p:cNvSpPr>
+            <a:spLocks noGrp="1"/>
+          </p:cNvSpPr>
+          <p:nvPr>
+            <p:ph type="title"/>
+          </p:nvPr>
+        </p:nvSpPr>
+        <p:spPr>
+          <a:xfrm>
+            <a:off x="609480" y="273600"/>
+            <a:ext cx="10972080" cy="1144440"/>
+          </a:xfrm>
+          <a:prstGeom prst="rect">
+            <a:avLst/>
+          </a:prstGeom>
+        </p:spPr>
+        <p:txBody>
+          <a:bodyPr lIns="0" rIns="0" tIns="0" bIns="0" anchor="ctr"/>
+          <a:p>
+            <a:pPr algn="ctr"/>
+            <a:endParaRPr b="0" lang="en-US" sz="4400" spc="-1" strike="noStrike">
+              <a:solidFill>
+                <a:srgbClr val="000000"/>
+              </a:solidFill>
+              <a:uFill>
+                <a:solidFill>
+                  <a:srgbClr val="ffffff"/>
+                </a:solidFill>
+              </a:uFill>
+              <a:latin typeface="Arial"/>
+            </a:endParaRPr>
+          </a:p>
+        </p:txBody>
+      </p:sp>
+      <p:sp>
+        <p:nvSpPr>
+          <p:cNvPr id="140" name="PlaceHolder 2"/>
+          <p:cNvSpPr>
+            <a:spLocks noGrp="1"/>
+          </p:cNvSpPr>
+          <p:nvPr>
+            <p:ph type="body"/>
+          </p:nvPr>
+        </p:nvSpPr>
+        <p:spPr>
+          <a:xfrm>
+            <a:off x="609480" y="1604520"/>
+            <a:ext cx="10972440" cy="3977280"/>
+          </a:xfrm>
+          <a:prstGeom prst="rect">
+            <a:avLst/>
+          </a:prstGeom>
+        </p:spPr>
+        <p:txBody>
+          <a:bodyPr lIns="0" rIns="0" tIns="0" bIns="0"/>
+          <a:p>
+            <a:endParaRPr b="0" lang="en-US" sz="3200" spc="-1" strike="noStrike">
+              <a:solidFill>
+                <a:srgbClr val="000000"/>
+              </a:solidFill>
+              <a:uFill>
+                <a:solidFill>
+                  <a:srgbClr val="ffffff"/>
+                </a:solidFill>
+              </a:uFill>
+              <a:latin typeface="Arial"/>
+            </a:endParaRPr>
+          </a:p>
+        </p:txBody>
+      </p:sp>
+      <p:sp>
+        <p:nvSpPr>
+          <p:cNvPr id="141" name="PlaceHolder 3"/>
+          <p:cNvSpPr>
+            <a:spLocks noGrp="1"/>
+          </p:cNvSpPr>
+          <p:nvPr>
+            <p:ph type="body"/>
+          </p:nvPr>
+        </p:nvSpPr>
+        <p:spPr>
+          <a:xfrm>
+            <a:off x="609480" y="1604520"/>
+            <a:ext cx="10972440" cy="3977280"/>
+          </a:xfrm>
+          <a:prstGeom prst="rect">
+            <a:avLst/>
+          </a:prstGeom>
+        </p:spPr>
+        <p:txBody>
+          <a:bodyPr lIns="0" rIns="0" tIns="0" bIns="0"/>
+          <a:p>
+            <a:endParaRPr b="0" lang="en-US" sz="3200" spc="-1" strike="noStrike">
+              <a:solidFill>
+                <a:srgbClr val="000000"/>
+              </a:solidFill>
+              <a:uFill>
+                <a:solidFill>
+                  <a:srgbClr val="ffffff"/>
+                </a:solidFill>
+              </a:uFill>
+              <a:latin typeface="Arial"/>
+            </a:endParaRPr>
+          </a:p>
+        </p:txBody>
+      </p:sp>
+      <p:pic>
+        <p:nvPicPr>
+          <p:cNvPr id="142" name="" descr=""/>
+          <p:cNvPicPr/>
+          <p:nvPr/>
+        </p:nvPicPr>
+        <p:blipFill>
+          <a:blip r:embed="rId2"/>
+          <a:stretch/>
+        </p:blipFill>
+        <p:spPr>
+          <a:xfrm>
+            <a:off x="3602880" y="1604520"/>
+            <a:ext cx="4984920" cy="3977280"/>
+          </a:xfrm>
+          <a:prstGeom prst="rect">
+            <a:avLst/>
+          </a:prstGeom>
+          <a:ln>
+            <a:noFill/>
+          </a:ln>
+        </p:spPr>
+      </p:pic>
+      <p:pic>
+        <p:nvPicPr>
+          <p:cNvPr id="143" name="" descr=""/>
+          <p:cNvPicPr/>
+          <p:nvPr/>
+        </p:nvPicPr>
+        <p:blipFill>
+          <a:blip r:embed="rId3"/>
+          <a:stretch/>
+        </p:blipFill>
+        <p:spPr>
+          <a:xfrm>
+            <a:off x="3602880" y="1604520"/>
+            <a:ext cx="4984920" cy="3977280"/>
+          </a:xfrm>
+          <a:prstGeom prst="rect">
+            <a:avLst/>
+          </a:prstGeom>
+          <a:ln>
+            <a:noFill/>
+          </a:ln>
+        </p:spPr>
+      </p:pic>
+    </p:spTree>
+  </p:cSld>
+</p:sldLayout>
+</file>
+
+<file path=ppt/slideLayouts/slideLayout49.xml><?xml version="1.0" encoding="utf-8"?>
+<p:sldLayout xmlns:a="http://schemas.openxmlformats.org/drawingml/2006/main" xmlns:p="http://schemas.openxmlformats.org/presentationml/2006/main" xmlns:r="http://schemas.openxmlformats.org/officeDocument/2006/relationships" xmlns:p14="http://schemas.microsoft.com/office/powerpoint/2010/main" xmlns:p15="http://schemas.microsoft.com/office/powerpoint/2012/main" xmlns:mc="http://schemas.openxmlformats.org/markup-compatibility/2006" type="blank" preserve="1">
+  <p:cSld name="Blank Slide">
+    <p:spTree>
+      <p:nvGrpSpPr>
+        <p:cNvPr id="1" name=""/>
+        <p:cNvGrpSpPr/>
+        <p:nvPr/>
+      </p:nvGrpSpPr>
+      <p:grpSpPr>
+        <a:xfrm>
+          <a:off x="0" y="0"/>
+          <a:ext cx="0" cy="0"/>
+          <a:chOff x="0" y="0"/>
+          <a:chExt cx="0" cy="0"/>
+        </a:xfrm>
+      </p:grpSpPr>
     </p:spTree>
   </p:cSld>
 </p:sldLayout>
@@ -2380,7 +5356,7 @@
         <p:spPr>
           <a:xfrm>
             <a:off x="609480" y="273600"/>
-            <a:ext cx="10972440" cy="1144800"/>
+            <a:ext cx="10972080" cy="1144440"/>
           </a:xfrm>
           <a:prstGeom prst="rect">
             <a:avLst/>
@@ -2391,6 +5367,1281 @@
           <a:p>
             <a:pPr algn="ctr"/>
             <a:endParaRPr b="0" lang="en-US" sz="4400" spc="-1" strike="noStrike">
+              <a:solidFill>
+                <a:srgbClr val="000000"/>
+              </a:solidFill>
+              <a:uFill>
+                <a:solidFill>
+                  <a:srgbClr val="ffffff"/>
+                </a:solidFill>
+              </a:uFill>
+              <a:latin typeface="Arial"/>
+            </a:endParaRPr>
+          </a:p>
+        </p:txBody>
+      </p:sp>
+    </p:spTree>
+  </p:cSld>
+</p:sldLayout>
+</file>
+
+<file path=ppt/slideLayouts/slideLayout50.xml><?xml version="1.0" encoding="utf-8"?>
+<p:sldLayout xmlns:a="http://schemas.openxmlformats.org/drawingml/2006/main" xmlns:p="http://schemas.openxmlformats.org/presentationml/2006/main" xmlns:r="http://schemas.openxmlformats.org/officeDocument/2006/relationships" xmlns:p14="http://schemas.microsoft.com/office/powerpoint/2010/main" xmlns:p15="http://schemas.microsoft.com/office/powerpoint/2012/main" xmlns:mc="http://schemas.openxmlformats.org/markup-compatibility/2006" type="tx" preserve="1">
+  <p:cSld name="Title Slide">
+    <p:spTree>
+      <p:nvGrpSpPr>
+        <p:cNvPr id="1" name=""/>
+        <p:cNvGrpSpPr/>
+        <p:nvPr/>
+      </p:nvGrpSpPr>
+      <p:grpSpPr>
+        <a:xfrm>
+          <a:off x="0" y="0"/>
+          <a:ext cx="0" cy="0"/>
+          <a:chOff x="0" y="0"/>
+          <a:chExt cx="0" cy="0"/>
+        </a:xfrm>
+      </p:grpSpPr>
+      <p:sp>
+        <p:nvSpPr>
+          <p:cNvPr id="146" name="PlaceHolder 1"/>
+          <p:cNvSpPr>
+            <a:spLocks noGrp="1"/>
+          </p:cNvSpPr>
+          <p:nvPr>
+            <p:ph type="title"/>
+          </p:nvPr>
+        </p:nvSpPr>
+        <p:spPr>
+          <a:xfrm>
+            <a:off x="609480" y="273600"/>
+            <a:ext cx="10972080" cy="1144440"/>
+          </a:xfrm>
+          <a:prstGeom prst="rect">
+            <a:avLst/>
+          </a:prstGeom>
+        </p:spPr>
+        <p:txBody>
+          <a:bodyPr lIns="0" rIns="0" tIns="0" bIns="0" anchor="ctr"/>
+          <a:p>
+            <a:pPr algn="ctr"/>
+            <a:endParaRPr b="0" lang="en-US" sz="4400" spc="-1" strike="noStrike">
+              <a:solidFill>
+                <a:srgbClr val="000000"/>
+              </a:solidFill>
+              <a:uFill>
+                <a:solidFill>
+                  <a:srgbClr val="ffffff"/>
+                </a:solidFill>
+              </a:uFill>
+              <a:latin typeface="Arial"/>
+            </a:endParaRPr>
+          </a:p>
+        </p:txBody>
+      </p:sp>
+      <p:sp>
+        <p:nvSpPr>
+          <p:cNvPr id="147" name="PlaceHolder 2"/>
+          <p:cNvSpPr>
+            <a:spLocks noGrp="1"/>
+          </p:cNvSpPr>
+          <p:nvPr>
+            <p:ph type="subTitle"/>
+          </p:nvPr>
+        </p:nvSpPr>
+        <p:spPr>
+          <a:xfrm>
+            <a:off x="609480" y="1604520"/>
+            <a:ext cx="10972440" cy="3977280"/>
+          </a:xfrm>
+          <a:prstGeom prst="rect">
+            <a:avLst/>
+          </a:prstGeom>
+        </p:spPr>
+        <p:txBody>
+          <a:bodyPr lIns="0" rIns="0" tIns="0" bIns="0" anchor="ctr"/>
+          <a:p>
+            <a:pPr algn="ctr"/>
+            <a:endParaRPr b="0" lang="en-US" sz="3200" spc="-1" strike="noStrike">
+              <a:solidFill>
+                <a:srgbClr val="000000"/>
+              </a:solidFill>
+              <a:uFill>
+                <a:solidFill>
+                  <a:srgbClr val="ffffff"/>
+                </a:solidFill>
+              </a:uFill>
+              <a:latin typeface="Arial"/>
+            </a:endParaRPr>
+          </a:p>
+        </p:txBody>
+      </p:sp>
+    </p:spTree>
+  </p:cSld>
+</p:sldLayout>
+</file>
+
+<file path=ppt/slideLayouts/slideLayout51.xml><?xml version="1.0" encoding="utf-8"?>
+<p:sldLayout xmlns:a="http://schemas.openxmlformats.org/drawingml/2006/main" xmlns:p="http://schemas.openxmlformats.org/presentationml/2006/main" xmlns:r="http://schemas.openxmlformats.org/officeDocument/2006/relationships" xmlns:p14="http://schemas.microsoft.com/office/powerpoint/2010/main" xmlns:p15="http://schemas.microsoft.com/office/powerpoint/2012/main" xmlns:mc="http://schemas.openxmlformats.org/markup-compatibility/2006" type="obj" preserve="1">
+  <p:cSld name="Title, Content">
+    <p:spTree>
+      <p:nvGrpSpPr>
+        <p:cNvPr id="1" name=""/>
+        <p:cNvGrpSpPr/>
+        <p:nvPr/>
+      </p:nvGrpSpPr>
+      <p:grpSpPr>
+        <a:xfrm>
+          <a:off x="0" y="0"/>
+          <a:ext cx="0" cy="0"/>
+          <a:chOff x="0" y="0"/>
+          <a:chExt cx="0" cy="0"/>
+        </a:xfrm>
+      </p:grpSpPr>
+      <p:sp>
+        <p:nvSpPr>
+          <p:cNvPr id="148" name="PlaceHolder 1"/>
+          <p:cNvSpPr>
+            <a:spLocks noGrp="1"/>
+          </p:cNvSpPr>
+          <p:nvPr>
+            <p:ph type="title"/>
+          </p:nvPr>
+        </p:nvSpPr>
+        <p:spPr>
+          <a:xfrm>
+            <a:off x="609480" y="273600"/>
+            <a:ext cx="10972080" cy="1144440"/>
+          </a:xfrm>
+          <a:prstGeom prst="rect">
+            <a:avLst/>
+          </a:prstGeom>
+        </p:spPr>
+        <p:txBody>
+          <a:bodyPr lIns="0" rIns="0" tIns="0" bIns="0" anchor="ctr"/>
+          <a:p>
+            <a:pPr algn="ctr"/>
+            <a:endParaRPr b="0" lang="en-US" sz="4400" spc="-1" strike="noStrike">
+              <a:solidFill>
+                <a:srgbClr val="000000"/>
+              </a:solidFill>
+              <a:uFill>
+                <a:solidFill>
+                  <a:srgbClr val="ffffff"/>
+                </a:solidFill>
+              </a:uFill>
+              <a:latin typeface="Arial"/>
+            </a:endParaRPr>
+          </a:p>
+        </p:txBody>
+      </p:sp>
+      <p:sp>
+        <p:nvSpPr>
+          <p:cNvPr id="149" name="PlaceHolder 2"/>
+          <p:cNvSpPr>
+            <a:spLocks noGrp="1"/>
+          </p:cNvSpPr>
+          <p:nvPr>
+            <p:ph type="body"/>
+          </p:nvPr>
+        </p:nvSpPr>
+        <p:spPr>
+          <a:xfrm>
+            <a:off x="609480" y="1604520"/>
+            <a:ext cx="10972440" cy="3977280"/>
+          </a:xfrm>
+          <a:prstGeom prst="rect">
+            <a:avLst/>
+          </a:prstGeom>
+        </p:spPr>
+        <p:txBody>
+          <a:bodyPr lIns="0" rIns="0" tIns="0" bIns="0"/>
+          <a:p>
+            <a:endParaRPr b="0" lang="en-US" sz="3200" spc="-1" strike="noStrike">
+              <a:solidFill>
+                <a:srgbClr val="000000"/>
+              </a:solidFill>
+              <a:uFill>
+                <a:solidFill>
+                  <a:srgbClr val="ffffff"/>
+                </a:solidFill>
+              </a:uFill>
+              <a:latin typeface="Arial"/>
+            </a:endParaRPr>
+          </a:p>
+        </p:txBody>
+      </p:sp>
+    </p:spTree>
+  </p:cSld>
+</p:sldLayout>
+</file>
+
+<file path=ppt/slideLayouts/slideLayout52.xml><?xml version="1.0" encoding="utf-8"?>
+<p:sldLayout xmlns:a="http://schemas.openxmlformats.org/drawingml/2006/main" xmlns:p="http://schemas.openxmlformats.org/presentationml/2006/main" xmlns:r="http://schemas.openxmlformats.org/officeDocument/2006/relationships" xmlns:p14="http://schemas.microsoft.com/office/powerpoint/2010/main" xmlns:p15="http://schemas.microsoft.com/office/powerpoint/2012/main" xmlns:mc="http://schemas.openxmlformats.org/markup-compatibility/2006" type="twoObj" preserve="1">
+  <p:cSld name="Title, 2 Content">
+    <p:spTree>
+      <p:nvGrpSpPr>
+        <p:cNvPr id="1" name=""/>
+        <p:cNvGrpSpPr/>
+        <p:nvPr/>
+      </p:nvGrpSpPr>
+      <p:grpSpPr>
+        <a:xfrm>
+          <a:off x="0" y="0"/>
+          <a:ext cx="0" cy="0"/>
+          <a:chOff x="0" y="0"/>
+          <a:chExt cx="0" cy="0"/>
+        </a:xfrm>
+      </p:grpSpPr>
+      <p:sp>
+        <p:nvSpPr>
+          <p:cNvPr id="150" name="PlaceHolder 1"/>
+          <p:cNvSpPr>
+            <a:spLocks noGrp="1"/>
+          </p:cNvSpPr>
+          <p:nvPr>
+            <p:ph type="title"/>
+          </p:nvPr>
+        </p:nvSpPr>
+        <p:spPr>
+          <a:xfrm>
+            <a:off x="609480" y="273600"/>
+            <a:ext cx="10972080" cy="1144440"/>
+          </a:xfrm>
+          <a:prstGeom prst="rect">
+            <a:avLst/>
+          </a:prstGeom>
+        </p:spPr>
+        <p:txBody>
+          <a:bodyPr lIns="0" rIns="0" tIns="0" bIns="0" anchor="ctr"/>
+          <a:p>
+            <a:pPr algn="ctr"/>
+            <a:endParaRPr b="0" lang="en-US" sz="4400" spc="-1" strike="noStrike">
+              <a:solidFill>
+                <a:srgbClr val="000000"/>
+              </a:solidFill>
+              <a:uFill>
+                <a:solidFill>
+                  <a:srgbClr val="ffffff"/>
+                </a:solidFill>
+              </a:uFill>
+              <a:latin typeface="Arial"/>
+            </a:endParaRPr>
+          </a:p>
+        </p:txBody>
+      </p:sp>
+      <p:sp>
+        <p:nvSpPr>
+          <p:cNvPr id="151" name="PlaceHolder 2"/>
+          <p:cNvSpPr>
+            <a:spLocks noGrp="1"/>
+          </p:cNvSpPr>
+          <p:nvPr>
+            <p:ph type="body"/>
+          </p:nvPr>
+        </p:nvSpPr>
+        <p:spPr>
+          <a:xfrm>
+            <a:off x="609480" y="1604520"/>
+            <a:ext cx="5354280" cy="3977280"/>
+          </a:xfrm>
+          <a:prstGeom prst="rect">
+            <a:avLst/>
+          </a:prstGeom>
+        </p:spPr>
+        <p:txBody>
+          <a:bodyPr lIns="0" rIns="0" tIns="0" bIns="0"/>
+          <a:p>
+            <a:endParaRPr b="0" lang="en-US" sz="3200" spc="-1" strike="noStrike">
+              <a:solidFill>
+                <a:srgbClr val="000000"/>
+              </a:solidFill>
+              <a:uFill>
+                <a:solidFill>
+                  <a:srgbClr val="ffffff"/>
+                </a:solidFill>
+              </a:uFill>
+              <a:latin typeface="Arial"/>
+            </a:endParaRPr>
+          </a:p>
+        </p:txBody>
+      </p:sp>
+      <p:sp>
+        <p:nvSpPr>
+          <p:cNvPr id="152" name="PlaceHolder 3"/>
+          <p:cNvSpPr>
+            <a:spLocks noGrp="1"/>
+          </p:cNvSpPr>
+          <p:nvPr>
+            <p:ph type="body"/>
+          </p:nvPr>
+        </p:nvSpPr>
+        <p:spPr>
+          <a:xfrm>
+            <a:off x="6231960" y="1604520"/>
+            <a:ext cx="5354280" cy="3977280"/>
+          </a:xfrm>
+          <a:prstGeom prst="rect">
+            <a:avLst/>
+          </a:prstGeom>
+        </p:spPr>
+        <p:txBody>
+          <a:bodyPr lIns="0" rIns="0" tIns="0" bIns="0"/>
+          <a:p>
+            <a:endParaRPr b="0" lang="en-US" sz="3200" spc="-1" strike="noStrike">
+              <a:solidFill>
+                <a:srgbClr val="000000"/>
+              </a:solidFill>
+              <a:uFill>
+                <a:solidFill>
+                  <a:srgbClr val="ffffff"/>
+                </a:solidFill>
+              </a:uFill>
+              <a:latin typeface="Arial"/>
+            </a:endParaRPr>
+          </a:p>
+        </p:txBody>
+      </p:sp>
+    </p:spTree>
+  </p:cSld>
+</p:sldLayout>
+</file>
+
+<file path=ppt/slideLayouts/slideLayout53.xml><?xml version="1.0" encoding="utf-8"?>
+<p:sldLayout xmlns:a="http://schemas.openxmlformats.org/drawingml/2006/main" xmlns:p="http://schemas.openxmlformats.org/presentationml/2006/main" xmlns:r="http://schemas.openxmlformats.org/officeDocument/2006/relationships" xmlns:p14="http://schemas.microsoft.com/office/powerpoint/2010/main" xmlns:p15="http://schemas.microsoft.com/office/powerpoint/2012/main" xmlns:mc="http://schemas.openxmlformats.org/markup-compatibility/2006" type="titleOnly" preserve="1">
+  <p:cSld name="Title Only">
+    <p:spTree>
+      <p:nvGrpSpPr>
+        <p:cNvPr id="1" name=""/>
+        <p:cNvGrpSpPr/>
+        <p:nvPr/>
+      </p:nvGrpSpPr>
+      <p:grpSpPr>
+        <a:xfrm>
+          <a:off x="0" y="0"/>
+          <a:ext cx="0" cy="0"/>
+          <a:chOff x="0" y="0"/>
+          <a:chExt cx="0" cy="0"/>
+        </a:xfrm>
+      </p:grpSpPr>
+      <p:sp>
+        <p:nvSpPr>
+          <p:cNvPr id="153" name="PlaceHolder 1"/>
+          <p:cNvSpPr>
+            <a:spLocks noGrp="1"/>
+          </p:cNvSpPr>
+          <p:nvPr>
+            <p:ph type="title"/>
+          </p:nvPr>
+        </p:nvSpPr>
+        <p:spPr>
+          <a:xfrm>
+            <a:off x="609480" y="273600"/>
+            <a:ext cx="10972080" cy="1144440"/>
+          </a:xfrm>
+          <a:prstGeom prst="rect">
+            <a:avLst/>
+          </a:prstGeom>
+        </p:spPr>
+        <p:txBody>
+          <a:bodyPr lIns="0" rIns="0" tIns="0" bIns="0" anchor="ctr"/>
+          <a:p>
+            <a:pPr algn="ctr"/>
+            <a:endParaRPr b="0" lang="en-US" sz="4400" spc="-1" strike="noStrike">
+              <a:solidFill>
+                <a:srgbClr val="000000"/>
+              </a:solidFill>
+              <a:uFill>
+                <a:solidFill>
+                  <a:srgbClr val="ffffff"/>
+                </a:solidFill>
+              </a:uFill>
+              <a:latin typeface="Arial"/>
+            </a:endParaRPr>
+          </a:p>
+        </p:txBody>
+      </p:sp>
+    </p:spTree>
+  </p:cSld>
+</p:sldLayout>
+</file>
+
+<file path=ppt/slideLayouts/slideLayout54.xml><?xml version="1.0" encoding="utf-8"?>
+<p:sldLayout xmlns:a="http://schemas.openxmlformats.org/drawingml/2006/main" xmlns:p="http://schemas.openxmlformats.org/presentationml/2006/main" xmlns:r="http://schemas.openxmlformats.org/officeDocument/2006/relationships" xmlns:p14="http://schemas.microsoft.com/office/powerpoint/2010/main" xmlns:p15="http://schemas.microsoft.com/office/powerpoint/2012/main" xmlns:mc="http://schemas.openxmlformats.org/markup-compatibility/2006" type="objOnly" preserve="1">
+  <p:cSld name="Centered Text">
+    <p:spTree>
+      <p:nvGrpSpPr>
+        <p:cNvPr id="1" name=""/>
+        <p:cNvGrpSpPr/>
+        <p:nvPr/>
+      </p:nvGrpSpPr>
+      <p:grpSpPr>
+        <a:xfrm>
+          <a:off x="0" y="0"/>
+          <a:ext cx="0" cy="0"/>
+          <a:chOff x="0" y="0"/>
+          <a:chExt cx="0" cy="0"/>
+        </a:xfrm>
+      </p:grpSpPr>
+      <p:sp>
+        <p:nvSpPr>
+          <p:cNvPr id="154" name="PlaceHolder 1"/>
+          <p:cNvSpPr>
+            <a:spLocks noGrp="1"/>
+          </p:cNvSpPr>
+          <p:nvPr>
+            <p:ph type="subTitle"/>
+          </p:nvPr>
+        </p:nvSpPr>
+        <p:spPr>
+          <a:xfrm>
+            <a:off x="609480" y="273600"/>
+            <a:ext cx="10972080" cy="5306400"/>
+          </a:xfrm>
+          <a:prstGeom prst="rect">
+            <a:avLst/>
+          </a:prstGeom>
+        </p:spPr>
+        <p:txBody>
+          <a:bodyPr lIns="0" rIns="0" tIns="0" bIns="0" anchor="ctr"/>
+          <a:p>
+            <a:pPr algn="ctr"/>
+            <a:endParaRPr b="0" lang="en-US" sz="3200" spc="-1" strike="noStrike">
+              <a:solidFill>
+                <a:srgbClr val="000000"/>
+              </a:solidFill>
+              <a:uFill>
+                <a:solidFill>
+                  <a:srgbClr val="ffffff"/>
+                </a:solidFill>
+              </a:uFill>
+              <a:latin typeface="Arial"/>
+            </a:endParaRPr>
+          </a:p>
+        </p:txBody>
+      </p:sp>
+    </p:spTree>
+  </p:cSld>
+</p:sldLayout>
+</file>
+
+<file path=ppt/slideLayouts/slideLayout55.xml><?xml version="1.0" encoding="utf-8"?>
+<p:sldLayout xmlns:a="http://schemas.openxmlformats.org/drawingml/2006/main" xmlns:p="http://schemas.openxmlformats.org/presentationml/2006/main" xmlns:r="http://schemas.openxmlformats.org/officeDocument/2006/relationships" xmlns:p14="http://schemas.microsoft.com/office/powerpoint/2010/main" xmlns:p15="http://schemas.microsoft.com/office/powerpoint/2012/main" xmlns:mc="http://schemas.openxmlformats.org/markup-compatibility/2006" type="twoObjAndObj" preserve="1">
+  <p:cSld name="Title, 2 Content and Content">
+    <p:spTree>
+      <p:nvGrpSpPr>
+        <p:cNvPr id="1" name=""/>
+        <p:cNvGrpSpPr/>
+        <p:nvPr/>
+      </p:nvGrpSpPr>
+      <p:grpSpPr>
+        <a:xfrm>
+          <a:off x="0" y="0"/>
+          <a:ext cx="0" cy="0"/>
+          <a:chOff x="0" y="0"/>
+          <a:chExt cx="0" cy="0"/>
+        </a:xfrm>
+      </p:grpSpPr>
+      <p:sp>
+        <p:nvSpPr>
+          <p:cNvPr id="155" name="PlaceHolder 1"/>
+          <p:cNvSpPr>
+            <a:spLocks noGrp="1"/>
+          </p:cNvSpPr>
+          <p:nvPr>
+            <p:ph type="title"/>
+          </p:nvPr>
+        </p:nvSpPr>
+        <p:spPr>
+          <a:xfrm>
+            <a:off x="609480" y="273600"/>
+            <a:ext cx="10972080" cy="1144440"/>
+          </a:xfrm>
+          <a:prstGeom prst="rect">
+            <a:avLst/>
+          </a:prstGeom>
+        </p:spPr>
+        <p:txBody>
+          <a:bodyPr lIns="0" rIns="0" tIns="0" bIns="0" anchor="ctr"/>
+          <a:p>
+            <a:pPr algn="ctr"/>
+            <a:endParaRPr b="0" lang="en-US" sz="4400" spc="-1" strike="noStrike">
+              <a:solidFill>
+                <a:srgbClr val="000000"/>
+              </a:solidFill>
+              <a:uFill>
+                <a:solidFill>
+                  <a:srgbClr val="ffffff"/>
+                </a:solidFill>
+              </a:uFill>
+              <a:latin typeface="Arial"/>
+            </a:endParaRPr>
+          </a:p>
+        </p:txBody>
+      </p:sp>
+      <p:sp>
+        <p:nvSpPr>
+          <p:cNvPr id="156" name="PlaceHolder 2"/>
+          <p:cNvSpPr>
+            <a:spLocks noGrp="1"/>
+          </p:cNvSpPr>
+          <p:nvPr>
+            <p:ph type="body"/>
+          </p:nvPr>
+        </p:nvSpPr>
+        <p:spPr>
+          <a:xfrm>
+            <a:off x="609480" y="1604520"/>
+            <a:ext cx="5354280" cy="1896840"/>
+          </a:xfrm>
+          <a:prstGeom prst="rect">
+            <a:avLst/>
+          </a:prstGeom>
+        </p:spPr>
+        <p:txBody>
+          <a:bodyPr lIns="0" rIns="0" tIns="0" bIns="0"/>
+          <a:p>
+            <a:endParaRPr b="0" lang="en-US" sz="3200" spc="-1" strike="noStrike">
+              <a:solidFill>
+                <a:srgbClr val="000000"/>
+              </a:solidFill>
+              <a:uFill>
+                <a:solidFill>
+                  <a:srgbClr val="ffffff"/>
+                </a:solidFill>
+              </a:uFill>
+              <a:latin typeface="Arial"/>
+            </a:endParaRPr>
+          </a:p>
+        </p:txBody>
+      </p:sp>
+      <p:sp>
+        <p:nvSpPr>
+          <p:cNvPr id="157" name="PlaceHolder 3"/>
+          <p:cNvSpPr>
+            <a:spLocks noGrp="1"/>
+          </p:cNvSpPr>
+          <p:nvPr>
+            <p:ph type="body"/>
+          </p:nvPr>
+        </p:nvSpPr>
+        <p:spPr>
+          <a:xfrm>
+            <a:off x="609480" y="3682080"/>
+            <a:ext cx="5354280" cy="1896840"/>
+          </a:xfrm>
+          <a:prstGeom prst="rect">
+            <a:avLst/>
+          </a:prstGeom>
+        </p:spPr>
+        <p:txBody>
+          <a:bodyPr lIns="0" rIns="0" tIns="0" bIns="0"/>
+          <a:p>
+            <a:endParaRPr b="0" lang="en-US" sz="3200" spc="-1" strike="noStrike">
+              <a:solidFill>
+                <a:srgbClr val="000000"/>
+              </a:solidFill>
+              <a:uFill>
+                <a:solidFill>
+                  <a:srgbClr val="ffffff"/>
+                </a:solidFill>
+              </a:uFill>
+              <a:latin typeface="Arial"/>
+            </a:endParaRPr>
+          </a:p>
+        </p:txBody>
+      </p:sp>
+      <p:sp>
+        <p:nvSpPr>
+          <p:cNvPr id="158" name="PlaceHolder 4"/>
+          <p:cNvSpPr>
+            <a:spLocks noGrp="1"/>
+          </p:cNvSpPr>
+          <p:nvPr>
+            <p:ph type="body"/>
+          </p:nvPr>
+        </p:nvSpPr>
+        <p:spPr>
+          <a:xfrm>
+            <a:off x="6231960" y="1604520"/>
+            <a:ext cx="5354280" cy="3977280"/>
+          </a:xfrm>
+          <a:prstGeom prst="rect">
+            <a:avLst/>
+          </a:prstGeom>
+        </p:spPr>
+        <p:txBody>
+          <a:bodyPr lIns="0" rIns="0" tIns="0" bIns="0"/>
+          <a:p>
+            <a:endParaRPr b="0" lang="en-US" sz="3200" spc="-1" strike="noStrike">
+              <a:solidFill>
+                <a:srgbClr val="000000"/>
+              </a:solidFill>
+              <a:uFill>
+                <a:solidFill>
+                  <a:srgbClr val="ffffff"/>
+                </a:solidFill>
+              </a:uFill>
+              <a:latin typeface="Arial"/>
+            </a:endParaRPr>
+          </a:p>
+        </p:txBody>
+      </p:sp>
+    </p:spTree>
+  </p:cSld>
+</p:sldLayout>
+</file>
+
+<file path=ppt/slideLayouts/slideLayout56.xml><?xml version="1.0" encoding="utf-8"?>
+<p:sldLayout xmlns:a="http://schemas.openxmlformats.org/drawingml/2006/main" xmlns:p="http://schemas.openxmlformats.org/presentationml/2006/main" xmlns:r="http://schemas.openxmlformats.org/officeDocument/2006/relationships" xmlns:p14="http://schemas.microsoft.com/office/powerpoint/2010/main" xmlns:p15="http://schemas.microsoft.com/office/powerpoint/2012/main" xmlns:mc="http://schemas.openxmlformats.org/markup-compatibility/2006" type="objAndTwoObj" preserve="1">
+  <p:cSld name="Title Content and 2 Content">
+    <p:spTree>
+      <p:nvGrpSpPr>
+        <p:cNvPr id="1" name=""/>
+        <p:cNvGrpSpPr/>
+        <p:nvPr/>
+      </p:nvGrpSpPr>
+      <p:grpSpPr>
+        <a:xfrm>
+          <a:off x="0" y="0"/>
+          <a:ext cx="0" cy="0"/>
+          <a:chOff x="0" y="0"/>
+          <a:chExt cx="0" cy="0"/>
+        </a:xfrm>
+      </p:grpSpPr>
+      <p:sp>
+        <p:nvSpPr>
+          <p:cNvPr id="159" name="PlaceHolder 1"/>
+          <p:cNvSpPr>
+            <a:spLocks noGrp="1"/>
+          </p:cNvSpPr>
+          <p:nvPr>
+            <p:ph type="title"/>
+          </p:nvPr>
+        </p:nvSpPr>
+        <p:spPr>
+          <a:xfrm>
+            <a:off x="609480" y="273600"/>
+            <a:ext cx="10972080" cy="1144440"/>
+          </a:xfrm>
+          <a:prstGeom prst="rect">
+            <a:avLst/>
+          </a:prstGeom>
+        </p:spPr>
+        <p:txBody>
+          <a:bodyPr lIns="0" rIns="0" tIns="0" bIns="0" anchor="ctr"/>
+          <a:p>
+            <a:pPr algn="ctr"/>
+            <a:endParaRPr b="0" lang="en-US" sz="4400" spc="-1" strike="noStrike">
+              <a:solidFill>
+                <a:srgbClr val="000000"/>
+              </a:solidFill>
+              <a:uFill>
+                <a:solidFill>
+                  <a:srgbClr val="ffffff"/>
+                </a:solidFill>
+              </a:uFill>
+              <a:latin typeface="Arial"/>
+            </a:endParaRPr>
+          </a:p>
+        </p:txBody>
+      </p:sp>
+      <p:sp>
+        <p:nvSpPr>
+          <p:cNvPr id="160" name="PlaceHolder 2"/>
+          <p:cNvSpPr>
+            <a:spLocks noGrp="1"/>
+          </p:cNvSpPr>
+          <p:nvPr>
+            <p:ph type="body"/>
+          </p:nvPr>
+        </p:nvSpPr>
+        <p:spPr>
+          <a:xfrm>
+            <a:off x="609480" y="1604520"/>
+            <a:ext cx="5354280" cy="3977280"/>
+          </a:xfrm>
+          <a:prstGeom prst="rect">
+            <a:avLst/>
+          </a:prstGeom>
+        </p:spPr>
+        <p:txBody>
+          <a:bodyPr lIns="0" rIns="0" tIns="0" bIns="0"/>
+          <a:p>
+            <a:endParaRPr b="0" lang="en-US" sz="3200" spc="-1" strike="noStrike">
+              <a:solidFill>
+                <a:srgbClr val="000000"/>
+              </a:solidFill>
+              <a:uFill>
+                <a:solidFill>
+                  <a:srgbClr val="ffffff"/>
+                </a:solidFill>
+              </a:uFill>
+              <a:latin typeface="Arial"/>
+            </a:endParaRPr>
+          </a:p>
+        </p:txBody>
+      </p:sp>
+      <p:sp>
+        <p:nvSpPr>
+          <p:cNvPr id="161" name="PlaceHolder 3"/>
+          <p:cNvSpPr>
+            <a:spLocks noGrp="1"/>
+          </p:cNvSpPr>
+          <p:nvPr>
+            <p:ph type="body"/>
+          </p:nvPr>
+        </p:nvSpPr>
+        <p:spPr>
+          <a:xfrm>
+            <a:off x="6231960" y="1604520"/>
+            <a:ext cx="5354280" cy="1896840"/>
+          </a:xfrm>
+          <a:prstGeom prst="rect">
+            <a:avLst/>
+          </a:prstGeom>
+        </p:spPr>
+        <p:txBody>
+          <a:bodyPr lIns="0" rIns="0" tIns="0" bIns="0"/>
+          <a:p>
+            <a:endParaRPr b="0" lang="en-US" sz="3200" spc="-1" strike="noStrike">
+              <a:solidFill>
+                <a:srgbClr val="000000"/>
+              </a:solidFill>
+              <a:uFill>
+                <a:solidFill>
+                  <a:srgbClr val="ffffff"/>
+                </a:solidFill>
+              </a:uFill>
+              <a:latin typeface="Arial"/>
+            </a:endParaRPr>
+          </a:p>
+        </p:txBody>
+      </p:sp>
+      <p:sp>
+        <p:nvSpPr>
+          <p:cNvPr id="162" name="PlaceHolder 4"/>
+          <p:cNvSpPr>
+            <a:spLocks noGrp="1"/>
+          </p:cNvSpPr>
+          <p:nvPr>
+            <p:ph type="body"/>
+          </p:nvPr>
+        </p:nvSpPr>
+        <p:spPr>
+          <a:xfrm>
+            <a:off x="6231960" y="3682080"/>
+            <a:ext cx="5354280" cy="1896840"/>
+          </a:xfrm>
+          <a:prstGeom prst="rect">
+            <a:avLst/>
+          </a:prstGeom>
+        </p:spPr>
+        <p:txBody>
+          <a:bodyPr lIns="0" rIns="0" tIns="0" bIns="0"/>
+          <a:p>
+            <a:endParaRPr b="0" lang="en-US" sz="3200" spc="-1" strike="noStrike">
+              <a:solidFill>
+                <a:srgbClr val="000000"/>
+              </a:solidFill>
+              <a:uFill>
+                <a:solidFill>
+                  <a:srgbClr val="ffffff"/>
+                </a:solidFill>
+              </a:uFill>
+              <a:latin typeface="Arial"/>
+            </a:endParaRPr>
+          </a:p>
+        </p:txBody>
+      </p:sp>
+    </p:spTree>
+  </p:cSld>
+</p:sldLayout>
+</file>
+
+<file path=ppt/slideLayouts/slideLayout57.xml><?xml version="1.0" encoding="utf-8"?>
+<p:sldLayout xmlns:a="http://schemas.openxmlformats.org/drawingml/2006/main" xmlns:p="http://schemas.openxmlformats.org/presentationml/2006/main" xmlns:r="http://schemas.openxmlformats.org/officeDocument/2006/relationships" xmlns:p14="http://schemas.microsoft.com/office/powerpoint/2010/main" xmlns:p15="http://schemas.microsoft.com/office/powerpoint/2012/main" xmlns:mc="http://schemas.openxmlformats.org/markup-compatibility/2006" type="twoObjOverTx" preserve="1">
+  <p:cSld name="Title, 2 Content over Content">
+    <p:spTree>
+      <p:nvGrpSpPr>
+        <p:cNvPr id="1" name=""/>
+        <p:cNvGrpSpPr/>
+        <p:nvPr/>
+      </p:nvGrpSpPr>
+      <p:grpSpPr>
+        <a:xfrm>
+          <a:off x="0" y="0"/>
+          <a:ext cx="0" cy="0"/>
+          <a:chOff x="0" y="0"/>
+          <a:chExt cx="0" cy="0"/>
+        </a:xfrm>
+      </p:grpSpPr>
+      <p:sp>
+        <p:nvSpPr>
+          <p:cNvPr id="163" name="PlaceHolder 1"/>
+          <p:cNvSpPr>
+            <a:spLocks noGrp="1"/>
+          </p:cNvSpPr>
+          <p:nvPr>
+            <p:ph type="title"/>
+          </p:nvPr>
+        </p:nvSpPr>
+        <p:spPr>
+          <a:xfrm>
+            <a:off x="609480" y="273600"/>
+            <a:ext cx="10972080" cy="1144440"/>
+          </a:xfrm>
+          <a:prstGeom prst="rect">
+            <a:avLst/>
+          </a:prstGeom>
+        </p:spPr>
+        <p:txBody>
+          <a:bodyPr lIns="0" rIns="0" tIns="0" bIns="0" anchor="ctr"/>
+          <a:p>
+            <a:pPr algn="ctr"/>
+            <a:endParaRPr b="0" lang="en-US" sz="4400" spc="-1" strike="noStrike">
+              <a:solidFill>
+                <a:srgbClr val="000000"/>
+              </a:solidFill>
+              <a:uFill>
+                <a:solidFill>
+                  <a:srgbClr val="ffffff"/>
+                </a:solidFill>
+              </a:uFill>
+              <a:latin typeface="Arial"/>
+            </a:endParaRPr>
+          </a:p>
+        </p:txBody>
+      </p:sp>
+      <p:sp>
+        <p:nvSpPr>
+          <p:cNvPr id="164" name="PlaceHolder 2"/>
+          <p:cNvSpPr>
+            <a:spLocks noGrp="1"/>
+          </p:cNvSpPr>
+          <p:nvPr>
+            <p:ph type="body"/>
+          </p:nvPr>
+        </p:nvSpPr>
+        <p:spPr>
+          <a:xfrm>
+            <a:off x="609480" y="1604520"/>
+            <a:ext cx="5354280" cy="1896840"/>
+          </a:xfrm>
+          <a:prstGeom prst="rect">
+            <a:avLst/>
+          </a:prstGeom>
+        </p:spPr>
+        <p:txBody>
+          <a:bodyPr lIns="0" rIns="0" tIns="0" bIns="0"/>
+          <a:p>
+            <a:endParaRPr b="0" lang="en-US" sz="3200" spc="-1" strike="noStrike">
+              <a:solidFill>
+                <a:srgbClr val="000000"/>
+              </a:solidFill>
+              <a:uFill>
+                <a:solidFill>
+                  <a:srgbClr val="ffffff"/>
+                </a:solidFill>
+              </a:uFill>
+              <a:latin typeface="Arial"/>
+            </a:endParaRPr>
+          </a:p>
+        </p:txBody>
+      </p:sp>
+      <p:sp>
+        <p:nvSpPr>
+          <p:cNvPr id="165" name="PlaceHolder 3"/>
+          <p:cNvSpPr>
+            <a:spLocks noGrp="1"/>
+          </p:cNvSpPr>
+          <p:nvPr>
+            <p:ph type="body"/>
+          </p:nvPr>
+        </p:nvSpPr>
+        <p:spPr>
+          <a:xfrm>
+            <a:off x="6231960" y="1604520"/>
+            <a:ext cx="5354280" cy="1896840"/>
+          </a:xfrm>
+          <a:prstGeom prst="rect">
+            <a:avLst/>
+          </a:prstGeom>
+        </p:spPr>
+        <p:txBody>
+          <a:bodyPr lIns="0" rIns="0" tIns="0" bIns="0"/>
+          <a:p>
+            <a:endParaRPr b="0" lang="en-US" sz="3200" spc="-1" strike="noStrike">
+              <a:solidFill>
+                <a:srgbClr val="000000"/>
+              </a:solidFill>
+              <a:uFill>
+                <a:solidFill>
+                  <a:srgbClr val="ffffff"/>
+                </a:solidFill>
+              </a:uFill>
+              <a:latin typeface="Arial"/>
+            </a:endParaRPr>
+          </a:p>
+        </p:txBody>
+      </p:sp>
+      <p:sp>
+        <p:nvSpPr>
+          <p:cNvPr id="166" name="PlaceHolder 4"/>
+          <p:cNvSpPr>
+            <a:spLocks noGrp="1"/>
+          </p:cNvSpPr>
+          <p:nvPr>
+            <p:ph type="body"/>
+          </p:nvPr>
+        </p:nvSpPr>
+        <p:spPr>
+          <a:xfrm>
+            <a:off x="609480" y="3682080"/>
+            <a:ext cx="10972440" cy="1896840"/>
+          </a:xfrm>
+          <a:prstGeom prst="rect">
+            <a:avLst/>
+          </a:prstGeom>
+        </p:spPr>
+        <p:txBody>
+          <a:bodyPr lIns="0" rIns="0" tIns="0" bIns="0"/>
+          <a:p>
+            <a:endParaRPr b="0" lang="en-US" sz="3200" spc="-1" strike="noStrike">
+              <a:solidFill>
+                <a:srgbClr val="000000"/>
+              </a:solidFill>
+              <a:uFill>
+                <a:solidFill>
+                  <a:srgbClr val="ffffff"/>
+                </a:solidFill>
+              </a:uFill>
+              <a:latin typeface="Arial"/>
+            </a:endParaRPr>
+          </a:p>
+        </p:txBody>
+      </p:sp>
+    </p:spTree>
+  </p:cSld>
+</p:sldLayout>
+</file>
+
+<file path=ppt/slideLayouts/slideLayout58.xml><?xml version="1.0" encoding="utf-8"?>
+<p:sldLayout xmlns:a="http://schemas.openxmlformats.org/drawingml/2006/main" xmlns:p="http://schemas.openxmlformats.org/presentationml/2006/main" xmlns:r="http://schemas.openxmlformats.org/officeDocument/2006/relationships" xmlns:p14="http://schemas.microsoft.com/office/powerpoint/2010/main" xmlns:p15="http://schemas.microsoft.com/office/powerpoint/2012/main" xmlns:mc="http://schemas.openxmlformats.org/markup-compatibility/2006" type="objOverTx" preserve="1">
+  <p:cSld name="Title, Content over Content">
+    <p:spTree>
+      <p:nvGrpSpPr>
+        <p:cNvPr id="1" name=""/>
+        <p:cNvGrpSpPr/>
+        <p:nvPr/>
+      </p:nvGrpSpPr>
+      <p:grpSpPr>
+        <a:xfrm>
+          <a:off x="0" y="0"/>
+          <a:ext cx="0" cy="0"/>
+          <a:chOff x="0" y="0"/>
+          <a:chExt cx="0" cy="0"/>
+        </a:xfrm>
+      </p:grpSpPr>
+      <p:sp>
+        <p:nvSpPr>
+          <p:cNvPr id="167" name="PlaceHolder 1"/>
+          <p:cNvSpPr>
+            <a:spLocks noGrp="1"/>
+          </p:cNvSpPr>
+          <p:nvPr>
+            <p:ph type="title"/>
+          </p:nvPr>
+        </p:nvSpPr>
+        <p:spPr>
+          <a:xfrm>
+            <a:off x="609480" y="273600"/>
+            <a:ext cx="10972080" cy="1144440"/>
+          </a:xfrm>
+          <a:prstGeom prst="rect">
+            <a:avLst/>
+          </a:prstGeom>
+        </p:spPr>
+        <p:txBody>
+          <a:bodyPr lIns="0" rIns="0" tIns="0" bIns="0" anchor="ctr"/>
+          <a:p>
+            <a:pPr algn="ctr"/>
+            <a:endParaRPr b="0" lang="en-US" sz="4400" spc="-1" strike="noStrike">
+              <a:solidFill>
+                <a:srgbClr val="000000"/>
+              </a:solidFill>
+              <a:uFill>
+                <a:solidFill>
+                  <a:srgbClr val="ffffff"/>
+                </a:solidFill>
+              </a:uFill>
+              <a:latin typeface="Arial"/>
+            </a:endParaRPr>
+          </a:p>
+        </p:txBody>
+      </p:sp>
+      <p:sp>
+        <p:nvSpPr>
+          <p:cNvPr id="168" name="PlaceHolder 2"/>
+          <p:cNvSpPr>
+            <a:spLocks noGrp="1"/>
+          </p:cNvSpPr>
+          <p:nvPr>
+            <p:ph type="body"/>
+          </p:nvPr>
+        </p:nvSpPr>
+        <p:spPr>
+          <a:xfrm>
+            <a:off x="609480" y="1604520"/>
+            <a:ext cx="10972440" cy="1896840"/>
+          </a:xfrm>
+          <a:prstGeom prst="rect">
+            <a:avLst/>
+          </a:prstGeom>
+        </p:spPr>
+        <p:txBody>
+          <a:bodyPr lIns="0" rIns="0" tIns="0" bIns="0"/>
+          <a:p>
+            <a:endParaRPr b="0" lang="en-US" sz="3200" spc="-1" strike="noStrike">
+              <a:solidFill>
+                <a:srgbClr val="000000"/>
+              </a:solidFill>
+              <a:uFill>
+                <a:solidFill>
+                  <a:srgbClr val="ffffff"/>
+                </a:solidFill>
+              </a:uFill>
+              <a:latin typeface="Arial"/>
+            </a:endParaRPr>
+          </a:p>
+        </p:txBody>
+      </p:sp>
+      <p:sp>
+        <p:nvSpPr>
+          <p:cNvPr id="169" name="PlaceHolder 3"/>
+          <p:cNvSpPr>
+            <a:spLocks noGrp="1"/>
+          </p:cNvSpPr>
+          <p:nvPr>
+            <p:ph type="body"/>
+          </p:nvPr>
+        </p:nvSpPr>
+        <p:spPr>
+          <a:xfrm>
+            <a:off x="609480" y="3682080"/>
+            <a:ext cx="10972440" cy="1896840"/>
+          </a:xfrm>
+          <a:prstGeom prst="rect">
+            <a:avLst/>
+          </a:prstGeom>
+        </p:spPr>
+        <p:txBody>
+          <a:bodyPr lIns="0" rIns="0" tIns="0" bIns="0"/>
+          <a:p>
+            <a:endParaRPr b="0" lang="en-US" sz="3200" spc="-1" strike="noStrike">
+              <a:solidFill>
+                <a:srgbClr val="000000"/>
+              </a:solidFill>
+              <a:uFill>
+                <a:solidFill>
+                  <a:srgbClr val="ffffff"/>
+                </a:solidFill>
+              </a:uFill>
+              <a:latin typeface="Arial"/>
+            </a:endParaRPr>
+          </a:p>
+        </p:txBody>
+      </p:sp>
+    </p:spTree>
+  </p:cSld>
+</p:sldLayout>
+</file>
+
+<file path=ppt/slideLayouts/slideLayout59.xml><?xml version="1.0" encoding="utf-8"?>
+<p:sldLayout xmlns:a="http://schemas.openxmlformats.org/drawingml/2006/main" xmlns:p="http://schemas.openxmlformats.org/presentationml/2006/main" xmlns:r="http://schemas.openxmlformats.org/officeDocument/2006/relationships" xmlns:p14="http://schemas.microsoft.com/office/powerpoint/2010/main" xmlns:p15="http://schemas.microsoft.com/office/powerpoint/2012/main" xmlns:mc="http://schemas.openxmlformats.org/markup-compatibility/2006" type="fourObj" preserve="1">
+  <p:cSld name="Title, 4 Content">
+    <p:spTree>
+      <p:nvGrpSpPr>
+        <p:cNvPr id="1" name=""/>
+        <p:cNvGrpSpPr/>
+        <p:nvPr/>
+      </p:nvGrpSpPr>
+      <p:grpSpPr>
+        <a:xfrm>
+          <a:off x="0" y="0"/>
+          <a:ext cx="0" cy="0"/>
+          <a:chOff x="0" y="0"/>
+          <a:chExt cx="0" cy="0"/>
+        </a:xfrm>
+      </p:grpSpPr>
+      <p:sp>
+        <p:nvSpPr>
+          <p:cNvPr id="170" name="PlaceHolder 1"/>
+          <p:cNvSpPr>
+            <a:spLocks noGrp="1"/>
+          </p:cNvSpPr>
+          <p:nvPr>
+            <p:ph type="title"/>
+          </p:nvPr>
+        </p:nvSpPr>
+        <p:spPr>
+          <a:xfrm>
+            <a:off x="609480" y="273600"/>
+            <a:ext cx="10972080" cy="1144440"/>
+          </a:xfrm>
+          <a:prstGeom prst="rect">
+            <a:avLst/>
+          </a:prstGeom>
+        </p:spPr>
+        <p:txBody>
+          <a:bodyPr lIns="0" rIns="0" tIns="0" bIns="0" anchor="ctr"/>
+          <a:p>
+            <a:pPr algn="ctr"/>
+            <a:endParaRPr b="0" lang="en-US" sz="4400" spc="-1" strike="noStrike">
+              <a:solidFill>
+                <a:srgbClr val="000000"/>
+              </a:solidFill>
+              <a:uFill>
+                <a:solidFill>
+                  <a:srgbClr val="ffffff"/>
+                </a:solidFill>
+              </a:uFill>
+              <a:latin typeface="Arial"/>
+            </a:endParaRPr>
+          </a:p>
+        </p:txBody>
+      </p:sp>
+      <p:sp>
+        <p:nvSpPr>
+          <p:cNvPr id="171" name="PlaceHolder 2"/>
+          <p:cNvSpPr>
+            <a:spLocks noGrp="1"/>
+          </p:cNvSpPr>
+          <p:nvPr>
+            <p:ph type="body"/>
+          </p:nvPr>
+        </p:nvSpPr>
+        <p:spPr>
+          <a:xfrm>
+            <a:off x="609480" y="1604520"/>
+            <a:ext cx="5354280" cy="1896840"/>
+          </a:xfrm>
+          <a:prstGeom prst="rect">
+            <a:avLst/>
+          </a:prstGeom>
+        </p:spPr>
+        <p:txBody>
+          <a:bodyPr lIns="0" rIns="0" tIns="0" bIns="0"/>
+          <a:p>
+            <a:endParaRPr b="0" lang="en-US" sz="3200" spc="-1" strike="noStrike">
+              <a:solidFill>
+                <a:srgbClr val="000000"/>
+              </a:solidFill>
+              <a:uFill>
+                <a:solidFill>
+                  <a:srgbClr val="ffffff"/>
+                </a:solidFill>
+              </a:uFill>
+              <a:latin typeface="Arial"/>
+            </a:endParaRPr>
+          </a:p>
+        </p:txBody>
+      </p:sp>
+      <p:sp>
+        <p:nvSpPr>
+          <p:cNvPr id="172" name="PlaceHolder 3"/>
+          <p:cNvSpPr>
+            <a:spLocks noGrp="1"/>
+          </p:cNvSpPr>
+          <p:nvPr>
+            <p:ph type="body"/>
+          </p:nvPr>
+        </p:nvSpPr>
+        <p:spPr>
+          <a:xfrm>
+            <a:off x="6231960" y="1604520"/>
+            <a:ext cx="5354280" cy="1896840"/>
+          </a:xfrm>
+          <a:prstGeom prst="rect">
+            <a:avLst/>
+          </a:prstGeom>
+        </p:spPr>
+        <p:txBody>
+          <a:bodyPr lIns="0" rIns="0" tIns="0" bIns="0"/>
+          <a:p>
+            <a:endParaRPr b="0" lang="en-US" sz="3200" spc="-1" strike="noStrike">
+              <a:solidFill>
+                <a:srgbClr val="000000"/>
+              </a:solidFill>
+              <a:uFill>
+                <a:solidFill>
+                  <a:srgbClr val="ffffff"/>
+                </a:solidFill>
+              </a:uFill>
+              <a:latin typeface="Arial"/>
+            </a:endParaRPr>
+          </a:p>
+        </p:txBody>
+      </p:sp>
+      <p:sp>
+        <p:nvSpPr>
+          <p:cNvPr id="173" name="PlaceHolder 4"/>
+          <p:cNvSpPr>
+            <a:spLocks noGrp="1"/>
+          </p:cNvSpPr>
+          <p:nvPr>
+            <p:ph type="body"/>
+          </p:nvPr>
+        </p:nvSpPr>
+        <p:spPr>
+          <a:xfrm>
+            <a:off x="6231960" y="3682080"/>
+            <a:ext cx="5354280" cy="1896840"/>
+          </a:xfrm>
+          <a:prstGeom prst="rect">
+            <a:avLst/>
+          </a:prstGeom>
+        </p:spPr>
+        <p:txBody>
+          <a:bodyPr lIns="0" rIns="0" tIns="0" bIns="0"/>
+          <a:p>
+            <a:endParaRPr b="0" lang="en-US" sz="3200" spc="-1" strike="noStrike">
+              <a:solidFill>
+                <a:srgbClr val="000000"/>
+              </a:solidFill>
+              <a:uFill>
+                <a:solidFill>
+                  <a:srgbClr val="ffffff"/>
+                </a:solidFill>
+              </a:uFill>
+              <a:latin typeface="Arial"/>
+            </a:endParaRPr>
+          </a:p>
+        </p:txBody>
+      </p:sp>
+      <p:sp>
+        <p:nvSpPr>
+          <p:cNvPr id="174" name="PlaceHolder 5"/>
+          <p:cNvSpPr>
+            <a:spLocks noGrp="1"/>
+          </p:cNvSpPr>
+          <p:nvPr>
+            <p:ph type="body"/>
+          </p:nvPr>
+        </p:nvSpPr>
+        <p:spPr>
+          <a:xfrm>
+            <a:off x="609480" y="3682080"/>
+            <a:ext cx="5354280" cy="1896840"/>
+          </a:xfrm>
+          <a:prstGeom prst="rect">
+            <a:avLst/>
+          </a:prstGeom>
+        </p:spPr>
+        <p:txBody>
+          <a:bodyPr lIns="0" rIns="0" tIns="0" bIns="0"/>
+          <a:p>
+            <a:endParaRPr b="0" lang="en-US" sz="3200" spc="-1" strike="noStrike">
               <a:solidFill>
                 <a:srgbClr val="000000"/>
               </a:solidFill>
@@ -2439,7 +6690,7 @@
         <p:spPr>
           <a:xfrm>
             <a:off x="609480" y="273600"/>
-            <a:ext cx="10972440" cy="5307840"/>
+            <a:ext cx="10972080" cy="5306400"/>
           </a:xfrm>
           <a:prstGeom prst="rect">
             <a:avLst/>
@@ -2463,6 +6714,183 @@
           </a:p>
         </p:txBody>
       </p:sp>
+    </p:spTree>
+  </p:cSld>
+</p:sldLayout>
+</file>
+
+<file path=ppt/slideLayouts/slideLayout60.xml><?xml version="1.0" encoding="utf-8"?>
+<p:sldLayout xmlns:a="http://schemas.openxmlformats.org/drawingml/2006/main" xmlns:p="http://schemas.openxmlformats.org/presentationml/2006/main" xmlns:r="http://schemas.openxmlformats.org/officeDocument/2006/relationships" xmlns:p14="http://schemas.microsoft.com/office/powerpoint/2010/main" xmlns:p15="http://schemas.microsoft.com/office/powerpoint/2012/main" xmlns:mc="http://schemas.openxmlformats.org/markup-compatibility/2006" type="blank" preserve="1">
+  <p:cSld name="Title, 6 Content">
+    <p:spTree>
+      <p:nvGrpSpPr>
+        <p:cNvPr id="1" name=""/>
+        <p:cNvGrpSpPr/>
+        <p:nvPr/>
+      </p:nvGrpSpPr>
+      <p:grpSpPr>
+        <a:xfrm>
+          <a:off x="0" y="0"/>
+          <a:ext cx="0" cy="0"/>
+          <a:chOff x="0" y="0"/>
+          <a:chExt cx="0" cy="0"/>
+        </a:xfrm>
+      </p:grpSpPr>
+      <p:sp>
+        <p:nvSpPr>
+          <p:cNvPr id="175" name="PlaceHolder 1"/>
+          <p:cNvSpPr>
+            <a:spLocks noGrp="1"/>
+          </p:cNvSpPr>
+          <p:nvPr>
+            <p:ph type="title"/>
+          </p:nvPr>
+        </p:nvSpPr>
+        <p:spPr>
+          <a:xfrm>
+            <a:off x="609480" y="273600"/>
+            <a:ext cx="10972080" cy="1144440"/>
+          </a:xfrm>
+          <a:prstGeom prst="rect">
+            <a:avLst/>
+          </a:prstGeom>
+        </p:spPr>
+        <p:txBody>
+          <a:bodyPr lIns="0" rIns="0" tIns="0" bIns="0" anchor="ctr"/>
+          <a:p>
+            <a:pPr algn="ctr"/>
+            <a:endParaRPr b="0" lang="en-US" sz="4400" spc="-1" strike="noStrike">
+              <a:solidFill>
+                <a:srgbClr val="000000"/>
+              </a:solidFill>
+              <a:uFill>
+                <a:solidFill>
+                  <a:srgbClr val="ffffff"/>
+                </a:solidFill>
+              </a:uFill>
+              <a:latin typeface="Arial"/>
+            </a:endParaRPr>
+          </a:p>
+        </p:txBody>
+      </p:sp>
+      <p:sp>
+        <p:nvSpPr>
+          <p:cNvPr id="176" name="PlaceHolder 2"/>
+          <p:cNvSpPr>
+            <a:spLocks noGrp="1"/>
+          </p:cNvSpPr>
+          <p:nvPr>
+            <p:ph type="body"/>
+          </p:nvPr>
+        </p:nvSpPr>
+        <p:spPr>
+          <a:xfrm>
+            <a:off x="609480" y="1604520"/>
+            <a:ext cx="10972440" cy="3977280"/>
+          </a:xfrm>
+          <a:prstGeom prst="rect">
+            <a:avLst/>
+          </a:prstGeom>
+        </p:spPr>
+        <p:txBody>
+          <a:bodyPr lIns="0" rIns="0" tIns="0" bIns="0"/>
+          <a:p>
+            <a:endParaRPr b="0" lang="en-US" sz="3200" spc="-1" strike="noStrike">
+              <a:solidFill>
+                <a:srgbClr val="000000"/>
+              </a:solidFill>
+              <a:uFill>
+                <a:solidFill>
+                  <a:srgbClr val="ffffff"/>
+                </a:solidFill>
+              </a:uFill>
+              <a:latin typeface="Arial"/>
+            </a:endParaRPr>
+          </a:p>
+        </p:txBody>
+      </p:sp>
+      <p:sp>
+        <p:nvSpPr>
+          <p:cNvPr id="177" name="PlaceHolder 3"/>
+          <p:cNvSpPr>
+            <a:spLocks noGrp="1"/>
+          </p:cNvSpPr>
+          <p:nvPr>
+            <p:ph type="body"/>
+          </p:nvPr>
+        </p:nvSpPr>
+        <p:spPr>
+          <a:xfrm>
+            <a:off x="609480" y="1604520"/>
+            <a:ext cx="10972440" cy="3977280"/>
+          </a:xfrm>
+          <a:prstGeom prst="rect">
+            <a:avLst/>
+          </a:prstGeom>
+        </p:spPr>
+        <p:txBody>
+          <a:bodyPr lIns="0" rIns="0" tIns="0" bIns="0"/>
+          <a:p>
+            <a:endParaRPr b="0" lang="en-US" sz="3200" spc="-1" strike="noStrike">
+              <a:solidFill>
+                <a:srgbClr val="000000"/>
+              </a:solidFill>
+              <a:uFill>
+                <a:solidFill>
+                  <a:srgbClr val="ffffff"/>
+                </a:solidFill>
+              </a:uFill>
+              <a:latin typeface="Arial"/>
+            </a:endParaRPr>
+          </a:p>
+        </p:txBody>
+      </p:sp>
+      <p:pic>
+        <p:nvPicPr>
+          <p:cNvPr id="178" name="" descr=""/>
+          <p:cNvPicPr/>
+          <p:nvPr/>
+        </p:nvPicPr>
+        <p:blipFill>
+          <a:blip r:embed="rId2"/>
+          <a:stretch/>
+        </p:blipFill>
+        <p:spPr>
+          <a:xfrm>
+            <a:off x="3602880" y="1604520"/>
+            <a:ext cx="4984920" cy="3977280"/>
+          </a:xfrm>
+          <a:prstGeom prst="rect">
+            <a:avLst/>
+          </a:prstGeom>
+          <a:ln>
+            <a:noFill/>
+          </a:ln>
+        </p:spPr>
+      </p:pic>
+      <p:pic>
+        <p:nvPicPr>
+          <p:cNvPr id="179" name="" descr=""/>
+          <p:cNvPicPr/>
+          <p:nvPr/>
+        </p:nvPicPr>
+        <p:blipFill>
+          <a:blip r:embed="rId3"/>
+          <a:stretch/>
+        </p:blipFill>
+        <p:spPr>
+          <a:xfrm>
+            <a:off x="3602880" y="1604520"/>
+            <a:ext cx="4984920" cy="3977280"/>
+          </a:xfrm>
+          <a:prstGeom prst="rect">
+            <a:avLst/>
+          </a:prstGeom>
+          <a:ln>
+            <a:noFill/>
+          </a:ln>
+        </p:spPr>
+      </p:pic>
     </p:spTree>
   </p:cSld>
 </p:sldLayout>
@@ -2498,7 +6926,7 @@
         <p:spPr>
           <a:xfrm>
             <a:off x="609480" y="273600"/>
-            <a:ext cx="10972440" cy="1144800"/>
+            <a:ext cx="10972080" cy="1144440"/>
           </a:xfrm>
           <a:prstGeom prst="rect">
             <a:avLst/>
@@ -2665,7 +7093,7 @@
         <p:spPr>
           <a:xfrm>
             <a:off x="609480" y="273600"/>
-            <a:ext cx="10972440" cy="1144800"/>
+            <a:ext cx="10972080" cy="1144440"/>
           </a:xfrm>
           <a:prstGeom prst="rect">
             <a:avLst/>
@@ -2832,7 +7260,7 @@
         <p:spPr>
           <a:xfrm>
             <a:off x="609480" y="273600"/>
-            <a:ext cx="10972440" cy="1144800"/>
+            <a:ext cx="10972080" cy="1144440"/>
           </a:xfrm>
           <a:prstGeom prst="rect">
             <a:avLst/>
@@ -3005,8 +7433,8 @@
         </p:nvSpPr>
         <p:spPr>
           <a:xfrm>
-            <a:off x="838080" y="365040"/>
-            <a:ext cx="10514880" cy="1324800"/>
+            <a:off x="609480" y="273600"/>
+            <a:ext cx="10972080" cy="1144440"/>
           </a:xfrm>
           <a:prstGeom prst="rect">
             <a:avLst/>
@@ -3043,7 +7471,7 @@
         <p:spPr>
           <a:xfrm>
             <a:off x="609480" y="1604520"/>
-            <a:ext cx="10972440" cy="3977280"/>
+            <a:ext cx="10972080" cy="3976920"/>
           </a:xfrm>
           <a:prstGeom prst="rect">
             <a:avLst/>
@@ -3061,7 +7489,7 @@
               <a:buChar char=""/>
             </a:pPr>
             <a:r>
-              <a:rPr b="0" lang="en-US" sz="3200" spc="-1" strike="noStrike">
+              <a:rPr b="0" lang="en-US" sz="1800" spc="-1" strike="noStrike">
                 <a:solidFill>
                   <a:srgbClr val="000000"/>
                 </a:solidFill>
@@ -3074,7 +7502,7 @@
               </a:rPr>
               <a:t>Click to edit the outline text format</a:t>
             </a:r>
-            <a:endParaRPr b="0" lang="en-US" sz="3200" spc="-1" strike="noStrike">
+            <a:endParaRPr b="0" lang="en-US" sz="1800" spc="-1" strike="noStrike">
               <a:solidFill>
                 <a:srgbClr val="000000"/>
               </a:solidFill>
@@ -3096,7 +7524,7 @@
               <a:buChar char=""/>
             </a:pPr>
             <a:r>
-              <a:rPr b="0" lang="en-US" sz="2800" spc="-1" strike="noStrike">
+              <a:rPr b="0" lang="en-US" sz="1800" spc="-1" strike="noStrike">
                 <a:solidFill>
                   <a:srgbClr val="000000"/>
                 </a:solidFill>
@@ -3109,7 +7537,7 @@
               </a:rPr>
               <a:t>Second Outline Level</a:t>
             </a:r>
-            <a:endParaRPr b="0" lang="en-US" sz="2800" spc="-1" strike="noStrike">
+            <a:endParaRPr b="0" lang="en-US" sz="1800" spc="-1" strike="noStrike">
               <a:solidFill>
                 <a:srgbClr val="000000"/>
               </a:solidFill>
@@ -3131,7 +7559,7 @@
               <a:buChar char=""/>
             </a:pPr>
             <a:r>
-              <a:rPr b="0" lang="en-US" sz="2400" spc="-1" strike="noStrike">
+              <a:rPr b="0" lang="en-US" sz="1800" spc="-1" strike="noStrike">
                 <a:solidFill>
                   <a:srgbClr val="000000"/>
                 </a:solidFill>
@@ -3144,7 +7572,7 @@
               </a:rPr>
               <a:t>Third Outline Level</a:t>
             </a:r>
-            <a:endParaRPr b="0" lang="en-US" sz="2400" spc="-1" strike="noStrike">
+            <a:endParaRPr b="0" lang="en-US" sz="1800" spc="-1" strike="noStrike">
               <a:solidFill>
                 <a:srgbClr val="000000"/>
               </a:solidFill>
@@ -3166,7 +7594,7 @@
               <a:buChar char=""/>
             </a:pPr>
             <a:r>
-              <a:rPr b="0" lang="en-US" sz="2000" spc="-1" strike="noStrike">
+              <a:rPr b="0" lang="en-US" sz="1800" spc="-1" strike="noStrike">
                 <a:solidFill>
                   <a:srgbClr val="000000"/>
                 </a:solidFill>
@@ -3179,7 +7607,7 @@
               </a:rPr>
               <a:t>Fourth Outline Level</a:t>
             </a:r>
-            <a:endParaRPr b="0" lang="en-US" sz="2000" spc="-1" strike="noStrike">
+            <a:endParaRPr b="0" lang="en-US" sz="1800" spc="-1" strike="noStrike">
               <a:solidFill>
                 <a:srgbClr val="000000"/>
               </a:solidFill>
@@ -3201,7 +7629,7 @@
               <a:buChar char=""/>
             </a:pPr>
             <a:r>
-              <a:rPr b="0" lang="en-US" sz="2000" spc="-1" strike="noStrike">
+              <a:rPr b="0" lang="en-US" sz="1800" spc="-1" strike="noStrike">
                 <a:solidFill>
                   <a:srgbClr val="000000"/>
                 </a:solidFill>
@@ -3214,7 +7642,7 @@
               </a:rPr>
               <a:t>Fifth Outline Level</a:t>
             </a:r>
-            <a:endParaRPr b="0" lang="en-US" sz="2000" spc="-1" strike="noStrike">
+            <a:endParaRPr b="0" lang="en-US" sz="1800" spc="-1" strike="noStrike">
               <a:solidFill>
                 <a:srgbClr val="000000"/>
               </a:solidFill>
@@ -3236,7 +7664,7 @@
               <a:buChar char=""/>
             </a:pPr>
             <a:r>
-              <a:rPr b="0" lang="en-US" sz="2000" spc="-1" strike="noStrike">
+              <a:rPr b="0" lang="en-US" sz="1800" spc="-1" strike="noStrike">
                 <a:solidFill>
                   <a:srgbClr val="000000"/>
                 </a:solidFill>
@@ -3249,7 +7677,7 @@
               </a:rPr>
               <a:t>Sixth Outline Level</a:t>
             </a:r>
-            <a:endParaRPr b="0" lang="en-US" sz="2000" spc="-1" strike="noStrike">
+            <a:endParaRPr b="0" lang="en-US" sz="1800" spc="-1" strike="noStrike">
               <a:solidFill>
                 <a:srgbClr val="000000"/>
               </a:solidFill>
@@ -3271,7 +7699,7 @@
               <a:buChar char=""/>
             </a:pPr>
             <a:r>
-              <a:rPr b="0" lang="en-US" sz="2000" spc="-1" strike="noStrike">
+              <a:rPr b="0" lang="en-US" sz="1800" spc="-1" strike="noStrike">
                 <a:solidFill>
                   <a:srgbClr val="000000"/>
                 </a:solidFill>
@@ -3284,7 +7712,7 @@
               </a:rPr>
               <a:t>Seventh Outline Level</a:t>
             </a:r>
-            <a:endParaRPr b="0" lang="en-US" sz="2000" spc="-1" strike="noStrike">
+            <a:endParaRPr b="0" lang="en-US" sz="1800" spc="-1" strike="noStrike">
               <a:solidFill>
                 <a:srgbClr val="000000"/>
               </a:solidFill>
@@ -3681,6 +8109,1053 @@
 </p:sldMaster>
 </file>
 
+<file path=ppt/slideMasters/slideMaster3.xml><?xml version="1.0" encoding="utf-8"?>
+<p:sldMaster xmlns:a="http://schemas.openxmlformats.org/drawingml/2006/main" xmlns:p="http://schemas.openxmlformats.org/presentationml/2006/main" xmlns:r="http://schemas.openxmlformats.org/officeDocument/2006/relationships" xmlns:p14="http://schemas.microsoft.com/office/powerpoint/2010/main" xmlns:p15="http://schemas.microsoft.com/office/powerpoint/2012/main" xmlns:mc="http://schemas.openxmlformats.org/markup-compatibility/2006">
+  <p:cSld>
+    <p:bg>
+      <p:bgPr>
+        <a:solidFill>
+          <a:srgbClr val="ffffff"/>
+        </a:solidFill>
+      </p:bgPr>
+    </p:bg>
+    <p:spTree>
+      <p:nvGrpSpPr>
+        <p:cNvPr id="1" name=""/>
+        <p:cNvGrpSpPr/>
+        <p:nvPr/>
+      </p:nvGrpSpPr>
+      <p:grpSpPr>
+        <a:xfrm>
+          <a:off x="0" y="0"/>
+          <a:ext cx="0" cy="0"/>
+          <a:chOff x="0" y="0"/>
+          <a:chExt cx="0" cy="0"/>
+        </a:xfrm>
+      </p:grpSpPr>
+      <p:sp>
+        <p:nvSpPr>
+          <p:cNvPr id="72" name="PlaceHolder 1"/>
+          <p:cNvSpPr>
+            <a:spLocks noGrp="1"/>
+          </p:cNvSpPr>
+          <p:nvPr>
+            <p:ph type="title"/>
+          </p:nvPr>
+        </p:nvSpPr>
+        <p:spPr>
+          <a:xfrm>
+            <a:off x="609480" y="273600"/>
+            <a:ext cx="10972080" cy="1144440"/>
+          </a:xfrm>
+          <a:prstGeom prst="rect">
+            <a:avLst/>
+          </a:prstGeom>
+        </p:spPr>
+        <p:txBody>
+          <a:bodyPr lIns="0" rIns="0" tIns="0" bIns="0" anchor="ctr"/>
+          <a:p>
+            <a:pPr algn="ctr"/>
+            <a:endParaRPr b="0" lang="en-US" sz="4400" spc="-1" strike="noStrike">
+              <a:solidFill>
+                <a:srgbClr val="000000"/>
+              </a:solidFill>
+              <a:uFill>
+                <a:solidFill>
+                  <a:srgbClr val="ffffff"/>
+                </a:solidFill>
+              </a:uFill>
+              <a:latin typeface="Arial"/>
+            </a:endParaRPr>
+          </a:p>
+        </p:txBody>
+      </p:sp>
+      <p:sp>
+        <p:nvSpPr>
+          <p:cNvPr id="73" name="PlaceHolder 2"/>
+          <p:cNvSpPr>
+            <a:spLocks noGrp="1"/>
+          </p:cNvSpPr>
+          <p:nvPr>
+            <p:ph type="body"/>
+          </p:nvPr>
+        </p:nvSpPr>
+        <p:spPr>
+          <a:xfrm>
+            <a:off x="609480" y="1604520"/>
+            <a:ext cx="10972440" cy="3977280"/>
+          </a:xfrm>
+          <a:prstGeom prst="rect">
+            <a:avLst/>
+          </a:prstGeom>
+        </p:spPr>
+        <p:txBody>
+          <a:bodyPr lIns="0" rIns="0" tIns="0" bIns="0"/>
+          <a:p>
+            <a:pPr marL="432000" indent="-324000">
+              <a:buClr>
+                <a:srgbClr val="000000"/>
+              </a:buClr>
+              <a:buSzPct val="45000"/>
+              <a:buFont typeface="Wingdings" charset="2"/>
+              <a:buChar char=""/>
+            </a:pPr>
+            <a:r>
+              <a:rPr b="0" lang="en-US" sz="3200" spc="-1" strike="noStrike">
+                <a:solidFill>
+                  <a:srgbClr val="000000"/>
+                </a:solidFill>
+                <a:uFill>
+                  <a:solidFill>
+                    <a:srgbClr val="ffffff"/>
+                  </a:solidFill>
+                </a:uFill>
+                <a:latin typeface="Arial"/>
+              </a:rPr>
+              <a:t>Click to edit the outline text format</a:t>
+            </a:r>
+            <a:endParaRPr b="0" lang="en-US" sz="3200" spc="-1" strike="noStrike">
+              <a:solidFill>
+                <a:srgbClr val="000000"/>
+              </a:solidFill>
+              <a:uFill>
+                <a:solidFill>
+                  <a:srgbClr val="ffffff"/>
+                </a:solidFill>
+              </a:uFill>
+              <a:latin typeface="Arial"/>
+            </a:endParaRPr>
+          </a:p>
+          <a:p>
+            <a:pPr lvl="1" marL="864000" indent="-324000">
+              <a:buClr>
+                <a:srgbClr val="000000"/>
+              </a:buClr>
+              <a:buSzPct val="75000"/>
+              <a:buFont typeface="Symbol" charset="2"/>
+              <a:buChar char=""/>
+            </a:pPr>
+            <a:r>
+              <a:rPr b="0" lang="en-US" sz="2800" spc="-1" strike="noStrike">
+                <a:solidFill>
+                  <a:srgbClr val="000000"/>
+                </a:solidFill>
+                <a:uFill>
+                  <a:solidFill>
+                    <a:srgbClr val="ffffff"/>
+                  </a:solidFill>
+                </a:uFill>
+                <a:latin typeface="Arial"/>
+              </a:rPr>
+              <a:t>Second Outline Level</a:t>
+            </a:r>
+            <a:endParaRPr b="0" lang="en-US" sz="2800" spc="-1" strike="noStrike">
+              <a:solidFill>
+                <a:srgbClr val="000000"/>
+              </a:solidFill>
+              <a:uFill>
+                <a:solidFill>
+                  <a:srgbClr val="ffffff"/>
+                </a:solidFill>
+              </a:uFill>
+              <a:latin typeface="Arial"/>
+            </a:endParaRPr>
+          </a:p>
+          <a:p>
+            <a:pPr lvl="2" marL="1296000" indent="-288000">
+              <a:buClr>
+                <a:srgbClr val="000000"/>
+              </a:buClr>
+              <a:buSzPct val="45000"/>
+              <a:buFont typeface="Wingdings" charset="2"/>
+              <a:buChar char=""/>
+            </a:pPr>
+            <a:r>
+              <a:rPr b="0" lang="en-US" sz="2400" spc="-1" strike="noStrike">
+                <a:solidFill>
+                  <a:srgbClr val="000000"/>
+                </a:solidFill>
+                <a:uFill>
+                  <a:solidFill>
+                    <a:srgbClr val="ffffff"/>
+                  </a:solidFill>
+                </a:uFill>
+                <a:latin typeface="Arial"/>
+              </a:rPr>
+              <a:t>Third Outline Level</a:t>
+            </a:r>
+            <a:endParaRPr b="0" lang="en-US" sz="2400" spc="-1" strike="noStrike">
+              <a:solidFill>
+                <a:srgbClr val="000000"/>
+              </a:solidFill>
+              <a:uFill>
+                <a:solidFill>
+                  <a:srgbClr val="ffffff"/>
+                </a:solidFill>
+              </a:uFill>
+              <a:latin typeface="Arial"/>
+            </a:endParaRPr>
+          </a:p>
+          <a:p>
+            <a:pPr lvl="3" marL="1728000" indent="-216000">
+              <a:buClr>
+                <a:srgbClr val="000000"/>
+              </a:buClr>
+              <a:buSzPct val="75000"/>
+              <a:buFont typeface="Symbol" charset="2"/>
+              <a:buChar char=""/>
+            </a:pPr>
+            <a:r>
+              <a:rPr b="0" lang="en-US" sz="2000" spc="-1" strike="noStrike">
+                <a:solidFill>
+                  <a:srgbClr val="000000"/>
+                </a:solidFill>
+                <a:uFill>
+                  <a:solidFill>
+                    <a:srgbClr val="ffffff"/>
+                  </a:solidFill>
+                </a:uFill>
+                <a:latin typeface="Arial"/>
+              </a:rPr>
+              <a:t>Fourth Outline Level</a:t>
+            </a:r>
+            <a:endParaRPr b="0" lang="en-US" sz="2000" spc="-1" strike="noStrike">
+              <a:solidFill>
+                <a:srgbClr val="000000"/>
+              </a:solidFill>
+              <a:uFill>
+                <a:solidFill>
+                  <a:srgbClr val="ffffff"/>
+                </a:solidFill>
+              </a:uFill>
+              <a:latin typeface="Arial"/>
+            </a:endParaRPr>
+          </a:p>
+          <a:p>
+            <a:pPr lvl="4" marL="2160000" indent="-216000">
+              <a:buClr>
+                <a:srgbClr val="000000"/>
+              </a:buClr>
+              <a:buSzPct val="45000"/>
+              <a:buFont typeface="Wingdings" charset="2"/>
+              <a:buChar char=""/>
+            </a:pPr>
+            <a:r>
+              <a:rPr b="0" lang="en-US" sz="2000" spc="-1" strike="noStrike">
+                <a:solidFill>
+                  <a:srgbClr val="000000"/>
+                </a:solidFill>
+                <a:uFill>
+                  <a:solidFill>
+                    <a:srgbClr val="ffffff"/>
+                  </a:solidFill>
+                </a:uFill>
+                <a:latin typeface="Arial"/>
+              </a:rPr>
+              <a:t>Fifth Outline Level</a:t>
+            </a:r>
+            <a:endParaRPr b="0" lang="en-US" sz="2000" spc="-1" strike="noStrike">
+              <a:solidFill>
+                <a:srgbClr val="000000"/>
+              </a:solidFill>
+              <a:uFill>
+                <a:solidFill>
+                  <a:srgbClr val="ffffff"/>
+                </a:solidFill>
+              </a:uFill>
+              <a:latin typeface="Arial"/>
+            </a:endParaRPr>
+          </a:p>
+          <a:p>
+            <a:pPr lvl="5" marL="2592000" indent="-216000">
+              <a:buClr>
+                <a:srgbClr val="000000"/>
+              </a:buClr>
+              <a:buSzPct val="45000"/>
+              <a:buFont typeface="Wingdings" charset="2"/>
+              <a:buChar char=""/>
+            </a:pPr>
+            <a:r>
+              <a:rPr b="0" lang="en-US" sz="2000" spc="-1" strike="noStrike">
+                <a:solidFill>
+                  <a:srgbClr val="000000"/>
+                </a:solidFill>
+                <a:uFill>
+                  <a:solidFill>
+                    <a:srgbClr val="ffffff"/>
+                  </a:solidFill>
+                </a:uFill>
+                <a:latin typeface="Arial"/>
+              </a:rPr>
+              <a:t>Sixth Outline Level</a:t>
+            </a:r>
+            <a:endParaRPr b="0" lang="en-US" sz="2000" spc="-1" strike="noStrike">
+              <a:solidFill>
+                <a:srgbClr val="000000"/>
+              </a:solidFill>
+              <a:uFill>
+                <a:solidFill>
+                  <a:srgbClr val="ffffff"/>
+                </a:solidFill>
+              </a:uFill>
+              <a:latin typeface="Arial"/>
+            </a:endParaRPr>
+          </a:p>
+          <a:p>
+            <a:pPr lvl="6" marL="3024000" indent="-216000">
+              <a:buClr>
+                <a:srgbClr val="000000"/>
+              </a:buClr>
+              <a:buSzPct val="45000"/>
+              <a:buFont typeface="Wingdings" charset="2"/>
+              <a:buChar char=""/>
+            </a:pPr>
+            <a:r>
+              <a:rPr b="0" lang="en-US" sz="2000" spc="-1" strike="noStrike">
+                <a:solidFill>
+                  <a:srgbClr val="000000"/>
+                </a:solidFill>
+                <a:uFill>
+                  <a:solidFill>
+                    <a:srgbClr val="ffffff"/>
+                  </a:solidFill>
+                </a:uFill>
+                <a:latin typeface="Arial"/>
+              </a:rPr>
+              <a:t>Seventh Outline Level</a:t>
+            </a:r>
+            <a:endParaRPr b="0" lang="en-US" sz="2000" spc="-1" strike="noStrike">
+              <a:solidFill>
+                <a:srgbClr val="000000"/>
+              </a:solidFill>
+              <a:uFill>
+                <a:solidFill>
+                  <a:srgbClr val="ffffff"/>
+                </a:solidFill>
+              </a:uFill>
+              <a:latin typeface="Arial"/>
+            </a:endParaRPr>
+          </a:p>
+        </p:txBody>
+      </p:sp>
+    </p:spTree>
+  </p:cSld>
+  <p:clrMap bg1="lt1" bg2="lt2" tx1="dk1" tx2="dk2" accent1="accent1" accent2="accent2" accent3="accent3" accent4="accent4" accent5="accent5" accent6="accent6" hlink="hlink" folHlink="folHlink"/>
+  <p:sldLayoutIdLst>
+    <p:sldLayoutId id="2147483675" r:id="rId2"/>
+    <p:sldLayoutId id="2147483676" r:id="rId3"/>
+    <p:sldLayoutId id="2147483677" r:id="rId4"/>
+    <p:sldLayoutId id="2147483678" r:id="rId5"/>
+    <p:sldLayoutId id="2147483679" r:id="rId6"/>
+    <p:sldLayoutId id="2147483680" r:id="rId7"/>
+    <p:sldLayoutId id="2147483681" r:id="rId8"/>
+    <p:sldLayoutId id="2147483682" r:id="rId9"/>
+    <p:sldLayoutId id="2147483683" r:id="rId10"/>
+    <p:sldLayoutId id="2147483684" r:id="rId11"/>
+    <p:sldLayoutId id="2147483685" r:id="rId12"/>
+    <p:sldLayoutId id="2147483686" r:id="rId13"/>
+  </p:sldLayoutIdLst>
+</p:sldMaster>
+</file>
+
+<file path=ppt/slideMasters/slideMaster4.xml><?xml version="1.0" encoding="utf-8"?>
+<p:sldMaster xmlns:a="http://schemas.openxmlformats.org/drawingml/2006/main" xmlns:p="http://schemas.openxmlformats.org/presentationml/2006/main" xmlns:r="http://schemas.openxmlformats.org/officeDocument/2006/relationships" xmlns:p14="http://schemas.microsoft.com/office/powerpoint/2010/main" xmlns:p15="http://schemas.microsoft.com/office/powerpoint/2012/main" xmlns:mc="http://schemas.openxmlformats.org/markup-compatibility/2006">
+  <p:cSld>
+    <p:bg>
+      <p:bgPr>
+        <a:solidFill>
+          <a:srgbClr val="ffffff"/>
+        </a:solidFill>
+      </p:bgPr>
+    </p:bg>
+    <p:spTree>
+      <p:nvGrpSpPr>
+        <p:cNvPr id="1" name=""/>
+        <p:cNvGrpSpPr/>
+        <p:nvPr/>
+      </p:nvGrpSpPr>
+      <p:grpSpPr>
+        <a:xfrm>
+          <a:off x="0" y="0"/>
+          <a:ext cx="0" cy="0"/>
+          <a:chOff x="0" y="0"/>
+          <a:chExt cx="0" cy="0"/>
+        </a:xfrm>
+      </p:grpSpPr>
+      <p:sp>
+        <p:nvSpPr>
+          <p:cNvPr id="108" name="PlaceHolder 1"/>
+          <p:cNvSpPr>
+            <a:spLocks noGrp="1"/>
+          </p:cNvSpPr>
+          <p:nvPr>
+            <p:ph type="title"/>
+          </p:nvPr>
+        </p:nvSpPr>
+        <p:spPr>
+          <a:xfrm>
+            <a:off x="609480" y="273600"/>
+            <a:ext cx="10972080" cy="1144440"/>
+          </a:xfrm>
+          <a:prstGeom prst="rect">
+            <a:avLst/>
+          </a:prstGeom>
+        </p:spPr>
+        <p:txBody>
+          <a:bodyPr lIns="0" rIns="0" tIns="0" bIns="0" anchor="ctr"/>
+          <a:p>
+            <a:pPr algn="ctr"/>
+            <a:endParaRPr b="0" lang="en-US" sz="4400" spc="-1" strike="noStrike">
+              <a:solidFill>
+                <a:srgbClr val="000000"/>
+              </a:solidFill>
+              <a:uFill>
+                <a:solidFill>
+                  <a:srgbClr val="ffffff"/>
+                </a:solidFill>
+              </a:uFill>
+              <a:latin typeface="Arial"/>
+            </a:endParaRPr>
+          </a:p>
+        </p:txBody>
+      </p:sp>
+      <p:sp>
+        <p:nvSpPr>
+          <p:cNvPr id="109" name="PlaceHolder 2"/>
+          <p:cNvSpPr>
+            <a:spLocks noGrp="1"/>
+          </p:cNvSpPr>
+          <p:nvPr>
+            <p:ph type="body"/>
+          </p:nvPr>
+        </p:nvSpPr>
+        <p:spPr>
+          <a:xfrm>
+            <a:off x="609480" y="1604520"/>
+            <a:ext cx="10972080" cy="3976920"/>
+          </a:xfrm>
+          <a:prstGeom prst="rect">
+            <a:avLst/>
+          </a:prstGeom>
+        </p:spPr>
+        <p:txBody>
+          <a:bodyPr lIns="0" rIns="0" tIns="0" bIns="0"/>
+          <a:p>
+            <a:pPr marL="432000" indent="-324000">
+              <a:buClr>
+                <a:srgbClr val="000000"/>
+              </a:buClr>
+              <a:buSzPct val="45000"/>
+              <a:buFont typeface="Wingdings" charset="2"/>
+              <a:buChar char=""/>
+            </a:pPr>
+            <a:r>
+              <a:rPr b="0" lang="en-US" sz="1800" spc="-1" strike="noStrike">
+                <a:solidFill>
+                  <a:srgbClr val="000000"/>
+                </a:solidFill>
+                <a:uFill>
+                  <a:solidFill>
+                    <a:srgbClr val="ffffff"/>
+                  </a:solidFill>
+                </a:uFill>
+                <a:latin typeface="Arial"/>
+              </a:rPr>
+              <a:t>Click to edit the outline text format</a:t>
+            </a:r>
+            <a:endParaRPr b="0" lang="en-US" sz="1800" spc="-1" strike="noStrike">
+              <a:solidFill>
+                <a:srgbClr val="000000"/>
+              </a:solidFill>
+              <a:uFill>
+                <a:solidFill>
+                  <a:srgbClr val="ffffff"/>
+                </a:solidFill>
+              </a:uFill>
+              <a:latin typeface="Arial"/>
+            </a:endParaRPr>
+          </a:p>
+          <a:p>
+            <a:pPr lvl="1" marL="864000" indent="-324000">
+              <a:buClr>
+                <a:srgbClr val="000000"/>
+              </a:buClr>
+              <a:buSzPct val="75000"/>
+              <a:buFont typeface="Symbol" charset="2"/>
+              <a:buChar char=""/>
+            </a:pPr>
+            <a:r>
+              <a:rPr b="0" lang="en-US" sz="1800" spc="-1" strike="noStrike">
+                <a:solidFill>
+                  <a:srgbClr val="000000"/>
+                </a:solidFill>
+                <a:uFill>
+                  <a:solidFill>
+                    <a:srgbClr val="ffffff"/>
+                  </a:solidFill>
+                </a:uFill>
+                <a:latin typeface="Arial"/>
+              </a:rPr>
+              <a:t>Second Outline Level</a:t>
+            </a:r>
+            <a:endParaRPr b="0" lang="en-US" sz="1800" spc="-1" strike="noStrike">
+              <a:solidFill>
+                <a:srgbClr val="000000"/>
+              </a:solidFill>
+              <a:uFill>
+                <a:solidFill>
+                  <a:srgbClr val="ffffff"/>
+                </a:solidFill>
+              </a:uFill>
+              <a:latin typeface="Arial"/>
+            </a:endParaRPr>
+          </a:p>
+          <a:p>
+            <a:pPr lvl="2" marL="1296000" indent="-288000">
+              <a:buClr>
+                <a:srgbClr val="000000"/>
+              </a:buClr>
+              <a:buSzPct val="45000"/>
+              <a:buFont typeface="Wingdings" charset="2"/>
+              <a:buChar char=""/>
+            </a:pPr>
+            <a:r>
+              <a:rPr b="0" lang="en-US" sz="1800" spc="-1" strike="noStrike">
+                <a:solidFill>
+                  <a:srgbClr val="000000"/>
+                </a:solidFill>
+                <a:uFill>
+                  <a:solidFill>
+                    <a:srgbClr val="ffffff"/>
+                  </a:solidFill>
+                </a:uFill>
+                <a:latin typeface="Arial"/>
+              </a:rPr>
+              <a:t>Third Outline Level</a:t>
+            </a:r>
+            <a:endParaRPr b="0" lang="en-US" sz="1800" spc="-1" strike="noStrike">
+              <a:solidFill>
+                <a:srgbClr val="000000"/>
+              </a:solidFill>
+              <a:uFill>
+                <a:solidFill>
+                  <a:srgbClr val="ffffff"/>
+                </a:solidFill>
+              </a:uFill>
+              <a:latin typeface="Arial"/>
+            </a:endParaRPr>
+          </a:p>
+          <a:p>
+            <a:pPr lvl="3" marL="1728000" indent="-216000">
+              <a:buClr>
+                <a:srgbClr val="000000"/>
+              </a:buClr>
+              <a:buSzPct val="75000"/>
+              <a:buFont typeface="Symbol" charset="2"/>
+              <a:buChar char=""/>
+            </a:pPr>
+            <a:r>
+              <a:rPr b="0" lang="en-US" sz="1800" spc="-1" strike="noStrike">
+                <a:solidFill>
+                  <a:srgbClr val="000000"/>
+                </a:solidFill>
+                <a:uFill>
+                  <a:solidFill>
+                    <a:srgbClr val="ffffff"/>
+                  </a:solidFill>
+                </a:uFill>
+                <a:latin typeface="Arial"/>
+              </a:rPr>
+              <a:t>Fourth Outline Level</a:t>
+            </a:r>
+            <a:endParaRPr b="0" lang="en-US" sz="1800" spc="-1" strike="noStrike">
+              <a:solidFill>
+                <a:srgbClr val="000000"/>
+              </a:solidFill>
+              <a:uFill>
+                <a:solidFill>
+                  <a:srgbClr val="ffffff"/>
+                </a:solidFill>
+              </a:uFill>
+              <a:latin typeface="Arial"/>
+            </a:endParaRPr>
+          </a:p>
+          <a:p>
+            <a:pPr lvl="4" marL="2160000" indent="-216000">
+              <a:buClr>
+                <a:srgbClr val="000000"/>
+              </a:buClr>
+              <a:buSzPct val="45000"/>
+              <a:buFont typeface="Wingdings" charset="2"/>
+              <a:buChar char=""/>
+            </a:pPr>
+            <a:r>
+              <a:rPr b="0" lang="en-US" sz="1800" spc="-1" strike="noStrike">
+                <a:solidFill>
+                  <a:srgbClr val="000000"/>
+                </a:solidFill>
+                <a:uFill>
+                  <a:solidFill>
+                    <a:srgbClr val="ffffff"/>
+                  </a:solidFill>
+                </a:uFill>
+                <a:latin typeface="Arial"/>
+              </a:rPr>
+              <a:t>Fifth Outline Level</a:t>
+            </a:r>
+            <a:endParaRPr b="0" lang="en-US" sz="1800" spc="-1" strike="noStrike">
+              <a:solidFill>
+                <a:srgbClr val="000000"/>
+              </a:solidFill>
+              <a:uFill>
+                <a:solidFill>
+                  <a:srgbClr val="ffffff"/>
+                </a:solidFill>
+              </a:uFill>
+              <a:latin typeface="Arial"/>
+            </a:endParaRPr>
+          </a:p>
+          <a:p>
+            <a:pPr lvl="5" marL="2592000" indent="-216000">
+              <a:buClr>
+                <a:srgbClr val="000000"/>
+              </a:buClr>
+              <a:buSzPct val="45000"/>
+              <a:buFont typeface="Wingdings" charset="2"/>
+              <a:buChar char=""/>
+            </a:pPr>
+            <a:r>
+              <a:rPr b="0" lang="en-US" sz="1800" spc="-1" strike="noStrike">
+                <a:solidFill>
+                  <a:srgbClr val="000000"/>
+                </a:solidFill>
+                <a:uFill>
+                  <a:solidFill>
+                    <a:srgbClr val="ffffff"/>
+                  </a:solidFill>
+                </a:uFill>
+                <a:latin typeface="Arial"/>
+              </a:rPr>
+              <a:t>Sixth Outline Level</a:t>
+            </a:r>
+            <a:endParaRPr b="0" lang="en-US" sz="1800" spc="-1" strike="noStrike">
+              <a:solidFill>
+                <a:srgbClr val="000000"/>
+              </a:solidFill>
+              <a:uFill>
+                <a:solidFill>
+                  <a:srgbClr val="ffffff"/>
+                </a:solidFill>
+              </a:uFill>
+              <a:latin typeface="Arial"/>
+            </a:endParaRPr>
+          </a:p>
+          <a:p>
+            <a:pPr lvl="6" marL="3024000" indent="-216000">
+              <a:buClr>
+                <a:srgbClr val="000000"/>
+              </a:buClr>
+              <a:buSzPct val="45000"/>
+              <a:buFont typeface="Wingdings" charset="2"/>
+              <a:buChar char=""/>
+            </a:pPr>
+            <a:r>
+              <a:rPr b="0" lang="en-US" sz="1800" spc="-1" strike="noStrike">
+                <a:solidFill>
+                  <a:srgbClr val="000000"/>
+                </a:solidFill>
+                <a:uFill>
+                  <a:solidFill>
+                    <a:srgbClr val="ffffff"/>
+                  </a:solidFill>
+                </a:uFill>
+                <a:latin typeface="Arial"/>
+              </a:rPr>
+              <a:t>Seventh Outline Level</a:t>
+            </a:r>
+            <a:endParaRPr b="0" lang="en-US" sz="1800" spc="-1" strike="noStrike">
+              <a:solidFill>
+                <a:srgbClr val="000000"/>
+              </a:solidFill>
+              <a:uFill>
+                <a:solidFill>
+                  <a:srgbClr val="ffffff"/>
+                </a:solidFill>
+              </a:uFill>
+              <a:latin typeface="Arial"/>
+            </a:endParaRPr>
+          </a:p>
+        </p:txBody>
+      </p:sp>
+    </p:spTree>
+  </p:cSld>
+  <p:clrMap bg1="lt1" bg2="lt2" tx1="dk1" tx2="dk2" accent1="accent1" accent2="accent2" accent3="accent3" accent4="accent4" accent5="accent5" accent6="accent6" hlink="hlink" folHlink="folHlink"/>
+  <p:sldLayoutIdLst>
+    <p:sldLayoutId id="2147483688" r:id="rId2"/>
+    <p:sldLayoutId id="2147483689" r:id="rId3"/>
+    <p:sldLayoutId id="2147483690" r:id="rId4"/>
+    <p:sldLayoutId id="2147483691" r:id="rId5"/>
+    <p:sldLayoutId id="2147483692" r:id="rId6"/>
+    <p:sldLayoutId id="2147483693" r:id="rId7"/>
+    <p:sldLayoutId id="2147483694" r:id="rId8"/>
+    <p:sldLayoutId id="2147483695" r:id="rId9"/>
+    <p:sldLayoutId id="2147483696" r:id="rId10"/>
+    <p:sldLayoutId id="2147483697" r:id="rId11"/>
+    <p:sldLayoutId id="2147483698" r:id="rId12"/>
+    <p:sldLayoutId id="2147483699" r:id="rId13"/>
+  </p:sldLayoutIdLst>
+</p:sldMaster>
+</file>
+
+<file path=ppt/slideMasters/slideMaster5.xml><?xml version="1.0" encoding="utf-8"?>
+<p:sldMaster xmlns:a="http://schemas.openxmlformats.org/drawingml/2006/main" xmlns:p="http://schemas.openxmlformats.org/presentationml/2006/main" xmlns:r="http://schemas.openxmlformats.org/officeDocument/2006/relationships" xmlns:p14="http://schemas.microsoft.com/office/powerpoint/2010/main" xmlns:p15="http://schemas.microsoft.com/office/powerpoint/2012/main" xmlns:mc="http://schemas.openxmlformats.org/markup-compatibility/2006">
+  <p:cSld>
+    <p:bg>
+      <p:bgPr>
+        <a:solidFill>
+          <a:srgbClr val="ffffff"/>
+        </a:solidFill>
+      </p:bgPr>
+    </p:bg>
+    <p:spTree>
+      <p:nvGrpSpPr>
+        <p:cNvPr id="1" name=""/>
+        <p:cNvGrpSpPr/>
+        <p:nvPr/>
+      </p:nvGrpSpPr>
+      <p:grpSpPr>
+        <a:xfrm>
+          <a:off x="0" y="0"/>
+          <a:ext cx="0" cy="0"/>
+          <a:chOff x="0" y="0"/>
+          <a:chExt cx="0" cy="0"/>
+        </a:xfrm>
+      </p:grpSpPr>
+      <p:sp>
+        <p:nvSpPr>
+          <p:cNvPr id="144" name="PlaceHolder 1"/>
+          <p:cNvSpPr>
+            <a:spLocks noGrp="1"/>
+          </p:cNvSpPr>
+          <p:nvPr>
+            <p:ph type="title"/>
+          </p:nvPr>
+        </p:nvSpPr>
+        <p:spPr>
+          <a:xfrm>
+            <a:off x="609480" y="273600"/>
+            <a:ext cx="10972080" cy="1144440"/>
+          </a:xfrm>
+          <a:prstGeom prst="rect">
+            <a:avLst/>
+          </a:prstGeom>
+        </p:spPr>
+        <p:txBody>
+          <a:bodyPr lIns="0" rIns="0" tIns="0" bIns="0" anchor="ctr"/>
+          <a:p>
+            <a:pPr algn="ctr"/>
+            <a:endParaRPr b="0" lang="en-US" sz="4400" spc="-1" strike="noStrike">
+              <a:solidFill>
+                <a:srgbClr val="000000"/>
+              </a:solidFill>
+              <a:uFill>
+                <a:solidFill>
+                  <a:srgbClr val="ffffff"/>
+                </a:solidFill>
+              </a:uFill>
+              <a:latin typeface="Arial"/>
+            </a:endParaRPr>
+          </a:p>
+        </p:txBody>
+      </p:sp>
+      <p:sp>
+        <p:nvSpPr>
+          <p:cNvPr id="145" name="PlaceHolder 2"/>
+          <p:cNvSpPr>
+            <a:spLocks noGrp="1"/>
+          </p:cNvSpPr>
+          <p:nvPr>
+            <p:ph type="body"/>
+          </p:nvPr>
+        </p:nvSpPr>
+        <p:spPr>
+          <a:xfrm>
+            <a:off x="609480" y="1604520"/>
+            <a:ext cx="10972440" cy="3977280"/>
+          </a:xfrm>
+          <a:prstGeom prst="rect">
+            <a:avLst/>
+          </a:prstGeom>
+        </p:spPr>
+        <p:txBody>
+          <a:bodyPr lIns="0" rIns="0" tIns="0" bIns="0"/>
+          <a:p>
+            <a:pPr marL="432000" indent="-324000">
+              <a:buClr>
+                <a:srgbClr val="000000"/>
+              </a:buClr>
+              <a:buSzPct val="45000"/>
+              <a:buFont typeface="Wingdings" charset="2"/>
+              <a:buChar char=""/>
+            </a:pPr>
+            <a:r>
+              <a:rPr b="0" lang="en-US" sz="3200" spc="-1" strike="noStrike">
+                <a:solidFill>
+                  <a:srgbClr val="000000"/>
+                </a:solidFill>
+                <a:uFill>
+                  <a:solidFill>
+                    <a:srgbClr val="ffffff"/>
+                  </a:solidFill>
+                </a:uFill>
+                <a:latin typeface="Arial"/>
+              </a:rPr>
+              <a:t>Click to edit the outline text format</a:t>
+            </a:r>
+            <a:endParaRPr b="0" lang="en-US" sz="3200" spc="-1" strike="noStrike">
+              <a:solidFill>
+                <a:srgbClr val="000000"/>
+              </a:solidFill>
+              <a:uFill>
+                <a:solidFill>
+                  <a:srgbClr val="ffffff"/>
+                </a:solidFill>
+              </a:uFill>
+              <a:latin typeface="Arial"/>
+            </a:endParaRPr>
+          </a:p>
+          <a:p>
+            <a:pPr lvl="1" marL="864000" indent="-324000">
+              <a:buClr>
+                <a:srgbClr val="000000"/>
+              </a:buClr>
+              <a:buSzPct val="75000"/>
+              <a:buFont typeface="Symbol" charset="2"/>
+              <a:buChar char=""/>
+            </a:pPr>
+            <a:r>
+              <a:rPr b="0" lang="en-US" sz="2800" spc="-1" strike="noStrike">
+                <a:solidFill>
+                  <a:srgbClr val="000000"/>
+                </a:solidFill>
+                <a:uFill>
+                  <a:solidFill>
+                    <a:srgbClr val="ffffff"/>
+                  </a:solidFill>
+                </a:uFill>
+                <a:latin typeface="Arial"/>
+              </a:rPr>
+              <a:t>Second Outline Level</a:t>
+            </a:r>
+            <a:endParaRPr b="0" lang="en-US" sz="2800" spc="-1" strike="noStrike">
+              <a:solidFill>
+                <a:srgbClr val="000000"/>
+              </a:solidFill>
+              <a:uFill>
+                <a:solidFill>
+                  <a:srgbClr val="ffffff"/>
+                </a:solidFill>
+              </a:uFill>
+              <a:latin typeface="Arial"/>
+            </a:endParaRPr>
+          </a:p>
+          <a:p>
+            <a:pPr lvl="2" marL="1296000" indent="-288000">
+              <a:buClr>
+                <a:srgbClr val="000000"/>
+              </a:buClr>
+              <a:buSzPct val="45000"/>
+              <a:buFont typeface="Wingdings" charset="2"/>
+              <a:buChar char=""/>
+            </a:pPr>
+            <a:r>
+              <a:rPr b="0" lang="en-US" sz="2400" spc="-1" strike="noStrike">
+                <a:solidFill>
+                  <a:srgbClr val="000000"/>
+                </a:solidFill>
+                <a:uFill>
+                  <a:solidFill>
+                    <a:srgbClr val="ffffff"/>
+                  </a:solidFill>
+                </a:uFill>
+                <a:latin typeface="Arial"/>
+              </a:rPr>
+              <a:t>Third Outline Level</a:t>
+            </a:r>
+            <a:endParaRPr b="0" lang="en-US" sz="2400" spc="-1" strike="noStrike">
+              <a:solidFill>
+                <a:srgbClr val="000000"/>
+              </a:solidFill>
+              <a:uFill>
+                <a:solidFill>
+                  <a:srgbClr val="ffffff"/>
+                </a:solidFill>
+              </a:uFill>
+              <a:latin typeface="Arial"/>
+            </a:endParaRPr>
+          </a:p>
+          <a:p>
+            <a:pPr lvl="3" marL="1728000" indent="-216000">
+              <a:buClr>
+                <a:srgbClr val="000000"/>
+              </a:buClr>
+              <a:buSzPct val="75000"/>
+              <a:buFont typeface="Symbol" charset="2"/>
+              <a:buChar char=""/>
+            </a:pPr>
+            <a:r>
+              <a:rPr b="0" lang="en-US" sz="2000" spc="-1" strike="noStrike">
+                <a:solidFill>
+                  <a:srgbClr val="000000"/>
+                </a:solidFill>
+                <a:uFill>
+                  <a:solidFill>
+                    <a:srgbClr val="ffffff"/>
+                  </a:solidFill>
+                </a:uFill>
+                <a:latin typeface="Arial"/>
+              </a:rPr>
+              <a:t>Fourth Outline Level</a:t>
+            </a:r>
+            <a:endParaRPr b="0" lang="en-US" sz="2000" spc="-1" strike="noStrike">
+              <a:solidFill>
+                <a:srgbClr val="000000"/>
+              </a:solidFill>
+              <a:uFill>
+                <a:solidFill>
+                  <a:srgbClr val="ffffff"/>
+                </a:solidFill>
+              </a:uFill>
+              <a:latin typeface="Arial"/>
+            </a:endParaRPr>
+          </a:p>
+          <a:p>
+            <a:pPr lvl="4" marL="2160000" indent="-216000">
+              <a:buClr>
+                <a:srgbClr val="000000"/>
+              </a:buClr>
+              <a:buSzPct val="45000"/>
+              <a:buFont typeface="Wingdings" charset="2"/>
+              <a:buChar char=""/>
+            </a:pPr>
+            <a:r>
+              <a:rPr b="0" lang="en-US" sz="2000" spc="-1" strike="noStrike">
+                <a:solidFill>
+                  <a:srgbClr val="000000"/>
+                </a:solidFill>
+                <a:uFill>
+                  <a:solidFill>
+                    <a:srgbClr val="ffffff"/>
+                  </a:solidFill>
+                </a:uFill>
+                <a:latin typeface="Arial"/>
+              </a:rPr>
+              <a:t>Fifth Outline Level</a:t>
+            </a:r>
+            <a:endParaRPr b="0" lang="en-US" sz="2000" spc="-1" strike="noStrike">
+              <a:solidFill>
+                <a:srgbClr val="000000"/>
+              </a:solidFill>
+              <a:uFill>
+                <a:solidFill>
+                  <a:srgbClr val="ffffff"/>
+                </a:solidFill>
+              </a:uFill>
+              <a:latin typeface="Arial"/>
+            </a:endParaRPr>
+          </a:p>
+          <a:p>
+            <a:pPr lvl="5" marL="2592000" indent="-216000">
+              <a:buClr>
+                <a:srgbClr val="000000"/>
+              </a:buClr>
+              <a:buSzPct val="45000"/>
+              <a:buFont typeface="Wingdings" charset="2"/>
+              <a:buChar char=""/>
+            </a:pPr>
+            <a:r>
+              <a:rPr b="0" lang="en-US" sz="2000" spc="-1" strike="noStrike">
+                <a:solidFill>
+                  <a:srgbClr val="000000"/>
+                </a:solidFill>
+                <a:uFill>
+                  <a:solidFill>
+                    <a:srgbClr val="ffffff"/>
+                  </a:solidFill>
+                </a:uFill>
+                <a:latin typeface="Arial"/>
+              </a:rPr>
+              <a:t>Sixth Outline Level</a:t>
+            </a:r>
+            <a:endParaRPr b="0" lang="en-US" sz="2000" spc="-1" strike="noStrike">
+              <a:solidFill>
+                <a:srgbClr val="000000"/>
+              </a:solidFill>
+              <a:uFill>
+                <a:solidFill>
+                  <a:srgbClr val="ffffff"/>
+                </a:solidFill>
+              </a:uFill>
+              <a:latin typeface="Arial"/>
+            </a:endParaRPr>
+          </a:p>
+          <a:p>
+            <a:pPr lvl="6" marL="3024000" indent="-216000">
+              <a:buClr>
+                <a:srgbClr val="000000"/>
+              </a:buClr>
+              <a:buSzPct val="45000"/>
+              <a:buFont typeface="Wingdings" charset="2"/>
+              <a:buChar char=""/>
+            </a:pPr>
+            <a:r>
+              <a:rPr b="0" lang="en-US" sz="2000" spc="-1" strike="noStrike">
+                <a:solidFill>
+                  <a:srgbClr val="000000"/>
+                </a:solidFill>
+                <a:uFill>
+                  <a:solidFill>
+                    <a:srgbClr val="ffffff"/>
+                  </a:solidFill>
+                </a:uFill>
+                <a:latin typeface="Arial"/>
+              </a:rPr>
+              <a:t>Seventh Outline Level</a:t>
+            </a:r>
+            <a:endParaRPr b="0" lang="en-US" sz="2000" spc="-1" strike="noStrike">
+              <a:solidFill>
+                <a:srgbClr val="000000"/>
+              </a:solidFill>
+              <a:uFill>
+                <a:solidFill>
+                  <a:srgbClr val="ffffff"/>
+                </a:solidFill>
+              </a:uFill>
+              <a:latin typeface="Arial"/>
+            </a:endParaRPr>
+          </a:p>
+        </p:txBody>
+      </p:sp>
+    </p:spTree>
+  </p:cSld>
+  <p:clrMap bg1="lt1" bg2="lt2" tx1="dk1" tx2="dk2" accent1="accent1" accent2="accent2" accent3="accent3" accent4="accent4" accent5="accent5" accent6="accent6" hlink="hlink" folHlink="folHlink"/>
+  <p:sldLayoutIdLst>
+    <p:sldLayoutId id="2147483701" r:id="rId2"/>
+    <p:sldLayoutId id="2147483702" r:id="rId3"/>
+    <p:sldLayoutId id="2147483703" r:id="rId4"/>
+    <p:sldLayoutId id="2147483704" r:id="rId5"/>
+    <p:sldLayoutId id="2147483705" r:id="rId6"/>
+    <p:sldLayoutId id="2147483706" r:id="rId7"/>
+    <p:sldLayoutId id="2147483707" r:id="rId8"/>
+    <p:sldLayoutId id="2147483708" r:id="rId9"/>
+    <p:sldLayoutId id="2147483709" r:id="rId10"/>
+    <p:sldLayoutId id="2147483710" r:id="rId11"/>
+    <p:sldLayoutId id="2147483711" r:id="rId12"/>
+    <p:sldLayoutId id="2147483712" r:id="rId13"/>
+  </p:sldLayoutIdLst>
+</p:sldMaster>
+</file>
+
 <file path=ppt/slides/slide1.xml><?xml version="1.0" encoding="utf-8"?>
 <p:sld xmlns:a="http://schemas.openxmlformats.org/drawingml/2006/main" xmlns:p="http://schemas.openxmlformats.org/presentationml/2006/main" xmlns:r="http://schemas.openxmlformats.org/officeDocument/2006/relationships" xmlns:p14="http://schemas.microsoft.com/office/powerpoint/2010/main" xmlns:p15="http://schemas.microsoft.com/office/powerpoint/2012/main" xmlns:mc="http://schemas.openxmlformats.org/markup-compatibility/2006">
   <p:cSld>
@@ -3700,14 +9175,14 @@
       </p:grpSpPr>
       <p:sp>
         <p:nvSpPr>
-          <p:cNvPr id="72" name="CustomShape 1"/>
+          <p:cNvPr id="180" name="CustomShape 1"/>
           <p:cNvSpPr/>
           <p:nvPr/>
         </p:nvSpPr>
         <p:spPr>
           <a:xfrm>
             <a:off x="1523880" y="1122480"/>
-            <a:ext cx="9143280" cy="2386800"/>
+            <a:ext cx="9142920" cy="2386440"/>
           </a:xfrm>
           <a:prstGeom prst="rect">
             <a:avLst/>
@@ -3742,6 +9217,7 @@
                   </a:solidFill>
                 </a:uFill>
                 <a:latin typeface="Calibri Light"/>
+                <a:ea typeface="DejaVu Sans"/>
               </a:rPr>
               <a:t>遗传算法</a:t>
             </a:r>
@@ -3761,14 +9237,14 @@
       </p:sp>
       <p:sp>
         <p:nvSpPr>
-          <p:cNvPr id="73" name="CustomShape 2"/>
+          <p:cNvPr id="181" name="CustomShape 2"/>
           <p:cNvSpPr/>
           <p:nvPr/>
         </p:nvSpPr>
         <p:spPr>
           <a:xfrm>
             <a:off x="1523880" y="3602160"/>
-            <a:ext cx="9143280" cy="1654920"/>
+            <a:ext cx="9142920" cy="1654560"/>
           </a:xfrm>
           <a:prstGeom prst="rect">
             <a:avLst/>
@@ -3803,6 +9279,7 @@
                   </a:solidFill>
                 </a:uFill>
                 <a:latin typeface="Calibri"/>
+                <a:ea typeface="DejaVu Sans"/>
               </a:rPr>
               <a:t>马宁，</a:t>
             </a:r>
@@ -3817,6 +9294,7 @@
                   </a:solidFill>
                 </a:uFill>
                 <a:latin typeface="Calibri"/>
+                <a:ea typeface="DejaVu Sans"/>
               </a:rPr>
               <a:t>11821050</a:t>
             </a:r>
@@ -3843,6 +9321,405 @@
           <p:childTnLst>
             <p:seq>
               <p:cTn id="2" nodeType="mainSeq"/>
+              <p:prevCondLst>
+                <p:cond delay="0" evt="onPrev">
+                  <p:tgtEl>
+                    <p:sldTgt/>
+                  </p:tgtEl>
+                </p:cond>
+              </p:prevCondLst>
+              <p:nextCondLst>
+                <p:cond delay="0" evt="onNext">
+                  <p:tgtEl>
+                    <p:sldTgt/>
+                  </p:tgtEl>
+                </p:cond>
+              </p:nextCondLst>
+            </p:seq>
+          </p:childTnLst>
+        </p:cTn>
+      </p:par>
+    </p:tnLst>
+  </p:timing>
+</p:sld>
+</file>
+
+<file path=ppt/slides/slide10.xml><?xml version="1.0" encoding="utf-8"?>
+<p:sld xmlns:a="http://schemas.openxmlformats.org/drawingml/2006/main" xmlns:p="http://schemas.openxmlformats.org/presentationml/2006/main" xmlns:r="http://schemas.openxmlformats.org/officeDocument/2006/relationships" xmlns:p14="http://schemas.microsoft.com/office/powerpoint/2010/main" xmlns:p15="http://schemas.microsoft.com/office/powerpoint/2012/main" xmlns:mc="http://schemas.openxmlformats.org/markup-compatibility/2006">
+  <p:cSld>
+    <p:spTree>
+      <p:nvGrpSpPr>
+        <p:cNvPr id="1" name=""/>
+        <p:cNvGrpSpPr/>
+        <p:nvPr/>
+      </p:nvGrpSpPr>
+      <p:grpSpPr>
+        <a:xfrm>
+          <a:off x="0" y="0"/>
+          <a:ext cx="0" cy="0"/>
+          <a:chOff x="0" y="0"/>
+          <a:chExt cx="0" cy="0"/>
+        </a:xfrm>
+      </p:grpSpPr>
+      <p:sp>
+        <p:nvSpPr>
+          <p:cNvPr id="198" name="CustomShape 1"/>
+          <p:cNvSpPr/>
+          <p:nvPr/>
+        </p:nvSpPr>
+        <p:spPr>
+          <a:xfrm>
+            <a:off x="609480" y="273600"/>
+            <a:ext cx="10972080" cy="1144440"/>
+          </a:xfrm>
+          <a:prstGeom prst="rect">
+            <a:avLst/>
+          </a:prstGeom>
+          <a:noFill/>
+          <a:ln>
+            <a:noFill/>
+          </a:ln>
+        </p:spPr>
+        <p:style>
+          <a:lnRef idx="0"/>
+          <a:fillRef idx="0"/>
+          <a:effectRef idx="0"/>
+          <a:fontRef idx="minor"/>
+        </p:style>
+        <p:txBody>
+          <a:bodyPr lIns="0" rIns="0" tIns="0" bIns="0" anchor="ctr"/>
+          <a:p>
+            <a:pPr algn="ctr">
+              <a:lnSpc>
+                <a:spcPct val="100000"/>
+              </a:lnSpc>
+            </a:pPr>
+            <a:r>
+              <a:rPr b="0" lang="en-US" sz="4400" spc="-1" strike="noStrike">
+                <a:solidFill>
+                  <a:srgbClr val="000000"/>
+                </a:solidFill>
+                <a:uFill>
+                  <a:solidFill>
+                    <a:srgbClr val="ffffff"/>
+                  </a:solidFill>
+                </a:uFill>
+                <a:latin typeface="Arial"/>
+              </a:rPr>
+              <a:t>Performance on MLPs</a:t>
+            </a:r>
+            <a:endParaRPr b="0" lang="en-US" sz="1800" spc="-1" strike="noStrike">
+              <a:solidFill>
+                <a:srgbClr val="000000"/>
+              </a:solidFill>
+              <a:uFill>
+                <a:solidFill>
+                  <a:srgbClr val="ffffff"/>
+                </a:solidFill>
+              </a:uFill>
+              <a:latin typeface="Arial"/>
+            </a:endParaRPr>
+          </a:p>
+        </p:txBody>
+      </p:sp>
+      <p:pic>
+        <p:nvPicPr>
+          <p:cNvPr id="199" name="" descr=""/>
+          <p:cNvPicPr/>
+          <p:nvPr/>
+        </p:nvPicPr>
+        <p:blipFill>
+          <a:blip r:embed="rId1"/>
+          <a:stretch/>
+        </p:blipFill>
+        <p:spPr>
+          <a:xfrm rot="21580800">
+            <a:off x="1744920" y="1761120"/>
+            <a:ext cx="8777880" cy="2985480"/>
+          </a:xfrm>
+          <a:prstGeom prst="rect">
+            <a:avLst/>
+          </a:prstGeom>
+          <a:ln>
+            <a:noFill/>
+          </a:ln>
+        </p:spPr>
+      </p:pic>
+    </p:spTree>
+  </p:cSld>
+  <p:timing>
+    <p:tnLst>
+      <p:par>
+        <p:cTn id="13" dur="indefinite" restart="never" nodeType="tmRoot">
+          <p:childTnLst>
+            <p:seq>
+              <p:cTn id="14" nodeType="mainSeq"/>
+              <p:prevCondLst>
+                <p:cond delay="0" evt="onPrev">
+                  <p:tgtEl>
+                    <p:sldTgt/>
+                  </p:tgtEl>
+                </p:cond>
+              </p:prevCondLst>
+              <p:nextCondLst>
+                <p:cond delay="0" evt="onNext">
+                  <p:tgtEl>
+                    <p:sldTgt/>
+                  </p:tgtEl>
+                </p:cond>
+              </p:nextCondLst>
+            </p:seq>
+          </p:childTnLst>
+        </p:cTn>
+      </p:par>
+    </p:tnLst>
+  </p:timing>
+</p:sld>
+</file>
+
+<file path=ppt/slides/slide11.xml><?xml version="1.0" encoding="utf-8"?>
+<p:sld xmlns:a="http://schemas.openxmlformats.org/drawingml/2006/main" xmlns:p="http://schemas.openxmlformats.org/presentationml/2006/main" xmlns:r="http://schemas.openxmlformats.org/officeDocument/2006/relationships" xmlns:p14="http://schemas.microsoft.com/office/powerpoint/2010/main" xmlns:p15="http://schemas.microsoft.com/office/powerpoint/2012/main" xmlns:mc="http://schemas.openxmlformats.org/markup-compatibility/2006">
+  <p:cSld>
+    <p:spTree>
+      <p:nvGrpSpPr>
+        <p:cNvPr id="1" name=""/>
+        <p:cNvGrpSpPr/>
+        <p:nvPr/>
+      </p:nvGrpSpPr>
+      <p:grpSpPr>
+        <a:xfrm>
+          <a:off x="0" y="0"/>
+          <a:ext cx="0" cy="0"/>
+          <a:chOff x="0" y="0"/>
+          <a:chExt cx="0" cy="0"/>
+        </a:xfrm>
+      </p:grpSpPr>
+      <p:sp>
+        <p:nvSpPr>
+          <p:cNvPr id="200" name="CustomShape 1"/>
+          <p:cNvSpPr/>
+          <p:nvPr/>
+        </p:nvSpPr>
+        <p:spPr>
+          <a:xfrm>
+            <a:off x="609480" y="273600"/>
+            <a:ext cx="10972080" cy="1144440"/>
+          </a:xfrm>
+          <a:prstGeom prst="rect">
+            <a:avLst/>
+          </a:prstGeom>
+          <a:noFill/>
+          <a:ln>
+            <a:noFill/>
+          </a:ln>
+        </p:spPr>
+        <p:style>
+          <a:lnRef idx="0"/>
+          <a:fillRef idx="0"/>
+          <a:effectRef idx="0"/>
+          <a:fontRef idx="minor"/>
+        </p:style>
+        <p:txBody>
+          <a:bodyPr lIns="0" rIns="0" tIns="0" bIns="0" anchor="ctr"/>
+          <a:p>
+            <a:pPr algn="ctr">
+              <a:lnSpc>
+                <a:spcPct val="100000"/>
+              </a:lnSpc>
+            </a:pPr>
+            <a:r>
+              <a:rPr b="0" lang="en-US" sz="4400" spc="-1" strike="noStrike">
+                <a:solidFill>
+                  <a:srgbClr val="000000"/>
+                </a:solidFill>
+                <a:uFill>
+                  <a:solidFill>
+                    <a:srgbClr val="ffffff"/>
+                  </a:solidFill>
+                </a:uFill>
+                <a:latin typeface="Arial"/>
+              </a:rPr>
+              <a:t>Performance on MLPs</a:t>
+            </a:r>
+            <a:endParaRPr b="0" lang="en-US" sz="1800" spc="-1" strike="noStrike">
+              <a:solidFill>
+                <a:srgbClr val="000000"/>
+              </a:solidFill>
+              <a:uFill>
+                <a:solidFill>
+                  <a:srgbClr val="ffffff"/>
+                </a:solidFill>
+              </a:uFill>
+              <a:latin typeface="Arial"/>
+            </a:endParaRPr>
+          </a:p>
+        </p:txBody>
+      </p:sp>
+      <p:pic>
+        <p:nvPicPr>
+          <p:cNvPr id="201" name="" descr=""/>
+          <p:cNvPicPr/>
+          <p:nvPr/>
+        </p:nvPicPr>
+        <p:blipFill>
+          <a:blip r:embed="rId1"/>
+          <a:stretch/>
+        </p:blipFill>
+        <p:spPr>
+          <a:xfrm>
+            <a:off x="1188720" y="1828800"/>
+            <a:ext cx="9235080" cy="3441600"/>
+          </a:xfrm>
+          <a:prstGeom prst="rect">
+            <a:avLst/>
+          </a:prstGeom>
+          <a:ln>
+            <a:noFill/>
+          </a:ln>
+        </p:spPr>
+      </p:pic>
+    </p:spTree>
+  </p:cSld>
+  <p:timing>
+    <p:tnLst>
+      <p:par>
+        <p:cTn id="15" dur="indefinite" restart="never" nodeType="tmRoot">
+          <p:childTnLst>
+            <p:seq>
+              <p:cTn id="16" nodeType="mainSeq"/>
+              <p:prevCondLst>
+                <p:cond delay="0" evt="onPrev">
+                  <p:tgtEl>
+                    <p:sldTgt/>
+                  </p:tgtEl>
+                </p:cond>
+              </p:prevCondLst>
+              <p:nextCondLst>
+                <p:cond delay="0" evt="onNext">
+                  <p:tgtEl>
+                    <p:sldTgt/>
+                  </p:tgtEl>
+                </p:cond>
+              </p:nextCondLst>
+            </p:seq>
+          </p:childTnLst>
+        </p:cTn>
+      </p:par>
+    </p:tnLst>
+  </p:timing>
+</p:sld>
+</file>
+
+<file path=ppt/slides/slide12.xml><?xml version="1.0" encoding="utf-8"?>
+<p:sld xmlns:a="http://schemas.openxmlformats.org/drawingml/2006/main" xmlns:p="http://schemas.openxmlformats.org/presentationml/2006/main" xmlns:r="http://schemas.openxmlformats.org/officeDocument/2006/relationships" xmlns:p14="http://schemas.microsoft.com/office/powerpoint/2010/main" xmlns:p15="http://schemas.microsoft.com/office/powerpoint/2012/main" xmlns:mc="http://schemas.openxmlformats.org/markup-compatibility/2006">
+  <p:cSld>
+    <p:spTree>
+      <p:nvGrpSpPr>
+        <p:cNvPr id="1" name=""/>
+        <p:cNvGrpSpPr/>
+        <p:nvPr/>
+      </p:nvGrpSpPr>
+      <p:grpSpPr>
+        <a:xfrm>
+          <a:off x="0" y="0"/>
+          <a:ext cx="0" cy="0"/>
+          <a:chOff x="0" y="0"/>
+          <a:chExt cx="0" cy="0"/>
+        </a:xfrm>
+      </p:grpSpPr>
+      <p:sp>
+        <p:nvSpPr>
+          <p:cNvPr id="202" name="CustomShape 1"/>
+          <p:cNvSpPr/>
+          <p:nvPr/>
+        </p:nvSpPr>
+        <p:spPr>
+          <a:xfrm>
+            <a:off x="609480" y="273600"/>
+            <a:ext cx="10972080" cy="1144440"/>
+          </a:xfrm>
+          <a:prstGeom prst="rect">
+            <a:avLst/>
+          </a:prstGeom>
+          <a:noFill/>
+          <a:ln>
+            <a:noFill/>
+          </a:ln>
+        </p:spPr>
+        <p:style>
+          <a:lnRef idx="0"/>
+          <a:fillRef idx="0"/>
+          <a:effectRef idx="0"/>
+          <a:fontRef idx="minor"/>
+        </p:style>
+        <p:txBody>
+          <a:bodyPr lIns="0" rIns="0" tIns="0" bIns="0" anchor="ctr"/>
+          <a:p>
+            <a:pPr algn="ctr">
+              <a:lnSpc>
+                <a:spcPct val="100000"/>
+              </a:lnSpc>
+            </a:pPr>
+            <a:r>
+              <a:rPr b="0" lang="en-US" sz="4400" spc="-1" strike="noStrike">
+                <a:solidFill>
+                  <a:srgbClr val="000000"/>
+                </a:solidFill>
+                <a:uFill>
+                  <a:solidFill>
+                    <a:srgbClr val="ffffff"/>
+                  </a:solidFill>
+                </a:uFill>
+                <a:latin typeface="Arial"/>
+              </a:rPr>
+              <a:t>Performance on CNNs</a:t>
+            </a:r>
+            <a:endParaRPr b="0" lang="en-US" sz="1800" spc="-1" strike="noStrike">
+              <a:solidFill>
+                <a:srgbClr val="000000"/>
+              </a:solidFill>
+              <a:uFill>
+                <a:solidFill>
+                  <a:srgbClr val="ffffff"/>
+                </a:solidFill>
+              </a:uFill>
+              <a:latin typeface="Arial"/>
+            </a:endParaRPr>
+          </a:p>
+        </p:txBody>
+      </p:sp>
+      <p:pic>
+        <p:nvPicPr>
+          <p:cNvPr id="203" name="" descr=""/>
+          <p:cNvPicPr/>
+          <p:nvPr/>
+        </p:nvPicPr>
+        <p:blipFill>
+          <a:blip r:embed="rId1"/>
+          <a:stretch/>
+        </p:blipFill>
+        <p:spPr>
+          <a:xfrm>
+            <a:off x="324720" y="1737360"/>
+            <a:ext cx="11745000" cy="4114440"/>
+          </a:xfrm>
+          <a:prstGeom prst="rect">
+            <a:avLst/>
+          </a:prstGeom>
+          <a:ln>
+            <a:noFill/>
+          </a:ln>
+        </p:spPr>
+      </p:pic>
+    </p:spTree>
+  </p:cSld>
+  <p:timing>
+    <p:tnLst>
+      <p:par>
+        <p:cTn id="17" dur="indefinite" restart="never" nodeType="tmRoot">
+          <p:childTnLst>
+            <p:seq>
+              <p:cTn id="18" nodeType="mainSeq"/>
               <p:prevCondLst>
                 <p:cond delay="0" evt="onPrev">
                   <p:tgtEl>
@@ -3885,14 +9762,14 @@
       </p:grpSpPr>
       <p:sp>
         <p:nvSpPr>
-          <p:cNvPr id="74" name="CustomShape 1"/>
+          <p:cNvPr id="182" name="CustomShape 1"/>
           <p:cNvSpPr/>
           <p:nvPr/>
         </p:nvSpPr>
         <p:spPr>
           <a:xfrm>
             <a:off x="838080" y="365040"/>
-            <a:ext cx="10514880" cy="1324800"/>
+            <a:ext cx="10514520" cy="1324440"/>
           </a:xfrm>
           <a:prstGeom prst="rect">
             <a:avLst/>
@@ -3927,6 +9804,7 @@
                   </a:solidFill>
                 </a:uFill>
                 <a:latin typeface="Calibri Light"/>
+                <a:ea typeface="DejaVu Sans"/>
               </a:rPr>
               <a:t>遗传算法简介</a:t>
             </a:r>
@@ -3946,14 +9824,14 @@
       </p:sp>
       <p:sp>
         <p:nvSpPr>
-          <p:cNvPr id="75" name="CustomShape 2"/>
+          <p:cNvPr id="183" name="CustomShape 2"/>
           <p:cNvSpPr/>
           <p:nvPr/>
         </p:nvSpPr>
         <p:spPr>
           <a:xfrm>
             <a:off x="838080" y="1825560"/>
-            <a:ext cx="10514880" cy="4350600"/>
+            <a:ext cx="10514520" cy="4350240"/>
           </a:xfrm>
           <a:prstGeom prst="rect">
             <a:avLst/>
@@ -3972,7 +9850,7 @@
         <p:txBody>
           <a:bodyPr lIns="90000" rIns="90000" tIns="45000" bIns="45000"/>
           <a:p>
-            <a:pPr marL="228600" indent="-227880">
+            <a:pPr marL="228600" indent="-227520">
               <a:lnSpc>
                 <a:spcPct val="90000"/>
               </a:lnSpc>
@@ -3993,6 +9871,7 @@
                   </a:solidFill>
                 </a:uFill>
                 <a:latin typeface="Calibri"/>
+                <a:ea typeface="DejaVu Sans"/>
               </a:rPr>
               <a:t>借鉴生物进化论，遗传算法将要解决的问题模拟成一个生物进化的过程，通过复制、交叉、突变等操作产生下一代的解，并逐步淘汰掉适应度函数值低的解，增加适应度函数值高的解。这样进化</a:t>
             </a:r>
@@ -4007,6 +9886,7 @@
                   </a:solidFill>
                 </a:uFill>
                 <a:latin typeface="Calibri"/>
+                <a:ea typeface="DejaVu Sans"/>
               </a:rPr>
               <a:t>N</a:t>
             </a:r>
@@ -4021,6 +9901,7 @@
                   </a:solidFill>
                 </a:uFill>
                 <a:latin typeface="Calibri"/>
+                <a:ea typeface="DejaVu Sans"/>
               </a:rPr>
               <a:t>代后就很有可能会进化出适应度函数值很高的个体。</a:t>
             </a:r>
@@ -4037,7 +9918,7 @@
             </a:endParaRPr>
           </a:p>
           <a:p>
-            <a:pPr marL="228600" indent="-227880">
+            <a:pPr marL="228600" indent="-227520">
               <a:lnSpc>
                 <a:spcPct val="90000"/>
               </a:lnSpc>
@@ -4058,6 +9939,7 @@
                   </a:solidFill>
                 </a:uFill>
                 <a:latin typeface="Calibri"/>
+                <a:ea typeface="DejaVu Sans"/>
               </a:rPr>
               <a:t>例如，使用遗传算法解决“</a:t>
             </a:r>
@@ -4072,6 +9954,7 @@
                   </a:solidFill>
                 </a:uFill>
                 <a:latin typeface="Calibri"/>
+                <a:ea typeface="DejaVu Sans"/>
               </a:rPr>
               <a:t>0-1</a:t>
             </a:r>
@@ -4086,6 +9969,7 @@
                   </a:solidFill>
                 </a:uFill>
                 <a:latin typeface="Calibri"/>
+                <a:ea typeface="DejaVu Sans"/>
               </a:rPr>
               <a:t>背包问题”的思路：</a:t>
             </a:r>
@@ -4100,6 +9984,7 @@
                   </a:solidFill>
                 </a:uFill>
                 <a:latin typeface="Calibri"/>
+                <a:ea typeface="DejaVu Sans"/>
               </a:rPr>
               <a:t>0-1</a:t>
             </a:r>
@@ -4114,6 +9999,7 @@
                   </a:solidFill>
                 </a:uFill>
                 <a:latin typeface="Calibri"/>
+                <a:ea typeface="DejaVu Sans"/>
               </a:rPr>
               <a:t>背包的解可以编码为一串</a:t>
             </a:r>
@@ -4128,6 +10014,7 @@
                   </a:solidFill>
                 </a:uFill>
                 <a:latin typeface="Calibri"/>
+                <a:ea typeface="DejaVu Sans"/>
               </a:rPr>
               <a:t>0-1</a:t>
             </a:r>
@@ -4142,6 +10029,7 @@
                   </a:solidFill>
                 </a:uFill>
                 <a:latin typeface="Calibri"/>
+                <a:ea typeface="DejaVu Sans"/>
               </a:rPr>
               <a:t>字符串（</a:t>
             </a:r>
@@ -4156,6 +10044,7 @@
                   </a:solidFill>
                 </a:uFill>
                 <a:latin typeface="Calibri"/>
+                <a:ea typeface="DejaVu Sans"/>
               </a:rPr>
               <a:t>0</a:t>
             </a:r>
@@ -4170,6 +10059,7 @@
                   </a:solidFill>
                 </a:uFill>
                 <a:latin typeface="Calibri"/>
+                <a:ea typeface="DejaVu Sans"/>
               </a:rPr>
               <a:t>：不取，</a:t>
             </a:r>
@@ -4184,6 +10074,7 @@
                   </a:solidFill>
                 </a:uFill>
                 <a:latin typeface="Calibri"/>
+                <a:ea typeface="DejaVu Sans"/>
               </a:rPr>
               <a:t>1</a:t>
             </a:r>
@@ -4198,6 +10089,7 @@
                   </a:solidFill>
                 </a:uFill>
                 <a:latin typeface="Calibri"/>
+                <a:ea typeface="DejaVu Sans"/>
               </a:rPr>
               <a:t>：取） ；首先，随机产生</a:t>
             </a:r>
@@ -4212,6 +10104,7 @@
                   </a:solidFill>
                 </a:uFill>
                 <a:latin typeface="Calibri"/>
+                <a:ea typeface="DejaVu Sans"/>
               </a:rPr>
               <a:t>M</a:t>
             </a:r>
@@ -4226,6 +10119,7 @@
                   </a:solidFill>
                 </a:uFill>
                 <a:latin typeface="Calibri"/>
+                <a:ea typeface="DejaVu Sans"/>
               </a:rPr>
               <a:t>个</a:t>
             </a:r>
@@ -4240,6 +10134,7 @@
                   </a:solidFill>
                 </a:uFill>
                 <a:latin typeface="Calibri"/>
+                <a:ea typeface="DejaVu Sans"/>
               </a:rPr>
               <a:t>0-1</a:t>
             </a:r>
@@ -4254,6 +10149,7 @@
                   </a:solidFill>
                 </a:uFill>
                 <a:latin typeface="Calibri"/>
+                <a:ea typeface="DejaVu Sans"/>
               </a:rPr>
               <a:t>字符串，然后评价这些</a:t>
             </a:r>
@@ -4268,6 +10164,7 @@
                   </a:solidFill>
                 </a:uFill>
                 <a:latin typeface="Calibri"/>
+                <a:ea typeface="DejaVu Sans"/>
               </a:rPr>
               <a:t>0-1</a:t>
             </a:r>
@@ -4282,6 +10179,7 @@
                   </a:solidFill>
                 </a:uFill>
                 <a:latin typeface="Calibri"/>
+                <a:ea typeface="DejaVu Sans"/>
               </a:rPr>
               <a:t>字符串作为</a:t>
             </a:r>
@@ -4296,6 +10194,7 @@
                   </a:solidFill>
                 </a:uFill>
                 <a:latin typeface="Calibri"/>
+                <a:ea typeface="DejaVu Sans"/>
               </a:rPr>
               <a:t>0-1</a:t>
             </a:r>
@@ -4310,6 +10209,7 @@
                   </a:solidFill>
                 </a:uFill>
                 <a:latin typeface="Calibri"/>
+                <a:ea typeface="DejaVu Sans"/>
               </a:rPr>
               <a:t>背包问题的解的优劣；然后，随机选择一些字符串通过交叉、突变等操作产生下一代的</a:t>
             </a:r>
@@ -4324,6 +10224,7 @@
                   </a:solidFill>
                 </a:uFill>
                 <a:latin typeface="Calibri"/>
+                <a:ea typeface="DejaVu Sans"/>
               </a:rPr>
               <a:t>M</a:t>
             </a:r>
@@ -4338,6 +10239,7 @@
                   </a:solidFill>
                 </a:uFill>
                 <a:latin typeface="Calibri"/>
+                <a:ea typeface="DejaVu Sans"/>
               </a:rPr>
               <a:t>个字符串，而且较优的解被选中的概率要比较高。这样经过</a:t>
             </a:r>
@@ -4352,6 +10254,7 @@
                   </a:solidFill>
                 </a:uFill>
                 <a:latin typeface="Calibri"/>
+                <a:ea typeface="DejaVu Sans"/>
               </a:rPr>
               <a:t>G</a:t>
             </a:r>
@@ -4366,6 +10269,7 @@
                   </a:solidFill>
                 </a:uFill>
                 <a:latin typeface="Calibri"/>
+                <a:ea typeface="DejaVu Sans"/>
               </a:rPr>
               <a:t>代的进化后就可能会产生出</a:t>
             </a:r>
@@ -4380,6 +10284,7 @@
                   </a:solidFill>
                 </a:uFill>
                 <a:latin typeface="Calibri"/>
+                <a:ea typeface="DejaVu Sans"/>
               </a:rPr>
               <a:t>0-1</a:t>
             </a:r>
@@ -4394,6 +10299,7 @@
                   </a:solidFill>
                 </a:uFill>
                 <a:latin typeface="Calibri"/>
+                <a:ea typeface="DejaVu Sans"/>
               </a:rPr>
               <a:t>背包问题的一个“近似最优解”。</a:t>
             </a:r>
@@ -4480,14 +10386,14 @@
       </p:grpSpPr>
       <p:sp>
         <p:nvSpPr>
-          <p:cNvPr id="76" name="CustomShape 1"/>
+          <p:cNvPr id="184" name="CustomShape 1"/>
           <p:cNvSpPr/>
           <p:nvPr/>
         </p:nvSpPr>
         <p:spPr>
           <a:xfrm>
             <a:off x="838080" y="365040"/>
-            <a:ext cx="10514880" cy="1324800"/>
+            <a:ext cx="10514520" cy="1324440"/>
           </a:xfrm>
           <a:prstGeom prst="rect">
             <a:avLst/>
@@ -4522,6 +10428,7 @@
                   </a:solidFill>
                 </a:uFill>
                 <a:latin typeface="Calibri Light"/>
+                <a:ea typeface="DejaVu Sans"/>
               </a:rPr>
               <a:t>遗传算法参考文献</a:t>
             </a:r>
@@ -4541,14 +10448,14 @@
       </p:sp>
       <p:sp>
         <p:nvSpPr>
-          <p:cNvPr id="77" name="CustomShape 2"/>
+          <p:cNvPr id="185" name="CustomShape 2"/>
           <p:cNvSpPr/>
           <p:nvPr/>
         </p:nvSpPr>
         <p:spPr>
           <a:xfrm>
             <a:off x="838080" y="1825560"/>
-            <a:ext cx="10514880" cy="4350600"/>
+            <a:ext cx="10514520" cy="4350240"/>
           </a:xfrm>
           <a:prstGeom prst="rect">
             <a:avLst/>
@@ -4567,7 +10474,7 @@
         <p:txBody>
           <a:bodyPr lIns="90000" rIns="90000" tIns="45000" bIns="45000"/>
           <a:p>
-            <a:pPr marL="228600" indent="-227880">
+            <a:pPr marL="228600" indent="-227520">
               <a:lnSpc>
                 <a:spcPct val="90000"/>
               </a:lnSpc>
@@ -4588,6 +10495,7 @@
                   </a:solidFill>
                 </a:uFill>
                 <a:latin typeface="Calibri"/>
+                <a:ea typeface="DejaVu Sans"/>
               </a:rPr>
               <a:t>1.Adaptation in Natural and Artificial Systems</a:t>
             </a:r>
@@ -4602,6 +10510,7 @@
                   </a:solidFill>
                 </a:uFill>
                 <a:latin typeface="Calibri"/>
+                <a:ea typeface="DejaVu Sans"/>
               </a:rPr>
               <a:t>；</a:t>
             </a:r>
@@ -4616,6 +10525,7 @@
                   </a:solidFill>
                 </a:uFill>
                 <a:latin typeface="Calibri"/>
+                <a:ea typeface="DejaVu Sans"/>
               </a:rPr>
               <a:t>MIT Press</a:t>
             </a:r>
@@ -4632,7 +10542,7 @@
             </a:endParaRPr>
           </a:p>
           <a:p>
-            <a:pPr marL="228600" indent="-227880">
+            <a:pPr marL="228600" indent="-227520">
               <a:lnSpc>
                 <a:spcPct val="90000"/>
               </a:lnSpc>
@@ -4653,6 +10563,7 @@
                   </a:solidFill>
                 </a:uFill>
                 <a:latin typeface="Calibri"/>
+                <a:ea typeface="DejaVu Sans"/>
               </a:rPr>
               <a:t>2.An Introduction to Genetic Algorithms</a:t>
             </a:r>
@@ -4667,6 +10578,7 @@
                   </a:solidFill>
                 </a:uFill>
                 <a:latin typeface="Calibri"/>
+                <a:ea typeface="DejaVu Sans"/>
               </a:rPr>
               <a:t>；</a:t>
             </a:r>
@@ -4681,6 +10593,7 @@
                   </a:solidFill>
                 </a:uFill>
                 <a:latin typeface="Calibri"/>
+                <a:ea typeface="DejaVu Sans"/>
               </a:rPr>
               <a:t>Jenna Carr</a:t>
             </a:r>
@@ -4697,7 +10610,7 @@
             </a:endParaRPr>
           </a:p>
           <a:p>
-            <a:pPr marL="228600" indent="-227880">
+            <a:pPr marL="228600" indent="-227520">
               <a:lnSpc>
                 <a:spcPct val="90000"/>
               </a:lnSpc>
@@ -4718,6 +10631,7 @@
                   </a:solidFill>
                 </a:uFill>
                 <a:latin typeface="Calibri"/>
+                <a:ea typeface="DejaVu Sans"/>
               </a:rPr>
               <a:t>3.Safe Mutations for Deep and Recurrent Neural Networks through Output Gradients</a:t>
             </a:r>
@@ -4732,6 +10646,7 @@
                   </a:solidFill>
                 </a:uFill>
                 <a:latin typeface="Calibri"/>
+                <a:ea typeface="DejaVu Sans"/>
               </a:rPr>
               <a:t>；</a:t>
             </a:r>
@@ -4746,6 +10661,7 @@
                   </a:solidFill>
                 </a:uFill>
                 <a:latin typeface="Calibri"/>
+                <a:ea typeface="DejaVu Sans"/>
               </a:rPr>
               <a:t>Joel Lehman, Jay Chen, Jeff Clune, and Kenneth O. Stanley</a:t>
             </a:r>
@@ -4762,7 +10678,7 @@
             </a:endParaRPr>
           </a:p>
           <a:p>
-            <a:pPr marL="228600" indent="-227880">
+            <a:pPr marL="228600" indent="-227520">
               <a:lnSpc>
                 <a:spcPct val="90000"/>
               </a:lnSpc>
@@ -4783,6 +10699,7 @@
                   </a:solidFill>
                 </a:uFill>
                 <a:latin typeface="Calibri"/>
+                <a:ea typeface="DejaVu Sans"/>
               </a:rPr>
               <a:t>4.Training Feedforward Neural Networks Using Genetic Algorithms </a:t>
             </a:r>
@@ -4797,6 +10714,7 @@
                   </a:solidFill>
                 </a:uFill>
                 <a:latin typeface="Calibri"/>
+                <a:ea typeface="DejaVu Sans"/>
               </a:rPr>
               <a:t>；</a:t>
             </a:r>
@@ -4811,6 +10729,7 @@
                   </a:solidFill>
                 </a:uFill>
                 <a:latin typeface="Calibri"/>
+                <a:ea typeface="DejaVu Sans"/>
               </a:rPr>
               <a:t>David J. Montana and Lawrence Davis </a:t>
             </a:r>
@@ -4825,6 +10744,7 @@
                   </a:solidFill>
                 </a:uFill>
                 <a:latin typeface="Calibri"/>
+                <a:ea typeface="DejaVu Sans"/>
               </a:rPr>
               <a:t>；</a:t>
             </a:r>
@@ -4839,6 +10759,7 @@
                   </a:solidFill>
                 </a:uFill>
                 <a:latin typeface="Calibri"/>
+                <a:ea typeface="DejaVu Sans"/>
               </a:rPr>
               <a:t>IJCAI</a:t>
             </a:r>
@@ -4855,7 +10776,7 @@
             </a:endParaRPr>
           </a:p>
           <a:p>
-            <a:pPr marL="228600" indent="-227880">
+            <a:pPr marL="228600" indent="-227520">
               <a:lnSpc>
                 <a:spcPct val="90000"/>
               </a:lnSpc>
@@ -4876,6 +10797,7 @@
                   </a:solidFill>
                 </a:uFill>
                 <a:latin typeface="Calibri"/>
+                <a:ea typeface="DejaVu Sans"/>
               </a:rPr>
               <a:t> </a:t>
             </a:r>
@@ -4944,14 +10866,14 @@
       </p:grpSpPr>
       <p:sp>
         <p:nvSpPr>
-          <p:cNvPr id="78" name="TextShape 1"/>
-          <p:cNvSpPr txBox="1"/>
+          <p:cNvPr id="186" name="CustomShape 1"/>
+          <p:cNvSpPr/>
           <p:nvPr/>
         </p:nvSpPr>
         <p:spPr>
           <a:xfrm>
             <a:off x="609480" y="273600"/>
-            <a:ext cx="10972440" cy="1144800"/>
+            <a:ext cx="10972080" cy="1144440"/>
           </a:xfrm>
           <a:prstGeom prst="rect">
             <a:avLst/>
@@ -4961,6 +10883,12 @@
             <a:noFill/>
           </a:ln>
         </p:spPr>
+        <p:style>
+          <a:lnRef idx="0"/>
+          <a:fillRef idx="0"/>
+          <a:effectRef idx="0"/>
+          <a:fontRef idx="minor"/>
+        </p:style>
         <p:txBody>
           <a:bodyPr lIns="0" rIns="0" tIns="0" bIns="0" anchor="ctr"/>
           <a:p>
@@ -4983,30 +10911,30 @@
               </a:rPr>
               <a:t>遗传算法参考文献</a:t>
             </a:r>
-            <a:endParaRPr b="0" lang="en-US" sz="4400" spc="-1" strike="noStrike">
-              <a:solidFill>
-                <a:srgbClr val="000000"/>
-              </a:solidFill>
-              <a:uFill>
-                <a:solidFill>
-                  <a:srgbClr val="ffffff"/>
-                </a:solidFill>
-              </a:uFill>
-              <a:latin typeface="Arial"/>
-            </a:endParaRPr>
-          </a:p>
-        </p:txBody>
-      </p:sp>
-      <p:sp>
-        <p:nvSpPr>
-          <p:cNvPr id="79" name="TextShape 2"/>
-          <p:cNvSpPr txBox="1"/>
+            <a:endParaRPr b="0" lang="en-US" sz="1800" spc="-1" strike="noStrike">
+              <a:solidFill>
+                <a:srgbClr val="000000"/>
+              </a:solidFill>
+              <a:uFill>
+                <a:solidFill>
+                  <a:srgbClr val="ffffff"/>
+                </a:solidFill>
+              </a:uFill>
+              <a:latin typeface="Arial"/>
+            </a:endParaRPr>
+          </a:p>
+        </p:txBody>
+      </p:sp>
+      <p:sp>
+        <p:nvSpPr>
+          <p:cNvPr id="187" name="CustomShape 2"/>
+          <p:cNvSpPr/>
           <p:nvPr/>
         </p:nvSpPr>
         <p:spPr>
           <a:xfrm>
             <a:off x="609480" y="1604520"/>
-            <a:ext cx="10972440" cy="3977280"/>
+            <a:ext cx="10972080" cy="3976920"/>
           </a:xfrm>
           <a:prstGeom prst="rect">
             <a:avLst/>
@@ -5016,10 +10944,16 @@
             <a:noFill/>
           </a:ln>
         </p:spPr>
+        <p:style>
+          <a:lnRef idx="0"/>
+          <a:fillRef idx="0"/>
+          <a:effectRef idx="0"/>
+          <a:fontRef idx="minor"/>
+        </p:style>
         <p:txBody>
           <a:bodyPr lIns="0" rIns="0" tIns="0" bIns="0" anchor="ctr"/>
           <a:p>
-            <a:pPr marL="216000" indent="-216000" algn="just">
+            <a:pPr marL="216000" indent="-215640" algn="just">
               <a:lnSpc>
                 <a:spcPct val="90000"/>
               </a:lnSpc>
@@ -5128,7 +11062,7 @@
               </a:rPr>
               <a:t>ACM Genetic and Evolutionary Computation Conference (GECCO), pages 1451–1452, Vancouver, Canada, July 2014.</a:t>
             </a:r>
-            <a:endParaRPr b="0" lang="en-US" sz="3200" spc="-1" strike="noStrike">
+            <a:endParaRPr b="0" lang="en-US" sz="1800" spc="-1" strike="noStrike">
               <a:solidFill>
                 <a:srgbClr val="000000"/>
               </a:solidFill>
@@ -5146,20 +11080,20 @@
                 <a:spcPct val="90000"/>
               </a:lnSpc>
             </a:pPr>
-            <a:endParaRPr b="0" lang="en-US" sz="3200" spc="-1" strike="noStrike">
-              <a:solidFill>
-                <a:srgbClr val="000000"/>
-              </a:solidFill>
-              <a:uFill>
-                <a:solidFill>
-                  <a:srgbClr val="ffffff"/>
-                </a:solidFill>
-              </a:uFill>
-              <a:latin typeface="Arial"/>
-            </a:endParaRPr>
-          </a:p>
-          <a:p>
-            <a:pPr marL="216000" indent="-216000" algn="just">
+            <a:endParaRPr b="0" lang="en-US" sz="1800" spc="-1" strike="noStrike">
+              <a:solidFill>
+                <a:srgbClr val="000000"/>
+              </a:solidFill>
+              <a:uFill>
+                <a:solidFill>
+                  <a:srgbClr val="ffffff"/>
+                </a:solidFill>
+              </a:uFill>
+              <a:latin typeface="Arial"/>
+            </a:endParaRPr>
+          </a:p>
+          <a:p>
+            <a:pPr marL="216000" indent="-215640" algn="just">
               <a:lnSpc>
                 <a:spcPct val="90000"/>
               </a:lnSpc>
@@ -5184,7 +11118,7 @@
               </a:rPr>
               <a:t>6.Scalable training of artificial neural networks with adaptive sparse connectivity inspired by network.Nature Commputations,Decebal Constantin Mocanu,Elena Mocanu,Peter Stone;DOI: 10.1038/s41467-018-04316-3,2018</a:t>
             </a:r>
-            <a:endParaRPr b="0" lang="en-US" sz="3200" spc="-1" strike="noStrike">
+            <a:endParaRPr b="0" lang="en-US" sz="1800" spc="-1" strike="noStrike">
               <a:solidFill>
                 <a:srgbClr val="000000"/>
               </a:solidFill>
@@ -5249,14 +11183,14 @@
       </p:grpSpPr>
       <p:sp>
         <p:nvSpPr>
-          <p:cNvPr id="80" name="TextShape 1"/>
-          <p:cNvSpPr txBox="1"/>
+          <p:cNvPr id="188" name="CustomShape 1"/>
+          <p:cNvSpPr/>
           <p:nvPr/>
         </p:nvSpPr>
         <p:spPr>
           <a:xfrm>
             <a:off x="731520" y="365760"/>
-            <a:ext cx="10972440" cy="1144800"/>
+            <a:ext cx="10972080" cy="1144440"/>
           </a:xfrm>
           <a:prstGeom prst="rect">
             <a:avLst/>
@@ -5266,10 +11200,16 @@
             <a:noFill/>
           </a:ln>
         </p:spPr>
+        <p:style>
+          <a:lnRef idx="0"/>
+          <a:fillRef idx="0"/>
+          <a:effectRef idx="0"/>
+          <a:fontRef idx="minor"/>
+        </p:style>
         <p:txBody>
           <a:bodyPr lIns="0" rIns="0" tIns="0" bIns="0" anchor="ctr"/>
           <a:p>
-            <a:pPr marL="216000" indent="-216000" algn="ctr">
+            <a:pPr marL="216000" indent="-215640" algn="ctr">
               <a:lnSpc>
                 <a:spcPct val="90000"/>
               </a:lnSpc>
@@ -5294,30 +11234,30 @@
               </a:rPr>
               <a:t>Scalable Training of Artificial Neural Networks with Adaptive Sparse Connectivity Inspired by Network</a:t>
             </a:r>
-            <a:endParaRPr b="0" lang="en-US" sz="4400" spc="-1" strike="noStrike">
-              <a:solidFill>
-                <a:srgbClr val="000000"/>
-              </a:solidFill>
-              <a:uFill>
-                <a:solidFill>
-                  <a:srgbClr val="ffffff"/>
-                </a:solidFill>
-              </a:uFill>
-              <a:latin typeface="Arial"/>
-            </a:endParaRPr>
-          </a:p>
-        </p:txBody>
-      </p:sp>
-      <p:sp>
-        <p:nvSpPr>
-          <p:cNvPr id="81" name="TextShape 2"/>
-          <p:cNvSpPr txBox="1"/>
+            <a:endParaRPr b="0" lang="en-US" sz="1800" spc="-1" strike="noStrike">
+              <a:solidFill>
+                <a:srgbClr val="000000"/>
+              </a:solidFill>
+              <a:uFill>
+                <a:solidFill>
+                  <a:srgbClr val="ffffff"/>
+                </a:solidFill>
+              </a:uFill>
+              <a:latin typeface="Arial"/>
+            </a:endParaRPr>
+          </a:p>
+        </p:txBody>
+      </p:sp>
+      <p:sp>
+        <p:nvSpPr>
+          <p:cNvPr id="189" name="CustomShape 2"/>
+          <p:cNvSpPr/>
           <p:nvPr/>
         </p:nvSpPr>
         <p:spPr>
           <a:xfrm>
             <a:off x="609480" y="1604520"/>
-            <a:ext cx="10972440" cy="3977280"/>
+            <a:ext cx="10972080" cy="3976920"/>
           </a:xfrm>
           <a:prstGeom prst="rect">
             <a:avLst/>
@@ -5327,10 +11267,19 @@
             <a:noFill/>
           </a:ln>
         </p:spPr>
+        <p:style>
+          <a:lnRef idx="0"/>
+          <a:fillRef idx="0"/>
+          <a:effectRef idx="0"/>
+          <a:fontRef idx="minor"/>
+        </p:style>
         <p:txBody>
           <a:bodyPr lIns="0" rIns="0" tIns="0" bIns="0"/>
           <a:p>
-            <a:pPr marL="432000" indent="-324000">
+            <a:pPr marL="432000" indent="-323640">
+              <a:lnSpc>
+                <a:spcPct val="100000"/>
+              </a:lnSpc>
               <a:buClr>
                 <a:srgbClr val="000000"/>
               </a:buClr>
@@ -5352,20 +11301,23 @@
               </a:rPr>
               <a:t>ieda:</a:t>
             </a:r>
-            <a:endParaRPr b="0" lang="en-US" sz="3200" spc="-1" strike="noStrike">
-              <a:solidFill>
-                <a:srgbClr val="000000"/>
-              </a:solidFill>
-              <a:uFill>
-                <a:solidFill>
-                  <a:srgbClr val="ffffff"/>
-                </a:solidFill>
-              </a:uFill>
-              <a:latin typeface="Arial"/>
-            </a:endParaRPr>
-          </a:p>
-          <a:p>
-            <a:pPr marL="432000" indent="-324000">
+            <a:endParaRPr b="0" lang="en-US" sz="1800" spc="-1" strike="noStrike">
+              <a:solidFill>
+                <a:srgbClr val="000000"/>
+              </a:solidFill>
+              <a:uFill>
+                <a:solidFill>
+                  <a:srgbClr val="ffffff"/>
+                </a:solidFill>
+              </a:uFill>
+              <a:latin typeface="Arial"/>
+            </a:endParaRPr>
+          </a:p>
+          <a:p>
+            <a:pPr marL="432000" indent="-323640">
+              <a:lnSpc>
+                <a:spcPct val="100000"/>
+              </a:lnSpc>
               <a:buClr>
                 <a:srgbClr val="000000"/>
               </a:buClr>
@@ -5387,20 +11339,23 @@
               </a:rPr>
               <a:t>Biological neural networks have good properties(e.g. sparsity, scale-freeness)</a:t>
             </a:r>
-            <a:endParaRPr b="0" lang="en-US" sz="3200" spc="-1" strike="noStrike">
-              <a:solidFill>
-                <a:srgbClr val="000000"/>
-              </a:solidFill>
-              <a:uFill>
-                <a:solidFill>
-                  <a:srgbClr val="ffffff"/>
-                </a:solidFill>
-              </a:uFill>
-              <a:latin typeface="Arial"/>
-            </a:endParaRPr>
-          </a:p>
-          <a:p>
-            <a:pPr marL="432000" indent="-324000">
+            <a:endParaRPr b="0" lang="en-US" sz="1800" spc="-1" strike="noStrike">
+              <a:solidFill>
+                <a:srgbClr val="000000"/>
+              </a:solidFill>
+              <a:uFill>
+                <a:solidFill>
+                  <a:srgbClr val="ffffff"/>
+                </a:solidFill>
+              </a:uFill>
+              <a:latin typeface="Arial"/>
+            </a:endParaRPr>
+          </a:p>
+          <a:p>
+            <a:pPr marL="432000" indent="-323640">
+              <a:lnSpc>
+                <a:spcPct val="100000"/>
+              </a:lnSpc>
               <a:buClr>
                 <a:srgbClr val="000000"/>
               </a:buClr>
@@ -5422,20 +11377,23 @@
               </a:rPr>
               <a:t>Artificial neural networks should not have fully-connected layers</a:t>
             </a:r>
-            <a:endParaRPr b="0" lang="en-US" sz="3200" spc="-1" strike="noStrike">
-              <a:solidFill>
-                <a:srgbClr val="000000"/>
-              </a:solidFill>
-              <a:uFill>
-                <a:solidFill>
-                  <a:srgbClr val="ffffff"/>
-                </a:solidFill>
-              </a:uFill>
-              <a:latin typeface="Arial"/>
-            </a:endParaRPr>
-          </a:p>
-          <a:p>
-            <a:pPr marL="432000" indent="-324000">
+            <a:endParaRPr b="0" lang="en-US" sz="1800" spc="-1" strike="noStrike">
+              <a:solidFill>
+                <a:srgbClr val="000000"/>
+              </a:solidFill>
+              <a:uFill>
+                <a:solidFill>
+                  <a:srgbClr val="ffffff"/>
+                </a:solidFill>
+              </a:uFill>
+              <a:latin typeface="Arial"/>
+            </a:endParaRPr>
+          </a:p>
+          <a:p>
+            <a:pPr marL="432000" indent="-323640">
+              <a:lnSpc>
+                <a:spcPct val="100000"/>
+              </a:lnSpc>
               <a:buClr>
                 <a:srgbClr val="000000"/>
               </a:buClr>
@@ -5457,7 +11415,7 @@
               </a:rPr>
               <a:t>Propose sparse evolutionary training of artificial neural networks</a:t>
             </a:r>
-            <a:endParaRPr b="0" lang="en-US" sz="3200" spc="-1" strike="noStrike">
+            <a:endParaRPr b="0" lang="en-US" sz="1800" spc="-1" strike="noStrike">
               <a:solidFill>
                 <a:srgbClr val="000000"/>
               </a:solidFill>
@@ -5520,39 +11478,16 @@
           <a:chExt cx="0" cy="0"/>
         </a:xfrm>
       </p:grpSpPr>
-      <p:pic>
-        <p:nvPicPr>
-          <p:cNvPr id="82" name="" descr=""/>
-          <p:cNvPicPr/>
+      <p:sp>
+        <p:nvSpPr>
+          <p:cNvPr id="190" name="CustomShape 1"/>
+          <p:cNvSpPr/>
           <p:nvPr/>
-        </p:nvPicPr>
-        <p:blipFill>
-          <a:blip r:embed="rId1"/>
-          <a:stretch/>
-        </p:blipFill>
-        <p:spPr>
-          <a:xfrm>
-            <a:off x="136080" y="1862280"/>
-            <a:ext cx="11934000" cy="3147120"/>
-          </a:xfrm>
-          <a:prstGeom prst="rect">
-            <a:avLst/>
-          </a:prstGeom>
-          <a:ln>
-            <a:noFill/>
-          </a:ln>
-        </p:spPr>
-      </p:pic>
-      <p:sp>
-        <p:nvSpPr>
-          <p:cNvPr id="83" name="TextShape 1"/>
-          <p:cNvSpPr txBox="1"/>
-          <p:nvPr/>
         </p:nvSpPr>
         <p:spPr>
           <a:xfrm>
             <a:off x="609480" y="273600"/>
-            <a:ext cx="10972440" cy="1144800"/>
+            <a:ext cx="10972080" cy="1144440"/>
           </a:xfrm>
           <a:prstGeom prst="rect">
             <a:avLst/>
@@ -5562,10 +11497,20 @@
             <a:noFill/>
           </a:ln>
         </p:spPr>
+        <p:style>
+          <a:lnRef idx="0"/>
+          <a:fillRef idx="0"/>
+          <a:effectRef idx="0"/>
+          <a:fontRef idx="minor"/>
+        </p:style>
         <p:txBody>
           <a:bodyPr lIns="0" rIns="0" tIns="0" bIns="0" anchor="ctr"/>
           <a:p>
-            <a:pPr algn="ctr"/>
+            <a:pPr algn="ctr">
+              <a:lnSpc>
+                <a:spcPct val="100000"/>
+              </a:lnSpc>
+            </a:pPr>
             <a:r>
               <a:rPr b="0" lang="en-US" sz="4400" spc="-1" strike="noStrike">
                 <a:solidFill>
@@ -5580,20 +11525,43 @@
               </a:rPr>
               <a:t>SET(Sparse Evolutionary Training)</a:t>
             </a:r>
-            <a:endParaRPr b="0" lang="en-US" sz="4400" spc="-1" strike="noStrike">
-              <a:solidFill>
-                <a:srgbClr val="000000"/>
-              </a:solidFill>
-              <a:uFill>
-                <a:solidFill>
-                  <a:srgbClr val="ffffff"/>
-                </a:solidFill>
-              </a:uFill>
-              <a:latin typeface="Arial"/>
-            </a:endParaRPr>
-          </a:p>
-        </p:txBody>
-      </p:sp>
+            <a:endParaRPr b="0" lang="en-US" sz="1800" spc="-1" strike="noStrike">
+              <a:solidFill>
+                <a:srgbClr val="000000"/>
+              </a:solidFill>
+              <a:uFill>
+                <a:solidFill>
+                  <a:srgbClr val="ffffff"/>
+                </a:solidFill>
+              </a:uFill>
+              <a:latin typeface="Arial"/>
+            </a:endParaRPr>
+          </a:p>
+        </p:txBody>
+      </p:sp>
+      <p:pic>
+        <p:nvPicPr>
+          <p:cNvPr id="191" name="" descr=""/>
+          <p:cNvPicPr/>
+          <p:nvPr/>
+        </p:nvPicPr>
+        <p:blipFill>
+          <a:blip r:embed="rId1"/>
+          <a:stretch/>
+        </p:blipFill>
+        <p:spPr>
+          <a:xfrm>
+            <a:off x="548640" y="2140560"/>
+            <a:ext cx="11185920" cy="2980080"/>
+          </a:xfrm>
+          <a:prstGeom prst="rect">
+            <a:avLst/>
+          </a:prstGeom>
+          <a:ln>
+            <a:noFill/>
+          </a:ln>
+        </p:spPr>
+      </p:pic>
     </p:spTree>
   </p:cSld>
   <p:timing>
@@ -5645,14 +11613,14 @@
       </p:grpSpPr>
       <p:sp>
         <p:nvSpPr>
-          <p:cNvPr id="84" name="TextShape 1"/>
+          <p:cNvPr id="192" name="TextShape 1"/>
           <p:cNvSpPr txBox="1"/>
           <p:nvPr/>
         </p:nvSpPr>
         <p:spPr>
           <a:xfrm>
-            <a:off x="609480" y="273600"/>
-            <a:ext cx="10972440" cy="1144800"/>
+            <a:off x="609480" y="220680"/>
+            <a:ext cx="10972080" cy="1250280"/>
           </a:xfrm>
           <a:prstGeom prst="rect">
             <a:avLst/>
@@ -5678,7 +11646,7 @@
                 </a:uFill>
                 <a:latin typeface="Arial"/>
               </a:rPr>
-              <a:t>Performance on MLPs</a:t>
+              <a:t>Sparse evolutionary training (SET) pseudocode</a:t>
             </a:r>
             <a:endParaRPr b="0" lang="en-US" sz="4400" spc="-1" strike="noStrike">
               <a:solidFill>
@@ -5696,7 +11664,7 @@
       </p:sp>
       <p:pic>
         <p:nvPicPr>
-          <p:cNvPr id="85" name="" descr=""/>
+          <p:cNvPr id="193" name="" descr=""/>
           <p:cNvPicPr/>
           <p:nvPr/>
         </p:nvPicPr>
@@ -5705,9 +11673,9 @@
           <a:stretch/>
         </p:blipFill>
         <p:spPr>
-          <a:xfrm rot="21580800">
-            <a:off x="1745280" y="1761480"/>
-            <a:ext cx="8778240" cy="2985840"/>
+          <a:xfrm>
+            <a:off x="1097280" y="1413360"/>
+            <a:ext cx="10467720" cy="5170320"/>
           </a:xfrm>
           <a:prstGeom prst="rect">
             <a:avLst/>
@@ -5719,33 +11687,6 @@
       </p:pic>
     </p:spTree>
   </p:cSld>
-  <p:timing>
-    <p:tnLst>
-      <p:par>
-        <p:cTn id="13" dur="indefinite" restart="never" nodeType="tmRoot">
-          <p:childTnLst>
-            <p:seq>
-              <p:cTn id="14" nodeType="mainSeq"/>
-              <p:prevCondLst>
-                <p:cond delay="0" evt="onPrev">
-                  <p:tgtEl>
-                    <p:sldTgt/>
-                  </p:tgtEl>
-                </p:cond>
-              </p:prevCondLst>
-              <p:nextCondLst>
-                <p:cond delay="0" evt="onNext">
-                  <p:tgtEl>
-                    <p:sldTgt/>
-                  </p:tgtEl>
-                </p:cond>
-              </p:nextCondLst>
-            </p:seq>
-          </p:childTnLst>
-        </p:cTn>
-      </p:par>
-    </p:tnLst>
-  </p:timing>
 </p:sld>
 </file>
 
@@ -5768,14 +11709,14 @@
       </p:grpSpPr>
       <p:sp>
         <p:nvSpPr>
-          <p:cNvPr id="86" name="TextShape 1"/>
+          <p:cNvPr id="194" name="TextShape 1"/>
           <p:cNvSpPr txBox="1"/>
           <p:nvPr/>
         </p:nvSpPr>
         <p:spPr>
           <a:xfrm>
-            <a:off x="609480" y="273600"/>
-            <a:ext cx="10972440" cy="1144800"/>
+            <a:off x="609480" y="220680"/>
+            <a:ext cx="10972080" cy="1250280"/>
           </a:xfrm>
           <a:prstGeom prst="rect">
             <a:avLst/>
@@ -5801,7 +11742,7 @@
                 </a:uFill>
                 <a:latin typeface="Arial"/>
               </a:rPr>
-              <a:t>Performance on MLPs</a:t>
+              <a:t>Sparse evolutionary training (SET) pseudocode</a:t>
             </a:r>
             <a:endParaRPr b="0" lang="en-US" sz="4400" spc="-1" strike="noStrike">
               <a:solidFill>
@@ -5819,7 +11760,7 @@
       </p:sp>
       <p:pic>
         <p:nvPicPr>
-          <p:cNvPr id="87" name="" descr=""/>
+          <p:cNvPr id="195" name="" descr=""/>
           <p:cNvPicPr/>
           <p:nvPr/>
         </p:nvPicPr>
@@ -5829,8 +11770,8 @@
         </p:blipFill>
         <p:spPr>
           <a:xfrm>
-            <a:off x="1188720" y="1828800"/>
-            <a:ext cx="9235440" cy="3441960"/>
+            <a:off x="1097280" y="1413360"/>
+            <a:ext cx="10467720" cy="5170320"/>
           </a:xfrm>
           <a:prstGeom prst="rect">
             <a:avLst/>
@@ -5842,33 +11783,6 @@
       </p:pic>
     </p:spTree>
   </p:cSld>
-  <p:timing>
-    <p:tnLst>
-      <p:par>
-        <p:cTn id="15" dur="indefinite" restart="never" nodeType="tmRoot">
-          <p:childTnLst>
-            <p:seq>
-              <p:cTn id="16" nodeType="mainSeq"/>
-              <p:prevCondLst>
-                <p:cond delay="0" evt="onPrev">
-                  <p:tgtEl>
-                    <p:sldTgt/>
-                  </p:tgtEl>
-                </p:cond>
-              </p:prevCondLst>
-              <p:nextCondLst>
-                <p:cond delay="0" evt="onNext">
-                  <p:tgtEl>
-                    <p:sldTgt/>
-                  </p:tgtEl>
-                </p:cond>
-              </p:nextCondLst>
-            </p:seq>
-          </p:childTnLst>
-        </p:cTn>
-      </p:par>
-    </p:tnLst>
-  </p:timing>
 </p:sld>
 </file>
 
@@ -5891,14 +11805,14 @@
       </p:grpSpPr>
       <p:sp>
         <p:nvSpPr>
-          <p:cNvPr id="88" name="TextShape 1"/>
+          <p:cNvPr id="196" name="TextShape 1"/>
           <p:cNvSpPr txBox="1"/>
           <p:nvPr/>
         </p:nvSpPr>
         <p:spPr>
           <a:xfrm>
             <a:off x="609480" y="273600"/>
-            <a:ext cx="10972440" cy="1144800"/>
+            <a:ext cx="10972080" cy="1144440"/>
           </a:xfrm>
           <a:prstGeom prst="rect">
             <a:avLst/>
@@ -5924,7 +11838,7 @@
                 </a:uFill>
                 <a:latin typeface="Arial"/>
               </a:rPr>
-              <a:t>Performance on CNNs</a:t>
+              <a:t>Datasets characteristics</a:t>
             </a:r>
             <a:endParaRPr b="0" lang="en-US" sz="4400" spc="-1" strike="noStrike">
               <a:solidFill>
@@ -5942,7 +11856,7 @@
       </p:sp>
       <p:pic>
         <p:nvPicPr>
-          <p:cNvPr id="89" name="" descr=""/>
+          <p:cNvPr id="197" name="" descr=""/>
           <p:cNvPicPr/>
           <p:nvPr/>
         </p:nvPicPr>
@@ -5952,8 +11866,8 @@
         </p:blipFill>
         <p:spPr>
           <a:xfrm>
-            <a:off x="324720" y="1737360"/>
-            <a:ext cx="11745360" cy="4114800"/>
+            <a:off x="457200" y="1560960"/>
+            <a:ext cx="11064240" cy="5205600"/>
           </a:xfrm>
           <a:prstGeom prst="rect">
             <a:avLst/>
@@ -5965,33 +11879,6 @@
       </p:pic>
     </p:spTree>
   </p:cSld>
-  <p:timing>
-    <p:tnLst>
-      <p:par>
-        <p:cTn id="17" dur="indefinite" restart="never" nodeType="tmRoot">
-          <p:childTnLst>
-            <p:seq>
-              <p:cTn id="18" nodeType="mainSeq"/>
-              <p:prevCondLst>
-                <p:cond delay="0" evt="onPrev">
-                  <p:tgtEl>
-                    <p:sldTgt/>
-                  </p:tgtEl>
-                </p:cond>
-              </p:prevCondLst>
-              <p:nextCondLst>
-                <p:cond delay="0" evt="onNext">
-                  <p:tgtEl>
-                    <p:sldTgt/>
-                  </p:tgtEl>
-                </p:cond>
-              </p:nextCondLst>
-            </p:seq>
-          </p:childTnLst>
-        </p:cTn>
-      </p:par>
-    </p:tnLst>
-  </p:timing>
 </p:sld>
 </file>
 
@@ -6439,4 +12326,673 @@
     </a:fmtScheme>
   </a:themeElements>
 </a:theme>
+</file>
+
+<file path=ppt/theme/theme3.xml><?xml version="1.0" encoding="utf-8"?>
+<a:theme xmlns:a="http://schemas.openxmlformats.org/drawingml/2006/main" name="Office Theme">
+  <a:themeElements>
+    <a:clrScheme name="Office">
+      <a:dk1>
+        <a:sysClr val="windowText" lastClr="000000"/>
+      </a:dk1>
+      <a:lt1>
+        <a:sysClr val="window" lastClr="FFFFFF"/>
+      </a:lt1>
+      <a:dk2>
+        <a:srgbClr val="1F497D"/>
+      </a:dk2>
+      <a:lt2>
+        <a:srgbClr val="EEECE1"/>
+      </a:lt2>
+      <a:accent1>
+        <a:srgbClr val="4F81BD"/>
+      </a:accent1>
+      <a:accent2>
+        <a:srgbClr val="C0504D"/>
+      </a:accent2>
+      <a:accent3>
+        <a:srgbClr val="9BBB59"/>
+      </a:accent3>
+      <a:accent4>
+        <a:srgbClr val="8064A2"/>
+      </a:accent4>
+      <a:accent5>
+        <a:srgbClr val="4BACC6"/>
+      </a:accent5>
+      <a:accent6>
+        <a:srgbClr val="F79646"/>
+      </a:accent6>
+      <a:hlink>
+        <a:srgbClr val="0000FF"/>
+      </a:hlink>
+      <a:folHlink>
+        <a:srgbClr val="800080"/>
+      </a:folHlink>
+    </a:clrScheme>
+    <a:fontScheme name="Office">
+      <a:majorFont>
+        <a:latin typeface="Arial"/>
+        <a:ea typeface="DejaVu Sans"/>
+        <a:cs typeface="DejaVu Sans"/>
+      </a:majorFont>
+      <a:minorFont>
+        <a:latin typeface="Arial"/>
+        <a:ea typeface="DejaVu Sans"/>
+        <a:cs typeface="DejaVu Sans"/>
+      </a:minorFont>
+    </a:fontScheme>
+    <a:fmtScheme name="Office">
+      <a:fillStyleLst>
+        <a:solidFill>
+          <a:schemeClr val="phClr"/>
+        </a:solidFill>
+        <a:gradFill rotWithShape="1">
+          <a:gsLst>
+            <a:gs pos="0">
+              <a:schemeClr val="phClr">
+                <a:tint val="50000"/>
+                <a:satMod val="300000"/>
+              </a:schemeClr>
+            </a:gs>
+            <a:gs pos="35000">
+              <a:schemeClr val="phClr">
+                <a:tint val="37000"/>
+                <a:satMod val="300000"/>
+              </a:schemeClr>
+            </a:gs>
+            <a:gs pos="100000">
+              <a:schemeClr val="phClr">
+                <a:tint val="15000"/>
+                <a:satMod val="350000"/>
+              </a:schemeClr>
+            </a:gs>
+          </a:gsLst>
+          <a:lin ang="16200000" scaled="1"/>
+        </a:gradFill>
+        <a:gradFill rotWithShape="1">
+          <a:gsLst>
+            <a:gs pos="0">
+              <a:schemeClr val="phClr">
+                <a:shade val="51000"/>
+                <a:satMod val="130000"/>
+              </a:schemeClr>
+            </a:gs>
+            <a:gs pos="80000">
+              <a:schemeClr val="phClr">
+                <a:shade val="93000"/>
+                <a:satMod val="130000"/>
+              </a:schemeClr>
+            </a:gs>
+            <a:gs pos="100000">
+              <a:schemeClr val="phClr">
+                <a:shade val="94000"/>
+                <a:satMod val="135000"/>
+              </a:schemeClr>
+            </a:gs>
+          </a:gsLst>
+          <a:lin ang="16200000" scaled="0"/>
+        </a:gradFill>
+      </a:fillStyleLst>
+      <a:lnStyleLst>
+        <a:ln w="9525" cap="flat" cmpd="sng" algn="ctr">
+          <a:solidFill>
+            <a:schemeClr val="phClr">
+              <a:shade val="95000"/>
+              <a:satMod val="105000"/>
+            </a:schemeClr>
+          </a:solidFill>
+          <a:prstDash val="solid"/>
+        </a:ln>
+        <a:ln w="25400" cap="flat" cmpd="sng" algn="ctr">
+          <a:solidFill>
+            <a:schemeClr val="phClr"/>
+          </a:solidFill>
+          <a:prstDash val="solid"/>
+        </a:ln>
+        <a:ln w="38100" cap="flat" cmpd="sng" algn="ctr">
+          <a:solidFill>
+            <a:schemeClr val="phClr"/>
+          </a:solidFill>
+          <a:prstDash val="solid"/>
+        </a:ln>
+      </a:lnStyleLst>
+      <a:effectStyleLst>
+        <a:effectStyle>
+          <a:effectLst>
+            <a:outerShdw blurRad="40000" dist="20000" dir="5400000" rotWithShape="0">
+              <a:srgbClr val="000000">
+                <a:alpha val="38000"/>
+              </a:srgbClr>
+            </a:outerShdw>
+          </a:effectLst>
+        </a:effectStyle>
+        <a:effectStyle>
+          <a:effectLst>
+            <a:outerShdw blurRad="40000" dist="23000" dir="5400000" rotWithShape="0">
+              <a:srgbClr val="000000">
+                <a:alpha val="35000"/>
+              </a:srgbClr>
+            </a:outerShdw>
+          </a:effectLst>
+        </a:effectStyle>
+        <a:effectStyle>
+          <a:effectLst>
+            <a:outerShdw blurRad="40000" dist="23000" dir="5400000" rotWithShape="0">
+              <a:srgbClr val="000000">
+                <a:alpha val="35000"/>
+              </a:srgbClr>
+            </a:outerShdw>
+          </a:effectLst>
+          <a:scene3d>
+            <a:camera prst="orthographicFront">
+              <a:rot lat="0" lon="0" rev="0"/>
+            </a:camera>
+            <a:lightRig rig="threePt" dir="t">
+              <a:rot lat="0" lon="0" rev="1200000"/>
+            </a:lightRig>
+          </a:scene3d>
+          <a:sp3d>
+            <a:bevelT w="63500" h="25400"/>
+          </a:sp3d>
+        </a:effectStyle>
+      </a:effectStyleLst>
+      <a:bgFillStyleLst>
+        <a:solidFill>
+          <a:schemeClr val="phClr"/>
+        </a:solidFill>
+        <a:gradFill rotWithShape="1">
+          <a:gsLst>
+            <a:gs pos="0">
+              <a:schemeClr val="phClr">
+                <a:tint val="40000"/>
+                <a:satMod val="350000"/>
+              </a:schemeClr>
+            </a:gs>
+            <a:gs pos="40000">
+              <a:schemeClr val="phClr">
+                <a:tint val="45000"/>
+                <a:shade val="99000"/>
+                <a:satMod val="350000"/>
+              </a:schemeClr>
+            </a:gs>
+            <a:gs pos="100000">
+              <a:schemeClr val="phClr">
+                <a:shade val="20000"/>
+                <a:satMod val="255000"/>
+              </a:schemeClr>
+            </a:gs>
+          </a:gsLst>
+          <a:path path="circle">
+            <a:fillToRect l="50000" t="-80000" r="50000" b="180000"/>
+          </a:path>
+        </a:gradFill>
+        <a:gradFill rotWithShape="1">
+          <a:gsLst>
+            <a:gs pos="0">
+              <a:schemeClr val="phClr">
+                <a:tint val="80000"/>
+                <a:satMod val="300000"/>
+              </a:schemeClr>
+            </a:gs>
+            <a:gs pos="100000">
+              <a:schemeClr val="phClr">
+                <a:shade val="30000"/>
+                <a:satMod val="200000"/>
+              </a:schemeClr>
+            </a:gs>
+          </a:gsLst>
+          <a:path path="circle">
+            <a:fillToRect l="50000" t="50000" r="50000" b="50000"/>
+          </a:path>
+        </a:gradFill>
+      </a:bgFillStyleLst>
+    </a:fmtScheme>
+  </a:themeElements>
+</a:theme>
+</file>
+
+<file path=ppt/theme/theme4.xml><?xml version="1.0" encoding="utf-8"?>
+<a:theme xmlns:a="http://schemas.openxmlformats.org/drawingml/2006/main" name="Office Theme">
+  <a:themeElements>
+    <a:clrScheme name="Office">
+      <a:dk1>
+        <a:sysClr val="windowText" lastClr="000000"/>
+      </a:dk1>
+      <a:lt1>
+        <a:sysClr val="window" lastClr="FFFFFF"/>
+      </a:lt1>
+      <a:dk2>
+        <a:srgbClr val="1F497D"/>
+      </a:dk2>
+      <a:lt2>
+        <a:srgbClr val="EEECE1"/>
+      </a:lt2>
+      <a:accent1>
+        <a:srgbClr val="4F81BD"/>
+      </a:accent1>
+      <a:accent2>
+        <a:srgbClr val="C0504D"/>
+      </a:accent2>
+      <a:accent3>
+        <a:srgbClr val="9BBB59"/>
+      </a:accent3>
+      <a:accent4>
+        <a:srgbClr val="8064A2"/>
+      </a:accent4>
+      <a:accent5>
+        <a:srgbClr val="4BACC6"/>
+      </a:accent5>
+      <a:accent6>
+        <a:srgbClr val="F79646"/>
+      </a:accent6>
+      <a:hlink>
+        <a:srgbClr val="0000FF"/>
+      </a:hlink>
+      <a:folHlink>
+        <a:srgbClr val="800080"/>
+      </a:folHlink>
+    </a:clrScheme>
+    <a:fontScheme name="Office">
+      <a:majorFont>
+        <a:latin typeface="Arial"/>
+        <a:ea typeface="DejaVu Sans"/>
+        <a:cs typeface="DejaVu Sans"/>
+      </a:majorFont>
+      <a:minorFont>
+        <a:latin typeface="Arial"/>
+        <a:ea typeface="DejaVu Sans"/>
+        <a:cs typeface="DejaVu Sans"/>
+      </a:minorFont>
+    </a:fontScheme>
+    <a:fmtScheme name="Office">
+      <a:fillStyleLst>
+        <a:solidFill>
+          <a:schemeClr val="phClr"/>
+        </a:solidFill>
+        <a:gradFill rotWithShape="1">
+          <a:gsLst>
+            <a:gs pos="0">
+              <a:schemeClr val="phClr">
+                <a:tint val="50000"/>
+                <a:satMod val="300000"/>
+              </a:schemeClr>
+            </a:gs>
+            <a:gs pos="35000">
+              <a:schemeClr val="phClr">
+                <a:tint val="37000"/>
+                <a:satMod val="300000"/>
+              </a:schemeClr>
+            </a:gs>
+            <a:gs pos="100000">
+              <a:schemeClr val="phClr">
+                <a:tint val="15000"/>
+                <a:satMod val="350000"/>
+              </a:schemeClr>
+            </a:gs>
+          </a:gsLst>
+          <a:lin ang="16200000" scaled="1"/>
+        </a:gradFill>
+        <a:gradFill rotWithShape="1">
+          <a:gsLst>
+            <a:gs pos="0">
+              <a:schemeClr val="phClr">
+                <a:shade val="51000"/>
+                <a:satMod val="130000"/>
+              </a:schemeClr>
+            </a:gs>
+            <a:gs pos="80000">
+              <a:schemeClr val="phClr">
+                <a:shade val="93000"/>
+                <a:satMod val="130000"/>
+              </a:schemeClr>
+            </a:gs>
+            <a:gs pos="100000">
+              <a:schemeClr val="phClr">
+                <a:shade val="94000"/>
+                <a:satMod val="135000"/>
+              </a:schemeClr>
+            </a:gs>
+          </a:gsLst>
+          <a:lin ang="16200000" scaled="0"/>
+        </a:gradFill>
+      </a:fillStyleLst>
+      <a:lnStyleLst>
+        <a:ln w="9525" cap="flat" cmpd="sng" algn="ctr">
+          <a:solidFill>
+            <a:schemeClr val="phClr">
+              <a:shade val="95000"/>
+              <a:satMod val="105000"/>
+            </a:schemeClr>
+          </a:solidFill>
+          <a:prstDash val="solid"/>
+        </a:ln>
+        <a:ln w="25400" cap="flat" cmpd="sng" algn="ctr">
+          <a:solidFill>
+            <a:schemeClr val="phClr"/>
+          </a:solidFill>
+          <a:prstDash val="solid"/>
+        </a:ln>
+        <a:ln w="38100" cap="flat" cmpd="sng" algn="ctr">
+          <a:solidFill>
+            <a:schemeClr val="phClr"/>
+          </a:solidFill>
+          <a:prstDash val="solid"/>
+        </a:ln>
+      </a:lnStyleLst>
+      <a:effectStyleLst>
+        <a:effectStyle>
+          <a:effectLst>
+            <a:outerShdw blurRad="40000" dist="20000" dir="5400000" rotWithShape="0">
+              <a:srgbClr val="000000">
+                <a:alpha val="38000"/>
+              </a:srgbClr>
+            </a:outerShdw>
+          </a:effectLst>
+        </a:effectStyle>
+        <a:effectStyle>
+          <a:effectLst>
+            <a:outerShdw blurRad="40000" dist="23000" dir="5400000" rotWithShape="0">
+              <a:srgbClr val="000000">
+                <a:alpha val="35000"/>
+              </a:srgbClr>
+            </a:outerShdw>
+          </a:effectLst>
+        </a:effectStyle>
+        <a:effectStyle>
+          <a:effectLst>
+            <a:outerShdw blurRad="40000" dist="23000" dir="5400000" rotWithShape="0">
+              <a:srgbClr val="000000">
+                <a:alpha val="35000"/>
+              </a:srgbClr>
+            </a:outerShdw>
+          </a:effectLst>
+          <a:scene3d>
+            <a:camera prst="orthographicFront">
+              <a:rot lat="0" lon="0" rev="0"/>
+            </a:camera>
+            <a:lightRig rig="threePt" dir="t">
+              <a:rot lat="0" lon="0" rev="1200000"/>
+            </a:lightRig>
+          </a:scene3d>
+          <a:sp3d>
+            <a:bevelT w="63500" h="25400"/>
+          </a:sp3d>
+        </a:effectStyle>
+      </a:effectStyleLst>
+      <a:bgFillStyleLst>
+        <a:solidFill>
+          <a:schemeClr val="phClr"/>
+        </a:solidFill>
+        <a:gradFill rotWithShape="1">
+          <a:gsLst>
+            <a:gs pos="0">
+              <a:schemeClr val="phClr">
+                <a:tint val="40000"/>
+                <a:satMod val="350000"/>
+              </a:schemeClr>
+            </a:gs>
+            <a:gs pos="40000">
+              <a:schemeClr val="phClr">
+                <a:tint val="45000"/>
+                <a:shade val="99000"/>
+                <a:satMod val="350000"/>
+              </a:schemeClr>
+            </a:gs>
+            <a:gs pos="100000">
+              <a:schemeClr val="phClr">
+                <a:shade val="20000"/>
+                <a:satMod val="255000"/>
+              </a:schemeClr>
+            </a:gs>
+          </a:gsLst>
+          <a:path path="circle">
+            <a:fillToRect l="50000" t="-80000" r="50000" b="180000"/>
+          </a:path>
+        </a:gradFill>
+        <a:gradFill rotWithShape="1">
+          <a:gsLst>
+            <a:gs pos="0">
+              <a:schemeClr val="phClr">
+                <a:tint val="80000"/>
+                <a:satMod val="300000"/>
+              </a:schemeClr>
+            </a:gs>
+            <a:gs pos="100000">
+              <a:schemeClr val="phClr">
+                <a:shade val="30000"/>
+                <a:satMod val="200000"/>
+              </a:schemeClr>
+            </a:gs>
+          </a:gsLst>
+          <a:path path="circle">
+            <a:fillToRect l="50000" t="50000" r="50000" b="50000"/>
+          </a:path>
+        </a:gradFill>
+      </a:bgFillStyleLst>
+    </a:fmtScheme>
+  </a:themeElements>
+</a:theme>
+</file>
+
+<file path=ppt/theme/theme5.xml><?xml version="1.0" encoding="utf-8"?>
+<a:theme xmlns:a="http://schemas.openxmlformats.org/drawingml/2006/main" name="Office Theme">
+  <a:themeElements>
+    <a:clrScheme name="Office">
+      <a:dk1>
+        <a:sysClr val="windowText" lastClr="000000"/>
+      </a:dk1>
+      <a:lt1>
+        <a:sysClr val="window" lastClr="FFFFFF"/>
+      </a:lt1>
+      <a:dk2>
+        <a:srgbClr val="1F497D"/>
+      </a:dk2>
+      <a:lt2>
+        <a:srgbClr val="EEECE1"/>
+      </a:lt2>
+      <a:accent1>
+        <a:srgbClr val="4F81BD"/>
+      </a:accent1>
+      <a:accent2>
+        <a:srgbClr val="C0504D"/>
+      </a:accent2>
+      <a:accent3>
+        <a:srgbClr val="9BBB59"/>
+      </a:accent3>
+      <a:accent4>
+        <a:srgbClr val="8064A2"/>
+      </a:accent4>
+      <a:accent5>
+        <a:srgbClr val="4BACC6"/>
+      </a:accent5>
+      <a:accent6>
+        <a:srgbClr val="F79646"/>
+      </a:accent6>
+      <a:hlink>
+        <a:srgbClr val="0000FF"/>
+      </a:hlink>
+      <a:folHlink>
+        <a:srgbClr val="800080"/>
+      </a:folHlink>
+    </a:clrScheme>
+    <a:fontScheme name="Office">
+      <a:majorFont>
+        <a:latin typeface="Arial"/>
+        <a:ea typeface="DejaVu Sans"/>
+        <a:cs typeface="DejaVu Sans"/>
+      </a:majorFont>
+      <a:minorFont>
+        <a:latin typeface="Arial"/>
+        <a:ea typeface="DejaVu Sans"/>
+        <a:cs typeface="DejaVu Sans"/>
+      </a:minorFont>
+    </a:fontScheme>
+    <a:fmtScheme name="Office">
+      <a:fillStyleLst>
+        <a:solidFill>
+          <a:schemeClr val="phClr"/>
+        </a:solidFill>
+        <a:gradFill rotWithShape="1">
+          <a:gsLst>
+            <a:gs pos="0">
+              <a:schemeClr val="phClr">
+                <a:tint val="50000"/>
+                <a:satMod val="300000"/>
+              </a:schemeClr>
+            </a:gs>
+            <a:gs pos="35000">
+              <a:schemeClr val="phClr">
+                <a:tint val="37000"/>
+                <a:satMod val="300000"/>
+              </a:schemeClr>
+            </a:gs>
+            <a:gs pos="100000">
+              <a:schemeClr val="phClr">
+                <a:tint val="15000"/>
+                <a:satMod val="350000"/>
+              </a:schemeClr>
+            </a:gs>
+          </a:gsLst>
+          <a:lin ang="16200000" scaled="1"/>
+        </a:gradFill>
+        <a:gradFill rotWithShape="1">
+          <a:gsLst>
+            <a:gs pos="0">
+              <a:schemeClr val="phClr">
+                <a:shade val="51000"/>
+                <a:satMod val="130000"/>
+              </a:schemeClr>
+            </a:gs>
+            <a:gs pos="80000">
+              <a:schemeClr val="phClr">
+                <a:shade val="93000"/>
+                <a:satMod val="130000"/>
+              </a:schemeClr>
+            </a:gs>
+            <a:gs pos="100000">
+              <a:schemeClr val="phClr">
+                <a:shade val="94000"/>
+                <a:satMod val="135000"/>
+              </a:schemeClr>
+            </a:gs>
+          </a:gsLst>
+          <a:lin ang="16200000" scaled="0"/>
+        </a:gradFill>
+      </a:fillStyleLst>
+      <a:lnStyleLst>
+        <a:ln w="9525" cap="flat" cmpd="sng" algn="ctr">
+          <a:solidFill>
+            <a:schemeClr val="phClr">
+              <a:shade val="95000"/>
+              <a:satMod val="105000"/>
+            </a:schemeClr>
+          </a:solidFill>
+          <a:prstDash val="solid"/>
+        </a:ln>
+        <a:ln w="25400" cap="flat" cmpd="sng" algn="ctr">
+          <a:solidFill>
+            <a:schemeClr val="phClr"/>
+          </a:solidFill>
+          <a:prstDash val="solid"/>
+        </a:ln>
+        <a:ln w="38100" cap="flat" cmpd="sng" algn="ctr">
+          <a:solidFill>
+            <a:schemeClr val="phClr"/>
+          </a:solidFill>
+          <a:prstDash val="solid"/>
+        </a:ln>
+      </a:lnStyleLst>
+      <a:effectStyleLst>
+        <a:effectStyle>
+          <a:effectLst>
+            <a:outerShdw blurRad="40000" dist="20000" dir="5400000" rotWithShape="0">
+              <a:srgbClr val="000000">
+                <a:alpha val="38000"/>
+              </a:srgbClr>
+            </a:outerShdw>
+          </a:effectLst>
+        </a:effectStyle>
+        <a:effectStyle>
+          <a:effectLst>
+            <a:outerShdw blurRad="40000" dist="23000" dir="5400000" rotWithShape="0">
+              <a:srgbClr val="000000">
+                <a:alpha val="35000"/>
+              </a:srgbClr>
+            </a:outerShdw>
+          </a:effectLst>
+        </a:effectStyle>
+        <a:effectStyle>
+          <a:effectLst>
+            <a:outerShdw blurRad="40000" dist="23000" dir="5400000" rotWithShape="0">
+              <a:srgbClr val="000000">
+                <a:alpha val="35000"/>
+              </a:srgbClr>
+            </a:outerShdw>
+          </a:effectLst>
+          <a:scene3d>
+            <a:camera prst="orthographicFront">
+              <a:rot lat="0" lon="0" rev="0"/>
+            </a:camera>
+            <a:lightRig rig="threePt" dir="t">
+              <a:rot lat="0" lon="0" rev="1200000"/>
+            </a:lightRig>
+          </a:scene3d>
+          <a:sp3d>
+            <a:bevelT w="63500" h="25400"/>
+          </a:sp3d>
+        </a:effectStyle>
+      </a:effectStyleLst>
+      <a:bgFillStyleLst>
+        <a:solidFill>
+          <a:schemeClr val="phClr"/>
+        </a:solidFill>
+        <a:gradFill rotWithShape="1">
+          <a:gsLst>
+            <a:gs pos="0">
+              <a:schemeClr val="phClr">
+                <a:tint val="40000"/>
+                <a:satMod val="350000"/>
+              </a:schemeClr>
+            </a:gs>
+            <a:gs pos="40000">
+              <a:schemeClr val="phClr">
+                <a:tint val="45000"/>
+                <a:shade val="99000"/>
+                <a:satMod val="350000"/>
+              </a:schemeClr>
+            </a:gs>
+            <a:gs pos="100000">
+              <a:schemeClr val="phClr">
+                <a:shade val="20000"/>
+                <a:satMod val="255000"/>
+              </a:schemeClr>
+            </a:gs>
+          </a:gsLst>
+          <a:path path="circle">
+            <a:fillToRect l="50000" t="-80000" r="50000" b="180000"/>
+          </a:path>
+        </a:gradFill>
+        <a:gradFill rotWithShape="1">
+          <a:gsLst>
+            <a:gs pos="0">
+              <a:schemeClr val="phClr">
+                <a:tint val="80000"/>
+                <a:satMod val="300000"/>
+              </a:schemeClr>
+            </a:gs>
+            <a:gs pos="100000">
+              <a:schemeClr val="phClr">
+                <a:shade val="30000"/>
+                <a:satMod val="200000"/>
+              </a:schemeClr>
+            </a:gs>
+          </a:gsLst>
+          <a:path path="circle">
+            <a:fillToRect l="50000" t="50000" r="50000" b="50000"/>
+          </a:path>
+        </a:gradFill>
+      </a:bgFillStyleLst>
+    </a:fmtScheme>
+  </a:themeElements>
+</a:theme>
 </file>